--- a/rguhack2024.pptx
+++ b/rguhack2024.pptx
@@ -5,24 +5,21 @@
     <p:sldMasterId id="2147483670" r:id="rId4"/>
   </p:sldMasterIdLst>
   <p:notesMasterIdLst>
-    <p:notesMasterId r:id="rId17"/>
+    <p:notesMasterId r:id="rId14"/>
   </p:notesMasterIdLst>
   <p:handoutMasterIdLst>
-    <p:handoutMasterId r:id="rId18"/>
+    <p:handoutMasterId r:id="rId15"/>
   </p:handoutMasterIdLst>
   <p:sldIdLst>
     <p:sldId id="256" r:id="rId5"/>
     <p:sldId id="279" r:id="rId6"/>
     <p:sldId id="280" r:id="rId7"/>
     <p:sldId id="259" r:id="rId8"/>
-    <p:sldId id="260" r:id="rId9"/>
-    <p:sldId id="281" r:id="rId10"/>
-    <p:sldId id="263" r:id="rId11"/>
-    <p:sldId id="276" r:id="rId12"/>
-    <p:sldId id="265" r:id="rId13"/>
-    <p:sldId id="266" r:id="rId14"/>
-    <p:sldId id="270" r:id="rId15"/>
-    <p:sldId id="277" r:id="rId16"/>
+    <p:sldId id="281" r:id="rId9"/>
+    <p:sldId id="265" r:id="rId10"/>
+    <p:sldId id="266" r:id="rId11"/>
+    <p:sldId id="270" r:id="rId12"/>
+    <p:sldId id="277" r:id="rId13"/>
   </p:sldIdLst>
   <p:sldSz cx="12192000" cy="6858000"/>
   <p:notesSz cx="6858000" cy="9144000"/>
@@ -148,4335 +145,6 @@
 </p:presentation>
 </file>
 
-<file path=ppt/diagrams/colors1.xml><?xml version="1.0" encoding="utf-8"?>
-<dgm:colorsDef xmlns:dgm="http://schemas.openxmlformats.org/drawingml/2006/diagram" xmlns:a="http://schemas.openxmlformats.org/drawingml/2006/main" uniqueId="urn:microsoft.com/office/officeart/2005/8/colors/accent5_2">
-  <dgm:title val=""/>
-  <dgm:desc val=""/>
-  <dgm:catLst>
-    <dgm:cat type="accent5" pri="11200"/>
-  </dgm:catLst>
-  <dgm:styleLbl name="node0">
-    <dgm:fillClrLst meth="repeat">
-      <a:schemeClr val="accent5"/>
-    </dgm:fillClrLst>
-    <dgm:linClrLst meth="repeat">
-      <a:schemeClr val="lt1"/>
-    </dgm:linClrLst>
-    <dgm:effectClrLst/>
-    <dgm:txLinClrLst/>
-    <dgm:txFillClrLst/>
-    <dgm:txEffectClrLst/>
-  </dgm:styleLbl>
-  <dgm:styleLbl name="node1">
-    <dgm:fillClrLst meth="repeat">
-      <a:schemeClr val="accent5"/>
-    </dgm:fillClrLst>
-    <dgm:linClrLst meth="repeat">
-      <a:schemeClr val="lt1"/>
-    </dgm:linClrLst>
-    <dgm:effectClrLst/>
-    <dgm:txLinClrLst/>
-    <dgm:txFillClrLst/>
-    <dgm:txEffectClrLst/>
-  </dgm:styleLbl>
-  <dgm:styleLbl name="alignNode1">
-    <dgm:fillClrLst meth="repeat">
-      <a:schemeClr val="accent5"/>
-    </dgm:fillClrLst>
-    <dgm:linClrLst meth="repeat">
-      <a:schemeClr val="accent5"/>
-    </dgm:linClrLst>
-    <dgm:effectClrLst/>
-    <dgm:txLinClrLst/>
-    <dgm:txFillClrLst/>
-    <dgm:txEffectClrLst/>
-  </dgm:styleLbl>
-  <dgm:styleLbl name="lnNode1">
-    <dgm:fillClrLst meth="repeat">
-      <a:schemeClr val="accent5"/>
-    </dgm:fillClrLst>
-    <dgm:linClrLst meth="repeat">
-      <a:schemeClr val="lt1"/>
-    </dgm:linClrLst>
-    <dgm:effectClrLst/>
-    <dgm:txLinClrLst/>
-    <dgm:txFillClrLst/>
-    <dgm:txEffectClrLst/>
-  </dgm:styleLbl>
-  <dgm:styleLbl name="vennNode1">
-    <dgm:fillClrLst meth="repeat">
-      <a:schemeClr val="accent5">
-        <a:alpha val="50000"/>
-      </a:schemeClr>
-    </dgm:fillClrLst>
-    <dgm:linClrLst meth="repeat">
-      <a:schemeClr val="lt1"/>
-    </dgm:linClrLst>
-    <dgm:effectClrLst/>
-    <dgm:txLinClrLst/>
-    <dgm:txFillClrLst/>
-    <dgm:txEffectClrLst/>
-  </dgm:styleLbl>
-  <dgm:styleLbl name="node2">
-    <dgm:fillClrLst meth="repeat">
-      <a:schemeClr val="accent5"/>
-    </dgm:fillClrLst>
-    <dgm:linClrLst meth="repeat">
-      <a:schemeClr val="lt1"/>
-    </dgm:linClrLst>
-    <dgm:effectClrLst/>
-    <dgm:txLinClrLst/>
-    <dgm:txFillClrLst/>
-    <dgm:txEffectClrLst/>
-  </dgm:styleLbl>
-  <dgm:styleLbl name="node3">
-    <dgm:fillClrLst meth="repeat">
-      <a:schemeClr val="accent5"/>
-    </dgm:fillClrLst>
-    <dgm:linClrLst meth="repeat">
-      <a:schemeClr val="lt1"/>
-    </dgm:linClrLst>
-    <dgm:effectClrLst/>
-    <dgm:txLinClrLst/>
-    <dgm:txFillClrLst/>
-    <dgm:txEffectClrLst/>
-  </dgm:styleLbl>
-  <dgm:styleLbl name="node4">
-    <dgm:fillClrLst meth="repeat">
-      <a:schemeClr val="accent5"/>
-    </dgm:fillClrLst>
-    <dgm:linClrLst meth="repeat">
-      <a:schemeClr val="lt1"/>
-    </dgm:linClrLst>
-    <dgm:effectClrLst/>
-    <dgm:txLinClrLst/>
-    <dgm:txFillClrLst/>
-    <dgm:txEffectClrLst/>
-  </dgm:styleLbl>
-  <dgm:styleLbl name="fgImgPlace1">
-    <dgm:fillClrLst meth="repeat">
-      <a:schemeClr val="accent5">
-        <a:tint val="50000"/>
-      </a:schemeClr>
-    </dgm:fillClrLst>
-    <dgm:linClrLst meth="repeat">
-      <a:schemeClr val="lt1"/>
-    </dgm:linClrLst>
-    <dgm:effectClrLst/>
-    <dgm:txLinClrLst/>
-    <dgm:txFillClrLst meth="repeat">
-      <a:schemeClr val="lt1"/>
-    </dgm:txFillClrLst>
-    <dgm:txEffectClrLst/>
-  </dgm:styleLbl>
-  <dgm:styleLbl name="alignImgPlace1">
-    <dgm:fillClrLst meth="repeat">
-      <a:schemeClr val="accent5">
-        <a:tint val="50000"/>
-      </a:schemeClr>
-    </dgm:fillClrLst>
-    <dgm:linClrLst meth="repeat">
-      <a:schemeClr val="lt1"/>
-    </dgm:linClrLst>
-    <dgm:effectClrLst/>
-    <dgm:txLinClrLst/>
-    <dgm:txFillClrLst meth="repeat">
-      <a:schemeClr val="lt1"/>
-    </dgm:txFillClrLst>
-    <dgm:txEffectClrLst/>
-  </dgm:styleLbl>
-  <dgm:styleLbl name="bgImgPlace1">
-    <dgm:fillClrLst meth="repeat">
-      <a:schemeClr val="accent5">
-        <a:tint val="50000"/>
-      </a:schemeClr>
-    </dgm:fillClrLst>
-    <dgm:linClrLst meth="repeat">
-      <a:schemeClr val="lt1"/>
-    </dgm:linClrLst>
-    <dgm:effectClrLst/>
-    <dgm:txLinClrLst/>
-    <dgm:txFillClrLst meth="repeat">
-      <a:schemeClr val="lt1"/>
-    </dgm:txFillClrLst>
-    <dgm:txEffectClrLst/>
-  </dgm:styleLbl>
-  <dgm:styleLbl name="sibTrans2D1">
-    <dgm:fillClrLst meth="repeat">
-      <a:schemeClr val="accent5">
-        <a:tint val="60000"/>
-      </a:schemeClr>
-    </dgm:fillClrLst>
-    <dgm:linClrLst meth="repeat">
-      <a:schemeClr val="accent5">
-        <a:tint val="60000"/>
-      </a:schemeClr>
-    </dgm:linClrLst>
-    <dgm:effectClrLst/>
-    <dgm:txLinClrLst/>
-    <dgm:txFillClrLst/>
-    <dgm:txEffectClrLst/>
-  </dgm:styleLbl>
-  <dgm:styleLbl name="fgSibTrans2D1">
-    <dgm:fillClrLst meth="repeat">
-      <a:schemeClr val="accent5">
-        <a:tint val="60000"/>
-      </a:schemeClr>
-    </dgm:fillClrLst>
-    <dgm:linClrLst meth="repeat">
-      <a:schemeClr val="accent5">
-        <a:tint val="60000"/>
-      </a:schemeClr>
-    </dgm:linClrLst>
-    <dgm:effectClrLst/>
-    <dgm:txLinClrLst/>
-    <dgm:txFillClrLst/>
-    <dgm:txEffectClrLst/>
-  </dgm:styleLbl>
-  <dgm:styleLbl name="bgSibTrans2D1">
-    <dgm:fillClrLst meth="repeat">
-      <a:schemeClr val="accent5">
-        <a:tint val="60000"/>
-      </a:schemeClr>
-    </dgm:fillClrLst>
-    <dgm:linClrLst meth="repeat">
-      <a:schemeClr val="accent5">
-        <a:tint val="60000"/>
-      </a:schemeClr>
-    </dgm:linClrLst>
-    <dgm:effectClrLst/>
-    <dgm:txLinClrLst/>
-    <dgm:txFillClrLst/>
-    <dgm:txEffectClrLst/>
-  </dgm:styleLbl>
-  <dgm:styleLbl name="sibTrans1D1">
-    <dgm:fillClrLst meth="repeat">
-      <a:schemeClr val="accent5"/>
-    </dgm:fillClrLst>
-    <dgm:linClrLst meth="repeat">
-      <a:schemeClr val="accent5"/>
-    </dgm:linClrLst>
-    <dgm:effectClrLst/>
-    <dgm:txLinClrLst/>
-    <dgm:txFillClrLst meth="repeat">
-      <a:schemeClr val="tx1"/>
-    </dgm:txFillClrLst>
-    <dgm:txEffectClrLst/>
-  </dgm:styleLbl>
-  <dgm:styleLbl name="callout">
-    <dgm:fillClrLst meth="repeat">
-      <a:schemeClr val="accent5"/>
-    </dgm:fillClrLst>
-    <dgm:linClrLst meth="repeat">
-      <a:schemeClr val="accent5">
-        <a:tint val="50000"/>
-      </a:schemeClr>
-    </dgm:linClrLst>
-    <dgm:effectClrLst/>
-    <dgm:txLinClrLst/>
-    <dgm:txFillClrLst meth="repeat">
-      <a:schemeClr val="tx1"/>
-    </dgm:txFillClrLst>
-    <dgm:txEffectClrLst/>
-  </dgm:styleLbl>
-  <dgm:styleLbl name="asst0">
-    <dgm:fillClrLst meth="repeat">
-      <a:schemeClr val="accent5"/>
-    </dgm:fillClrLst>
-    <dgm:linClrLst meth="repeat">
-      <a:schemeClr val="lt1"/>
-    </dgm:linClrLst>
-    <dgm:effectClrLst/>
-    <dgm:txLinClrLst/>
-    <dgm:txFillClrLst/>
-    <dgm:txEffectClrLst/>
-  </dgm:styleLbl>
-  <dgm:styleLbl name="asst1">
-    <dgm:fillClrLst meth="repeat">
-      <a:schemeClr val="accent5"/>
-    </dgm:fillClrLst>
-    <dgm:linClrLst meth="repeat">
-      <a:schemeClr val="lt1"/>
-    </dgm:linClrLst>
-    <dgm:effectClrLst/>
-    <dgm:txLinClrLst/>
-    <dgm:txFillClrLst/>
-    <dgm:txEffectClrLst/>
-  </dgm:styleLbl>
-  <dgm:styleLbl name="asst2">
-    <dgm:fillClrLst meth="repeat">
-      <a:schemeClr val="accent5"/>
-    </dgm:fillClrLst>
-    <dgm:linClrLst meth="repeat">
-      <a:schemeClr val="lt1"/>
-    </dgm:linClrLst>
-    <dgm:effectClrLst/>
-    <dgm:txLinClrLst/>
-    <dgm:txFillClrLst/>
-    <dgm:txEffectClrLst/>
-  </dgm:styleLbl>
-  <dgm:styleLbl name="asst3">
-    <dgm:fillClrLst meth="repeat">
-      <a:schemeClr val="accent5"/>
-    </dgm:fillClrLst>
-    <dgm:linClrLst meth="repeat">
-      <a:schemeClr val="lt1"/>
-    </dgm:linClrLst>
-    <dgm:effectClrLst/>
-    <dgm:txLinClrLst/>
-    <dgm:txFillClrLst/>
-    <dgm:txEffectClrLst/>
-  </dgm:styleLbl>
-  <dgm:styleLbl name="asst4">
-    <dgm:fillClrLst meth="repeat">
-      <a:schemeClr val="accent5"/>
-    </dgm:fillClrLst>
-    <dgm:linClrLst meth="repeat">
-      <a:schemeClr val="lt1"/>
-    </dgm:linClrLst>
-    <dgm:effectClrLst/>
-    <dgm:txLinClrLst/>
-    <dgm:txFillClrLst/>
-    <dgm:txEffectClrLst/>
-  </dgm:styleLbl>
-  <dgm:styleLbl name="parChTrans2D1">
-    <dgm:fillClrLst meth="repeat">
-      <a:schemeClr val="accent5">
-        <a:tint val="60000"/>
-      </a:schemeClr>
-    </dgm:fillClrLst>
-    <dgm:linClrLst meth="repeat">
-      <a:schemeClr val="accent5">
-        <a:tint val="60000"/>
-      </a:schemeClr>
-    </dgm:linClrLst>
-    <dgm:effectClrLst/>
-    <dgm:txLinClrLst/>
-    <dgm:txFillClrLst meth="repeat">
-      <a:schemeClr val="lt1"/>
-    </dgm:txFillClrLst>
-    <dgm:txEffectClrLst/>
-  </dgm:styleLbl>
-  <dgm:styleLbl name="parChTrans2D2">
-    <dgm:fillClrLst meth="repeat">
-      <a:schemeClr val="accent5"/>
-    </dgm:fillClrLst>
-    <dgm:linClrLst meth="repeat">
-      <a:schemeClr val="accent5"/>
-    </dgm:linClrLst>
-    <dgm:effectClrLst/>
-    <dgm:txLinClrLst/>
-    <dgm:txFillClrLst meth="repeat">
-      <a:schemeClr val="lt1"/>
-    </dgm:txFillClrLst>
-    <dgm:txEffectClrLst/>
-  </dgm:styleLbl>
-  <dgm:styleLbl name="parChTrans2D3">
-    <dgm:fillClrLst meth="repeat">
-      <a:schemeClr val="accent5"/>
-    </dgm:fillClrLst>
-    <dgm:linClrLst meth="repeat">
-      <a:schemeClr val="accent5"/>
-    </dgm:linClrLst>
-    <dgm:effectClrLst/>
-    <dgm:txLinClrLst/>
-    <dgm:txFillClrLst meth="repeat">
-      <a:schemeClr val="lt1"/>
-    </dgm:txFillClrLst>
-    <dgm:txEffectClrLst/>
-  </dgm:styleLbl>
-  <dgm:styleLbl name="parChTrans2D4">
-    <dgm:fillClrLst meth="repeat">
-      <a:schemeClr val="accent5"/>
-    </dgm:fillClrLst>
-    <dgm:linClrLst meth="repeat">
-      <a:schemeClr val="accent5"/>
-    </dgm:linClrLst>
-    <dgm:effectClrLst/>
-    <dgm:txLinClrLst/>
-    <dgm:txFillClrLst meth="repeat">
-      <a:schemeClr val="lt1"/>
-    </dgm:txFillClrLst>
-    <dgm:txEffectClrLst/>
-  </dgm:styleLbl>
-  <dgm:styleLbl name="parChTrans1D1">
-    <dgm:fillClrLst meth="repeat">
-      <a:schemeClr val="accent5"/>
-    </dgm:fillClrLst>
-    <dgm:linClrLst meth="repeat">
-      <a:schemeClr val="accent5">
-        <a:shade val="60000"/>
-      </a:schemeClr>
-    </dgm:linClrLst>
-    <dgm:effectClrLst/>
-    <dgm:txLinClrLst/>
-    <dgm:txFillClrLst meth="repeat">
-      <a:schemeClr val="tx1"/>
-    </dgm:txFillClrLst>
-    <dgm:txEffectClrLst/>
-  </dgm:styleLbl>
-  <dgm:styleLbl name="parChTrans1D2">
-    <dgm:fillClrLst meth="repeat">
-      <a:schemeClr val="accent5"/>
-    </dgm:fillClrLst>
-    <dgm:linClrLst meth="repeat">
-      <a:schemeClr val="accent5">
-        <a:shade val="60000"/>
-      </a:schemeClr>
-    </dgm:linClrLst>
-    <dgm:effectClrLst/>
-    <dgm:txLinClrLst/>
-    <dgm:txFillClrLst meth="repeat">
-      <a:schemeClr val="tx1"/>
-    </dgm:txFillClrLst>
-    <dgm:txEffectClrLst/>
-  </dgm:styleLbl>
-  <dgm:styleLbl name="parChTrans1D3">
-    <dgm:fillClrLst meth="repeat">
-      <a:schemeClr val="accent5"/>
-    </dgm:fillClrLst>
-    <dgm:linClrLst meth="repeat">
-      <a:schemeClr val="accent5">
-        <a:shade val="80000"/>
-      </a:schemeClr>
-    </dgm:linClrLst>
-    <dgm:effectClrLst/>
-    <dgm:txLinClrLst/>
-    <dgm:txFillClrLst meth="repeat">
-      <a:schemeClr val="tx1"/>
-    </dgm:txFillClrLst>
-    <dgm:txEffectClrLst/>
-  </dgm:styleLbl>
-  <dgm:styleLbl name="parChTrans1D4">
-    <dgm:fillClrLst meth="repeat">
-      <a:schemeClr val="accent5"/>
-    </dgm:fillClrLst>
-    <dgm:linClrLst meth="repeat">
-      <a:schemeClr val="accent5">
-        <a:shade val="80000"/>
-      </a:schemeClr>
-    </dgm:linClrLst>
-    <dgm:effectClrLst/>
-    <dgm:txLinClrLst/>
-    <dgm:txFillClrLst meth="repeat">
-      <a:schemeClr val="tx1"/>
-    </dgm:txFillClrLst>
-    <dgm:txEffectClrLst/>
-  </dgm:styleLbl>
-  <dgm:styleLbl name="fgAcc1">
-    <dgm:fillClrLst meth="repeat">
-      <a:schemeClr val="lt1">
-        <a:alpha val="90000"/>
-      </a:schemeClr>
-    </dgm:fillClrLst>
-    <dgm:linClrLst meth="repeat">
-      <a:schemeClr val="accent5"/>
-    </dgm:linClrLst>
-    <dgm:effectClrLst/>
-    <dgm:txLinClrLst/>
-    <dgm:txFillClrLst meth="repeat">
-      <a:schemeClr val="dk1"/>
-    </dgm:txFillClrLst>
-    <dgm:txEffectClrLst/>
-  </dgm:styleLbl>
-  <dgm:styleLbl name="conFgAcc1">
-    <dgm:fillClrLst meth="repeat">
-      <a:schemeClr val="lt1">
-        <a:alpha val="90000"/>
-      </a:schemeClr>
-    </dgm:fillClrLst>
-    <dgm:linClrLst meth="repeat">
-      <a:schemeClr val="accent5"/>
-    </dgm:linClrLst>
-    <dgm:effectClrLst/>
-    <dgm:txLinClrLst/>
-    <dgm:txFillClrLst meth="repeat">
-      <a:schemeClr val="dk1"/>
-    </dgm:txFillClrLst>
-    <dgm:txEffectClrLst/>
-  </dgm:styleLbl>
-  <dgm:styleLbl name="alignAcc1">
-    <dgm:fillClrLst meth="repeat">
-      <a:schemeClr val="lt1">
-        <a:alpha val="90000"/>
-      </a:schemeClr>
-    </dgm:fillClrLst>
-    <dgm:linClrLst meth="repeat">
-      <a:schemeClr val="accent5"/>
-    </dgm:linClrLst>
-    <dgm:effectClrLst/>
-    <dgm:txLinClrLst/>
-    <dgm:txFillClrLst meth="repeat">
-      <a:schemeClr val="dk1"/>
-    </dgm:txFillClrLst>
-    <dgm:txEffectClrLst/>
-  </dgm:styleLbl>
-  <dgm:styleLbl name="trAlignAcc1">
-    <dgm:fillClrLst meth="repeat">
-      <a:schemeClr val="lt1">
-        <a:alpha val="40000"/>
-      </a:schemeClr>
-    </dgm:fillClrLst>
-    <dgm:linClrLst meth="repeat">
-      <a:schemeClr val="accent5"/>
-    </dgm:linClrLst>
-    <dgm:effectClrLst/>
-    <dgm:txLinClrLst/>
-    <dgm:txFillClrLst meth="repeat">
-      <a:schemeClr val="dk1"/>
-    </dgm:txFillClrLst>
-    <dgm:txEffectClrLst/>
-  </dgm:styleLbl>
-  <dgm:styleLbl name="bgAcc1">
-    <dgm:fillClrLst meth="repeat">
-      <a:schemeClr val="lt1">
-        <a:alpha val="90000"/>
-      </a:schemeClr>
-    </dgm:fillClrLst>
-    <dgm:linClrLst meth="repeat">
-      <a:schemeClr val="accent5"/>
-    </dgm:linClrLst>
-    <dgm:effectClrLst/>
-    <dgm:txLinClrLst/>
-    <dgm:txFillClrLst meth="repeat">
-      <a:schemeClr val="dk1"/>
-    </dgm:txFillClrLst>
-    <dgm:txEffectClrLst/>
-  </dgm:styleLbl>
-  <dgm:styleLbl name="solidFgAcc1">
-    <dgm:fillClrLst meth="repeat">
-      <a:schemeClr val="lt1"/>
-    </dgm:fillClrLst>
-    <dgm:linClrLst meth="repeat">
-      <a:schemeClr val="accent5"/>
-    </dgm:linClrLst>
-    <dgm:effectClrLst/>
-    <dgm:txLinClrLst/>
-    <dgm:txFillClrLst meth="repeat">
-      <a:schemeClr val="dk1"/>
-    </dgm:txFillClrLst>
-    <dgm:txEffectClrLst/>
-  </dgm:styleLbl>
-  <dgm:styleLbl name="solidAlignAcc1">
-    <dgm:fillClrLst meth="repeat">
-      <a:schemeClr val="lt1"/>
-    </dgm:fillClrLst>
-    <dgm:linClrLst meth="repeat">
-      <a:schemeClr val="accent5"/>
-    </dgm:linClrLst>
-    <dgm:effectClrLst/>
-    <dgm:txLinClrLst/>
-    <dgm:txFillClrLst meth="repeat">
-      <a:schemeClr val="dk1"/>
-    </dgm:txFillClrLst>
-    <dgm:txEffectClrLst/>
-  </dgm:styleLbl>
-  <dgm:styleLbl name="solidBgAcc1">
-    <dgm:fillClrLst meth="repeat">
-      <a:schemeClr val="lt1"/>
-    </dgm:fillClrLst>
-    <dgm:linClrLst meth="repeat">
-      <a:schemeClr val="accent5"/>
-    </dgm:linClrLst>
-    <dgm:effectClrLst/>
-    <dgm:txLinClrLst/>
-    <dgm:txFillClrLst meth="repeat">
-      <a:schemeClr val="dk1"/>
-    </dgm:txFillClrLst>
-    <dgm:txEffectClrLst/>
-  </dgm:styleLbl>
-  <dgm:styleLbl name="fgAccFollowNode1">
-    <dgm:fillClrLst meth="repeat">
-      <a:schemeClr val="accent5">
-        <a:alpha val="90000"/>
-        <a:tint val="40000"/>
-      </a:schemeClr>
-    </dgm:fillClrLst>
-    <dgm:linClrLst meth="repeat">
-      <a:schemeClr val="accent5">
-        <a:alpha val="90000"/>
-        <a:tint val="40000"/>
-      </a:schemeClr>
-    </dgm:linClrLst>
-    <dgm:effectClrLst/>
-    <dgm:txLinClrLst/>
-    <dgm:txFillClrLst meth="repeat">
-      <a:schemeClr val="dk1"/>
-    </dgm:txFillClrLst>
-    <dgm:txEffectClrLst/>
-  </dgm:styleLbl>
-  <dgm:styleLbl name="alignAccFollowNode1">
-    <dgm:fillClrLst meth="repeat">
-      <a:schemeClr val="accent5">
-        <a:alpha val="90000"/>
-        <a:tint val="40000"/>
-      </a:schemeClr>
-    </dgm:fillClrLst>
-    <dgm:linClrLst meth="repeat">
-      <a:schemeClr val="accent5">
-        <a:alpha val="90000"/>
-        <a:tint val="40000"/>
-      </a:schemeClr>
-    </dgm:linClrLst>
-    <dgm:effectClrLst/>
-    <dgm:txLinClrLst/>
-    <dgm:txFillClrLst meth="repeat">
-      <a:schemeClr val="dk1"/>
-    </dgm:txFillClrLst>
-    <dgm:txEffectClrLst/>
-  </dgm:styleLbl>
-  <dgm:styleLbl name="bgAccFollowNode1">
-    <dgm:fillClrLst meth="repeat">
-      <a:schemeClr val="accent5">
-        <a:alpha val="90000"/>
-        <a:tint val="40000"/>
-      </a:schemeClr>
-    </dgm:fillClrLst>
-    <dgm:linClrLst meth="repeat">
-      <a:schemeClr val="accent5">
-        <a:alpha val="90000"/>
-        <a:tint val="40000"/>
-      </a:schemeClr>
-    </dgm:linClrLst>
-    <dgm:effectClrLst/>
-    <dgm:txLinClrLst/>
-    <dgm:txFillClrLst meth="repeat">
-      <a:schemeClr val="dk1"/>
-    </dgm:txFillClrLst>
-    <dgm:txEffectClrLst/>
-  </dgm:styleLbl>
-  <dgm:styleLbl name="fgAcc0">
-    <dgm:fillClrLst meth="repeat">
-      <a:schemeClr val="lt1">
-        <a:alpha val="90000"/>
-      </a:schemeClr>
-    </dgm:fillClrLst>
-    <dgm:linClrLst meth="repeat">
-      <a:schemeClr val="accent5"/>
-    </dgm:linClrLst>
-    <dgm:effectClrLst/>
-    <dgm:txLinClrLst/>
-    <dgm:txFillClrLst meth="repeat">
-      <a:schemeClr val="dk1"/>
-    </dgm:txFillClrLst>
-    <dgm:txEffectClrLst/>
-  </dgm:styleLbl>
-  <dgm:styleLbl name="fgAcc2">
-    <dgm:fillClrLst meth="repeat">
-      <a:schemeClr val="lt1">
-        <a:alpha val="90000"/>
-      </a:schemeClr>
-    </dgm:fillClrLst>
-    <dgm:linClrLst meth="repeat">
-      <a:schemeClr val="accent5"/>
-    </dgm:linClrLst>
-    <dgm:effectClrLst/>
-    <dgm:txLinClrLst/>
-    <dgm:txFillClrLst meth="repeat">
-      <a:schemeClr val="dk1"/>
-    </dgm:txFillClrLst>
-    <dgm:txEffectClrLst/>
-  </dgm:styleLbl>
-  <dgm:styleLbl name="fgAcc3">
-    <dgm:fillClrLst meth="repeat">
-      <a:schemeClr val="lt1">
-        <a:alpha val="90000"/>
-      </a:schemeClr>
-    </dgm:fillClrLst>
-    <dgm:linClrLst meth="repeat">
-      <a:schemeClr val="accent5"/>
-    </dgm:linClrLst>
-    <dgm:effectClrLst/>
-    <dgm:txLinClrLst/>
-    <dgm:txFillClrLst meth="repeat">
-      <a:schemeClr val="dk1"/>
-    </dgm:txFillClrLst>
-    <dgm:txEffectClrLst/>
-  </dgm:styleLbl>
-  <dgm:styleLbl name="fgAcc4">
-    <dgm:fillClrLst meth="repeat">
-      <a:schemeClr val="lt1">
-        <a:alpha val="90000"/>
-      </a:schemeClr>
-    </dgm:fillClrLst>
-    <dgm:linClrLst meth="repeat">
-      <a:schemeClr val="accent5"/>
-    </dgm:linClrLst>
-    <dgm:effectClrLst/>
-    <dgm:txLinClrLst/>
-    <dgm:txFillClrLst meth="repeat">
-      <a:schemeClr val="dk1"/>
-    </dgm:txFillClrLst>
-    <dgm:txEffectClrLst/>
-  </dgm:styleLbl>
-  <dgm:styleLbl name="bgShp">
-    <dgm:fillClrLst meth="repeat">
-      <a:schemeClr val="accent5">
-        <a:tint val="40000"/>
-      </a:schemeClr>
-    </dgm:fillClrLst>
-    <dgm:linClrLst meth="repeat">
-      <a:schemeClr val="accent5"/>
-    </dgm:linClrLst>
-    <dgm:effectClrLst/>
-    <dgm:txLinClrLst/>
-    <dgm:txFillClrLst meth="repeat">
-      <a:schemeClr val="dk1"/>
-    </dgm:txFillClrLst>
-    <dgm:txEffectClrLst/>
-  </dgm:styleLbl>
-  <dgm:styleLbl name="dkBgShp">
-    <dgm:fillClrLst meth="repeat">
-      <a:schemeClr val="accent5">
-        <a:shade val="80000"/>
-      </a:schemeClr>
-    </dgm:fillClrLst>
-    <dgm:linClrLst meth="repeat">
-      <a:schemeClr val="accent5"/>
-    </dgm:linClrLst>
-    <dgm:effectClrLst/>
-    <dgm:txLinClrLst/>
-    <dgm:txFillClrLst meth="repeat">
-      <a:schemeClr val="lt1"/>
-    </dgm:txFillClrLst>
-    <dgm:txEffectClrLst/>
-  </dgm:styleLbl>
-  <dgm:styleLbl name="trBgShp">
-    <dgm:fillClrLst meth="repeat">
-      <a:schemeClr val="accent5">
-        <a:tint val="50000"/>
-        <a:alpha val="40000"/>
-      </a:schemeClr>
-    </dgm:fillClrLst>
-    <dgm:linClrLst meth="repeat">
-      <a:schemeClr val="accent5"/>
-    </dgm:linClrLst>
-    <dgm:effectClrLst/>
-    <dgm:txLinClrLst/>
-    <dgm:txFillClrLst meth="repeat">
-      <a:schemeClr val="lt1"/>
-    </dgm:txFillClrLst>
-    <dgm:txEffectClrLst/>
-  </dgm:styleLbl>
-  <dgm:styleLbl name="fgShp">
-    <dgm:fillClrLst meth="repeat">
-      <a:schemeClr val="accent5">
-        <a:tint val="60000"/>
-      </a:schemeClr>
-    </dgm:fillClrLst>
-    <dgm:linClrLst meth="repeat">
-      <a:schemeClr val="lt1"/>
-    </dgm:linClrLst>
-    <dgm:effectClrLst/>
-    <dgm:txLinClrLst/>
-    <dgm:txFillClrLst meth="repeat">
-      <a:schemeClr val="dk1"/>
-    </dgm:txFillClrLst>
-    <dgm:txEffectClrLst/>
-  </dgm:styleLbl>
-  <dgm:styleLbl name="revTx">
-    <dgm:fillClrLst meth="repeat">
-      <a:schemeClr val="lt1">
-        <a:alpha val="0"/>
-      </a:schemeClr>
-    </dgm:fillClrLst>
-    <dgm:linClrLst meth="repeat">
-      <a:schemeClr val="dk1">
-        <a:alpha val="0"/>
-      </a:schemeClr>
-    </dgm:linClrLst>
-    <dgm:effectClrLst/>
-    <dgm:txLinClrLst/>
-    <dgm:txFillClrLst meth="repeat">
-      <a:schemeClr val="tx1"/>
-    </dgm:txFillClrLst>
-    <dgm:txEffectClrLst/>
-  </dgm:styleLbl>
-</dgm:colorsDef>
-</file>
-
-<file path=ppt/diagrams/data1.xml><?xml version="1.0" encoding="utf-8"?>
-<dgm:dataModel xmlns:dgm="http://schemas.openxmlformats.org/drawingml/2006/diagram" xmlns:a="http://schemas.openxmlformats.org/drawingml/2006/main">
-  <dgm:ptLst>
-    <dgm:pt modelId="{E604873E-34D9-4011-B823-45C4AD2A9FC6}" type="doc">
-      <dgm:prSet loTypeId="urn:microsoft.com/office/officeart/2017/3/layout/HorizontalPathTimeline" loCatId="other" qsTypeId="urn:microsoft.com/office/officeart/2005/8/quickstyle/simple1" qsCatId="simple" csTypeId="urn:microsoft.com/office/officeart/2005/8/colors/accent5_2" csCatId="accent5" phldr="1"/>
-      <dgm:spPr/>
-      <dgm:t>
-        <a:bodyPr/>
-        <a:lstStyle/>
-        <a:p>
-          <a:endParaRPr lang="en-US"/>
-        </a:p>
-      </dgm:t>
-    </dgm:pt>
-    <dgm:pt modelId="{D0C06EB0-D7EF-45E3-95AD-C3986984C27E}">
-      <dgm:prSet phldrT="[Text]" phldr="0"/>
-      <dgm:spPr/>
-      <dgm:t>
-        <a:bodyPr/>
-        <a:lstStyle/>
-        <a:p>
-          <a:pPr>
-            <a:defRPr b="1"/>
-          </a:pPr>
-          <a:r>
-            <a:rPr lang="en-US" dirty="0"/>
-            <a:t>Title</a:t>
-          </a:r>
-        </a:p>
-      </dgm:t>
-    </dgm:pt>
-    <dgm:pt modelId="{0BB155BD-DA20-44C2-8CB4-CB3D3770A527}" type="parTrans" cxnId="{97993EA3-CE7B-4009-B7CE-BFB111FBE521}">
-      <dgm:prSet/>
-      <dgm:spPr/>
-      <dgm:t>
-        <a:bodyPr/>
-        <a:lstStyle/>
-        <a:p>
-          <a:endParaRPr lang="en-US"/>
-        </a:p>
-      </dgm:t>
-    </dgm:pt>
-    <dgm:pt modelId="{6F918279-79F1-4A08-BB84-2DE055676D74}" type="sibTrans" cxnId="{97993EA3-CE7B-4009-B7CE-BFB111FBE521}">
-      <dgm:prSet/>
-      <dgm:spPr/>
-      <dgm:t>
-        <a:bodyPr/>
-        <a:lstStyle/>
-        <a:p>
-          <a:endParaRPr lang="en-US"/>
-        </a:p>
-      </dgm:t>
-    </dgm:pt>
-    <dgm:pt modelId="{4E599684-CBE7-4BF6-B041-7B59A5AE3CF2}">
-      <dgm:prSet phldrT="[Text]" custT="1"/>
-      <dgm:spPr/>
-      <dgm:t>
-        <a:bodyPr/>
-        <a:lstStyle/>
-        <a:p>
-          <a:r>
-            <a:rPr lang="en-US" sz="1200" b="0" i="0" u="none" dirty="0"/>
-            <a:t>To start a presentation, go to the Slide Show tab, and select From Beginning</a:t>
-          </a:r>
-          <a:endParaRPr lang="en-US" sz="1200" dirty="0"/>
-        </a:p>
-      </dgm:t>
-    </dgm:pt>
-    <dgm:pt modelId="{A8AAC60B-A805-4BF6-9EA5-E87AC2902868}" type="parTrans" cxnId="{841D665D-B707-471F-BD09-964D3951145A}">
-      <dgm:prSet/>
-      <dgm:spPr/>
-      <dgm:t>
-        <a:bodyPr/>
-        <a:lstStyle/>
-        <a:p>
-          <a:endParaRPr lang="en-US"/>
-        </a:p>
-      </dgm:t>
-    </dgm:pt>
-    <dgm:pt modelId="{BF909935-A6E2-4FB3-A57D-3F1AE3109B2D}" type="sibTrans" cxnId="{841D665D-B707-471F-BD09-964D3951145A}">
-      <dgm:prSet/>
-      <dgm:spPr/>
-      <dgm:t>
-        <a:bodyPr/>
-        <a:lstStyle/>
-        <a:p>
-          <a:endParaRPr lang="en-US"/>
-        </a:p>
-      </dgm:t>
-    </dgm:pt>
-    <dgm:pt modelId="{4B3BEF5E-080D-4FEE-B522-70B46FFD0660}">
-      <dgm:prSet phldrT="[Text]" phldr="0"/>
-      <dgm:spPr/>
-      <dgm:t>
-        <a:bodyPr/>
-        <a:lstStyle/>
-        <a:p>
-          <a:pPr>
-            <a:defRPr b="1"/>
-          </a:pPr>
-          <a:r>
-            <a:rPr lang="en-US" dirty="0"/>
-            <a:t>Title</a:t>
-          </a:r>
-        </a:p>
-      </dgm:t>
-    </dgm:pt>
-    <dgm:pt modelId="{06017295-6984-41E0-8693-8EB293EF8566}" type="parTrans" cxnId="{9A613993-1976-4C90-B719-959774EC46C8}">
-      <dgm:prSet/>
-      <dgm:spPr/>
-      <dgm:t>
-        <a:bodyPr/>
-        <a:lstStyle/>
-        <a:p>
-          <a:endParaRPr lang="en-US"/>
-        </a:p>
-      </dgm:t>
-    </dgm:pt>
-    <dgm:pt modelId="{39F905D4-BCDD-42A3-91CF-0746D3124C5E}" type="sibTrans" cxnId="{9A613993-1976-4C90-B719-959774EC46C8}">
-      <dgm:prSet/>
-      <dgm:spPr/>
-      <dgm:t>
-        <a:bodyPr/>
-        <a:lstStyle/>
-        <a:p>
-          <a:endParaRPr lang="en-US"/>
-        </a:p>
-      </dgm:t>
-    </dgm:pt>
-    <dgm:pt modelId="{DB8AF9DD-B1C3-4C20-BD21-C6C7FF671A92}">
-      <dgm:prSet phldrT="[Text]" custT="1"/>
-      <dgm:spPr/>
-      <dgm:t>
-        <a:bodyPr/>
-        <a:lstStyle/>
-        <a:p>
-          <a:r>
-            <a:rPr lang="en-US" sz="1200" b="0" i="0" u="none" dirty="0"/>
-            <a:t>To display Presenter view, in Slide Show view, on the control bar at the bottom left select the three dots, and then Show Presenter View</a:t>
-          </a:r>
-          <a:endParaRPr lang="en-US" sz="1200" dirty="0"/>
-        </a:p>
-      </dgm:t>
-    </dgm:pt>
-    <dgm:pt modelId="{DF70DEA5-E7DD-4AA9-B1CC-992432C16744}" type="parTrans" cxnId="{D6373D48-D8B0-4539-A4A4-81DB907C07C1}">
-      <dgm:prSet/>
-      <dgm:spPr/>
-      <dgm:t>
-        <a:bodyPr/>
-        <a:lstStyle/>
-        <a:p>
-          <a:endParaRPr lang="en-US"/>
-        </a:p>
-      </dgm:t>
-    </dgm:pt>
-    <dgm:pt modelId="{428A9B80-64FA-44ED-87FF-F7A0D539842F}" type="sibTrans" cxnId="{D6373D48-D8B0-4539-A4A4-81DB907C07C1}">
-      <dgm:prSet/>
-      <dgm:spPr/>
-      <dgm:t>
-        <a:bodyPr/>
-        <a:lstStyle/>
-        <a:p>
-          <a:endParaRPr lang="en-US"/>
-        </a:p>
-      </dgm:t>
-    </dgm:pt>
-    <dgm:pt modelId="{406B4493-A90D-40A8-B02D-BA06CB04BF3C}">
-      <dgm:prSet phldrT="[Text]" phldr="0"/>
-      <dgm:spPr/>
-      <dgm:t>
-        <a:bodyPr/>
-        <a:lstStyle/>
-        <a:p>
-          <a:pPr>
-            <a:defRPr b="1"/>
-          </a:pPr>
-          <a:r>
-            <a:rPr lang="en-US" dirty="0"/>
-            <a:t>Title</a:t>
-          </a:r>
-        </a:p>
-      </dgm:t>
-    </dgm:pt>
-    <dgm:pt modelId="{2E2A0F75-F224-4A80-ACB5-1C4956E37E23}" type="parTrans" cxnId="{F712E336-0730-4454-AAED-A8EC704ECFC8}">
-      <dgm:prSet/>
-      <dgm:spPr/>
-      <dgm:t>
-        <a:bodyPr/>
-        <a:lstStyle/>
-        <a:p>
-          <a:endParaRPr lang="en-US"/>
-        </a:p>
-      </dgm:t>
-    </dgm:pt>
-    <dgm:pt modelId="{B6B5896F-38E7-450F-A826-9964A8F0DE0E}" type="sibTrans" cxnId="{F712E336-0730-4454-AAED-A8EC704ECFC8}">
-      <dgm:prSet/>
-      <dgm:spPr/>
-      <dgm:t>
-        <a:bodyPr/>
-        <a:lstStyle/>
-        <a:p>
-          <a:endParaRPr lang="en-US"/>
-        </a:p>
-      </dgm:t>
-    </dgm:pt>
-    <dgm:pt modelId="{20D34FCC-0F35-496C-B2E7-3FBCA3E29C37}">
-      <dgm:prSet phldrT="[Text]" custT="1"/>
-      <dgm:spPr/>
-      <dgm:t>
-        <a:bodyPr/>
-        <a:lstStyle/>
-        <a:p>
-          <a:r>
-            <a:rPr lang="en-US" sz="1200" b="0" i="0" u="none" dirty="0"/>
-            <a:t>During your presentation, the speaker notes are visible on your monitor, but aren't visible to the audience. </a:t>
-          </a:r>
-          <a:endParaRPr lang="en-US" sz="1200" dirty="0"/>
-        </a:p>
-      </dgm:t>
-    </dgm:pt>
-    <dgm:pt modelId="{CE74B72C-B89D-46FE-831F-2D7619996546}" type="parTrans" cxnId="{8F51CEF3-D7F7-4496-8E39-A74D3407581F}">
-      <dgm:prSet/>
-      <dgm:spPr/>
-      <dgm:t>
-        <a:bodyPr/>
-        <a:lstStyle/>
-        <a:p>
-          <a:endParaRPr lang="en-US"/>
-        </a:p>
-      </dgm:t>
-    </dgm:pt>
-    <dgm:pt modelId="{927D4900-D936-4E0F-AEA8-71096C4E0FED}" type="sibTrans" cxnId="{8F51CEF3-D7F7-4496-8E39-A74D3407581F}">
-      <dgm:prSet/>
-      <dgm:spPr/>
-      <dgm:t>
-        <a:bodyPr/>
-        <a:lstStyle/>
-        <a:p>
-          <a:endParaRPr lang="en-US"/>
-        </a:p>
-      </dgm:t>
-    </dgm:pt>
-    <dgm:pt modelId="{71A30621-5A5F-43B0-84EC-C33507890165}">
-      <dgm:prSet phldrT="[Text]" phldr="0"/>
-      <dgm:spPr/>
-      <dgm:t>
-        <a:bodyPr/>
-        <a:lstStyle/>
-        <a:p>
-          <a:pPr>
-            <a:defRPr b="1"/>
-          </a:pPr>
-          <a:r>
-            <a:rPr lang="en-US" dirty="0"/>
-            <a:t>Title</a:t>
-          </a:r>
-        </a:p>
-      </dgm:t>
-    </dgm:pt>
-    <dgm:pt modelId="{F93F53F9-4EA9-4B69-AEBB-EC08A304AE3E}" type="parTrans" cxnId="{1802D984-EB76-4C48-AC3B-94BA8DFE0C3F}">
-      <dgm:prSet/>
-      <dgm:spPr/>
-      <dgm:t>
-        <a:bodyPr/>
-        <a:lstStyle/>
-        <a:p>
-          <a:endParaRPr lang="en-US"/>
-        </a:p>
-      </dgm:t>
-    </dgm:pt>
-    <dgm:pt modelId="{BC9647A5-897E-4509-8E60-0A1FA7E561EE}" type="sibTrans" cxnId="{1802D984-EB76-4C48-AC3B-94BA8DFE0C3F}">
-      <dgm:prSet/>
-      <dgm:spPr/>
-      <dgm:t>
-        <a:bodyPr/>
-        <a:lstStyle/>
-        <a:p>
-          <a:endParaRPr lang="en-US"/>
-        </a:p>
-      </dgm:t>
-    </dgm:pt>
-    <dgm:pt modelId="{09823A41-36EE-4ED8-8E4C-1FC3E9B9DA38}">
-      <dgm:prSet phldrT="[Text]" phldr="0" custT="1"/>
-      <dgm:spPr/>
-      <dgm:t>
-        <a:bodyPr/>
-        <a:lstStyle/>
-        <a:p>
-          <a:r>
-            <a:rPr lang="en-US" sz="1200" b="0" i="0" u="none" dirty="0"/>
-            <a:t>The Notes pane is a box that appears below each slide. Tap it to add notes. </a:t>
-          </a:r>
-          <a:endParaRPr lang="en-US" sz="1200" dirty="0"/>
-        </a:p>
-      </dgm:t>
-    </dgm:pt>
-    <dgm:pt modelId="{F244D039-067D-4FE3-9A79-1977435DEDCA}" type="parTrans" cxnId="{4123380D-BF06-47D5-BB37-27F94B9CD2B5}">
-      <dgm:prSet/>
-      <dgm:spPr/>
-      <dgm:t>
-        <a:bodyPr/>
-        <a:lstStyle/>
-        <a:p>
-          <a:endParaRPr lang="en-US"/>
-        </a:p>
-      </dgm:t>
-    </dgm:pt>
-    <dgm:pt modelId="{8919468E-A735-45AD-9C8C-4DD1ED80DA14}" type="sibTrans" cxnId="{4123380D-BF06-47D5-BB37-27F94B9CD2B5}">
-      <dgm:prSet/>
-      <dgm:spPr/>
-      <dgm:t>
-        <a:bodyPr/>
-        <a:lstStyle/>
-        <a:p>
-          <a:endParaRPr lang="en-US"/>
-        </a:p>
-      </dgm:t>
-    </dgm:pt>
-    <dgm:pt modelId="{4971AC50-A88E-4E33-87F8-FCEAC805564B}">
-      <dgm:prSet phldrT="[Text]" phldr="0"/>
-      <dgm:spPr/>
-      <dgm:t>
-        <a:bodyPr/>
-        <a:lstStyle/>
-        <a:p>
-          <a:pPr>
-            <a:defRPr b="1"/>
-          </a:pPr>
-          <a:r>
-            <a:rPr lang="en-US" dirty="0"/>
-            <a:t>Title</a:t>
-          </a:r>
-        </a:p>
-      </dgm:t>
-    </dgm:pt>
-    <dgm:pt modelId="{C9196550-5E95-4357-8451-1D9A3E9B9887}" type="parTrans" cxnId="{D3F6A62A-6459-4BFC-82C1-B194A64DAEF0}">
-      <dgm:prSet/>
-      <dgm:spPr/>
-      <dgm:t>
-        <a:bodyPr/>
-        <a:lstStyle/>
-        <a:p>
-          <a:endParaRPr lang="en-US"/>
-        </a:p>
-      </dgm:t>
-    </dgm:pt>
-    <dgm:pt modelId="{5851B56B-AA5B-4350-B325-A26109F66599}" type="sibTrans" cxnId="{D3F6A62A-6459-4BFC-82C1-B194A64DAEF0}">
-      <dgm:prSet/>
-      <dgm:spPr/>
-      <dgm:t>
-        <a:bodyPr/>
-        <a:lstStyle/>
-        <a:p>
-          <a:endParaRPr lang="en-US"/>
-        </a:p>
-      </dgm:t>
-    </dgm:pt>
-    <dgm:pt modelId="{B70A8EE9-B04A-475F-A55E-C7EC9716492A}">
-      <dgm:prSet custT="1"/>
-      <dgm:spPr/>
-      <dgm:t>
-        <a:bodyPr/>
-        <a:lstStyle/>
-        <a:p>
-          <a:r>
-            <a:rPr lang="en-US" sz="1200" b="0" i="0" u="none" dirty="0"/>
-            <a:t>If you don’t see the Notes pane or it is completely minimized, click Notes on the task bar across the bottom of the PowerPoint window. </a:t>
-          </a:r>
-          <a:endParaRPr lang="en-US" sz="1200" dirty="0"/>
-        </a:p>
-      </dgm:t>
-    </dgm:pt>
-    <dgm:pt modelId="{827B8979-53B0-4D04-AFD4-E95ECE158F29}" type="parTrans" cxnId="{974143E5-F97B-46EC-BF8B-1BE68E1266DC}">
-      <dgm:prSet/>
-      <dgm:spPr/>
-      <dgm:t>
-        <a:bodyPr/>
-        <a:lstStyle/>
-        <a:p>
-          <a:endParaRPr lang="en-US"/>
-        </a:p>
-      </dgm:t>
-    </dgm:pt>
-    <dgm:pt modelId="{EF80220B-B1BA-4812-A85D-99163E525C87}" type="sibTrans" cxnId="{974143E5-F97B-46EC-BF8B-1BE68E1266DC}">
-      <dgm:prSet/>
-      <dgm:spPr/>
-      <dgm:t>
-        <a:bodyPr/>
-        <a:lstStyle/>
-        <a:p>
-          <a:endParaRPr lang="en-US"/>
-        </a:p>
-      </dgm:t>
-    </dgm:pt>
-    <dgm:pt modelId="{932CA750-36C5-4FBB-923A-29DF7B5A91E5}" type="pres">
-      <dgm:prSet presAssocID="{E604873E-34D9-4011-B823-45C4AD2A9FC6}" presName="root" presStyleCnt="0">
-        <dgm:presLayoutVars>
-          <dgm:chMax/>
-          <dgm:chPref/>
-          <dgm:animLvl val="lvl"/>
-        </dgm:presLayoutVars>
-      </dgm:prSet>
-      <dgm:spPr/>
-    </dgm:pt>
-    <dgm:pt modelId="{C5D1BC48-B762-488E-BF7E-9CDA82DFACEE}" type="pres">
-      <dgm:prSet presAssocID="{E604873E-34D9-4011-B823-45C4AD2A9FC6}" presName="divider" presStyleLbl="node1" presStyleIdx="0" presStyleCnt="1"/>
-      <dgm:spPr>
-        <a:solidFill>
-          <a:schemeClr val="accent1"/>
-        </a:solidFill>
-      </dgm:spPr>
-    </dgm:pt>
-    <dgm:pt modelId="{03618986-EF2F-440D-8403-283058C2987B}" type="pres">
-      <dgm:prSet presAssocID="{E604873E-34D9-4011-B823-45C4AD2A9FC6}" presName="nodes" presStyleCnt="0">
-        <dgm:presLayoutVars>
-          <dgm:chMax/>
-          <dgm:chPref/>
-          <dgm:animLvl val="lvl"/>
-        </dgm:presLayoutVars>
-      </dgm:prSet>
-      <dgm:spPr/>
-    </dgm:pt>
-    <dgm:pt modelId="{3B7C76B3-9A15-41E9-ABC3-698AB66EEDEB}" type="pres">
-      <dgm:prSet presAssocID="{D0C06EB0-D7EF-45E3-95AD-C3986984C27E}" presName="composite" presStyleCnt="0"/>
-      <dgm:spPr/>
-    </dgm:pt>
-    <dgm:pt modelId="{0A2DB98E-12CB-44AC-A271-FA81A963AC9D}" type="pres">
-      <dgm:prSet presAssocID="{D0C06EB0-D7EF-45E3-95AD-C3986984C27E}" presName="L1TextContainer" presStyleLbl="revTx" presStyleIdx="0" presStyleCnt="5">
-        <dgm:presLayoutVars>
-          <dgm:chMax val="1"/>
-          <dgm:chPref val="1"/>
-          <dgm:bulletEnabled val="1"/>
-        </dgm:presLayoutVars>
-      </dgm:prSet>
-      <dgm:spPr/>
-    </dgm:pt>
-    <dgm:pt modelId="{27709FD2-3216-4BCF-9F74-FD4CEFA3A9ED}" type="pres">
-      <dgm:prSet presAssocID="{D0C06EB0-D7EF-45E3-95AD-C3986984C27E}" presName="L2TextContainerWrapper" presStyleCnt="0">
-        <dgm:presLayoutVars>
-          <dgm:chMax val="0"/>
-          <dgm:chPref val="0"/>
-          <dgm:bulletEnabled val="1"/>
-        </dgm:presLayoutVars>
-      </dgm:prSet>
-      <dgm:spPr/>
-    </dgm:pt>
-    <dgm:pt modelId="{CD7A980D-5441-4C5A-B155-C2A021C3D0DD}" type="pres">
-      <dgm:prSet presAssocID="{D0C06EB0-D7EF-45E3-95AD-C3986984C27E}" presName="L2TextContainer" presStyleLbl="bgAccFollowNode1" presStyleIdx="0" presStyleCnt="5"/>
-      <dgm:spPr/>
-    </dgm:pt>
-    <dgm:pt modelId="{EC43CE52-5C8B-407E-A382-D1268E523743}" type="pres">
-      <dgm:prSet presAssocID="{D0C06EB0-D7EF-45E3-95AD-C3986984C27E}" presName="FlexibleEmptyPlaceHolder" presStyleCnt="0"/>
-      <dgm:spPr/>
-    </dgm:pt>
-    <dgm:pt modelId="{87C15291-AEBC-4F1E-BB11-F23971968E4A}" type="pres">
-      <dgm:prSet presAssocID="{D0C06EB0-D7EF-45E3-95AD-C3986984C27E}" presName="ConnectLine" presStyleLbl="alignNode1" presStyleIdx="0" presStyleCnt="5"/>
-      <dgm:spPr>
-        <a:solidFill>
-          <a:schemeClr val="accent5">
-            <a:hueOff val="0"/>
-            <a:satOff val="0"/>
-            <a:lumOff val="0"/>
-            <a:alphaOff val="0"/>
-          </a:schemeClr>
-        </a:solidFill>
-        <a:ln w="6350" cap="flat" cmpd="sng" algn="ctr">
-          <a:solidFill>
-            <a:schemeClr val="accent5">
-              <a:hueOff val="0"/>
-              <a:satOff val="0"/>
-              <a:lumOff val="0"/>
-              <a:alphaOff val="0"/>
-            </a:schemeClr>
-          </a:solidFill>
-          <a:prstDash val="dash"/>
-          <a:miter lim="800000"/>
-        </a:ln>
-        <a:effectLst/>
-      </dgm:spPr>
-    </dgm:pt>
-    <dgm:pt modelId="{4E6C086A-07A1-49AA-A5A9-2A0B949C7E99}" type="pres">
-      <dgm:prSet presAssocID="{D0C06EB0-D7EF-45E3-95AD-C3986984C27E}" presName="ConnectorPoint" presStyleLbl="fgAcc1" presStyleIdx="0" presStyleCnt="5"/>
-      <dgm:spPr>
-        <a:solidFill>
-          <a:schemeClr val="lt1">
-            <a:alpha val="90000"/>
-            <a:hueOff val="0"/>
-            <a:satOff val="0"/>
-            <a:lumOff val="0"/>
-            <a:alphaOff val="0"/>
-          </a:schemeClr>
-        </a:solidFill>
-        <a:ln w="12700" cap="flat" cmpd="sng" algn="ctr">
-          <a:noFill/>
-          <a:prstDash val="solid"/>
-          <a:miter lim="800000"/>
-        </a:ln>
-        <a:effectLst/>
-      </dgm:spPr>
-    </dgm:pt>
-    <dgm:pt modelId="{CCF0635D-7E1B-4FF0-B23E-6E3FFAF0187C}" type="pres">
-      <dgm:prSet presAssocID="{D0C06EB0-D7EF-45E3-95AD-C3986984C27E}" presName="EmptyPlaceHolder" presStyleCnt="0"/>
-      <dgm:spPr/>
-    </dgm:pt>
-    <dgm:pt modelId="{53BBE295-ADA1-45B2-9B2A-E4439C63A887}" type="pres">
-      <dgm:prSet presAssocID="{6F918279-79F1-4A08-BB84-2DE055676D74}" presName="spaceBetweenRectangles" presStyleCnt="0"/>
-      <dgm:spPr/>
-    </dgm:pt>
-    <dgm:pt modelId="{E3013DA7-D413-41BE-9E81-B2A45F6CDF77}" type="pres">
-      <dgm:prSet presAssocID="{4B3BEF5E-080D-4FEE-B522-70B46FFD0660}" presName="composite" presStyleCnt="0"/>
-      <dgm:spPr/>
-    </dgm:pt>
-    <dgm:pt modelId="{E7F88204-0CA2-4C46-B02A-29D432AB1EB7}" type="pres">
-      <dgm:prSet presAssocID="{4B3BEF5E-080D-4FEE-B522-70B46FFD0660}" presName="L1TextContainer" presStyleLbl="revTx" presStyleIdx="1" presStyleCnt="5">
-        <dgm:presLayoutVars>
-          <dgm:chMax val="1"/>
-          <dgm:chPref val="1"/>
-          <dgm:bulletEnabled val="1"/>
-        </dgm:presLayoutVars>
-      </dgm:prSet>
-      <dgm:spPr/>
-    </dgm:pt>
-    <dgm:pt modelId="{8CAAB770-0AB9-4D31-A1B1-5A675C95D664}" type="pres">
-      <dgm:prSet presAssocID="{4B3BEF5E-080D-4FEE-B522-70B46FFD0660}" presName="L2TextContainerWrapper" presStyleCnt="0">
-        <dgm:presLayoutVars>
-          <dgm:chMax val="0"/>
-          <dgm:chPref val="0"/>
-          <dgm:bulletEnabled val="1"/>
-        </dgm:presLayoutVars>
-      </dgm:prSet>
-      <dgm:spPr/>
-    </dgm:pt>
-    <dgm:pt modelId="{51FEFD34-D680-431C-AC44-012B4D99C277}" type="pres">
-      <dgm:prSet presAssocID="{4B3BEF5E-080D-4FEE-B522-70B46FFD0660}" presName="L2TextContainer" presStyleLbl="bgAccFollowNode1" presStyleIdx="1" presStyleCnt="5"/>
-      <dgm:spPr/>
-    </dgm:pt>
-    <dgm:pt modelId="{3AB85E24-E56F-4866-BA4C-2F61045077CD}" type="pres">
-      <dgm:prSet presAssocID="{4B3BEF5E-080D-4FEE-B522-70B46FFD0660}" presName="FlexibleEmptyPlaceHolder" presStyleCnt="0"/>
-      <dgm:spPr/>
-    </dgm:pt>
-    <dgm:pt modelId="{CF581527-BD03-46E2-B01B-848601BE686D}" type="pres">
-      <dgm:prSet presAssocID="{4B3BEF5E-080D-4FEE-B522-70B46FFD0660}" presName="ConnectLine" presStyleLbl="alignNode1" presStyleIdx="1" presStyleCnt="5"/>
-      <dgm:spPr>
-        <a:solidFill>
-          <a:schemeClr val="accent5">
-            <a:hueOff val="0"/>
-            <a:satOff val="0"/>
-            <a:lumOff val="0"/>
-            <a:alphaOff val="0"/>
-          </a:schemeClr>
-        </a:solidFill>
-        <a:ln w="6350" cap="flat" cmpd="sng" algn="ctr">
-          <a:solidFill>
-            <a:schemeClr val="accent5">
-              <a:hueOff val="0"/>
-              <a:satOff val="0"/>
-              <a:lumOff val="0"/>
-              <a:alphaOff val="0"/>
-            </a:schemeClr>
-          </a:solidFill>
-          <a:prstDash val="dash"/>
-          <a:miter lim="800000"/>
-        </a:ln>
-        <a:effectLst/>
-      </dgm:spPr>
-    </dgm:pt>
-    <dgm:pt modelId="{87CBBACC-C115-48BD-9563-4AD8F5A27234}" type="pres">
-      <dgm:prSet presAssocID="{4B3BEF5E-080D-4FEE-B522-70B46FFD0660}" presName="ConnectorPoint" presStyleLbl="fgAcc1" presStyleIdx="1" presStyleCnt="5"/>
-      <dgm:spPr>
-        <a:solidFill>
-          <a:schemeClr val="lt1">
-            <a:alpha val="90000"/>
-            <a:hueOff val="0"/>
-            <a:satOff val="0"/>
-            <a:lumOff val="0"/>
-            <a:alphaOff val="0"/>
-          </a:schemeClr>
-        </a:solidFill>
-        <a:ln w="12700" cap="flat" cmpd="sng" algn="ctr">
-          <a:noFill/>
-          <a:prstDash val="solid"/>
-          <a:miter lim="800000"/>
-        </a:ln>
-        <a:effectLst/>
-      </dgm:spPr>
-    </dgm:pt>
-    <dgm:pt modelId="{D151CB89-C46B-4A54-8445-270B818297F5}" type="pres">
-      <dgm:prSet presAssocID="{4B3BEF5E-080D-4FEE-B522-70B46FFD0660}" presName="EmptyPlaceHolder" presStyleCnt="0"/>
-      <dgm:spPr/>
-    </dgm:pt>
-    <dgm:pt modelId="{14644381-51A3-47DC-BD53-718253873CE3}" type="pres">
-      <dgm:prSet presAssocID="{39F905D4-BCDD-42A3-91CF-0746D3124C5E}" presName="spaceBetweenRectangles" presStyleCnt="0"/>
-      <dgm:spPr/>
-    </dgm:pt>
-    <dgm:pt modelId="{A19490FE-2862-4FAC-9536-B0E8D029F478}" type="pres">
-      <dgm:prSet presAssocID="{406B4493-A90D-40A8-B02D-BA06CB04BF3C}" presName="composite" presStyleCnt="0"/>
-      <dgm:spPr/>
-    </dgm:pt>
-    <dgm:pt modelId="{503E2E0C-528D-4B96-B61D-1C3F44FFC164}" type="pres">
-      <dgm:prSet presAssocID="{406B4493-A90D-40A8-B02D-BA06CB04BF3C}" presName="L1TextContainer" presStyleLbl="revTx" presStyleIdx="2" presStyleCnt="5">
-        <dgm:presLayoutVars>
-          <dgm:chMax val="1"/>
-          <dgm:chPref val="1"/>
-          <dgm:bulletEnabled val="1"/>
-        </dgm:presLayoutVars>
-      </dgm:prSet>
-      <dgm:spPr/>
-    </dgm:pt>
-    <dgm:pt modelId="{DC1D6388-D73A-489E-9F74-BB24DA3C2895}" type="pres">
-      <dgm:prSet presAssocID="{406B4493-A90D-40A8-B02D-BA06CB04BF3C}" presName="L2TextContainerWrapper" presStyleCnt="0">
-        <dgm:presLayoutVars>
-          <dgm:chMax val="0"/>
-          <dgm:chPref val="0"/>
-          <dgm:bulletEnabled val="1"/>
-        </dgm:presLayoutVars>
-      </dgm:prSet>
-      <dgm:spPr/>
-    </dgm:pt>
-    <dgm:pt modelId="{341D02C6-3F64-4DF2-AFB2-F620E7B389D9}" type="pres">
-      <dgm:prSet presAssocID="{406B4493-A90D-40A8-B02D-BA06CB04BF3C}" presName="L2TextContainer" presStyleLbl="bgAccFollowNode1" presStyleIdx="2" presStyleCnt="5"/>
-      <dgm:spPr/>
-    </dgm:pt>
-    <dgm:pt modelId="{148856CE-7B6D-4A68-9C6D-A741925B1D54}" type="pres">
-      <dgm:prSet presAssocID="{406B4493-A90D-40A8-B02D-BA06CB04BF3C}" presName="FlexibleEmptyPlaceHolder" presStyleCnt="0"/>
-      <dgm:spPr/>
-    </dgm:pt>
-    <dgm:pt modelId="{733145A9-EE86-4C22-9A0B-D61094480CC8}" type="pres">
-      <dgm:prSet presAssocID="{406B4493-A90D-40A8-B02D-BA06CB04BF3C}" presName="ConnectLine" presStyleLbl="alignNode1" presStyleIdx="2" presStyleCnt="5"/>
-      <dgm:spPr>
-        <a:solidFill>
-          <a:schemeClr val="accent5">
-            <a:hueOff val="0"/>
-            <a:satOff val="0"/>
-            <a:lumOff val="0"/>
-            <a:alphaOff val="0"/>
-          </a:schemeClr>
-        </a:solidFill>
-        <a:ln w="6350" cap="flat" cmpd="sng" algn="ctr">
-          <a:solidFill>
-            <a:schemeClr val="accent5">
-              <a:hueOff val="0"/>
-              <a:satOff val="0"/>
-              <a:lumOff val="0"/>
-              <a:alphaOff val="0"/>
-            </a:schemeClr>
-          </a:solidFill>
-          <a:prstDash val="dash"/>
-          <a:miter lim="800000"/>
-        </a:ln>
-        <a:effectLst/>
-      </dgm:spPr>
-    </dgm:pt>
-    <dgm:pt modelId="{78513766-A46C-4A38-9E06-613A95A26840}" type="pres">
-      <dgm:prSet presAssocID="{406B4493-A90D-40A8-B02D-BA06CB04BF3C}" presName="ConnectorPoint" presStyleLbl="fgAcc1" presStyleIdx="2" presStyleCnt="5"/>
-      <dgm:spPr>
-        <a:solidFill>
-          <a:schemeClr val="lt1">
-            <a:alpha val="90000"/>
-            <a:hueOff val="0"/>
-            <a:satOff val="0"/>
-            <a:lumOff val="0"/>
-            <a:alphaOff val="0"/>
-          </a:schemeClr>
-        </a:solidFill>
-        <a:ln w="12700" cap="flat" cmpd="sng" algn="ctr">
-          <a:noFill/>
-          <a:prstDash val="solid"/>
-          <a:miter lim="800000"/>
-        </a:ln>
-        <a:effectLst/>
-      </dgm:spPr>
-    </dgm:pt>
-    <dgm:pt modelId="{818BF487-7F84-4EF9-A6DA-FA2F2DE9F454}" type="pres">
-      <dgm:prSet presAssocID="{406B4493-A90D-40A8-B02D-BA06CB04BF3C}" presName="EmptyPlaceHolder" presStyleCnt="0"/>
-      <dgm:spPr/>
-    </dgm:pt>
-    <dgm:pt modelId="{8E0EE725-6F39-42B5-9FA1-51BFA67C2005}" type="pres">
-      <dgm:prSet presAssocID="{B6B5896F-38E7-450F-A826-9964A8F0DE0E}" presName="spaceBetweenRectangles" presStyleCnt="0"/>
-      <dgm:spPr/>
-    </dgm:pt>
-    <dgm:pt modelId="{10709CC8-CC03-4ECE-9F23-072F5C5D91CF}" type="pres">
-      <dgm:prSet presAssocID="{71A30621-5A5F-43B0-84EC-C33507890165}" presName="composite" presStyleCnt="0"/>
-      <dgm:spPr/>
-    </dgm:pt>
-    <dgm:pt modelId="{49FF60A5-1B23-4767-A7F1-0C76CBEFCF2F}" type="pres">
-      <dgm:prSet presAssocID="{71A30621-5A5F-43B0-84EC-C33507890165}" presName="L1TextContainer" presStyleLbl="revTx" presStyleIdx="3" presStyleCnt="5">
-        <dgm:presLayoutVars>
-          <dgm:chMax val="1"/>
-          <dgm:chPref val="1"/>
-          <dgm:bulletEnabled val="1"/>
-        </dgm:presLayoutVars>
-      </dgm:prSet>
-      <dgm:spPr/>
-    </dgm:pt>
-    <dgm:pt modelId="{14973EE5-851E-4165-9791-5C726729CA90}" type="pres">
-      <dgm:prSet presAssocID="{71A30621-5A5F-43B0-84EC-C33507890165}" presName="L2TextContainerWrapper" presStyleCnt="0">
-        <dgm:presLayoutVars>
-          <dgm:chMax val="0"/>
-          <dgm:chPref val="0"/>
-          <dgm:bulletEnabled val="1"/>
-        </dgm:presLayoutVars>
-      </dgm:prSet>
-      <dgm:spPr/>
-    </dgm:pt>
-    <dgm:pt modelId="{24AF13D8-CAD0-4821-9259-B5AD2BBD2D9A}" type="pres">
-      <dgm:prSet presAssocID="{71A30621-5A5F-43B0-84EC-C33507890165}" presName="L2TextContainer" presStyleLbl="bgAccFollowNode1" presStyleIdx="3" presStyleCnt="5"/>
-      <dgm:spPr/>
-    </dgm:pt>
-    <dgm:pt modelId="{9FD7890F-0988-49CF-A992-BF84EE254AF3}" type="pres">
-      <dgm:prSet presAssocID="{71A30621-5A5F-43B0-84EC-C33507890165}" presName="FlexibleEmptyPlaceHolder" presStyleCnt="0"/>
-      <dgm:spPr/>
-    </dgm:pt>
-    <dgm:pt modelId="{826D19AB-7674-4339-AC6A-3554A3285C8F}" type="pres">
-      <dgm:prSet presAssocID="{71A30621-5A5F-43B0-84EC-C33507890165}" presName="ConnectLine" presStyleLbl="alignNode1" presStyleIdx="3" presStyleCnt="5"/>
-      <dgm:spPr>
-        <a:solidFill>
-          <a:schemeClr val="accent5">
-            <a:hueOff val="0"/>
-            <a:satOff val="0"/>
-            <a:lumOff val="0"/>
-            <a:alphaOff val="0"/>
-          </a:schemeClr>
-        </a:solidFill>
-        <a:ln w="6350" cap="flat" cmpd="sng" algn="ctr">
-          <a:solidFill>
-            <a:schemeClr val="accent5">
-              <a:hueOff val="0"/>
-              <a:satOff val="0"/>
-              <a:lumOff val="0"/>
-              <a:alphaOff val="0"/>
-            </a:schemeClr>
-          </a:solidFill>
-          <a:prstDash val="dash"/>
-          <a:miter lim="800000"/>
-        </a:ln>
-        <a:effectLst/>
-      </dgm:spPr>
-    </dgm:pt>
-    <dgm:pt modelId="{43227ABF-0709-40F4-9DAE-D680F9F11751}" type="pres">
-      <dgm:prSet presAssocID="{71A30621-5A5F-43B0-84EC-C33507890165}" presName="ConnectorPoint" presStyleLbl="fgAcc1" presStyleIdx="3" presStyleCnt="5"/>
-      <dgm:spPr>
-        <a:solidFill>
-          <a:schemeClr val="lt1">
-            <a:alpha val="90000"/>
-            <a:hueOff val="0"/>
-            <a:satOff val="0"/>
-            <a:lumOff val="0"/>
-            <a:alphaOff val="0"/>
-          </a:schemeClr>
-        </a:solidFill>
-        <a:ln w="12700" cap="flat" cmpd="sng" algn="ctr">
-          <a:noFill/>
-          <a:prstDash val="solid"/>
-          <a:miter lim="800000"/>
-        </a:ln>
-        <a:effectLst/>
-      </dgm:spPr>
-    </dgm:pt>
-    <dgm:pt modelId="{79A56AB1-47A5-420B-B39C-4A233C5A68B2}" type="pres">
-      <dgm:prSet presAssocID="{71A30621-5A5F-43B0-84EC-C33507890165}" presName="EmptyPlaceHolder" presStyleCnt="0"/>
-      <dgm:spPr/>
-    </dgm:pt>
-    <dgm:pt modelId="{A75AE161-E159-4EED-8525-A2C04059D73E}" type="pres">
-      <dgm:prSet presAssocID="{BC9647A5-897E-4509-8E60-0A1FA7E561EE}" presName="spaceBetweenRectangles" presStyleCnt="0"/>
-      <dgm:spPr/>
-    </dgm:pt>
-    <dgm:pt modelId="{D5F4082D-07BA-4A58-B3FE-0D27F36A7B49}" type="pres">
-      <dgm:prSet presAssocID="{4971AC50-A88E-4E33-87F8-FCEAC805564B}" presName="composite" presStyleCnt="0"/>
-      <dgm:spPr/>
-    </dgm:pt>
-    <dgm:pt modelId="{50410BE5-37F4-425C-A9B7-BB5BB0CFC24E}" type="pres">
-      <dgm:prSet presAssocID="{4971AC50-A88E-4E33-87F8-FCEAC805564B}" presName="L1TextContainer" presStyleLbl="revTx" presStyleIdx="4" presStyleCnt="5">
-        <dgm:presLayoutVars>
-          <dgm:chMax val="1"/>
-          <dgm:chPref val="1"/>
-          <dgm:bulletEnabled val="1"/>
-        </dgm:presLayoutVars>
-      </dgm:prSet>
-      <dgm:spPr/>
-    </dgm:pt>
-    <dgm:pt modelId="{B5259F40-CA88-4AE8-B27C-029CA34ED9E1}" type="pres">
-      <dgm:prSet presAssocID="{4971AC50-A88E-4E33-87F8-FCEAC805564B}" presName="L2TextContainerWrapper" presStyleCnt="0">
-        <dgm:presLayoutVars>
-          <dgm:chMax val="0"/>
-          <dgm:chPref val="0"/>
-          <dgm:bulletEnabled val="1"/>
-        </dgm:presLayoutVars>
-      </dgm:prSet>
-      <dgm:spPr/>
-    </dgm:pt>
-    <dgm:pt modelId="{F8CBB33A-901D-4476-BB4D-3BBA0095A6AF}" type="pres">
-      <dgm:prSet presAssocID="{4971AC50-A88E-4E33-87F8-FCEAC805564B}" presName="L2TextContainer" presStyleLbl="bgAccFollowNode1" presStyleIdx="4" presStyleCnt="5"/>
-      <dgm:spPr/>
-    </dgm:pt>
-    <dgm:pt modelId="{CE6AFF2F-6E4E-41AE-8042-FD172986B3C4}" type="pres">
-      <dgm:prSet presAssocID="{4971AC50-A88E-4E33-87F8-FCEAC805564B}" presName="FlexibleEmptyPlaceHolder" presStyleCnt="0"/>
-      <dgm:spPr/>
-    </dgm:pt>
-    <dgm:pt modelId="{8677116F-B78F-436F-B7FA-3681FDB781CA}" type="pres">
-      <dgm:prSet presAssocID="{4971AC50-A88E-4E33-87F8-FCEAC805564B}" presName="ConnectLine" presStyleLbl="alignNode1" presStyleIdx="4" presStyleCnt="5"/>
-      <dgm:spPr>
-        <a:solidFill>
-          <a:schemeClr val="accent5">
-            <a:hueOff val="0"/>
-            <a:satOff val="0"/>
-            <a:lumOff val="0"/>
-            <a:alphaOff val="0"/>
-          </a:schemeClr>
-        </a:solidFill>
-        <a:ln w="6350" cap="flat" cmpd="sng" algn="ctr">
-          <a:solidFill>
-            <a:schemeClr val="accent5">
-              <a:hueOff val="0"/>
-              <a:satOff val="0"/>
-              <a:lumOff val="0"/>
-              <a:alphaOff val="0"/>
-            </a:schemeClr>
-          </a:solidFill>
-          <a:prstDash val="dash"/>
-          <a:miter lim="800000"/>
-        </a:ln>
-        <a:effectLst/>
-      </dgm:spPr>
-    </dgm:pt>
-    <dgm:pt modelId="{A95AF550-DC6B-424A-B700-8C6432E1A3FF}" type="pres">
-      <dgm:prSet presAssocID="{4971AC50-A88E-4E33-87F8-FCEAC805564B}" presName="ConnectorPoint" presStyleLbl="fgAcc1" presStyleIdx="4" presStyleCnt="5"/>
-      <dgm:spPr>
-        <a:solidFill>
-          <a:schemeClr val="lt1">
-            <a:alpha val="90000"/>
-            <a:hueOff val="0"/>
-            <a:satOff val="0"/>
-            <a:lumOff val="0"/>
-            <a:alphaOff val="0"/>
-          </a:schemeClr>
-        </a:solidFill>
-        <a:ln w="12700" cap="flat" cmpd="sng" algn="ctr">
-          <a:noFill/>
-          <a:prstDash val="solid"/>
-          <a:miter lim="800000"/>
-        </a:ln>
-        <a:effectLst/>
-      </dgm:spPr>
-    </dgm:pt>
-    <dgm:pt modelId="{D53410A6-E5AD-4DAB-8C5A-DC516AEF7B00}" type="pres">
-      <dgm:prSet presAssocID="{4971AC50-A88E-4E33-87F8-FCEAC805564B}" presName="EmptyPlaceHolder" presStyleCnt="0"/>
-      <dgm:spPr/>
-    </dgm:pt>
-  </dgm:ptLst>
-  <dgm:cxnLst>
-    <dgm:cxn modelId="{B128A003-3BB1-4A67-9604-8D987F9A69CB}" type="presOf" srcId="{E604873E-34D9-4011-B823-45C4AD2A9FC6}" destId="{932CA750-36C5-4FBB-923A-29DF7B5A91E5}" srcOrd="0" destOrd="0" presId="urn:microsoft.com/office/officeart/2017/3/layout/HorizontalPathTimeline"/>
-    <dgm:cxn modelId="{DFA74F07-08A6-4FB8-9904-0CC333ABBA62}" type="presOf" srcId="{B70A8EE9-B04A-475F-A55E-C7EC9716492A}" destId="{F8CBB33A-901D-4476-BB4D-3BBA0095A6AF}" srcOrd="0" destOrd="0" presId="urn:microsoft.com/office/officeart/2017/3/layout/HorizontalPathTimeline"/>
-    <dgm:cxn modelId="{4123380D-BF06-47D5-BB37-27F94B9CD2B5}" srcId="{71A30621-5A5F-43B0-84EC-C33507890165}" destId="{09823A41-36EE-4ED8-8E4C-1FC3E9B9DA38}" srcOrd="0" destOrd="0" parTransId="{F244D039-067D-4FE3-9A79-1977435DEDCA}" sibTransId="{8919468E-A735-45AD-9C8C-4DD1ED80DA14}"/>
-    <dgm:cxn modelId="{EB0EC510-0650-418A-B09E-68AD0E49FCB3}" type="presOf" srcId="{D0C06EB0-D7EF-45E3-95AD-C3986984C27E}" destId="{0A2DB98E-12CB-44AC-A271-FA81A963AC9D}" srcOrd="0" destOrd="0" presId="urn:microsoft.com/office/officeart/2017/3/layout/HorizontalPathTimeline"/>
-    <dgm:cxn modelId="{08F92A23-9243-4B8C-B536-DE577114CA5F}" type="presOf" srcId="{4B3BEF5E-080D-4FEE-B522-70B46FFD0660}" destId="{E7F88204-0CA2-4C46-B02A-29D432AB1EB7}" srcOrd="0" destOrd="0" presId="urn:microsoft.com/office/officeart/2017/3/layout/HorizontalPathTimeline"/>
-    <dgm:cxn modelId="{D3F6A62A-6459-4BFC-82C1-B194A64DAEF0}" srcId="{E604873E-34D9-4011-B823-45C4AD2A9FC6}" destId="{4971AC50-A88E-4E33-87F8-FCEAC805564B}" srcOrd="4" destOrd="0" parTransId="{C9196550-5E95-4357-8451-1D9A3E9B9887}" sibTransId="{5851B56B-AA5B-4350-B325-A26109F66599}"/>
-    <dgm:cxn modelId="{038DCE2D-F254-470C-BF53-B20B7FAFDDD8}" type="presOf" srcId="{DB8AF9DD-B1C3-4C20-BD21-C6C7FF671A92}" destId="{51FEFD34-D680-431C-AC44-012B4D99C277}" srcOrd="0" destOrd="0" presId="urn:microsoft.com/office/officeart/2017/3/layout/HorizontalPathTimeline"/>
-    <dgm:cxn modelId="{F00A9B2E-8A06-4B98-BE1F-10C8BABDD7F9}" type="presOf" srcId="{71A30621-5A5F-43B0-84EC-C33507890165}" destId="{49FF60A5-1B23-4767-A7F1-0C76CBEFCF2F}" srcOrd="0" destOrd="0" presId="urn:microsoft.com/office/officeart/2017/3/layout/HorizontalPathTimeline"/>
-    <dgm:cxn modelId="{F712E336-0730-4454-AAED-A8EC704ECFC8}" srcId="{E604873E-34D9-4011-B823-45C4AD2A9FC6}" destId="{406B4493-A90D-40A8-B02D-BA06CB04BF3C}" srcOrd="2" destOrd="0" parTransId="{2E2A0F75-F224-4A80-ACB5-1C4956E37E23}" sibTransId="{B6B5896F-38E7-450F-A826-9964A8F0DE0E}"/>
-    <dgm:cxn modelId="{C484EB46-90BA-4AA9-99FA-A08CA7DA114A}" type="presOf" srcId="{09823A41-36EE-4ED8-8E4C-1FC3E9B9DA38}" destId="{24AF13D8-CAD0-4821-9259-B5AD2BBD2D9A}" srcOrd="0" destOrd="0" presId="urn:microsoft.com/office/officeart/2017/3/layout/HorizontalPathTimeline"/>
-    <dgm:cxn modelId="{D6373D48-D8B0-4539-A4A4-81DB907C07C1}" srcId="{4B3BEF5E-080D-4FEE-B522-70B46FFD0660}" destId="{DB8AF9DD-B1C3-4C20-BD21-C6C7FF671A92}" srcOrd="0" destOrd="0" parTransId="{DF70DEA5-E7DD-4AA9-B1CC-992432C16744}" sibTransId="{428A9B80-64FA-44ED-87FF-F7A0D539842F}"/>
-    <dgm:cxn modelId="{841D665D-B707-471F-BD09-964D3951145A}" srcId="{D0C06EB0-D7EF-45E3-95AD-C3986984C27E}" destId="{4E599684-CBE7-4BF6-B041-7B59A5AE3CF2}" srcOrd="0" destOrd="0" parTransId="{A8AAC60B-A805-4BF6-9EA5-E87AC2902868}" sibTransId="{BF909935-A6E2-4FB3-A57D-3F1AE3109B2D}"/>
-    <dgm:cxn modelId="{3C765D74-ED83-4AFE-A3C4-20789539A003}" type="presOf" srcId="{4971AC50-A88E-4E33-87F8-FCEAC805564B}" destId="{50410BE5-37F4-425C-A9B7-BB5BB0CFC24E}" srcOrd="0" destOrd="0" presId="urn:microsoft.com/office/officeart/2017/3/layout/HorizontalPathTimeline"/>
-    <dgm:cxn modelId="{60D2ED7B-5FF3-4229-887D-CBAFECEBAD15}" type="presOf" srcId="{4E599684-CBE7-4BF6-B041-7B59A5AE3CF2}" destId="{CD7A980D-5441-4C5A-B155-C2A021C3D0DD}" srcOrd="0" destOrd="0" presId="urn:microsoft.com/office/officeart/2017/3/layout/HorizontalPathTimeline"/>
-    <dgm:cxn modelId="{1802D984-EB76-4C48-AC3B-94BA8DFE0C3F}" srcId="{E604873E-34D9-4011-B823-45C4AD2A9FC6}" destId="{71A30621-5A5F-43B0-84EC-C33507890165}" srcOrd="3" destOrd="0" parTransId="{F93F53F9-4EA9-4B69-AEBB-EC08A304AE3E}" sibTransId="{BC9647A5-897E-4509-8E60-0A1FA7E561EE}"/>
-    <dgm:cxn modelId="{9A613993-1976-4C90-B719-959774EC46C8}" srcId="{E604873E-34D9-4011-B823-45C4AD2A9FC6}" destId="{4B3BEF5E-080D-4FEE-B522-70B46FFD0660}" srcOrd="1" destOrd="0" parTransId="{06017295-6984-41E0-8693-8EB293EF8566}" sibTransId="{39F905D4-BCDD-42A3-91CF-0746D3124C5E}"/>
-    <dgm:cxn modelId="{97993EA3-CE7B-4009-B7CE-BFB111FBE521}" srcId="{E604873E-34D9-4011-B823-45C4AD2A9FC6}" destId="{D0C06EB0-D7EF-45E3-95AD-C3986984C27E}" srcOrd="0" destOrd="0" parTransId="{0BB155BD-DA20-44C2-8CB4-CB3D3770A527}" sibTransId="{6F918279-79F1-4A08-BB84-2DE055676D74}"/>
-    <dgm:cxn modelId="{974143E5-F97B-46EC-BF8B-1BE68E1266DC}" srcId="{4971AC50-A88E-4E33-87F8-FCEAC805564B}" destId="{B70A8EE9-B04A-475F-A55E-C7EC9716492A}" srcOrd="0" destOrd="0" parTransId="{827B8979-53B0-4D04-AFD4-E95ECE158F29}" sibTransId="{EF80220B-B1BA-4812-A85D-99163E525C87}"/>
-    <dgm:cxn modelId="{023D69EC-E962-461A-B080-73A862A8AB79}" type="presOf" srcId="{406B4493-A90D-40A8-B02D-BA06CB04BF3C}" destId="{503E2E0C-528D-4B96-B61D-1C3F44FFC164}" srcOrd="0" destOrd="0" presId="urn:microsoft.com/office/officeart/2017/3/layout/HorizontalPathTimeline"/>
-    <dgm:cxn modelId="{8F51CEF3-D7F7-4496-8E39-A74D3407581F}" srcId="{406B4493-A90D-40A8-B02D-BA06CB04BF3C}" destId="{20D34FCC-0F35-496C-B2E7-3FBCA3E29C37}" srcOrd="0" destOrd="0" parTransId="{CE74B72C-B89D-46FE-831F-2D7619996546}" sibTransId="{927D4900-D936-4E0F-AEA8-71096C4E0FED}"/>
-    <dgm:cxn modelId="{CBD1B7F9-C5B5-4D13-ADF5-77EE497A61F7}" type="presOf" srcId="{20D34FCC-0F35-496C-B2E7-3FBCA3E29C37}" destId="{341D02C6-3F64-4DF2-AFB2-F620E7B389D9}" srcOrd="0" destOrd="0" presId="urn:microsoft.com/office/officeart/2017/3/layout/HorizontalPathTimeline"/>
-    <dgm:cxn modelId="{C5C366F6-1B1A-4444-8A08-73E9FBB53AF5}" type="presParOf" srcId="{932CA750-36C5-4FBB-923A-29DF7B5A91E5}" destId="{C5D1BC48-B762-488E-BF7E-9CDA82DFACEE}" srcOrd="0" destOrd="0" presId="urn:microsoft.com/office/officeart/2017/3/layout/HorizontalPathTimeline"/>
-    <dgm:cxn modelId="{5956317D-1537-4496-A8FF-49A18B022E1E}" type="presParOf" srcId="{932CA750-36C5-4FBB-923A-29DF7B5A91E5}" destId="{03618986-EF2F-440D-8403-283058C2987B}" srcOrd="1" destOrd="0" presId="urn:microsoft.com/office/officeart/2017/3/layout/HorizontalPathTimeline"/>
-    <dgm:cxn modelId="{7EE51424-4236-41EE-BD01-53AB5481EEB1}" type="presParOf" srcId="{03618986-EF2F-440D-8403-283058C2987B}" destId="{3B7C76B3-9A15-41E9-ABC3-698AB66EEDEB}" srcOrd="0" destOrd="0" presId="urn:microsoft.com/office/officeart/2017/3/layout/HorizontalPathTimeline"/>
-    <dgm:cxn modelId="{131F2B71-339B-4D5A-92AA-49E332AB55B7}" type="presParOf" srcId="{3B7C76B3-9A15-41E9-ABC3-698AB66EEDEB}" destId="{0A2DB98E-12CB-44AC-A271-FA81A963AC9D}" srcOrd="0" destOrd="0" presId="urn:microsoft.com/office/officeart/2017/3/layout/HorizontalPathTimeline"/>
-    <dgm:cxn modelId="{9E7DE1A2-8196-4B58-A740-224ECB56CB20}" type="presParOf" srcId="{3B7C76B3-9A15-41E9-ABC3-698AB66EEDEB}" destId="{27709FD2-3216-4BCF-9F74-FD4CEFA3A9ED}" srcOrd="1" destOrd="0" presId="urn:microsoft.com/office/officeart/2017/3/layout/HorizontalPathTimeline"/>
-    <dgm:cxn modelId="{CD2816CB-99AB-4063-ABD2-2E12AE2BA35F}" type="presParOf" srcId="{27709FD2-3216-4BCF-9F74-FD4CEFA3A9ED}" destId="{CD7A980D-5441-4C5A-B155-C2A021C3D0DD}" srcOrd="0" destOrd="0" presId="urn:microsoft.com/office/officeart/2017/3/layout/HorizontalPathTimeline"/>
-    <dgm:cxn modelId="{7839EF35-DC58-4487-8372-0EA4B7DCDAA5}" type="presParOf" srcId="{27709FD2-3216-4BCF-9F74-FD4CEFA3A9ED}" destId="{EC43CE52-5C8B-407E-A382-D1268E523743}" srcOrd="1" destOrd="0" presId="urn:microsoft.com/office/officeart/2017/3/layout/HorizontalPathTimeline"/>
-    <dgm:cxn modelId="{C740975A-E93A-4E27-8515-113C5F6D719A}" type="presParOf" srcId="{3B7C76B3-9A15-41E9-ABC3-698AB66EEDEB}" destId="{87C15291-AEBC-4F1E-BB11-F23971968E4A}" srcOrd="2" destOrd="0" presId="urn:microsoft.com/office/officeart/2017/3/layout/HorizontalPathTimeline"/>
-    <dgm:cxn modelId="{038A71F9-0AC5-4480-8183-724A68759A29}" type="presParOf" srcId="{3B7C76B3-9A15-41E9-ABC3-698AB66EEDEB}" destId="{4E6C086A-07A1-49AA-A5A9-2A0B949C7E99}" srcOrd="3" destOrd="0" presId="urn:microsoft.com/office/officeart/2017/3/layout/HorizontalPathTimeline"/>
-    <dgm:cxn modelId="{55B84AA1-358B-485E-87ED-D908CB1B1EEB}" type="presParOf" srcId="{3B7C76B3-9A15-41E9-ABC3-698AB66EEDEB}" destId="{CCF0635D-7E1B-4FF0-B23E-6E3FFAF0187C}" srcOrd="4" destOrd="0" presId="urn:microsoft.com/office/officeart/2017/3/layout/HorizontalPathTimeline"/>
-    <dgm:cxn modelId="{80068234-E2A1-45C1-99A3-7E94A6668E2F}" type="presParOf" srcId="{03618986-EF2F-440D-8403-283058C2987B}" destId="{53BBE295-ADA1-45B2-9B2A-E4439C63A887}" srcOrd="1" destOrd="0" presId="urn:microsoft.com/office/officeart/2017/3/layout/HorizontalPathTimeline"/>
-    <dgm:cxn modelId="{00FA0602-5A50-4C63-9792-7F9489C9222E}" type="presParOf" srcId="{03618986-EF2F-440D-8403-283058C2987B}" destId="{E3013DA7-D413-41BE-9E81-B2A45F6CDF77}" srcOrd="2" destOrd="0" presId="urn:microsoft.com/office/officeart/2017/3/layout/HorizontalPathTimeline"/>
-    <dgm:cxn modelId="{C55C28CB-A1D3-4530-998E-C9EF6B18550F}" type="presParOf" srcId="{E3013DA7-D413-41BE-9E81-B2A45F6CDF77}" destId="{E7F88204-0CA2-4C46-B02A-29D432AB1EB7}" srcOrd="0" destOrd="0" presId="urn:microsoft.com/office/officeart/2017/3/layout/HorizontalPathTimeline"/>
-    <dgm:cxn modelId="{EC06D4C8-08C5-4652-9A04-0EC8659A3ABD}" type="presParOf" srcId="{E3013DA7-D413-41BE-9E81-B2A45F6CDF77}" destId="{8CAAB770-0AB9-4D31-A1B1-5A675C95D664}" srcOrd="1" destOrd="0" presId="urn:microsoft.com/office/officeart/2017/3/layout/HorizontalPathTimeline"/>
-    <dgm:cxn modelId="{56E24DC8-9585-48BB-AA75-C1B50CD8C994}" type="presParOf" srcId="{8CAAB770-0AB9-4D31-A1B1-5A675C95D664}" destId="{51FEFD34-D680-431C-AC44-012B4D99C277}" srcOrd="0" destOrd="0" presId="urn:microsoft.com/office/officeart/2017/3/layout/HorizontalPathTimeline"/>
-    <dgm:cxn modelId="{E55276BC-7DAA-4759-B118-EA59B1FF5E41}" type="presParOf" srcId="{8CAAB770-0AB9-4D31-A1B1-5A675C95D664}" destId="{3AB85E24-E56F-4866-BA4C-2F61045077CD}" srcOrd="1" destOrd="0" presId="urn:microsoft.com/office/officeart/2017/3/layout/HorizontalPathTimeline"/>
-    <dgm:cxn modelId="{2044DDE4-0F8A-4A5B-A70A-AC3F82EA5CE0}" type="presParOf" srcId="{E3013DA7-D413-41BE-9E81-B2A45F6CDF77}" destId="{CF581527-BD03-46E2-B01B-848601BE686D}" srcOrd="2" destOrd="0" presId="urn:microsoft.com/office/officeart/2017/3/layout/HorizontalPathTimeline"/>
-    <dgm:cxn modelId="{0B4980C7-C874-4049-A125-074994BD6A6B}" type="presParOf" srcId="{E3013DA7-D413-41BE-9E81-B2A45F6CDF77}" destId="{87CBBACC-C115-48BD-9563-4AD8F5A27234}" srcOrd="3" destOrd="0" presId="urn:microsoft.com/office/officeart/2017/3/layout/HorizontalPathTimeline"/>
-    <dgm:cxn modelId="{A62C23CC-ACAC-480E-8522-53E68CA2861F}" type="presParOf" srcId="{E3013DA7-D413-41BE-9E81-B2A45F6CDF77}" destId="{D151CB89-C46B-4A54-8445-270B818297F5}" srcOrd="4" destOrd="0" presId="urn:microsoft.com/office/officeart/2017/3/layout/HorizontalPathTimeline"/>
-    <dgm:cxn modelId="{117BDC21-0B79-447D-BD21-2D92504EC489}" type="presParOf" srcId="{03618986-EF2F-440D-8403-283058C2987B}" destId="{14644381-51A3-47DC-BD53-718253873CE3}" srcOrd="3" destOrd="0" presId="urn:microsoft.com/office/officeart/2017/3/layout/HorizontalPathTimeline"/>
-    <dgm:cxn modelId="{9D6A5E33-BFF9-4E7B-B7E8-BE1531C50738}" type="presParOf" srcId="{03618986-EF2F-440D-8403-283058C2987B}" destId="{A19490FE-2862-4FAC-9536-B0E8D029F478}" srcOrd="4" destOrd="0" presId="urn:microsoft.com/office/officeart/2017/3/layout/HorizontalPathTimeline"/>
-    <dgm:cxn modelId="{51967D85-1560-491F-868A-6C2DB3D9C07E}" type="presParOf" srcId="{A19490FE-2862-4FAC-9536-B0E8D029F478}" destId="{503E2E0C-528D-4B96-B61D-1C3F44FFC164}" srcOrd="0" destOrd="0" presId="urn:microsoft.com/office/officeart/2017/3/layout/HorizontalPathTimeline"/>
-    <dgm:cxn modelId="{5C90FCA2-5791-469E-A520-C37341725813}" type="presParOf" srcId="{A19490FE-2862-4FAC-9536-B0E8D029F478}" destId="{DC1D6388-D73A-489E-9F74-BB24DA3C2895}" srcOrd="1" destOrd="0" presId="urn:microsoft.com/office/officeart/2017/3/layout/HorizontalPathTimeline"/>
-    <dgm:cxn modelId="{A4521E9D-9CEC-48AA-845C-6E168860DFC4}" type="presParOf" srcId="{DC1D6388-D73A-489E-9F74-BB24DA3C2895}" destId="{341D02C6-3F64-4DF2-AFB2-F620E7B389D9}" srcOrd="0" destOrd="0" presId="urn:microsoft.com/office/officeart/2017/3/layout/HorizontalPathTimeline"/>
-    <dgm:cxn modelId="{C15A7A62-5615-448B-BFFA-CFA97228B2C8}" type="presParOf" srcId="{DC1D6388-D73A-489E-9F74-BB24DA3C2895}" destId="{148856CE-7B6D-4A68-9C6D-A741925B1D54}" srcOrd="1" destOrd="0" presId="urn:microsoft.com/office/officeart/2017/3/layout/HorizontalPathTimeline"/>
-    <dgm:cxn modelId="{C687AE8E-67A2-458A-9C7C-48AB74C69325}" type="presParOf" srcId="{A19490FE-2862-4FAC-9536-B0E8D029F478}" destId="{733145A9-EE86-4C22-9A0B-D61094480CC8}" srcOrd="2" destOrd="0" presId="urn:microsoft.com/office/officeart/2017/3/layout/HorizontalPathTimeline"/>
-    <dgm:cxn modelId="{E03C7818-C116-4C86-BB55-4BE2BC987692}" type="presParOf" srcId="{A19490FE-2862-4FAC-9536-B0E8D029F478}" destId="{78513766-A46C-4A38-9E06-613A95A26840}" srcOrd="3" destOrd="0" presId="urn:microsoft.com/office/officeart/2017/3/layout/HorizontalPathTimeline"/>
-    <dgm:cxn modelId="{79089830-35DC-45F5-972A-0BAB2D93EE44}" type="presParOf" srcId="{A19490FE-2862-4FAC-9536-B0E8D029F478}" destId="{818BF487-7F84-4EF9-A6DA-FA2F2DE9F454}" srcOrd="4" destOrd="0" presId="urn:microsoft.com/office/officeart/2017/3/layout/HorizontalPathTimeline"/>
-    <dgm:cxn modelId="{71B7AC0D-D68D-4075-9D58-C9211D45DC90}" type="presParOf" srcId="{03618986-EF2F-440D-8403-283058C2987B}" destId="{8E0EE725-6F39-42B5-9FA1-51BFA67C2005}" srcOrd="5" destOrd="0" presId="urn:microsoft.com/office/officeart/2017/3/layout/HorizontalPathTimeline"/>
-    <dgm:cxn modelId="{42CBD424-E9AD-4F80-8B7C-6AD0C86F7A3E}" type="presParOf" srcId="{03618986-EF2F-440D-8403-283058C2987B}" destId="{10709CC8-CC03-4ECE-9F23-072F5C5D91CF}" srcOrd="6" destOrd="0" presId="urn:microsoft.com/office/officeart/2017/3/layout/HorizontalPathTimeline"/>
-    <dgm:cxn modelId="{7A0953BE-18D6-49E1-A9C5-311CEEC3041F}" type="presParOf" srcId="{10709CC8-CC03-4ECE-9F23-072F5C5D91CF}" destId="{49FF60A5-1B23-4767-A7F1-0C76CBEFCF2F}" srcOrd="0" destOrd="0" presId="urn:microsoft.com/office/officeart/2017/3/layout/HorizontalPathTimeline"/>
-    <dgm:cxn modelId="{27AEBA25-56E5-464A-8EA5-2D958F5C0128}" type="presParOf" srcId="{10709CC8-CC03-4ECE-9F23-072F5C5D91CF}" destId="{14973EE5-851E-4165-9791-5C726729CA90}" srcOrd="1" destOrd="0" presId="urn:microsoft.com/office/officeart/2017/3/layout/HorizontalPathTimeline"/>
-    <dgm:cxn modelId="{0C6A00A8-7058-4E07-B024-673B23D55E31}" type="presParOf" srcId="{14973EE5-851E-4165-9791-5C726729CA90}" destId="{24AF13D8-CAD0-4821-9259-B5AD2BBD2D9A}" srcOrd="0" destOrd="0" presId="urn:microsoft.com/office/officeart/2017/3/layout/HorizontalPathTimeline"/>
-    <dgm:cxn modelId="{79E80C72-D13F-4911-B973-40AB79B84A42}" type="presParOf" srcId="{14973EE5-851E-4165-9791-5C726729CA90}" destId="{9FD7890F-0988-49CF-A992-BF84EE254AF3}" srcOrd="1" destOrd="0" presId="urn:microsoft.com/office/officeart/2017/3/layout/HorizontalPathTimeline"/>
-    <dgm:cxn modelId="{5A213244-4BF4-40F4-BA5D-BA04124D1F03}" type="presParOf" srcId="{10709CC8-CC03-4ECE-9F23-072F5C5D91CF}" destId="{826D19AB-7674-4339-AC6A-3554A3285C8F}" srcOrd="2" destOrd="0" presId="urn:microsoft.com/office/officeart/2017/3/layout/HorizontalPathTimeline"/>
-    <dgm:cxn modelId="{7548AACC-7F09-44DE-97E1-AD45F0769473}" type="presParOf" srcId="{10709CC8-CC03-4ECE-9F23-072F5C5D91CF}" destId="{43227ABF-0709-40F4-9DAE-D680F9F11751}" srcOrd="3" destOrd="0" presId="urn:microsoft.com/office/officeart/2017/3/layout/HorizontalPathTimeline"/>
-    <dgm:cxn modelId="{B083EAB3-DB44-42C0-992A-58D387B51230}" type="presParOf" srcId="{10709CC8-CC03-4ECE-9F23-072F5C5D91CF}" destId="{79A56AB1-47A5-420B-B39C-4A233C5A68B2}" srcOrd="4" destOrd="0" presId="urn:microsoft.com/office/officeart/2017/3/layout/HorizontalPathTimeline"/>
-    <dgm:cxn modelId="{9CCAC250-AB19-43D3-B777-7DD267AE1210}" type="presParOf" srcId="{03618986-EF2F-440D-8403-283058C2987B}" destId="{A75AE161-E159-4EED-8525-A2C04059D73E}" srcOrd="7" destOrd="0" presId="urn:microsoft.com/office/officeart/2017/3/layout/HorizontalPathTimeline"/>
-    <dgm:cxn modelId="{26CA7715-324E-491A-BF38-ECCEDCB3B9F0}" type="presParOf" srcId="{03618986-EF2F-440D-8403-283058C2987B}" destId="{D5F4082D-07BA-4A58-B3FE-0D27F36A7B49}" srcOrd="8" destOrd="0" presId="urn:microsoft.com/office/officeart/2017/3/layout/HorizontalPathTimeline"/>
-    <dgm:cxn modelId="{8A01AB94-AED4-4AAA-AEB9-7421619610EB}" type="presParOf" srcId="{D5F4082D-07BA-4A58-B3FE-0D27F36A7B49}" destId="{50410BE5-37F4-425C-A9B7-BB5BB0CFC24E}" srcOrd="0" destOrd="0" presId="urn:microsoft.com/office/officeart/2017/3/layout/HorizontalPathTimeline"/>
-    <dgm:cxn modelId="{B0F2249C-DFF9-42D5-9E99-8A54A378AB4B}" type="presParOf" srcId="{D5F4082D-07BA-4A58-B3FE-0D27F36A7B49}" destId="{B5259F40-CA88-4AE8-B27C-029CA34ED9E1}" srcOrd="1" destOrd="0" presId="urn:microsoft.com/office/officeart/2017/3/layout/HorizontalPathTimeline"/>
-    <dgm:cxn modelId="{1B3E0383-5D39-47A8-AC4B-46E5957FA208}" type="presParOf" srcId="{B5259F40-CA88-4AE8-B27C-029CA34ED9E1}" destId="{F8CBB33A-901D-4476-BB4D-3BBA0095A6AF}" srcOrd="0" destOrd="0" presId="urn:microsoft.com/office/officeart/2017/3/layout/HorizontalPathTimeline"/>
-    <dgm:cxn modelId="{1BD2C073-A9B4-45E2-8976-213D95D475B4}" type="presParOf" srcId="{B5259F40-CA88-4AE8-B27C-029CA34ED9E1}" destId="{CE6AFF2F-6E4E-41AE-8042-FD172986B3C4}" srcOrd="1" destOrd="0" presId="urn:microsoft.com/office/officeart/2017/3/layout/HorizontalPathTimeline"/>
-    <dgm:cxn modelId="{2A8FE899-99BB-49BC-AD81-20F8DC67E1B2}" type="presParOf" srcId="{D5F4082D-07BA-4A58-B3FE-0D27F36A7B49}" destId="{8677116F-B78F-436F-B7FA-3681FDB781CA}" srcOrd="2" destOrd="0" presId="urn:microsoft.com/office/officeart/2017/3/layout/HorizontalPathTimeline"/>
-    <dgm:cxn modelId="{47BBB360-9802-4696-B1E9-4DC8A3652D09}" type="presParOf" srcId="{D5F4082D-07BA-4A58-B3FE-0D27F36A7B49}" destId="{A95AF550-DC6B-424A-B700-8C6432E1A3FF}" srcOrd="3" destOrd="0" presId="urn:microsoft.com/office/officeart/2017/3/layout/HorizontalPathTimeline"/>
-    <dgm:cxn modelId="{AE468CA1-761D-4AB6-8F64-65B573C77BD5}" type="presParOf" srcId="{D5F4082D-07BA-4A58-B3FE-0D27F36A7B49}" destId="{D53410A6-E5AD-4DAB-8C5A-DC516AEF7B00}" srcOrd="4" destOrd="0" presId="urn:microsoft.com/office/officeart/2017/3/layout/HorizontalPathTimeline"/>
-  </dgm:cxnLst>
-  <dgm:bg/>
-  <dgm:whole/>
-  <dgm:extLst>
-    <a:ext uri="http://schemas.microsoft.com/office/drawing/2008/diagram">
-      <dsp:dataModelExt xmlns:dsp="http://schemas.microsoft.com/office/drawing/2008/diagram" relId="rId6" minVer="http://schemas.openxmlformats.org/drawingml/2006/diagram"/>
-    </a:ext>
-  </dgm:extLst>
-</dgm:dataModel>
-</file>
-
-<file path=ppt/diagrams/drawing1.xml><?xml version="1.0" encoding="utf-8"?>
-<dsp:drawing xmlns:dgm="http://schemas.openxmlformats.org/drawingml/2006/diagram" xmlns:dsp="http://schemas.microsoft.com/office/drawing/2008/diagram" xmlns:a="http://schemas.openxmlformats.org/drawingml/2006/main">
-  <dsp:spTree>
-    <dsp:nvGrpSpPr>
-      <dsp:cNvPr id="0" name=""/>
-      <dsp:cNvGrpSpPr/>
-    </dsp:nvGrpSpPr>
-    <dsp:grpSpPr/>
-    <dsp:sp modelId="{0A2DB98E-12CB-44AC-A271-FA81A963AC9D}">
-      <dsp:nvSpPr>
-        <dsp:cNvPr id="0" name=""/>
-        <dsp:cNvSpPr/>
-      </dsp:nvSpPr>
-      <dsp:spPr>
-        <a:xfrm>
-          <a:off x="346944" y="1930031"/>
-          <a:ext cx="2735446" cy="406133"/>
-        </a:xfrm>
-        <a:prstGeom prst="rect">
-          <a:avLst/>
-        </a:prstGeom>
-        <a:noFill/>
-        <a:ln>
-          <a:noFill/>
-        </a:ln>
-        <a:effectLst/>
-      </dsp:spPr>
-      <dsp:style>
-        <a:lnRef idx="0">
-          <a:scrgbClr r="0" g="0" b="0"/>
-        </a:lnRef>
-        <a:fillRef idx="0">
-          <a:scrgbClr r="0" g="0" b="0"/>
-        </a:fillRef>
-        <a:effectRef idx="0">
-          <a:scrgbClr r="0" g="0" b="0"/>
-        </a:effectRef>
-        <a:fontRef idx="minor"/>
-      </dsp:style>
-      <dsp:txBody>
-        <a:bodyPr spcFirstLastPara="0" vert="horz" wrap="square" lIns="0" tIns="0" rIns="0" bIns="0" numCol="1" spcCol="1270" anchor="t" anchorCtr="1">
-          <a:noAutofit/>
-        </a:bodyPr>
-        <a:lstStyle/>
-        <a:p>
-          <a:pPr marL="0" lvl="0" indent="0" algn="ctr" defTabSz="889000">
-            <a:lnSpc>
-              <a:spcPct val="90000"/>
-            </a:lnSpc>
-            <a:spcBef>
-              <a:spcPct val="0"/>
-            </a:spcBef>
-            <a:spcAft>
-              <a:spcPct val="35000"/>
-            </a:spcAft>
-            <a:buNone/>
-            <a:defRPr b="1"/>
-          </a:pPr>
-          <a:r>
-            <a:rPr lang="en-US" sz="2000" kern="1200" dirty="0"/>
-            <a:t>Title</a:t>
-          </a:r>
-        </a:p>
-      </dsp:txBody>
-      <dsp:txXfrm>
-        <a:off x="346944" y="1930031"/>
-        <a:ext cx="2735446" cy="406133"/>
-      </dsp:txXfrm>
-    </dsp:sp>
-    <dsp:sp modelId="{C5D1BC48-B762-488E-BF7E-9CDA82DFACEE}">
-      <dsp:nvSpPr>
-        <dsp:cNvPr id="0" name=""/>
-        <dsp:cNvSpPr/>
-      </dsp:nvSpPr>
-      <dsp:spPr>
-        <a:xfrm>
-          <a:off x="0" y="1725168"/>
-          <a:ext cx="10267950" cy="143764"/>
-        </a:xfrm>
-        <a:prstGeom prst="rect">
-          <a:avLst/>
-        </a:prstGeom>
-        <a:solidFill>
-          <a:schemeClr val="accent1"/>
-        </a:solidFill>
-        <a:ln w="12700" cap="flat" cmpd="sng" algn="ctr">
-          <a:solidFill>
-            <a:schemeClr val="lt1">
-              <a:hueOff val="0"/>
-              <a:satOff val="0"/>
-              <a:lumOff val="0"/>
-              <a:alphaOff val="0"/>
-            </a:schemeClr>
-          </a:solidFill>
-          <a:prstDash val="solid"/>
-          <a:miter lim="800000"/>
-        </a:ln>
-        <a:effectLst/>
-      </dsp:spPr>
-      <dsp:style>
-        <a:lnRef idx="2">
-          <a:scrgbClr r="0" g="0" b="0"/>
-        </a:lnRef>
-        <a:fillRef idx="1">
-          <a:scrgbClr r="0" g="0" b="0"/>
-        </a:fillRef>
-        <a:effectRef idx="0">
-          <a:scrgbClr r="0" g="0" b="0"/>
-        </a:effectRef>
-        <a:fontRef idx="minor">
-          <a:schemeClr val="lt1"/>
-        </a:fontRef>
-      </dsp:style>
-    </dsp:sp>
-    <dsp:sp modelId="{CD7A980D-5441-4C5A-B155-C2A021C3D0DD}">
-      <dsp:nvSpPr>
-        <dsp:cNvPr id="0" name=""/>
-        <dsp:cNvSpPr/>
-      </dsp:nvSpPr>
-      <dsp:spPr>
-        <a:xfrm>
-          <a:off x="210172" y="565789"/>
-          <a:ext cx="3008990" cy="548381"/>
-        </a:xfrm>
-        <a:prstGeom prst="rect">
-          <a:avLst/>
-        </a:prstGeom>
-        <a:solidFill>
-          <a:schemeClr val="accent5">
-            <a:alpha val="90000"/>
-            <a:tint val="40000"/>
-            <a:hueOff val="0"/>
-            <a:satOff val="0"/>
-            <a:lumOff val="0"/>
-            <a:alphaOff val="0"/>
-          </a:schemeClr>
-        </a:solidFill>
-        <a:ln w="12700" cap="flat" cmpd="sng" algn="ctr">
-          <a:solidFill>
-            <a:schemeClr val="accent5">
-              <a:alpha val="90000"/>
-              <a:tint val="40000"/>
-              <a:hueOff val="0"/>
-              <a:satOff val="0"/>
-              <a:lumOff val="0"/>
-              <a:alphaOff val="0"/>
-            </a:schemeClr>
-          </a:solidFill>
-          <a:prstDash val="solid"/>
-          <a:miter lim="800000"/>
-        </a:ln>
-        <a:effectLst/>
-      </dsp:spPr>
-      <dsp:style>
-        <a:lnRef idx="2">
-          <a:scrgbClr r="0" g="0" b="0"/>
-        </a:lnRef>
-        <a:fillRef idx="1">
-          <a:scrgbClr r="0" g="0" b="0"/>
-        </a:fillRef>
-        <a:effectRef idx="0">
-          <a:scrgbClr r="0" g="0" b="0"/>
-        </a:effectRef>
-        <a:fontRef idx="minor"/>
-      </dsp:style>
-      <dsp:txBody>
-        <a:bodyPr spcFirstLastPara="0" vert="horz" wrap="square" lIns="114300" tIns="114300" rIns="114300" bIns="114300" numCol="1" spcCol="1270" anchor="ctr" anchorCtr="0">
-          <a:noAutofit/>
-        </a:bodyPr>
-        <a:lstStyle/>
-        <a:p>
-          <a:pPr marL="0" lvl="0" indent="0" algn="l" defTabSz="533400">
-            <a:lnSpc>
-              <a:spcPct val="90000"/>
-            </a:lnSpc>
-            <a:spcBef>
-              <a:spcPct val="0"/>
-            </a:spcBef>
-            <a:spcAft>
-              <a:spcPct val="35000"/>
-            </a:spcAft>
-            <a:buNone/>
-          </a:pPr>
-          <a:r>
-            <a:rPr lang="en-US" sz="1200" b="0" i="0" u="none" kern="1200" dirty="0"/>
-            <a:t>To start a presentation, go to the Slide Show tab, and select From Beginning</a:t>
-          </a:r>
-          <a:endParaRPr lang="en-US" sz="1200" kern="1200" dirty="0"/>
-        </a:p>
-      </dsp:txBody>
-      <dsp:txXfrm>
-        <a:off x="210172" y="565789"/>
-        <a:ext cx="3008990" cy="548381"/>
-      </dsp:txXfrm>
-    </dsp:sp>
-    <dsp:sp modelId="{87C15291-AEBC-4F1E-BB11-F23971968E4A}">
-      <dsp:nvSpPr>
-        <dsp:cNvPr id="0" name=""/>
-        <dsp:cNvSpPr/>
-      </dsp:nvSpPr>
-      <dsp:spPr>
-        <a:xfrm>
-          <a:off x="1714667" y="1114171"/>
-          <a:ext cx="0" cy="610997"/>
-        </a:xfrm>
-        <a:prstGeom prst="line">
-          <a:avLst/>
-        </a:prstGeom>
-        <a:solidFill>
-          <a:schemeClr val="accent5">
-            <a:hueOff val="0"/>
-            <a:satOff val="0"/>
-            <a:lumOff val="0"/>
-            <a:alphaOff val="0"/>
-          </a:schemeClr>
-        </a:solidFill>
-        <a:ln w="6350" cap="flat" cmpd="sng" algn="ctr">
-          <a:solidFill>
-            <a:schemeClr val="accent5">
-              <a:hueOff val="0"/>
-              <a:satOff val="0"/>
-              <a:lumOff val="0"/>
-              <a:alphaOff val="0"/>
-            </a:schemeClr>
-          </a:solidFill>
-          <a:prstDash val="dash"/>
-          <a:miter lim="800000"/>
-        </a:ln>
-        <a:effectLst/>
-      </dsp:spPr>
-      <dsp:style>
-        <a:lnRef idx="2">
-          <a:scrgbClr r="0" g="0" b="0"/>
-        </a:lnRef>
-        <a:fillRef idx="1">
-          <a:scrgbClr r="0" g="0" b="0"/>
-        </a:fillRef>
-        <a:effectRef idx="0">
-          <a:scrgbClr r="0" g="0" b="0"/>
-        </a:effectRef>
-        <a:fontRef idx="minor">
-          <a:schemeClr val="lt1"/>
-        </a:fontRef>
-      </dsp:style>
-    </dsp:sp>
-    <dsp:sp modelId="{E7F88204-0CA2-4C46-B02A-29D432AB1EB7}">
-      <dsp:nvSpPr>
-        <dsp:cNvPr id="0" name=""/>
-        <dsp:cNvSpPr/>
-      </dsp:nvSpPr>
-      <dsp:spPr>
-        <a:xfrm>
-          <a:off x="2056598" y="1257935"/>
-          <a:ext cx="2735446" cy="406133"/>
-        </a:xfrm>
-        <a:prstGeom prst="rect">
-          <a:avLst/>
-        </a:prstGeom>
-        <a:noFill/>
-        <a:ln>
-          <a:noFill/>
-        </a:ln>
-        <a:effectLst/>
-      </dsp:spPr>
-      <dsp:style>
-        <a:lnRef idx="0">
-          <a:scrgbClr r="0" g="0" b="0"/>
-        </a:lnRef>
-        <a:fillRef idx="0">
-          <a:scrgbClr r="0" g="0" b="0"/>
-        </a:fillRef>
-        <a:effectRef idx="0">
-          <a:scrgbClr r="0" g="0" b="0"/>
-        </a:effectRef>
-        <a:fontRef idx="minor"/>
-      </dsp:style>
-      <dsp:txBody>
-        <a:bodyPr spcFirstLastPara="0" vert="horz" wrap="square" lIns="0" tIns="0" rIns="0" bIns="0" numCol="1" spcCol="1270" anchor="b" anchorCtr="1">
-          <a:noAutofit/>
-        </a:bodyPr>
-        <a:lstStyle/>
-        <a:p>
-          <a:pPr marL="0" lvl="0" indent="0" algn="ctr" defTabSz="889000">
-            <a:lnSpc>
-              <a:spcPct val="90000"/>
-            </a:lnSpc>
-            <a:spcBef>
-              <a:spcPct val="0"/>
-            </a:spcBef>
-            <a:spcAft>
-              <a:spcPct val="35000"/>
-            </a:spcAft>
-            <a:buNone/>
-            <a:defRPr b="1"/>
-          </a:pPr>
-          <a:r>
-            <a:rPr lang="en-US" sz="2000" kern="1200" dirty="0"/>
-            <a:t>Title</a:t>
-          </a:r>
-        </a:p>
-      </dsp:txBody>
-      <dsp:txXfrm>
-        <a:off x="2056598" y="1257935"/>
-        <a:ext cx="2735446" cy="406133"/>
-      </dsp:txXfrm>
-    </dsp:sp>
-    <dsp:sp modelId="{51FEFD34-D680-431C-AC44-012B4D99C277}">
-      <dsp:nvSpPr>
-        <dsp:cNvPr id="0" name=""/>
-        <dsp:cNvSpPr/>
-      </dsp:nvSpPr>
-      <dsp:spPr>
-        <a:xfrm>
-          <a:off x="1919825" y="2479929"/>
-          <a:ext cx="3008990" cy="861741"/>
-        </a:xfrm>
-        <a:prstGeom prst="rect">
-          <a:avLst/>
-        </a:prstGeom>
-        <a:solidFill>
-          <a:schemeClr val="accent5">
-            <a:alpha val="90000"/>
-            <a:tint val="40000"/>
-            <a:hueOff val="0"/>
-            <a:satOff val="0"/>
-            <a:lumOff val="0"/>
-            <a:alphaOff val="0"/>
-          </a:schemeClr>
-        </a:solidFill>
-        <a:ln w="12700" cap="flat" cmpd="sng" algn="ctr">
-          <a:solidFill>
-            <a:schemeClr val="accent5">
-              <a:alpha val="90000"/>
-              <a:tint val="40000"/>
-              <a:hueOff val="0"/>
-              <a:satOff val="0"/>
-              <a:lumOff val="0"/>
-              <a:alphaOff val="0"/>
-            </a:schemeClr>
-          </a:solidFill>
-          <a:prstDash val="solid"/>
-          <a:miter lim="800000"/>
-        </a:ln>
-        <a:effectLst/>
-      </dsp:spPr>
-      <dsp:style>
-        <a:lnRef idx="2">
-          <a:scrgbClr r="0" g="0" b="0"/>
-        </a:lnRef>
-        <a:fillRef idx="1">
-          <a:scrgbClr r="0" g="0" b="0"/>
-        </a:fillRef>
-        <a:effectRef idx="0">
-          <a:scrgbClr r="0" g="0" b="0"/>
-        </a:effectRef>
-        <a:fontRef idx="minor"/>
-      </dsp:style>
-      <dsp:txBody>
-        <a:bodyPr spcFirstLastPara="0" vert="horz" wrap="square" lIns="114300" tIns="114300" rIns="114300" bIns="114300" numCol="1" spcCol="1270" anchor="ctr" anchorCtr="0">
-          <a:noAutofit/>
-        </a:bodyPr>
-        <a:lstStyle/>
-        <a:p>
-          <a:pPr marL="0" lvl="0" indent="0" algn="l" defTabSz="533400">
-            <a:lnSpc>
-              <a:spcPct val="90000"/>
-            </a:lnSpc>
-            <a:spcBef>
-              <a:spcPct val="0"/>
-            </a:spcBef>
-            <a:spcAft>
-              <a:spcPct val="35000"/>
-            </a:spcAft>
-            <a:buNone/>
-          </a:pPr>
-          <a:r>
-            <a:rPr lang="en-US" sz="1200" b="0" i="0" u="none" kern="1200" dirty="0"/>
-            <a:t>To display Presenter view, in Slide Show view, on the control bar at the bottom left select the three dots, and then Show Presenter View</a:t>
-          </a:r>
-          <a:endParaRPr lang="en-US" sz="1200" kern="1200" dirty="0"/>
-        </a:p>
-      </dsp:txBody>
-      <dsp:txXfrm>
-        <a:off x="1919825" y="2479929"/>
-        <a:ext cx="3008990" cy="861741"/>
-      </dsp:txXfrm>
-    </dsp:sp>
-    <dsp:sp modelId="{CF581527-BD03-46E2-B01B-848601BE686D}">
-      <dsp:nvSpPr>
-        <dsp:cNvPr id="0" name=""/>
-        <dsp:cNvSpPr/>
-      </dsp:nvSpPr>
-      <dsp:spPr>
-        <a:xfrm>
-          <a:off x="3424321" y="1868932"/>
-          <a:ext cx="0" cy="610997"/>
-        </a:xfrm>
-        <a:prstGeom prst="line">
-          <a:avLst/>
-        </a:prstGeom>
-        <a:solidFill>
-          <a:schemeClr val="accent5">
-            <a:hueOff val="0"/>
-            <a:satOff val="0"/>
-            <a:lumOff val="0"/>
-            <a:alphaOff val="0"/>
-          </a:schemeClr>
-        </a:solidFill>
-        <a:ln w="6350" cap="flat" cmpd="sng" algn="ctr">
-          <a:solidFill>
-            <a:schemeClr val="accent5">
-              <a:hueOff val="0"/>
-              <a:satOff val="0"/>
-              <a:lumOff val="0"/>
-              <a:alphaOff val="0"/>
-            </a:schemeClr>
-          </a:solidFill>
-          <a:prstDash val="dash"/>
-          <a:miter lim="800000"/>
-        </a:ln>
-        <a:effectLst/>
-      </dsp:spPr>
-      <dsp:style>
-        <a:lnRef idx="2">
-          <a:scrgbClr r="0" g="0" b="0"/>
-        </a:lnRef>
-        <a:fillRef idx="1">
-          <a:scrgbClr r="0" g="0" b="0"/>
-        </a:fillRef>
-        <a:effectRef idx="0">
-          <a:scrgbClr r="0" g="0" b="0"/>
-        </a:effectRef>
-        <a:fontRef idx="minor">
-          <a:schemeClr val="lt1"/>
-        </a:fontRef>
-      </dsp:style>
-    </dsp:sp>
-    <dsp:sp modelId="{4E6C086A-07A1-49AA-A5A9-2A0B949C7E99}">
-      <dsp:nvSpPr>
-        <dsp:cNvPr id="0" name=""/>
-        <dsp:cNvSpPr/>
-      </dsp:nvSpPr>
-      <dsp:spPr>
-        <a:xfrm>
-          <a:off x="1669741" y="1752123"/>
-          <a:ext cx="89852" cy="89852"/>
-        </a:xfrm>
-        <a:prstGeom prst="ellipse">
-          <a:avLst/>
-        </a:prstGeom>
-        <a:solidFill>
-          <a:schemeClr val="lt1">
-            <a:alpha val="90000"/>
-            <a:hueOff val="0"/>
-            <a:satOff val="0"/>
-            <a:lumOff val="0"/>
-            <a:alphaOff val="0"/>
-          </a:schemeClr>
-        </a:solidFill>
-        <a:ln w="12700" cap="flat" cmpd="sng" algn="ctr">
-          <a:noFill/>
-          <a:prstDash val="solid"/>
-          <a:miter lim="800000"/>
-        </a:ln>
-        <a:effectLst/>
-      </dsp:spPr>
-      <dsp:style>
-        <a:lnRef idx="2">
-          <a:scrgbClr r="0" g="0" b="0"/>
-        </a:lnRef>
-        <a:fillRef idx="1">
-          <a:scrgbClr r="0" g="0" b="0"/>
-        </a:fillRef>
-        <a:effectRef idx="0">
-          <a:scrgbClr r="0" g="0" b="0"/>
-        </a:effectRef>
-        <a:fontRef idx="minor"/>
-      </dsp:style>
-    </dsp:sp>
-    <dsp:sp modelId="{87CBBACC-C115-48BD-9563-4AD8F5A27234}">
-      <dsp:nvSpPr>
-        <dsp:cNvPr id="0" name=""/>
-        <dsp:cNvSpPr/>
-      </dsp:nvSpPr>
-      <dsp:spPr>
-        <a:xfrm>
-          <a:off x="3379394" y="1752123"/>
-          <a:ext cx="89852" cy="89852"/>
-        </a:xfrm>
-        <a:prstGeom prst="ellipse">
-          <a:avLst/>
-        </a:prstGeom>
-        <a:solidFill>
-          <a:schemeClr val="lt1">
-            <a:alpha val="90000"/>
-            <a:hueOff val="0"/>
-            <a:satOff val="0"/>
-            <a:lumOff val="0"/>
-            <a:alphaOff val="0"/>
-          </a:schemeClr>
-        </a:solidFill>
-        <a:ln w="12700" cap="flat" cmpd="sng" algn="ctr">
-          <a:noFill/>
-          <a:prstDash val="solid"/>
-          <a:miter lim="800000"/>
-        </a:ln>
-        <a:effectLst/>
-      </dsp:spPr>
-      <dsp:style>
-        <a:lnRef idx="2">
-          <a:scrgbClr r="0" g="0" b="0"/>
-        </a:lnRef>
-        <a:fillRef idx="1">
-          <a:scrgbClr r="0" g="0" b="0"/>
-        </a:fillRef>
-        <a:effectRef idx="0">
-          <a:scrgbClr r="0" g="0" b="0"/>
-        </a:effectRef>
-        <a:fontRef idx="minor"/>
-      </dsp:style>
-    </dsp:sp>
-    <dsp:sp modelId="{503E2E0C-528D-4B96-B61D-1C3F44FFC164}">
-      <dsp:nvSpPr>
-        <dsp:cNvPr id="0" name=""/>
-        <dsp:cNvSpPr/>
-      </dsp:nvSpPr>
-      <dsp:spPr>
-        <a:xfrm>
-          <a:off x="3766251" y="1930031"/>
-          <a:ext cx="2735446" cy="406133"/>
-        </a:xfrm>
-        <a:prstGeom prst="rect">
-          <a:avLst/>
-        </a:prstGeom>
-        <a:noFill/>
-        <a:ln>
-          <a:noFill/>
-        </a:ln>
-        <a:effectLst/>
-      </dsp:spPr>
-      <dsp:style>
-        <a:lnRef idx="0">
-          <a:scrgbClr r="0" g="0" b="0"/>
-        </a:lnRef>
-        <a:fillRef idx="0">
-          <a:scrgbClr r="0" g="0" b="0"/>
-        </a:fillRef>
-        <a:effectRef idx="0">
-          <a:scrgbClr r="0" g="0" b="0"/>
-        </a:effectRef>
-        <a:fontRef idx="minor"/>
-      </dsp:style>
-      <dsp:txBody>
-        <a:bodyPr spcFirstLastPara="0" vert="horz" wrap="square" lIns="0" tIns="0" rIns="0" bIns="0" numCol="1" spcCol="1270" anchor="t" anchorCtr="1">
-          <a:noAutofit/>
-        </a:bodyPr>
-        <a:lstStyle/>
-        <a:p>
-          <a:pPr marL="0" lvl="0" indent="0" algn="ctr" defTabSz="889000">
-            <a:lnSpc>
-              <a:spcPct val="90000"/>
-            </a:lnSpc>
-            <a:spcBef>
-              <a:spcPct val="0"/>
-            </a:spcBef>
-            <a:spcAft>
-              <a:spcPct val="35000"/>
-            </a:spcAft>
-            <a:buNone/>
-            <a:defRPr b="1"/>
-          </a:pPr>
-          <a:r>
-            <a:rPr lang="en-US" sz="2000" kern="1200" dirty="0"/>
-            <a:t>Title</a:t>
-          </a:r>
-        </a:p>
-      </dsp:txBody>
-      <dsp:txXfrm>
-        <a:off x="3766251" y="1930031"/>
-        <a:ext cx="2735446" cy="406133"/>
-      </dsp:txXfrm>
-    </dsp:sp>
-    <dsp:sp modelId="{341D02C6-3F64-4DF2-AFB2-F620E7B389D9}">
-      <dsp:nvSpPr>
-        <dsp:cNvPr id="0" name=""/>
-        <dsp:cNvSpPr/>
-      </dsp:nvSpPr>
-      <dsp:spPr>
-        <a:xfrm>
-          <a:off x="3629479" y="409109"/>
-          <a:ext cx="3008990" cy="705061"/>
-        </a:xfrm>
-        <a:prstGeom prst="rect">
-          <a:avLst/>
-        </a:prstGeom>
-        <a:solidFill>
-          <a:schemeClr val="accent5">
-            <a:alpha val="90000"/>
-            <a:tint val="40000"/>
-            <a:hueOff val="0"/>
-            <a:satOff val="0"/>
-            <a:lumOff val="0"/>
-            <a:alphaOff val="0"/>
-          </a:schemeClr>
-        </a:solidFill>
-        <a:ln w="12700" cap="flat" cmpd="sng" algn="ctr">
-          <a:solidFill>
-            <a:schemeClr val="accent5">
-              <a:alpha val="90000"/>
-              <a:tint val="40000"/>
-              <a:hueOff val="0"/>
-              <a:satOff val="0"/>
-              <a:lumOff val="0"/>
-              <a:alphaOff val="0"/>
-            </a:schemeClr>
-          </a:solidFill>
-          <a:prstDash val="solid"/>
-          <a:miter lim="800000"/>
-        </a:ln>
-        <a:effectLst/>
-      </dsp:spPr>
-      <dsp:style>
-        <a:lnRef idx="2">
-          <a:scrgbClr r="0" g="0" b="0"/>
-        </a:lnRef>
-        <a:fillRef idx="1">
-          <a:scrgbClr r="0" g="0" b="0"/>
-        </a:fillRef>
-        <a:effectRef idx="0">
-          <a:scrgbClr r="0" g="0" b="0"/>
-        </a:effectRef>
-        <a:fontRef idx="minor"/>
-      </dsp:style>
-      <dsp:txBody>
-        <a:bodyPr spcFirstLastPara="0" vert="horz" wrap="square" lIns="114300" tIns="114300" rIns="114300" bIns="114300" numCol="1" spcCol="1270" anchor="ctr" anchorCtr="0">
-          <a:noAutofit/>
-        </a:bodyPr>
-        <a:lstStyle/>
-        <a:p>
-          <a:pPr marL="0" lvl="0" indent="0" algn="l" defTabSz="533400">
-            <a:lnSpc>
-              <a:spcPct val="90000"/>
-            </a:lnSpc>
-            <a:spcBef>
-              <a:spcPct val="0"/>
-            </a:spcBef>
-            <a:spcAft>
-              <a:spcPct val="35000"/>
-            </a:spcAft>
-            <a:buNone/>
-          </a:pPr>
-          <a:r>
-            <a:rPr lang="en-US" sz="1200" b="0" i="0" u="none" kern="1200" dirty="0"/>
-            <a:t>During your presentation, the speaker notes are visible on your monitor, but aren't visible to the audience. </a:t>
-          </a:r>
-          <a:endParaRPr lang="en-US" sz="1200" kern="1200" dirty="0"/>
-        </a:p>
-      </dsp:txBody>
-      <dsp:txXfrm>
-        <a:off x="3629479" y="409109"/>
-        <a:ext cx="3008990" cy="705061"/>
-      </dsp:txXfrm>
-    </dsp:sp>
-    <dsp:sp modelId="{733145A9-EE86-4C22-9A0B-D61094480CC8}">
-      <dsp:nvSpPr>
-        <dsp:cNvPr id="0" name=""/>
-        <dsp:cNvSpPr/>
-      </dsp:nvSpPr>
-      <dsp:spPr>
-        <a:xfrm>
-          <a:off x="5133975" y="1114171"/>
-          <a:ext cx="0" cy="610997"/>
-        </a:xfrm>
-        <a:prstGeom prst="line">
-          <a:avLst/>
-        </a:prstGeom>
-        <a:solidFill>
-          <a:schemeClr val="accent5">
-            <a:hueOff val="0"/>
-            <a:satOff val="0"/>
-            <a:lumOff val="0"/>
-            <a:alphaOff val="0"/>
-          </a:schemeClr>
-        </a:solidFill>
-        <a:ln w="6350" cap="flat" cmpd="sng" algn="ctr">
-          <a:solidFill>
-            <a:schemeClr val="accent5">
-              <a:hueOff val="0"/>
-              <a:satOff val="0"/>
-              <a:lumOff val="0"/>
-              <a:alphaOff val="0"/>
-            </a:schemeClr>
-          </a:solidFill>
-          <a:prstDash val="dash"/>
-          <a:miter lim="800000"/>
-        </a:ln>
-        <a:effectLst/>
-      </dsp:spPr>
-      <dsp:style>
-        <a:lnRef idx="2">
-          <a:scrgbClr r="0" g="0" b="0"/>
-        </a:lnRef>
-        <a:fillRef idx="1">
-          <a:scrgbClr r="0" g="0" b="0"/>
-        </a:fillRef>
-        <a:effectRef idx="0">
-          <a:scrgbClr r="0" g="0" b="0"/>
-        </a:effectRef>
-        <a:fontRef idx="minor">
-          <a:schemeClr val="lt1"/>
-        </a:fontRef>
-      </dsp:style>
-    </dsp:sp>
-    <dsp:sp modelId="{49FF60A5-1B23-4767-A7F1-0C76CBEFCF2F}">
-      <dsp:nvSpPr>
-        <dsp:cNvPr id="0" name=""/>
-        <dsp:cNvSpPr/>
-      </dsp:nvSpPr>
-      <dsp:spPr>
-        <a:xfrm>
-          <a:off x="5475905" y="1257935"/>
-          <a:ext cx="2735446" cy="406133"/>
-        </a:xfrm>
-        <a:prstGeom prst="rect">
-          <a:avLst/>
-        </a:prstGeom>
-        <a:noFill/>
-        <a:ln>
-          <a:noFill/>
-        </a:ln>
-        <a:effectLst/>
-      </dsp:spPr>
-      <dsp:style>
-        <a:lnRef idx="0">
-          <a:scrgbClr r="0" g="0" b="0"/>
-        </a:lnRef>
-        <a:fillRef idx="0">
-          <a:scrgbClr r="0" g="0" b="0"/>
-        </a:fillRef>
-        <a:effectRef idx="0">
-          <a:scrgbClr r="0" g="0" b="0"/>
-        </a:effectRef>
-        <a:fontRef idx="minor"/>
-      </dsp:style>
-      <dsp:txBody>
-        <a:bodyPr spcFirstLastPara="0" vert="horz" wrap="square" lIns="0" tIns="0" rIns="0" bIns="0" numCol="1" spcCol="1270" anchor="b" anchorCtr="1">
-          <a:noAutofit/>
-        </a:bodyPr>
-        <a:lstStyle/>
-        <a:p>
-          <a:pPr marL="0" lvl="0" indent="0" algn="ctr" defTabSz="889000">
-            <a:lnSpc>
-              <a:spcPct val="90000"/>
-            </a:lnSpc>
-            <a:spcBef>
-              <a:spcPct val="0"/>
-            </a:spcBef>
-            <a:spcAft>
-              <a:spcPct val="35000"/>
-            </a:spcAft>
-            <a:buNone/>
-            <a:defRPr b="1"/>
-          </a:pPr>
-          <a:r>
-            <a:rPr lang="en-US" sz="2000" kern="1200" dirty="0"/>
-            <a:t>Title</a:t>
-          </a:r>
-        </a:p>
-      </dsp:txBody>
-      <dsp:txXfrm>
-        <a:off x="5475905" y="1257935"/>
-        <a:ext cx="2735446" cy="406133"/>
-      </dsp:txXfrm>
-    </dsp:sp>
-    <dsp:sp modelId="{24AF13D8-CAD0-4821-9259-B5AD2BBD2D9A}">
-      <dsp:nvSpPr>
-        <dsp:cNvPr id="0" name=""/>
-        <dsp:cNvSpPr/>
-      </dsp:nvSpPr>
-      <dsp:spPr>
-        <a:xfrm>
-          <a:off x="5339133" y="2479929"/>
-          <a:ext cx="3008990" cy="548381"/>
-        </a:xfrm>
-        <a:prstGeom prst="rect">
-          <a:avLst/>
-        </a:prstGeom>
-        <a:solidFill>
-          <a:schemeClr val="accent5">
-            <a:alpha val="90000"/>
-            <a:tint val="40000"/>
-            <a:hueOff val="0"/>
-            <a:satOff val="0"/>
-            <a:lumOff val="0"/>
-            <a:alphaOff val="0"/>
-          </a:schemeClr>
-        </a:solidFill>
-        <a:ln w="12700" cap="flat" cmpd="sng" algn="ctr">
-          <a:solidFill>
-            <a:schemeClr val="accent5">
-              <a:alpha val="90000"/>
-              <a:tint val="40000"/>
-              <a:hueOff val="0"/>
-              <a:satOff val="0"/>
-              <a:lumOff val="0"/>
-              <a:alphaOff val="0"/>
-            </a:schemeClr>
-          </a:solidFill>
-          <a:prstDash val="solid"/>
-          <a:miter lim="800000"/>
-        </a:ln>
-        <a:effectLst/>
-      </dsp:spPr>
-      <dsp:style>
-        <a:lnRef idx="2">
-          <a:scrgbClr r="0" g="0" b="0"/>
-        </a:lnRef>
-        <a:fillRef idx="1">
-          <a:scrgbClr r="0" g="0" b="0"/>
-        </a:fillRef>
-        <a:effectRef idx="0">
-          <a:scrgbClr r="0" g="0" b="0"/>
-        </a:effectRef>
-        <a:fontRef idx="minor"/>
-      </dsp:style>
-      <dsp:txBody>
-        <a:bodyPr spcFirstLastPara="0" vert="horz" wrap="square" lIns="114300" tIns="114300" rIns="114300" bIns="114300" numCol="1" spcCol="1270" anchor="ctr" anchorCtr="0">
-          <a:noAutofit/>
-        </a:bodyPr>
-        <a:lstStyle/>
-        <a:p>
-          <a:pPr marL="0" lvl="0" indent="0" algn="l" defTabSz="533400">
-            <a:lnSpc>
-              <a:spcPct val="90000"/>
-            </a:lnSpc>
-            <a:spcBef>
-              <a:spcPct val="0"/>
-            </a:spcBef>
-            <a:spcAft>
-              <a:spcPct val="35000"/>
-            </a:spcAft>
-            <a:buNone/>
-          </a:pPr>
-          <a:r>
-            <a:rPr lang="en-US" sz="1200" b="0" i="0" u="none" kern="1200" dirty="0"/>
-            <a:t>The Notes pane is a box that appears below each slide. Tap it to add notes. </a:t>
-          </a:r>
-          <a:endParaRPr lang="en-US" sz="1200" kern="1200" dirty="0"/>
-        </a:p>
-      </dsp:txBody>
-      <dsp:txXfrm>
-        <a:off x="5339133" y="2479929"/>
-        <a:ext cx="3008990" cy="548381"/>
-      </dsp:txXfrm>
-    </dsp:sp>
-    <dsp:sp modelId="{826D19AB-7674-4339-AC6A-3554A3285C8F}">
-      <dsp:nvSpPr>
-        <dsp:cNvPr id="0" name=""/>
-        <dsp:cNvSpPr/>
-      </dsp:nvSpPr>
-      <dsp:spPr>
-        <a:xfrm>
-          <a:off x="6843628" y="1868932"/>
-          <a:ext cx="0" cy="610997"/>
-        </a:xfrm>
-        <a:prstGeom prst="line">
-          <a:avLst/>
-        </a:prstGeom>
-        <a:solidFill>
-          <a:schemeClr val="accent5">
-            <a:hueOff val="0"/>
-            <a:satOff val="0"/>
-            <a:lumOff val="0"/>
-            <a:alphaOff val="0"/>
-          </a:schemeClr>
-        </a:solidFill>
-        <a:ln w="6350" cap="flat" cmpd="sng" algn="ctr">
-          <a:solidFill>
-            <a:schemeClr val="accent5">
-              <a:hueOff val="0"/>
-              <a:satOff val="0"/>
-              <a:lumOff val="0"/>
-              <a:alphaOff val="0"/>
-            </a:schemeClr>
-          </a:solidFill>
-          <a:prstDash val="dash"/>
-          <a:miter lim="800000"/>
-        </a:ln>
-        <a:effectLst/>
-      </dsp:spPr>
-      <dsp:style>
-        <a:lnRef idx="2">
-          <a:scrgbClr r="0" g="0" b="0"/>
-        </a:lnRef>
-        <a:fillRef idx="1">
-          <a:scrgbClr r="0" g="0" b="0"/>
-        </a:fillRef>
-        <a:effectRef idx="0">
-          <a:scrgbClr r="0" g="0" b="0"/>
-        </a:effectRef>
-        <a:fontRef idx="minor">
-          <a:schemeClr val="lt1"/>
-        </a:fontRef>
-      </dsp:style>
-    </dsp:sp>
-    <dsp:sp modelId="{78513766-A46C-4A38-9E06-613A95A26840}">
-      <dsp:nvSpPr>
-        <dsp:cNvPr id="0" name=""/>
-        <dsp:cNvSpPr/>
-      </dsp:nvSpPr>
-      <dsp:spPr>
-        <a:xfrm>
-          <a:off x="5089048" y="1752123"/>
-          <a:ext cx="89852" cy="89852"/>
-        </a:xfrm>
-        <a:prstGeom prst="ellipse">
-          <a:avLst/>
-        </a:prstGeom>
-        <a:solidFill>
-          <a:schemeClr val="lt1">
-            <a:alpha val="90000"/>
-            <a:hueOff val="0"/>
-            <a:satOff val="0"/>
-            <a:lumOff val="0"/>
-            <a:alphaOff val="0"/>
-          </a:schemeClr>
-        </a:solidFill>
-        <a:ln w="12700" cap="flat" cmpd="sng" algn="ctr">
-          <a:noFill/>
-          <a:prstDash val="solid"/>
-          <a:miter lim="800000"/>
-        </a:ln>
-        <a:effectLst/>
-      </dsp:spPr>
-      <dsp:style>
-        <a:lnRef idx="2">
-          <a:scrgbClr r="0" g="0" b="0"/>
-        </a:lnRef>
-        <a:fillRef idx="1">
-          <a:scrgbClr r="0" g="0" b="0"/>
-        </a:fillRef>
-        <a:effectRef idx="0">
-          <a:scrgbClr r="0" g="0" b="0"/>
-        </a:effectRef>
-        <a:fontRef idx="minor"/>
-      </dsp:style>
-    </dsp:sp>
-    <dsp:sp modelId="{43227ABF-0709-40F4-9DAE-D680F9F11751}">
-      <dsp:nvSpPr>
-        <dsp:cNvPr id="0" name=""/>
-        <dsp:cNvSpPr/>
-      </dsp:nvSpPr>
-      <dsp:spPr>
-        <a:xfrm>
-          <a:off x="6798702" y="1752123"/>
-          <a:ext cx="89852" cy="89852"/>
-        </a:xfrm>
-        <a:prstGeom prst="ellipse">
-          <a:avLst/>
-        </a:prstGeom>
-        <a:solidFill>
-          <a:schemeClr val="lt1">
-            <a:alpha val="90000"/>
-            <a:hueOff val="0"/>
-            <a:satOff val="0"/>
-            <a:lumOff val="0"/>
-            <a:alphaOff val="0"/>
-          </a:schemeClr>
-        </a:solidFill>
-        <a:ln w="12700" cap="flat" cmpd="sng" algn="ctr">
-          <a:noFill/>
-          <a:prstDash val="solid"/>
-          <a:miter lim="800000"/>
-        </a:ln>
-        <a:effectLst/>
-      </dsp:spPr>
-      <dsp:style>
-        <a:lnRef idx="2">
-          <a:scrgbClr r="0" g="0" b="0"/>
-        </a:lnRef>
-        <a:fillRef idx="1">
-          <a:scrgbClr r="0" g="0" b="0"/>
-        </a:fillRef>
-        <a:effectRef idx="0">
-          <a:scrgbClr r="0" g="0" b="0"/>
-        </a:effectRef>
-        <a:fontRef idx="minor"/>
-      </dsp:style>
-    </dsp:sp>
-    <dsp:sp modelId="{50410BE5-37F4-425C-A9B7-BB5BB0CFC24E}">
-      <dsp:nvSpPr>
-        <dsp:cNvPr id="0" name=""/>
-        <dsp:cNvSpPr/>
-      </dsp:nvSpPr>
-      <dsp:spPr>
-        <a:xfrm>
-          <a:off x="7185559" y="1930031"/>
-          <a:ext cx="2735446" cy="406133"/>
-        </a:xfrm>
-        <a:prstGeom prst="rect">
-          <a:avLst/>
-        </a:prstGeom>
-        <a:noFill/>
-        <a:ln>
-          <a:noFill/>
-        </a:ln>
-        <a:effectLst/>
-      </dsp:spPr>
-      <dsp:style>
-        <a:lnRef idx="0">
-          <a:scrgbClr r="0" g="0" b="0"/>
-        </a:lnRef>
-        <a:fillRef idx="0">
-          <a:scrgbClr r="0" g="0" b="0"/>
-        </a:fillRef>
-        <a:effectRef idx="0">
-          <a:scrgbClr r="0" g="0" b="0"/>
-        </a:effectRef>
-        <a:fontRef idx="minor"/>
-      </dsp:style>
-      <dsp:txBody>
-        <a:bodyPr spcFirstLastPara="0" vert="horz" wrap="square" lIns="0" tIns="0" rIns="0" bIns="0" numCol="1" spcCol="1270" anchor="t" anchorCtr="1">
-          <a:noAutofit/>
-        </a:bodyPr>
-        <a:lstStyle/>
-        <a:p>
-          <a:pPr marL="0" lvl="0" indent="0" algn="ctr" defTabSz="889000">
-            <a:lnSpc>
-              <a:spcPct val="90000"/>
-            </a:lnSpc>
-            <a:spcBef>
-              <a:spcPct val="0"/>
-            </a:spcBef>
-            <a:spcAft>
-              <a:spcPct val="35000"/>
-            </a:spcAft>
-            <a:buNone/>
-            <a:defRPr b="1"/>
-          </a:pPr>
-          <a:r>
-            <a:rPr lang="en-US" sz="2000" kern="1200" dirty="0"/>
-            <a:t>Title</a:t>
-          </a:r>
-        </a:p>
-      </dsp:txBody>
-      <dsp:txXfrm>
-        <a:off x="7185559" y="1930031"/>
-        <a:ext cx="2735446" cy="406133"/>
-      </dsp:txXfrm>
-    </dsp:sp>
-    <dsp:sp modelId="{F8CBB33A-901D-4476-BB4D-3BBA0095A6AF}">
-      <dsp:nvSpPr>
-        <dsp:cNvPr id="0" name=""/>
-        <dsp:cNvSpPr/>
-      </dsp:nvSpPr>
-      <dsp:spPr>
-        <a:xfrm>
-          <a:off x="7048787" y="252429"/>
-          <a:ext cx="3008990" cy="861741"/>
-        </a:xfrm>
-        <a:prstGeom prst="rect">
-          <a:avLst/>
-        </a:prstGeom>
-        <a:solidFill>
-          <a:schemeClr val="accent5">
-            <a:alpha val="90000"/>
-            <a:tint val="40000"/>
-            <a:hueOff val="0"/>
-            <a:satOff val="0"/>
-            <a:lumOff val="0"/>
-            <a:alphaOff val="0"/>
-          </a:schemeClr>
-        </a:solidFill>
-        <a:ln w="12700" cap="flat" cmpd="sng" algn="ctr">
-          <a:solidFill>
-            <a:schemeClr val="accent5">
-              <a:alpha val="90000"/>
-              <a:tint val="40000"/>
-              <a:hueOff val="0"/>
-              <a:satOff val="0"/>
-              <a:lumOff val="0"/>
-              <a:alphaOff val="0"/>
-            </a:schemeClr>
-          </a:solidFill>
-          <a:prstDash val="solid"/>
-          <a:miter lim="800000"/>
-        </a:ln>
-        <a:effectLst/>
-      </dsp:spPr>
-      <dsp:style>
-        <a:lnRef idx="2">
-          <a:scrgbClr r="0" g="0" b="0"/>
-        </a:lnRef>
-        <a:fillRef idx="1">
-          <a:scrgbClr r="0" g="0" b="0"/>
-        </a:fillRef>
-        <a:effectRef idx="0">
-          <a:scrgbClr r="0" g="0" b="0"/>
-        </a:effectRef>
-        <a:fontRef idx="minor"/>
-      </dsp:style>
-      <dsp:txBody>
-        <a:bodyPr spcFirstLastPara="0" vert="horz" wrap="square" lIns="114300" tIns="114300" rIns="114300" bIns="114300" numCol="1" spcCol="1270" anchor="ctr" anchorCtr="0">
-          <a:noAutofit/>
-        </a:bodyPr>
-        <a:lstStyle/>
-        <a:p>
-          <a:pPr marL="0" lvl="0" indent="0" algn="l" defTabSz="533400">
-            <a:lnSpc>
-              <a:spcPct val="90000"/>
-            </a:lnSpc>
-            <a:spcBef>
-              <a:spcPct val="0"/>
-            </a:spcBef>
-            <a:spcAft>
-              <a:spcPct val="35000"/>
-            </a:spcAft>
-            <a:buNone/>
-          </a:pPr>
-          <a:r>
-            <a:rPr lang="en-US" sz="1200" b="0" i="0" u="none" kern="1200" dirty="0"/>
-            <a:t>If you don’t see the Notes pane or it is completely minimized, click Notes on the task bar across the bottom of the PowerPoint window. </a:t>
-          </a:r>
-          <a:endParaRPr lang="en-US" sz="1200" kern="1200" dirty="0"/>
-        </a:p>
-      </dsp:txBody>
-      <dsp:txXfrm>
-        <a:off x="7048787" y="252429"/>
-        <a:ext cx="3008990" cy="861741"/>
-      </dsp:txXfrm>
-    </dsp:sp>
-    <dsp:sp modelId="{8677116F-B78F-436F-B7FA-3681FDB781CA}">
-      <dsp:nvSpPr>
-        <dsp:cNvPr id="0" name=""/>
-        <dsp:cNvSpPr/>
-      </dsp:nvSpPr>
-      <dsp:spPr>
-        <a:xfrm>
-          <a:off x="8553282" y="1114171"/>
-          <a:ext cx="0" cy="610997"/>
-        </a:xfrm>
-        <a:prstGeom prst="line">
-          <a:avLst/>
-        </a:prstGeom>
-        <a:solidFill>
-          <a:schemeClr val="accent5">
-            <a:hueOff val="0"/>
-            <a:satOff val="0"/>
-            <a:lumOff val="0"/>
-            <a:alphaOff val="0"/>
-          </a:schemeClr>
-        </a:solidFill>
-        <a:ln w="6350" cap="flat" cmpd="sng" algn="ctr">
-          <a:solidFill>
-            <a:schemeClr val="accent5">
-              <a:hueOff val="0"/>
-              <a:satOff val="0"/>
-              <a:lumOff val="0"/>
-              <a:alphaOff val="0"/>
-            </a:schemeClr>
-          </a:solidFill>
-          <a:prstDash val="dash"/>
-          <a:miter lim="800000"/>
-        </a:ln>
-        <a:effectLst/>
-      </dsp:spPr>
-      <dsp:style>
-        <a:lnRef idx="2">
-          <a:scrgbClr r="0" g="0" b="0"/>
-        </a:lnRef>
-        <a:fillRef idx="1">
-          <a:scrgbClr r="0" g="0" b="0"/>
-        </a:fillRef>
-        <a:effectRef idx="0">
-          <a:scrgbClr r="0" g="0" b="0"/>
-        </a:effectRef>
-        <a:fontRef idx="minor">
-          <a:schemeClr val="lt1"/>
-        </a:fontRef>
-      </dsp:style>
-    </dsp:sp>
-    <dsp:sp modelId="{A95AF550-DC6B-424A-B700-8C6432E1A3FF}">
-      <dsp:nvSpPr>
-        <dsp:cNvPr id="0" name=""/>
-        <dsp:cNvSpPr/>
-      </dsp:nvSpPr>
-      <dsp:spPr>
-        <a:xfrm>
-          <a:off x="8508356" y="1752123"/>
-          <a:ext cx="89852" cy="89852"/>
-        </a:xfrm>
-        <a:prstGeom prst="ellipse">
-          <a:avLst/>
-        </a:prstGeom>
-        <a:solidFill>
-          <a:schemeClr val="lt1">
-            <a:alpha val="90000"/>
-            <a:hueOff val="0"/>
-            <a:satOff val="0"/>
-            <a:lumOff val="0"/>
-            <a:alphaOff val="0"/>
-          </a:schemeClr>
-        </a:solidFill>
-        <a:ln w="12700" cap="flat" cmpd="sng" algn="ctr">
-          <a:noFill/>
-          <a:prstDash val="solid"/>
-          <a:miter lim="800000"/>
-        </a:ln>
-        <a:effectLst/>
-      </dsp:spPr>
-      <dsp:style>
-        <a:lnRef idx="2">
-          <a:scrgbClr r="0" g="0" b="0"/>
-        </a:lnRef>
-        <a:fillRef idx="1">
-          <a:scrgbClr r="0" g="0" b="0"/>
-        </a:fillRef>
-        <a:effectRef idx="0">
-          <a:scrgbClr r="0" g="0" b="0"/>
-        </a:effectRef>
-        <a:fontRef idx="minor"/>
-      </dsp:style>
-    </dsp:sp>
-  </dsp:spTree>
-</dsp:drawing>
-</file>
-
-<file path=ppt/diagrams/layout1.xml><?xml version="1.0" encoding="utf-8"?>
-<dgm:layoutDef xmlns:dgm="http://schemas.openxmlformats.org/drawingml/2006/diagram" xmlns:a="http://schemas.openxmlformats.org/drawingml/2006/main" uniqueId="urn:microsoft.com/office/officeart/2017/3/layout/HorizontalPathTimeline">
-  <dgm:title val="Horizontal Path Timeline"/>
-  <dgm:desc val="Use to show a list of events in chronological order. The rectangular shape contains the description while the date is shown near the circular dot along the time line. It's the perfect SmartArt for displaying large amount of text with a short date format."/>
-  <dgm:catLst>
-    <dgm:cat type="timeline" pri="500"/>
-    <dgm:cat type="process" pri="600"/>
-  </dgm:catLst>
-  <dgm:sampData>
-    <dgm:dataModel>
-      <dgm:ptLst>
-        <dgm:pt modelId="0" type="doc"/>
-        <dgm:pt modelId="10">
-          <dgm:prSet phldr="1"/>
-        </dgm:pt>
-        <dgm:pt modelId="11">
-          <dgm:prSet phldr="1"/>
-        </dgm:pt>
-        <dgm:pt modelId="20">
-          <dgm:prSet phldr="1"/>
-        </dgm:pt>
-        <dgm:pt modelId="21">
-          <dgm:prSet phldr="1"/>
-        </dgm:pt>
-        <dgm:pt modelId="30">
-          <dgm:prSet phldr="1"/>
-        </dgm:pt>
-        <dgm:pt modelId="31">
-          <dgm:prSet phldr="1"/>
-        </dgm:pt>
-      </dgm:ptLst>
-      <dgm:cxnLst>
-        <dgm:cxn modelId="40" srcId="0" destId="10" srcOrd="0" destOrd="0"/>
-        <dgm:cxn modelId="12" srcId="10" destId="11" srcOrd="0" destOrd="0"/>
-        <dgm:cxn modelId="50" srcId="0" destId="20" srcOrd="1" destOrd="0"/>
-        <dgm:cxn modelId="22" srcId="20" destId="21" srcOrd="0" destOrd="0"/>
-        <dgm:cxn modelId="60" srcId="0" destId="30" srcOrd="1" destOrd="0"/>
-        <dgm:cxn modelId="32" srcId="30" destId="31" srcOrd="0" destOrd="0"/>
-      </dgm:cxnLst>
-      <dgm:bg/>
-      <dgm:whole/>
-    </dgm:dataModel>
-  </dgm:sampData>
-  <dgm:styleData>
-    <dgm:dataModel>
-      <dgm:ptLst>
-        <dgm:pt modelId="0" type="doc"/>
-        <dgm:pt modelId="10">
-          <dgm:prSet phldr="1"/>
-        </dgm:pt>
-        <dgm:pt modelId="20">
-          <dgm:prSet phldr="1"/>
-        </dgm:pt>
-      </dgm:ptLst>
-      <dgm:cxnLst>
-        <dgm:cxn modelId="60" srcId="0" destId="10" srcOrd="0" destOrd="0"/>
-        <dgm:cxn modelId="70" srcId="0" destId="20" srcOrd="1" destOrd="0"/>
-      </dgm:cxnLst>
-      <dgm:bg/>
-      <dgm:whole/>
-    </dgm:dataModel>
-  </dgm:styleData>
-  <dgm:clrData>
-    <dgm:dataModel>
-      <dgm:ptLst>
-        <dgm:pt modelId="0" type="doc"/>
-        <dgm:pt modelId="10">
-          <dgm:prSet phldr="1"/>
-        </dgm:pt>
-        <dgm:pt modelId="20">
-          <dgm:prSet phldr="1"/>
-        </dgm:pt>
-        <dgm:pt modelId="30">
-          <dgm:prSet phldr="1"/>
-        </dgm:pt>
-        <dgm:pt modelId="40">
-          <dgm:prSet phldr="1"/>
-        </dgm:pt>
-      </dgm:ptLst>
-      <dgm:cxnLst>
-        <dgm:cxn modelId="60" srcId="0" destId="10" srcOrd="0" destOrd="0"/>
-        <dgm:cxn modelId="70" srcId="0" destId="20" srcOrd="1" destOrd="0"/>
-        <dgm:cxn modelId="80" srcId="0" destId="30" srcOrd="2" destOrd="0"/>
-        <dgm:cxn modelId="90" srcId="0" destId="40" srcOrd="3" destOrd="0"/>
-      </dgm:cxnLst>
-      <dgm:bg/>
-      <dgm:whole/>
-    </dgm:dataModel>
-  </dgm:clrData>
-  <dgm:layoutNode name="root">
-    <dgm:varLst>
-      <dgm:chMax/>
-      <dgm:chPref/>
-      <dgm:animLvl val="lvl"/>
-    </dgm:varLst>
-    <dgm:alg type="composite"/>
-    <dgm:shape xmlns:r="http://schemas.openxmlformats.org/officeDocument/2006/relationships" r:blip="">
-      <dgm:adjLst/>
-    </dgm:shape>
-    <dgm:constrLst>
-      <dgm:constr type="w" for="ch" forName="divider" refType="w"/>
-      <dgm:constr type="h" for="ch" forName="divider" refType="h" fact="0.04"/>
-      <dgm:constr type="ctrY" for="ch" forName="divider" refType="h" fact="0.5"/>
-      <dgm:constr type="l" for="ch" forName="divider"/>
-      <dgm:constr type="w" for="ch" forName="nodes" refType="w"/>
-      <dgm:constr type="h" for="ch" forName="nodes" refType="h"/>
-    </dgm:constrLst>
-    <dgm:layoutNode name="divider" styleLbl="node1">
-      <dgm:alg type="sp"/>
-      <dgm:shape xmlns:r="http://schemas.openxmlformats.org/officeDocument/2006/relationships" type="rect" r:blip="" zOrderOff="2">
-        <dgm:adjLst/>
-      </dgm:shape>
-      <dgm:presOf/>
-      <dgm:constrLst/>
-      <dgm:ruleLst/>
-    </dgm:layoutNode>
-    <dgm:layoutNode name="nodes">
-      <dgm:varLst>
-        <dgm:chMax/>
-        <dgm:chPref/>
-        <dgm:animLvl val="lvl"/>
-      </dgm:varLst>
-      <dgm:choose name="Name1">
-        <dgm:if name="Name2" func="var" arg="dir" op="equ" val="norm">
-          <dgm:alg type="lin"/>
-        </dgm:if>
-        <dgm:else name="Name3">
-          <dgm:alg type="lin">
-            <dgm:param type="linDir" val="fromR"/>
-          </dgm:alg>
-        </dgm:else>
-      </dgm:choose>
-      <dgm:shape xmlns:r="http://schemas.openxmlformats.org/officeDocument/2006/relationships" r:blip="">
-        <dgm:adjLst/>
-      </dgm:shape>
-      <dgm:choose name="constrBasedOnChildrenCount">
-        <dgm:if name="constrForTwoChildren" axis="ch" ptType="node" func="cnt" op="lte" val="2">
-          <dgm:constrLst>
-            <dgm:constr type="primFontSz" for="des" forName="L1TextContainer" val="20"/>
-            <dgm:constr type="primFontSz" for="des" forName="L2TextContainer" refType="primFontSz" refFor="des" refForName="L1TextContainer" op="equ" fact="0.75"/>
-            <dgm:constr type="w" for="ch" forName="composite" refType="w"/>
-            <dgm:constr type="h" for="ch" forName="composite" refType="h"/>
-            <dgm:constr type="w" for="ch" forName="spaceBetweenRectangles" refType="w" refFor="ch" refForName="composite" fact="0"/>
-            <dgm:constr type="w" for="ch" ptType="sibTrans" op="equ"/>
-            <dgm:constr type="primFontSz" for="des" forName="L1TextContainer" op="equ"/>
-            <dgm:constr type="primFontSz" for="des" forName="L2TextContainer" op="equ"/>
-          </dgm:constrLst>
-        </dgm:if>
-        <dgm:else name="constrForRest">
-          <dgm:constrLst>
-            <dgm:constr type="primFontSz" for="des" forName="L1TextContainer" val="20"/>
-            <dgm:constr type="primFontSz" for="des" forName="L2TextContainer" refType="primFontSz" refFor="des" refForName="L1TextContainer" op="equ" fact="0.75"/>
-            <dgm:constr type="w" for="ch" forName="composite" refType="w"/>
-            <dgm:constr type="h" for="ch" forName="composite" refType="h"/>
-            <dgm:constr type="w" for="ch" forName="spaceBetweenRectangles" refType="w" refFor="ch" refForName="composite" fact="-0.5"/>
-            <dgm:constr type="w" for="ch" ptType="sibTrans" op="equ"/>
-            <dgm:constr type="primFontSz" for="des" forName="L1TextContainer" op="equ"/>
-            <dgm:constr type="primFontSz" for="des" forName="L2TextContainer" op="equ"/>
-          </dgm:constrLst>
-        </dgm:else>
-      </dgm:choose>
-      <dgm:forEach name="nodesForEach" axis="ch" ptType="node">
-        <dgm:layoutNode name="composite">
-          <dgm:alg type="composite"/>
-          <dgm:shape xmlns:r="http://schemas.openxmlformats.org/officeDocument/2006/relationships" r:blip="">
-            <dgm:adjLst/>
-          </dgm:shape>
-          <dgm:choose name="CaseForPlacingNodesAboveAndBelowDivider">
-            <dgm:if name="CaseForPlacingNodeAboveDivider" axis="self" ptType="node" func="posOdd" op="equ" val="1">
-              <dgm:constrLst>
-                <dgm:constr type="w" for="ch" forName="L1TextContainer" refType="w" fact="0.8"/>
-                <dgm:constr type="l" for="ch" forName="L1TextContainer" refType="w" fact="0.1"/>
-                <dgm:constr type="t" for="ch" forName="L1TextContainer" refType="h" fact="0.537"/>
-                <dgm:constr type="h" for="ch" forName="L1TextContainer" refType="h" fact="0.113"/>
-                <dgm:constr type="w" for="ch" forName="L2TextContainerWrapper" refType="w" fact="0.88"/>
-                <dgm:constr type="h" for="ch" forName="L2TextContainerWrapper" refType="h" fact="0.31"/>
-                <dgm:constr type="b" for="ch" forName="L2TextContainerWrapper" refType="h" fact="0.31"/>
-                <dgm:constr type="l" for="ch" forName="L2TextContainerWrapper" refType="w" fact="0.06"/>
-                <dgm:constr type="w" for="ch" forName="ConnectLine"/>
-                <dgm:constr type="l" for="ch" forName="ConnectLine" refType="w" fact="0.5"/>
-                <dgm:constr type="h" for="ch" forName="ConnectLine" refType="h" fact="0.17"/>
-                <dgm:constr type="t" for="ch" forName="ConnectLine" refType="h" fact="0.31"/>
-                <dgm:constr type="w" for="ch" forName="ConnectorPoint" refType="h" fact="0.025"/>
-                <dgm:constr type="h" for="ch" forName="ConnectorPoint" refType="h" fact="0.025"/>
-                <dgm:constr type="ctrX" for="ch" forName="ConnectorPoint" refType="w" fact="0.5"/>
-                <dgm:constr type="ctrY" for="ch" forName="ConnectorPoint" refType="h" fact="0.5"/>
-                <dgm:constr type="w" for="ch" forName="EmptyPlaceHolder" refType="w"/>
-                <dgm:constr type="t" for="ch" forName="EmptyPlaceHolder" refType="h" fact="0.65"/>
-                <dgm:constr type="h" for="ch" forName="EmptyPlaceHolder" refType="h" fact="0.35"/>
-              </dgm:constrLst>
-            </dgm:if>
-            <dgm:else name="CaseForPlacingNodeBelowDivider">
-              <dgm:constrLst>
-                <dgm:constr type="w" for="ch" forName="L1TextContainer" refType="w" fact="0.8"/>
-                <dgm:constr type="l" for="ch" forName="L1TextContainer" refType="w" fact="0.1"/>
-                <dgm:constr type="t" for="ch" forName="L1TextContainer" refType="h" fact="0.35"/>
-                <dgm:constr type="h" for="ch" forName="L1TextContainer" refType="h" fact="0.113"/>
-                <dgm:constr type="w" for="ch" forName="L2TextContainerWrapper" refType="w" fact="0.88"/>
-                <dgm:constr type="h" for="ch" forName="L2TextContainerWrapper" refType="h" fact="0.31"/>
-                <dgm:constr type="t" for="ch" forName="L2TextContainerWrapper" refType="h" fact="0.69"/>
-                <dgm:constr type="l" for="ch" forName="L2TextContainerWrapper" refType="w" fact="0.06"/>
-                <dgm:constr type="w" for="ch" forName="ConnectLine"/>
-                <dgm:constr type="l" for="ch" forName="ConnectLine" refType="w" fact="0.5"/>
-                <dgm:constr type="h" for="ch" forName="ConnectLine" refType="h" fact="0.17"/>
-                <dgm:constr type="t" for="ch" forName="ConnectLine" refType="h" fact="0.52"/>
-                <dgm:constr type="w" for="ch" forName="ConnectorPoint" refType="h" fact="0.025"/>
-                <dgm:constr type="h" for="ch" forName="ConnectorPoint" refType="h" fact="0.025"/>
-                <dgm:constr type="ctrX" for="ch" forName="ConnectorPoint" refType="w" fact="0.5"/>
-                <dgm:constr type="ctrY" for="ch" forName="ConnectorPoint" refType="h" fact="0.5"/>
-                <dgm:constr type="w" for="ch" forName="EmptyPlaceHolder" refType="w"/>
-                <dgm:constr type="h" for="ch" forName="EmptyPlaceHolder" refType="h" fact="0.35"/>
-                <dgm:constr type="t" for="ch" forName="EmptyPlaceHolder" refType="h" fact="0"/>
-              </dgm:constrLst>
-            </dgm:else>
-          </dgm:choose>
-          <dgm:layoutNode name="L1TextContainer" styleLbl="revTx">
-            <dgm:varLst>
-              <dgm:chMax val="1"/>
-              <dgm:chPref val="1"/>
-              <dgm:bulletEnabled val="1"/>
-            </dgm:varLst>
-            <dgm:choose name="casesForTxtDirLogic">
-              <dgm:if name="Name78" axis="self" ptType="node" func="posOdd" op="equ" val="1">
-                <dgm:alg type="tx">
-                  <dgm:param type="txAnchorHorz" val="ctr"/>
-                  <dgm:param type="txAnchorVert" val="t"/>
-                  <dgm:param type="parTxLTRAlign" val="ctr"/>
-                  <dgm:param type="parTxRTLAlign" val="ctr"/>
-                </dgm:alg>
-              </dgm:if>
-              <dgm:else name="Name89">
-                <dgm:alg type="tx">
-                  <dgm:param type="txAnchorHorz" val="ctr"/>
-                  <dgm:param type="txAnchorVert" val="b"/>
-                  <dgm:param type="parTxLTRAlign" val="ctr"/>
-                  <dgm:param type="parTxRTLAlign" val="ctr"/>
-                </dgm:alg>
-              </dgm:else>
-            </dgm:choose>
-            <dgm:shape xmlns:r="http://schemas.openxmlformats.org/officeDocument/2006/relationships" type="rect" r:blip="">
-              <dgm:adjLst/>
-            </dgm:shape>
-            <dgm:presOf axis="self"/>
-            <dgm:constrLst>
-              <dgm:constr type="lMarg"/>
-              <dgm:constr type="rMarg"/>
-              <dgm:constr type="tMarg"/>
-              <dgm:constr type="bMarg"/>
-            </dgm:constrLst>
-            <dgm:ruleLst>
-              <dgm:rule type="primFontSz" val="14" fact="NaN" max="NaN"/>
-            </dgm:ruleLst>
-          </dgm:layoutNode>
-          <dgm:layoutNode name="L2TextContainerWrapper" styleLbl="bgAccFollowNode1">
-            <dgm:varLst>
-              <dgm:chMax val="0"/>
-              <dgm:chPref val="0"/>
-              <dgm:bulletEnabled val="1"/>
-            </dgm:varLst>
-            <dgm:alg type="composite"/>
-            <dgm:choose name="L2TextContainerConstr">
-              <dgm:if name="CaseForPlacingL2TextContaineAboveDivider" axis="self" ptType="node" func="posOdd" op="equ" val="1">
-                <dgm:constrLst>
-                  <dgm:constr type="h" for="ch" forName="L2TextContainer" refType="h" fact="0.45"/>
-                  <dgm:constr type="b" for="ch" forName="L2TextContainer" refType="h"/>
-                  <dgm:constr type="h" for="ch" forName="FlexibleEmptyPlaceHolder" refType="h" fact="0.55"/>
-                </dgm:constrLst>
-              </dgm:if>
-              <dgm:else name="CaseForPlacingL2TextContaineBelowDivider">
-                <dgm:constrLst>
-                  <dgm:constr type="h" for="ch" forName="L2TextContainer" refType="h" fact="0.45"/>
-                  <dgm:constr type="h" for="ch" forName="FlexibleEmptyPlaceHolder" refType="h" fact="0.55"/>
-                  <dgm:constr type="b" for="ch" forName="FlexibleEmptyPlaceHolder" refType="h"/>
-                </dgm:constrLst>
-              </dgm:else>
-            </dgm:choose>
-            <dgm:layoutNode name="L2TextContainer" styleLbl="bgAccFollowNode1">
-              <dgm:choose name="L2TextContainerAlgo">
-                <dgm:if name="L2TextContainerAlgoLTR" func="var" arg="dir" op="equ" val="norm">
-                  <dgm:alg type="tx">
-                    <dgm:param type="txAnchorVert" val="mid"/>
-                    <dgm:param type="parTxRTLAlign" val="l"/>
-                    <dgm:param type="parTxLTRAlign" val="l"/>
-                    <dgm:param type="txAnchorVertCh" val="mid"/>
-                    <dgm:param type="shpTxRTLAlignCh" val="l"/>
-                    <dgm:param type="shpTxLTRAlignCh" val="l"/>
-                  </dgm:alg>
-                </dgm:if>
-                <dgm:else name="L2TextContainerAlgoRTL">
-                  <dgm:alg type="tx">
-                    <dgm:param type="txAnchorVert" val="mid"/>
-                    <dgm:param type="parTxRTLAlign" val="r"/>
-                    <dgm:param type="parTxLTRAlign" val="r"/>
-                    <dgm:param type="txAnchorVertCh" val="mid"/>
-                    <dgm:param type="shpTxRTLAlignCh" val="r"/>
-                    <dgm:param type="shpTxLTRAlignCh" val="r"/>
-                  </dgm:alg>
-                </dgm:else>
-              </dgm:choose>
-              <dgm:shape xmlns:r="http://schemas.openxmlformats.org/officeDocument/2006/relationships" type="rect" r:blip="">
-                <dgm:adjLst/>
-              </dgm:shape>
-              <dgm:presOf axis="des" ptType="node"/>
-              <dgm:constrLst>
-                <dgm:constr type="lMarg" refType="primFontSz" fact="0.75"/>
-                <dgm:constr type="rMarg" refType="primFontSz" fact="0.75"/>
-                <dgm:constr type="tMarg" refType="primFontSz" fact="0.75"/>
-                <dgm:constr type="bMarg" refType="primFontSz" fact="0.75"/>
-              </dgm:constrLst>
-              <dgm:ruleLst>
-                <dgm:rule type="h" val="INF" fact="NaN" max="NaN"/>
-                <dgm:rule type="primFontSz" val="11" fact="NaN" max="NaN"/>
-                <dgm:rule type="secFontSz" val="9" fact="NaN" max="NaN"/>
-              </dgm:ruleLst>
-            </dgm:layoutNode>
-            <dgm:layoutNode name="FlexibleEmptyPlaceHolder">
-              <dgm:alg type="sp"/>
-              <dgm:shape xmlns:r="http://schemas.openxmlformats.org/officeDocument/2006/relationships" r:blip="">
-                <dgm:adjLst/>
-              </dgm:shape>
-              <dgm:presOf/>
-              <dgm:constrLst/>
-            </dgm:layoutNode>
-          </dgm:layoutNode>
-          <dgm:layoutNode name="ConnectLine" styleLbl="alignNode1" moveWith="L2TextContainer">
-            <dgm:alg type="sp"/>
-            <dgm:shape xmlns:r="http://schemas.openxmlformats.org/officeDocument/2006/relationships" type="line" r:blip="" zOrderOff="-1">
-              <dgm:adjLst/>
-              <dgm:extLst>
-                <a:ext uri="{B698B0E9-8C71-41B9-8309-B3DCBF30829C}">
-                  <dgm1612:spPr xmlns:dgm1612="http://schemas.microsoft.com/office/drawing/2016/12/diagram">
-                    <a:ln w="6350">
-                      <a:prstDash val="dash"/>
-                    </a:ln>
-                  </dgm1612:spPr>
-                </a:ext>
-              </dgm:extLst>
-            </dgm:shape>
-            <dgm:presOf/>
-            <dgm:constrLst/>
-          </dgm:layoutNode>
-          <dgm:layoutNode name="ConnectorPoint" styleLbl="fgAcc1" moveWith="L2TextContainer">
-            <dgm:alg type="sp"/>
-            <dgm:shape xmlns:r="http://schemas.openxmlformats.org/officeDocument/2006/relationships" type="ellipse" r:blip="" zOrderOff="10">
-              <dgm:adjLst/>
-              <dgm:extLst>
-                <a:ext uri="{B698B0E9-8C71-41B9-8309-B3DCBF30829C}">
-                  <dgm1612:spPr xmlns:dgm1612="http://schemas.microsoft.com/office/drawing/2016/12/diagram">
-                    <a:ln>
-                      <a:noFill/>
-                    </a:ln>
-                  </dgm1612:spPr>
-                </a:ext>
-              </dgm:extLst>
-            </dgm:shape>
-            <dgm:presOf/>
-            <dgm:constrLst/>
-          </dgm:layoutNode>
-          <dgm:layoutNode name="EmptyPlaceHolder">
-            <dgm:alg type="sp"/>
-            <dgm:shape xmlns:r="http://schemas.openxmlformats.org/officeDocument/2006/relationships" r:blip="">
-              <dgm:adjLst/>
-            </dgm:shape>
-            <dgm:presOf/>
-            <dgm:constrLst/>
-          </dgm:layoutNode>
-        </dgm:layoutNode>
-        <dgm:forEach name="Name28" axis="followSib" ptType="sibTrans" cnt="1">
-          <dgm:layoutNode name="spaceBetweenRectangles">
-            <dgm:alg type="sp"/>
-            <dgm:shape xmlns:r="http://schemas.openxmlformats.org/officeDocument/2006/relationships" r:blip="">
-              <dgm:adjLst/>
-            </dgm:shape>
-            <dgm:presOf/>
-            <dgm:constrLst/>
-            <dgm:ruleLst/>
-          </dgm:layoutNode>
-        </dgm:forEach>
-      </dgm:forEach>
-    </dgm:layoutNode>
-  </dgm:layoutNode>
-  <dgm:extLst>
-    <a:ext uri="{68A01E43-0DF5-4B5B-8FA6-DAF915123BFB}">
-      <dgm1612:lstStyle xmlns:dgm1612="http://schemas.microsoft.com/office/drawing/2016/12/diagram">
-        <a:lvl1pPr>
-          <a:defRPr b="1"/>
-        </a:lvl1pPr>
-      </dgm1612:lstStyle>
-    </a:ext>
-  </dgm:extLst>
-</dgm:layoutDef>
-</file>
-
-<file path=ppt/diagrams/quickStyle1.xml><?xml version="1.0" encoding="utf-8"?>
-<dgm:styleDef xmlns:dgm="http://schemas.openxmlformats.org/drawingml/2006/diagram" xmlns:a="http://schemas.openxmlformats.org/drawingml/2006/main" uniqueId="urn:microsoft.com/office/officeart/2005/8/quickstyle/simple1">
-  <dgm:title val=""/>
-  <dgm:desc val=""/>
-  <dgm:catLst>
-    <dgm:cat type="simple" pri="10100"/>
-  </dgm:catLst>
-  <dgm:scene3d>
-    <a:camera prst="orthographicFront"/>
-    <a:lightRig rig="threePt" dir="t"/>
-  </dgm:scene3d>
-  <dgm:styleLbl name="node0">
-    <dgm:scene3d>
-      <a:camera prst="orthographicFront"/>
-      <a:lightRig rig="threePt" dir="t"/>
-    </dgm:scene3d>
-    <dgm:sp3d/>
-    <dgm:txPr/>
-    <dgm:style>
-      <a:lnRef idx="2">
-        <a:scrgbClr r="0" g="0" b="0"/>
-      </a:lnRef>
-      <a:fillRef idx="1">
-        <a:scrgbClr r="0" g="0" b="0"/>
-      </a:fillRef>
-      <a:effectRef idx="0">
-        <a:scrgbClr r="0" g="0" b="0"/>
-      </a:effectRef>
-      <a:fontRef idx="minor">
-        <a:schemeClr val="lt1"/>
-      </a:fontRef>
-    </dgm:style>
-  </dgm:styleLbl>
-  <dgm:styleLbl name="lnNode1">
-    <dgm:scene3d>
-      <a:camera prst="orthographicFront"/>
-      <a:lightRig rig="threePt" dir="t"/>
-    </dgm:scene3d>
-    <dgm:sp3d/>
-    <dgm:txPr/>
-    <dgm:style>
-      <a:lnRef idx="2">
-        <a:scrgbClr r="0" g="0" b="0"/>
-      </a:lnRef>
-      <a:fillRef idx="1">
-        <a:scrgbClr r="0" g="0" b="0"/>
-      </a:fillRef>
-      <a:effectRef idx="0">
-        <a:scrgbClr r="0" g="0" b="0"/>
-      </a:effectRef>
-      <a:fontRef idx="minor">
-        <a:schemeClr val="lt1"/>
-      </a:fontRef>
-    </dgm:style>
-  </dgm:styleLbl>
-  <dgm:styleLbl name="vennNode1">
-    <dgm:scene3d>
-      <a:camera prst="orthographicFront"/>
-      <a:lightRig rig="threePt" dir="t"/>
-    </dgm:scene3d>
-    <dgm:sp3d/>
-    <dgm:txPr/>
-    <dgm:style>
-      <a:lnRef idx="2">
-        <a:scrgbClr r="0" g="0" b="0"/>
-      </a:lnRef>
-      <a:fillRef idx="1">
-        <a:scrgbClr r="0" g="0" b="0"/>
-      </a:fillRef>
-      <a:effectRef idx="0">
-        <a:scrgbClr r="0" g="0" b="0"/>
-      </a:effectRef>
-      <a:fontRef idx="minor">
-        <a:schemeClr val="tx1"/>
-      </a:fontRef>
-    </dgm:style>
-  </dgm:styleLbl>
-  <dgm:styleLbl name="alignNode1">
-    <dgm:scene3d>
-      <a:camera prst="orthographicFront"/>
-      <a:lightRig rig="threePt" dir="t"/>
-    </dgm:scene3d>
-    <dgm:sp3d/>
-    <dgm:txPr/>
-    <dgm:style>
-      <a:lnRef idx="2">
-        <a:scrgbClr r="0" g="0" b="0"/>
-      </a:lnRef>
-      <a:fillRef idx="1">
-        <a:scrgbClr r="0" g="0" b="0"/>
-      </a:fillRef>
-      <a:effectRef idx="0">
-        <a:scrgbClr r="0" g="0" b="0"/>
-      </a:effectRef>
-      <a:fontRef idx="minor">
-        <a:schemeClr val="lt1"/>
-      </a:fontRef>
-    </dgm:style>
-  </dgm:styleLbl>
-  <dgm:styleLbl name="node1">
-    <dgm:scene3d>
-      <a:camera prst="orthographicFront"/>
-      <a:lightRig rig="threePt" dir="t"/>
-    </dgm:scene3d>
-    <dgm:sp3d/>
-    <dgm:txPr/>
-    <dgm:style>
-      <a:lnRef idx="2">
-        <a:scrgbClr r="0" g="0" b="0"/>
-      </a:lnRef>
-      <a:fillRef idx="1">
-        <a:scrgbClr r="0" g="0" b="0"/>
-      </a:fillRef>
-      <a:effectRef idx="0">
-        <a:scrgbClr r="0" g="0" b="0"/>
-      </a:effectRef>
-      <a:fontRef idx="minor">
-        <a:schemeClr val="lt1"/>
-      </a:fontRef>
-    </dgm:style>
-  </dgm:styleLbl>
-  <dgm:styleLbl name="node2">
-    <dgm:scene3d>
-      <a:camera prst="orthographicFront"/>
-      <a:lightRig rig="threePt" dir="t"/>
-    </dgm:scene3d>
-    <dgm:sp3d/>
-    <dgm:txPr/>
-    <dgm:style>
-      <a:lnRef idx="2">
-        <a:scrgbClr r="0" g="0" b="0"/>
-      </a:lnRef>
-      <a:fillRef idx="1">
-        <a:scrgbClr r="0" g="0" b="0"/>
-      </a:fillRef>
-      <a:effectRef idx="0">
-        <a:scrgbClr r="0" g="0" b="0"/>
-      </a:effectRef>
-      <a:fontRef idx="minor">
-        <a:schemeClr val="lt1"/>
-      </a:fontRef>
-    </dgm:style>
-  </dgm:styleLbl>
-  <dgm:styleLbl name="node3">
-    <dgm:scene3d>
-      <a:camera prst="orthographicFront"/>
-      <a:lightRig rig="threePt" dir="t"/>
-    </dgm:scene3d>
-    <dgm:sp3d/>
-    <dgm:txPr/>
-    <dgm:style>
-      <a:lnRef idx="2">
-        <a:scrgbClr r="0" g="0" b="0"/>
-      </a:lnRef>
-      <a:fillRef idx="1">
-        <a:scrgbClr r="0" g="0" b="0"/>
-      </a:fillRef>
-      <a:effectRef idx="0">
-        <a:scrgbClr r="0" g="0" b="0"/>
-      </a:effectRef>
-      <a:fontRef idx="minor">
-        <a:schemeClr val="lt1"/>
-      </a:fontRef>
-    </dgm:style>
-  </dgm:styleLbl>
-  <dgm:styleLbl name="node4">
-    <dgm:scene3d>
-      <a:camera prst="orthographicFront"/>
-      <a:lightRig rig="threePt" dir="t"/>
-    </dgm:scene3d>
-    <dgm:sp3d/>
-    <dgm:txPr/>
-    <dgm:style>
-      <a:lnRef idx="2">
-        <a:scrgbClr r="0" g="0" b="0"/>
-      </a:lnRef>
-      <a:fillRef idx="1">
-        <a:scrgbClr r="0" g="0" b="0"/>
-      </a:fillRef>
-      <a:effectRef idx="0">
-        <a:scrgbClr r="0" g="0" b="0"/>
-      </a:effectRef>
-      <a:fontRef idx="minor">
-        <a:schemeClr val="lt1"/>
-      </a:fontRef>
-    </dgm:style>
-  </dgm:styleLbl>
-  <dgm:styleLbl name="fgImgPlace1">
-    <dgm:scene3d>
-      <a:camera prst="orthographicFront"/>
-      <a:lightRig rig="threePt" dir="t"/>
-    </dgm:scene3d>
-    <dgm:sp3d/>
-    <dgm:txPr/>
-    <dgm:style>
-      <a:lnRef idx="2">
-        <a:scrgbClr r="0" g="0" b="0"/>
-      </a:lnRef>
-      <a:fillRef idx="1">
-        <a:scrgbClr r="0" g="0" b="0"/>
-      </a:fillRef>
-      <a:effectRef idx="0">
-        <a:scrgbClr r="0" g="0" b="0"/>
-      </a:effectRef>
-      <a:fontRef idx="minor"/>
-    </dgm:style>
-  </dgm:styleLbl>
-  <dgm:styleLbl name="alignImgPlace1">
-    <dgm:scene3d>
-      <a:camera prst="orthographicFront"/>
-      <a:lightRig rig="threePt" dir="t"/>
-    </dgm:scene3d>
-    <dgm:sp3d/>
-    <dgm:txPr/>
-    <dgm:style>
-      <a:lnRef idx="2">
-        <a:scrgbClr r="0" g="0" b="0"/>
-      </a:lnRef>
-      <a:fillRef idx="1">
-        <a:scrgbClr r="0" g="0" b="0"/>
-      </a:fillRef>
-      <a:effectRef idx="0">
-        <a:scrgbClr r="0" g="0" b="0"/>
-      </a:effectRef>
-      <a:fontRef idx="minor"/>
-    </dgm:style>
-  </dgm:styleLbl>
-  <dgm:styleLbl name="bgImgPlace1">
-    <dgm:scene3d>
-      <a:camera prst="orthographicFront"/>
-      <a:lightRig rig="threePt" dir="t"/>
-    </dgm:scene3d>
-    <dgm:sp3d/>
-    <dgm:txPr/>
-    <dgm:style>
-      <a:lnRef idx="2">
-        <a:scrgbClr r="0" g="0" b="0"/>
-      </a:lnRef>
-      <a:fillRef idx="1">
-        <a:scrgbClr r="0" g="0" b="0"/>
-      </a:fillRef>
-      <a:effectRef idx="0">
-        <a:scrgbClr r="0" g="0" b="0"/>
-      </a:effectRef>
-      <a:fontRef idx="minor"/>
-    </dgm:style>
-  </dgm:styleLbl>
-  <dgm:styleLbl name="sibTrans2D1">
-    <dgm:scene3d>
-      <a:camera prst="orthographicFront"/>
-      <a:lightRig rig="threePt" dir="t"/>
-    </dgm:scene3d>
-    <dgm:sp3d/>
-    <dgm:txPr/>
-    <dgm:style>
-      <a:lnRef idx="0">
-        <a:scrgbClr r="0" g="0" b="0"/>
-      </a:lnRef>
-      <a:fillRef idx="1">
-        <a:scrgbClr r="0" g="0" b="0"/>
-      </a:fillRef>
-      <a:effectRef idx="0">
-        <a:scrgbClr r="0" g="0" b="0"/>
-      </a:effectRef>
-      <a:fontRef idx="minor">
-        <a:schemeClr val="lt1"/>
-      </a:fontRef>
-    </dgm:style>
-  </dgm:styleLbl>
-  <dgm:styleLbl name="fgSibTrans2D1">
-    <dgm:scene3d>
-      <a:camera prst="orthographicFront"/>
-      <a:lightRig rig="threePt" dir="t"/>
-    </dgm:scene3d>
-    <dgm:sp3d/>
-    <dgm:txPr/>
-    <dgm:style>
-      <a:lnRef idx="0">
-        <a:scrgbClr r="0" g="0" b="0"/>
-      </a:lnRef>
-      <a:fillRef idx="1">
-        <a:scrgbClr r="0" g="0" b="0"/>
-      </a:fillRef>
-      <a:effectRef idx="0">
-        <a:scrgbClr r="0" g="0" b="0"/>
-      </a:effectRef>
-      <a:fontRef idx="minor">
-        <a:schemeClr val="lt1"/>
-      </a:fontRef>
-    </dgm:style>
-  </dgm:styleLbl>
-  <dgm:styleLbl name="bgSibTrans2D1">
-    <dgm:scene3d>
-      <a:camera prst="orthographicFront"/>
-      <a:lightRig rig="threePt" dir="t"/>
-    </dgm:scene3d>
-    <dgm:sp3d/>
-    <dgm:txPr/>
-    <dgm:style>
-      <a:lnRef idx="0">
-        <a:scrgbClr r="0" g="0" b="0"/>
-      </a:lnRef>
-      <a:fillRef idx="1">
-        <a:scrgbClr r="0" g="0" b="0"/>
-      </a:fillRef>
-      <a:effectRef idx="0">
-        <a:scrgbClr r="0" g="0" b="0"/>
-      </a:effectRef>
-      <a:fontRef idx="minor">
-        <a:schemeClr val="lt1"/>
-      </a:fontRef>
-    </dgm:style>
-  </dgm:styleLbl>
-  <dgm:styleLbl name="sibTrans1D1">
-    <dgm:scene3d>
-      <a:camera prst="orthographicFront"/>
-      <a:lightRig rig="threePt" dir="t"/>
-    </dgm:scene3d>
-    <dgm:sp3d/>
-    <dgm:txPr/>
-    <dgm:style>
-      <a:lnRef idx="1">
-        <a:scrgbClr r="0" g="0" b="0"/>
-      </a:lnRef>
-      <a:fillRef idx="0">
-        <a:scrgbClr r="0" g="0" b="0"/>
-      </a:fillRef>
-      <a:effectRef idx="0">
-        <a:scrgbClr r="0" g="0" b="0"/>
-      </a:effectRef>
-      <a:fontRef idx="minor"/>
-    </dgm:style>
-  </dgm:styleLbl>
-  <dgm:styleLbl name="callout">
-    <dgm:scene3d>
-      <a:camera prst="orthographicFront"/>
-      <a:lightRig rig="threePt" dir="t"/>
-    </dgm:scene3d>
-    <dgm:sp3d/>
-    <dgm:txPr/>
-    <dgm:style>
-      <a:lnRef idx="2">
-        <a:scrgbClr r="0" g="0" b="0"/>
-      </a:lnRef>
-      <a:fillRef idx="1">
-        <a:scrgbClr r="0" g="0" b="0"/>
-      </a:fillRef>
-      <a:effectRef idx="0">
-        <a:scrgbClr r="0" g="0" b="0"/>
-      </a:effectRef>
-      <a:fontRef idx="minor"/>
-    </dgm:style>
-  </dgm:styleLbl>
-  <dgm:styleLbl name="asst0">
-    <dgm:scene3d>
-      <a:camera prst="orthographicFront"/>
-      <a:lightRig rig="threePt" dir="t"/>
-    </dgm:scene3d>
-    <dgm:sp3d/>
-    <dgm:txPr/>
-    <dgm:style>
-      <a:lnRef idx="2">
-        <a:scrgbClr r="0" g="0" b="0"/>
-      </a:lnRef>
-      <a:fillRef idx="1">
-        <a:scrgbClr r="0" g="0" b="0"/>
-      </a:fillRef>
-      <a:effectRef idx="0">
-        <a:scrgbClr r="0" g="0" b="0"/>
-      </a:effectRef>
-      <a:fontRef idx="minor">
-        <a:schemeClr val="lt1"/>
-      </a:fontRef>
-    </dgm:style>
-  </dgm:styleLbl>
-  <dgm:styleLbl name="asst1">
-    <dgm:scene3d>
-      <a:camera prst="orthographicFront"/>
-      <a:lightRig rig="threePt" dir="t"/>
-    </dgm:scene3d>
-    <dgm:sp3d/>
-    <dgm:txPr/>
-    <dgm:style>
-      <a:lnRef idx="2">
-        <a:scrgbClr r="0" g="0" b="0"/>
-      </a:lnRef>
-      <a:fillRef idx="1">
-        <a:scrgbClr r="0" g="0" b="0"/>
-      </a:fillRef>
-      <a:effectRef idx="0">
-        <a:scrgbClr r="0" g="0" b="0"/>
-      </a:effectRef>
-      <a:fontRef idx="minor">
-        <a:schemeClr val="lt1"/>
-      </a:fontRef>
-    </dgm:style>
-  </dgm:styleLbl>
-  <dgm:styleLbl name="asst2">
-    <dgm:scene3d>
-      <a:camera prst="orthographicFront"/>
-      <a:lightRig rig="threePt" dir="t"/>
-    </dgm:scene3d>
-    <dgm:sp3d/>
-    <dgm:txPr/>
-    <dgm:style>
-      <a:lnRef idx="2">
-        <a:scrgbClr r="0" g="0" b="0"/>
-      </a:lnRef>
-      <a:fillRef idx="1">
-        <a:scrgbClr r="0" g="0" b="0"/>
-      </a:fillRef>
-      <a:effectRef idx="0">
-        <a:scrgbClr r="0" g="0" b="0"/>
-      </a:effectRef>
-      <a:fontRef idx="minor">
-        <a:schemeClr val="lt1"/>
-      </a:fontRef>
-    </dgm:style>
-  </dgm:styleLbl>
-  <dgm:styleLbl name="asst3">
-    <dgm:scene3d>
-      <a:camera prst="orthographicFront"/>
-      <a:lightRig rig="threePt" dir="t"/>
-    </dgm:scene3d>
-    <dgm:sp3d/>
-    <dgm:txPr/>
-    <dgm:style>
-      <a:lnRef idx="2">
-        <a:scrgbClr r="0" g="0" b="0"/>
-      </a:lnRef>
-      <a:fillRef idx="1">
-        <a:scrgbClr r="0" g="0" b="0"/>
-      </a:fillRef>
-      <a:effectRef idx="0">
-        <a:scrgbClr r="0" g="0" b="0"/>
-      </a:effectRef>
-      <a:fontRef idx="minor">
-        <a:schemeClr val="lt1"/>
-      </a:fontRef>
-    </dgm:style>
-  </dgm:styleLbl>
-  <dgm:styleLbl name="asst4">
-    <dgm:scene3d>
-      <a:camera prst="orthographicFront"/>
-      <a:lightRig rig="threePt" dir="t"/>
-    </dgm:scene3d>
-    <dgm:sp3d/>
-    <dgm:txPr/>
-    <dgm:style>
-      <a:lnRef idx="2">
-        <a:scrgbClr r="0" g="0" b="0"/>
-      </a:lnRef>
-      <a:fillRef idx="1">
-        <a:scrgbClr r="0" g="0" b="0"/>
-      </a:fillRef>
-      <a:effectRef idx="0">
-        <a:scrgbClr r="0" g="0" b="0"/>
-      </a:effectRef>
-      <a:fontRef idx="minor">
-        <a:schemeClr val="lt1"/>
-      </a:fontRef>
-    </dgm:style>
-  </dgm:styleLbl>
-  <dgm:styleLbl name="parChTrans2D1">
-    <dgm:scene3d>
-      <a:camera prst="orthographicFront"/>
-      <a:lightRig rig="threePt" dir="t"/>
-    </dgm:scene3d>
-    <dgm:sp3d/>
-    <dgm:txPr/>
-    <dgm:style>
-      <a:lnRef idx="2">
-        <a:scrgbClr r="0" g="0" b="0"/>
-      </a:lnRef>
-      <a:fillRef idx="1">
-        <a:scrgbClr r="0" g="0" b="0"/>
-      </a:fillRef>
-      <a:effectRef idx="0">
-        <a:scrgbClr r="0" g="0" b="0"/>
-      </a:effectRef>
-      <a:fontRef idx="minor">
-        <a:schemeClr val="lt1"/>
-      </a:fontRef>
-    </dgm:style>
-  </dgm:styleLbl>
-  <dgm:styleLbl name="parChTrans2D2">
-    <dgm:scene3d>
-      <a:camera prst="orthographicFront"/>
-      <a:lightRig rig="threePt" dir="t"/>
-    </dgm:scene3d>
-    <dgm:sp3d/>
-    <dgm:txPr/>
-    <dgm:style>
-      <a:lnRef idx="2">
-        <a:scrgbClr r="0" g="0" b="0"/>
-      </a:lnRef>
-      <a:fillRef idx="1">
-        <a:scrgbClr r="0" g="0" b="0"/>
-      </a:fillRef>
-      <a:effectRef idx="0">
-        <a:scrgbClr r="0" g="0" b="0"/>
-      </a:effectRef>
-      <a:fontRef idx="minor">
-        <a:schemeClr val="lt1"/>
-      </a:fontRef>
-    </dgm:style>
-  </dgm:styleLbl>
-  <dgm:styleLbl name="parChTrans2D3">
-    <dgm:scene3d>
-      <a:camera prst="orthographicFront"/>
-      <a:lightRig rig="threePt" dir="t"/>
-    </dgm:scene3d>
-    <dgm:sp3d/>
-    <dgm:txPr/>
-    <dgm:style>
-      <a:lnRef idx="2">
-        <a:scrgbClr r="0" g="0" b="0"/>
-      </a:lnRef>
-      <a:fillRef idx="1">
-        <a:scrgbClr r="0" g="0" b="0"/>
-      </a:fillRef>
-      <a:effectRef idx="0">
-        <a:scrgbClr r="0" g="0" b="0"/>
-      </a:effectRef>
-      <a:fontRef idx="minor">
-        <a:schemeClr val="lt1"/>
-      </a:fontRef>
-    </dgm:style>
-  </dgm:styleLbl>
-  <dgm:styleLbl name="parChTrans2D4">
-    <dgm:scene3d>
-      <a:camera prst="orthographicFront"/>
-      <a:lightRig rig="threePt" dir="t"/>
-    </dgm:scene3d>
-    <dgm:sp3d/>
-    <dgm:txPr/>
-    <dgm:style>
-      <a:lnRef idx="2">
-        <a:scrgbClr r="0" g="0" b="0"/>
-      </a:lnRef>
-      <a:fillRef idx="1">
-        <a:scrgbClr r="0" g="0" b="0"/>
-      </a:fillRef>
-      <a:effectRef idx="0">
-        <a:scrgbClr r="0" g="0" b="0"/>
-      </a:effectRef>
-      <a:fontRef idx="minor">
-        <a:schemeClr val="lt1"/>
-      </a:fontRef>
-    </dgm:style>
-  </dgm:styleLbl>
-  <dgm:styleLbl name="parChTrans1D1">
-    <dgm:scene3d>
-      <a:camera prst="orthographicFront"/>
-      <a:lightRig rig="threePt" dir="t"/>
-    </dgm:scene3d>
-    <dgm:sp3d/>
-    <dgm:txPr/>
-    <dgm:style>
-      <a:lnRef idx="2">
-        <a:scrgbClr r="0" g="0" b="0"/>
-      </a:lnRef>
-      <a:fillRef idx="0">
-        <a:scrgbClr r="0" g="0" b="0"/>
-      </a:fillRef>
-      <a:effectRef idx="0">
-        <a:scrgbClr r="0" g="0" b="0"/>
-      </a:effectRef>
-      <a:fontRef idx="minor"/>
-    </dgm:style>
-  </dgm:styleLbl>
-  <dgm:styleLbl name="parChTrans1D2">
-    <dgm:scene3d>
-      <a:camera prst="orthographicFront"/>
-      <a:lightRig rig="threePt" dir="t"/>
-    </dgm:scene3d>
-    <dgm:sp3d/>
-    <dgm:txPr/>
-    <dgm:style>
-      <a:lnRef idx="2">
-        <a:scrgbClr r="0" g="0" b="0"/>
-      </a:lnRef>
-      <a:fillRef idx="0">
-        <a:scrgbClr r="0" g="0" b="0"/>
-      </a:fillRef>
-      <a:effectRef idx="0">
-        <a:scrgbClr r="0" g="0" b="0"/>
-      </a:effectRef>
-      <a:fontRef idx="minor"/>
-    </dgm:style>
-  </dgm:styleLbl>
-  <dgm:styleLbl name="parChTrans1D3">
-    <dgm:scene3d>
-      <a:camera prst="orthographicFront"/>
-      <a:lightRig rig="threePt" dir="t"/>
-    </dgm:scene3d>
-    <dgm:sp3d/>
-    <dgm:txPr/>
-    <dgm:style>
-      <a:lnRef idx="2">
-        <a:scrgbClr r="0" g="0" b="0"/>
-      </a:lnRef>
-      <a:fillRef idx="0">
-        <a:scrgbClr r="0" g="0" b="0"/>
-      </a:fillRef>
-      <a:effectRef idx="0">
-        <a:scrgbClr r="0" g="0" b="0"/>
-      </a:effectRef>
-      <a:fontRef idx="minor"/>
-    </dgm:style>
-  </dgm:styleLbl>
-  <dgm:styleLbl name="parChTrans1D4">
-    <dgm:scene3d>
-      <a:camera prst="orthographicFront"/>
-      <a:lightRig rig="threePt" dir="t"/>
-    </dgm:scene3d>
-    <dgm:sp3d/>
-    <dgm:txPr/>
-    <dgm:style>
-      <a:lnRef idx="2">
-        <a:scrgbClr r="0" g="0" b="0"/>
-      </a:lnRef>
-      <a:fillRef idx="0">
-        <a:scrgbClr r="0" g="0" b="0"/>
-      </a:fillRef>
-      <a:effectRef idx="0">
-        <a:scrgbClr r="0" g="0" b="0"/>
-      </a:effectRef>
-      <a:fontRef idx="minor"/>
-    </dgm:style>
-  </dgm:styleLbl>
-  <dgm:styleLbl name="fgAcc1">
-    <dgm:scene3d>
-      <a:camera prst="orthographicFront"/>
-      <a:lightRig rig="threePt" dir="t"/>
-    </dgm:scene3d>
-    <dgm:sp3d/>
-    <dgm:txPr/>
-    <dgm:style>
-      <a:lnRef idx="2">
-        <a:scrgbClr r="0" g="0" b="0"/>
-      </a:lnRef>
-      <a:fillRef idx="1">
-        <a:scrgbClr r="0" g="0" b="0"/>
-      </a:fillRef>
-      <a:effectRef idx="0">
-        <a:scrgbClr r="0" g="0" b="0"/>
-      </a:effectRef>
-      <a:fontRef idx="minor"/>
-    </dgm:style>
-  </dgm:styleLbl>
-  <dgm:styleLbl name="conFgAcc1">
-    <dgm:scene3d>
-      <a:camera prst="orthographicFront"/>
-      <a:lightRig rig="threePt" dir="t"/>
-    </dgm:scene3d>
-    <dgm:sp3d/>
-    <dgm:txPr/>
-    <dgm:style>
-      <a:lnRef idx="2">
-        <a:scrgbClr r="0" g="0" b="0"/>
-      </a:lnRef>
-      <a:fillRef idx="1">
-        <a:scrgbClr r="0" g="0" b="0"/>
-      </a:fillRef>
-      <a:effectRef idx="0">
-        <a:scrgbClr r="0" g="0" b="0"/>
-      </a:effectRef>
-      <a:fontRef idx="minor"/>
-    </dgm:style>
-  </dgm:styleLbl>
-  <dgm:styleLbl name="alignAcc1">
-    <dgm:scene3d>
-      <a:camera prst="orthographicFront"/>
-      <a:lightRig rig="threePt" dir="t"/>
-    </dgm:scene3d>
-    <dgm:sp3d/>
-    <dgm:txPr/>
-    <dgm:style>
-      <a:lnRef idx="2">
-        <a:scrgbClr r="0" g="0" b="0"/>
-      </a:lnRef>
-      <a:fillRef idx="1">
-        <a:scrgbClr r="0" g="0" b="0"/>
-      </a:fillRef>
-      <a:effectRef idx="0">
-        <a:scrgbClr r="0" g="0" b="0"/>
-      </a:effectRef>
-      <a:fontRef idx="minor"/>
-    </dgm:style>
-  </dgm:styleLbl>
-  <dgm:styleLbl name="trAlignAcc1">
-    <dgm:scene3d>
-      <a:camera prst="orthographicFront"/>
-      <a:lightRig rig="threePt" dir="t"/>
-    </dgm:scene3d>
-    <dgm:sp3d/>
-    <dgm:txPr/>
-    <dgm:style>
-      <a:lnRef idx="1">
-        <a:scrgbClr r="0" g="0" b="0"/>
-      </a:lnRef>
-      <a:fillRef idx="1">
-        <a:scrgbClr r="0" g="0" b="0"/>
-      </a:fillRef>
-      <a:effectRef idx="0">
-        <a:scrgbClr r="0" g="0" b="0"/>
-      </a:effectRef>
-      <a:fontRef idx="minor"/>
-    </dgm:style>
-  </dgm:styleLbl>
-  <dgm:styleLbl name="bgAcc1">
-    <dgm:scene3d>
-      <a:camera prst="orthographicFront"/>
-      <a:lightRig rig="threePt" dir="t"/>
-    </dgm:scene3d>
-    <dgm:sp3d/>
-    <dgm:txPr/>
-    <dgm:style>
-      <a:lnRef idx="2">
-        <a:scrgbClr r="0" g="0" b="0"/>
-      </a:lnRef>
-      <a:fillRef idx="1">
-        <a:scrgbClr r="0" g="0" b="0"/>
-      </a:fillRef>
-      <a:effectRef idx="0">
-        <a:scrgbClr r="0" g="0" b="0"/>
-      </a:effectRef>
-      <a:fontRef idx="minor"/>
-    </dgm:style>
-  </dgm:styleLbl>
-  <dgm:styleLbl name="solidFgAcc1">
-    <dgm:scene3d>
-      <a:camera prst="orthographicFront"/>
-      <a:lightRig rig="threePt" dir="t"/>
-    </dgm:scene3d>
-    <dgm:sp3d/>
-    <dgm:txPr/>
-    <dgm:style>
-      <a:lnRef idx="2">
-        <a:scrgbClr r="0" g="0" b="0"/>
-      </a:lnRef>
-      <a:fillRef idx="1">
-        <a:scrgbClr r="0" g="0" b="0"/>
-      </a:fillRef>
-      <a:effectRef idx="0">
-        <a:scrgbClr r="0" g="0" b="0"/>
-      </a:effectRef>
-      <a:fontRef idx="minor"/>
-    </dgm:style>
-  </dgm:styleLbl>
-  <dgm:styleLbl name="solidAlignAcc1">
-    <dgm:scene3d>
-      <a:camera prst="orthographicFront"/>
-      <a:lightRig rig="threePt" dir="t"/>
-    </dgm:scene3d>
-    <dgm:sp3d/>
-    <dgm:txPr/>
-    <dgm:style>
-      <a:lnRef idx="2">
-        <a:scrgbClr r="0" g="0" b="0"/>
-      </a:lnRef>
-      <a:fillRef idx="1">
-        <a:scrgbClr r="0" g="0" b="0"/>
-      </a:fillRef>
-      <a:effectRef idx="0">
-        <a:scrgbClr r="0" g="0" b="0"/>
-      </a:effectRef>
-      <a:fontRef idx="minor"/>
-    </dgm:style>
-  </dgm:styleLbl>
-  <dgm:styleLbl name="solidBgAcc1">
-    <dgm:scene3d>
-      <a:camera prst="orthographicFront"/>
-      <a:lightRig rig="threePt" dir="t"/>
-    </dgm:scene3d>
-    <dgm:sp3d/>
-    <dgm:txPr/>
-    <dgm:style>
-      <a:lnRef idx="2">
-        <a:scrgbClr r="0" g="0" b="0"/>
-      </a:lnRef>
-      <a:fillRef idx="1">
-        <a:scrgbClr r="0" g="0" b="0"/>
-      </a:fillRef>
-      <a:effectRef idx="0">
-        <a:scrgbClr r="0" g="0" b="0"/>
-      </a:effectRef>
-      <a:fontRef idx="minor"/>
-    </dgm:style>
-  </dgm:styleLbl>
-  <dgm:styleLbl name="fgAccFollowNode1">
-    <dgm:scene3d>
-      <a:camera prst="orthographicFront"/>
-      <a:lightRig rig="threePt" dir="t"/>
-    </dgm:scene3d>
-    <dgm:sp3d/>
-    <dgm:txPr/>
-    <dgm:style>
-      <a:lnRef idx="2">
-        <a:scrgbClr r="0" g="0" b="0"/>
-      </a:lnRef>
-      <a:fillRef idx="1">
-        <a:scrgbClr r="0" g="0" b="0"/>
-      </a:fillRef>
-      <a:effectRef idx="0">
-        <a:scrgbClr r="0" g="0" b="0"/>
-      </a:effectRef>
-      <a:fontRef idx="minor"/>
-    </dgm:style>
-  </dgm:styleLbl>
-  <dgm:styleLbl name="alignAccFollowNode1">
-    <dgm:scene3d>
-      <a:camera prst="orthographicFront"/>
-      <a:lightRig rig="threePt" dir="t"/>
-    </dgm:scene3d>
-    <dgm:sp3d/>
-    <dgm:txPr/>
-    <dgm:style>
-      <a:lnRef idx="2">
-        <a:scrgbClr r="0" g="0" b="0"/>
-      </a:lnRef>
-      <a:fillRef idx="1">
-        <a:scrgbClr r="0" g="0" b="0"/>
-      </a:fillRef>
-      <a:effectRef idx="0">
-        <a:scrgbClr r="0" g="0" b="0"/>
-      </a:effectRef>
-      <a:fontRef idx="minor"/>
-    </dgm:style>
-  </dgm:styleLbl>
-  <dgm:styleLbl name="bgAccFollowNode1">
-    <dgm:scene3d>
-      <a:camera prst="orthographicFront"/>
-      <a:lightRig rig="threePt" dir="t"/>
-    </dgm:scene3d>
-    <dgm:sp3d/>
-    <dgm:txPr/>
-    <dgm:style>
-      <a:lnRef idx="2">
-        <a:scrgbClr r="0" g="0" b="0"/>
-      </a:lnRef>
-      <a:fillRef idx="1">
-        <a:scrgbClr r="0" g="0" b="0"/>
-      </a:fillRef>
-      <a:effectRef idx="0">
-        <a:scrgbClr r="0" g="0" b="0"/>
-      </a:effectRef>
-      <a:fontRef idx="minor"/>
-    </dgm:style>
-  </dgm:styleLbl>
-  <dgm:styleLbl name="fgAcc0">
-    <dgm:scene3d>
-      <a:camera prst="orthographicFront"/>
-      <a:lightRig rig="threePt" dir="t"/>
-    </dgm:scene3d>
-    <dgm:sp3d/>
-    <dgm:txPr/>
-    <dgm:style>
-      <a:lnRef idx="2">
-        <a:scrgbClr r="0" g="0" b="0"/>
-      </a:lnRef>
-      <a:fillRef idx="1">
-        <a:scrgbClr r="0" g="0" b="0"/>
-      </a:fillRef>
-      <a:effectRef idx="0">
-        <a:scrgbClr r="0" g="0" b="0"/>
-      </a:effectRef>
-      <a:fontRef idx="minor"/>
-    </dgm:style>
-  </dgm:styleLbl>
-  <dgm:styleLbl name="fgAcc2">
-    <dgm:scene3d>
-      <a:camera prst="orthographicFront"/>
-      <a:lightRig rig="threePt" dir="t"/>
-    </dgm:scene3d>
-    <dgm:sp3d/>
-    <dgm:txPr/>
-    <dgm:style>
-      <a:lnRef idx="2">
-        <a:scrgbClr r="0" g="0" b="0"/>
-      </a:lnRef>
-      <a:fillRef idx="1">
-        <a:scrgbClr r="0" g="0" b="0"/>
-      </a:fillRef>
-      <a:effectRef idx="0">
-        <a:scrgbClr r="0" g="0" b="0"/>
-      </a:effectRef>
-      <a:fontRef idx="minor"/>
-    </dgm:style>
-  </dgm:styleLbl>
-  <dgm:styleLbl name="fgAcc3">
-    <dgm:scene3d>
-      <a:camera prst="orthographicFront"/>
-      <a:lightRig rig="threePt" dir="t"/>
-    </dgm:scene3d>
-    <dgm:sp3d/>
-    <dgm:txPr/>
-    <dgm:style>
-      <a:lnRef idx="2">
-        <a:scrgbClr r="0" g="0" b="0"/>
-      </a:lnRef>
-      <a:fillRef idx="1">
-        <a:scrgbClr r="0" g="0" b="0"/>
-      </a:fillRef>
-      <a:effectRef idx="0">
-        <a:scrgbClr r="0" g="0" b="0"/>
-      </a:effectRef>
-      <a:fontRef idx="minor"/>
-    </dgm:style>
-  </dgm:styleLbl>
-  <dgm:styleLbl name="fgAcc4">
-    <dgm:scene3d>
-      <a:camera prst="orthographicFront"/>
-      <a:lightRig rig="threePt" dir="t"/>
-    </dgm:scene3d>
-    <dgm:sp3d/>
-    <dgm:txPr/>
-    <dgm:style>
-      <a:lnRef idx="2">
-        <a:scrgbClr r="0" g="0" b="0"/>
-      </a:lnRef>
-      <a:fillRef idx="1">
-        <a:scrgbClr r="0" g="0" b="0"/>
-      </a:fillRef>
-      <a:effectRef idx="0">
-        <a:scrgbClr r="0" g="0" b="0"/>
-      </a:effectRef>
-      <a:fontRef idx="minor"/>
-    </dgm:style>
-  </dgm:styleLbl>
-  <dgm:styleLbl name="bgShp">
-    <dgm:scene3d>
-      <a:camera prst="orthographicFront"/>
-      <a:lightRig rig="threePt" dir="t"/>
-    </dgm:scene3d>
-    <dgm:sp3d/>
-    <dgm:txPr/>
-    <dgm:style>
-      <a:lnRef idx="0">
-        <a:scrgbClr r="0" g="0" b="0"/>
-      </a:lnRef>
-      <a:fillRef idx="1">
-        <a:scrgbClr r="0" g="0" b="0"/>
-      </a:fillRef>
-      <a:effectRef idx="0">
-        <a:scrgbClr r="0" g="0" b="0"/>
-      </a:effectRef>
-      <a:fontRef idx="minor"/>
-    </dgm:style>
-  </dgm:styleLbl>
-  <dgm:styleLbl name="dkBgShp">
-    <dgm:scene3d>
-      <a:camera prst="orthographicFront"/>
-      <a:lightRig rig="threePt" dir="t"/>
-    </dgm:scene3d>
-    <dgm:sp3d/>
-    <dgm:txPr/>
-    <dgm:style>
-      <a:lnRef idx="0">
-        <a:scrgbClr r="0" g="0" b="0"/>
-      </a:lnRef>
-      <a:fillRef idx="1">
-        <a:scrgbClr r="0" g="0" b="0"/>
-      </a:fillRef>
-      <a:effectRef idx="0">
-        <a:scrgbClr r="0" g="0" b="0"/>
-      </a:effectRef>
-      <a:fontRef idx="minor"/>
-    </dgm:style>
-  </dgm:styleLbl>
-  <dgm:styleLbl name="trBgShp">
-    <dgm:scene3d>
-      <a:camera prst="orthographicFront"/>
-      <a:lightRig rig="threePt" dir="t"/>
-    </dgm:scene3d>
-    <dgm:sp3d/>
-    <dgm:txPr/>
-    <dgm:style>
-      <a:lnRef idx="0">
-        <a:scrgbClr r="0" g="0" b="0"/>
-      </a:lnRef>
-      <a:fillRef idx="1">
-        <a:scrgbClr r="0" g="0" b="0"/>
-      </a:fillRef>
-      <a:effectRef idx="0">
-        <a:scrgbClr r="0" g="0" b="0"/>
-      </a:effectRef>
-      <a:fontRef idx="minor"/>
-    </dgm:style>
-  </dgm:styleLbl>
-  <dgm:styleLbl name="fgShp">
-    <dgm:scene3d>
-      <a:camera prst="orthographicFront"/>
-      <a:lightRig rig="threePt" dir="t"/>
-    </dgm:scene3d>
-    <dgm:sp3d/>
-    <dgm:txPr/>
-    <dgm:style>
-      <a:lnRef idx="2">
-        <a:scrgbClr r="0" g="0" b="0"/>
-      </a:lnRef>
-      <a:fillRef idx="1">
-        <a:scrgbClr r="0" g="0" b="0"/>
-      </a:fillRef>
-      <a:effectRef idx="0">
-        <a:scrgbClr r="0" g="0" b="0"/>
-      </a:effectRef>
-      <a:fontRef idx="minor"/>
-    </dgm:style>
-  </dgm:styleLbl>
-  <dgm:styleLbl name="revTx">
-    <dgm:scene3d>
-      <a:camera prst="orthographicFront"/>
-      <a:lightRig rig="threePt" dir="t"/>
-    </dgm:scene3d>
-    <dgm:sp3d/>
-    <dgm:txPr/>
-    <dgm:style>
-      <a:lnRef idx="0">
-        <a:scrgbClr r="0" g="0" b="0"/>
-      </a:lnRef>
-      <a:fillRef idx="0">
-        <a:scrgbClr r="0" g="0" b="0"/>
-      </a:fillRef>
-      <a:effectRef idx="0">
-        <a:scrgbClr r="0" g="0" b="0"/>
-      </a:effectRef>
-      <a:fontRef idx="minor"/>
-    </dgm:style>
-  </dgm:styleLbl>
-</dgm:styleDef>
-</file>
-
 <file path=ppt/handoutMasters/handoutMaster1.xml><?xml version="1.0" encoding="utf-8"?>
 <p:handoutMaster xmlns:a="http://schemas.openxmlformats.org/drawingml/2006/main" xmlns:r="http://schemas.openxmlformats.org/officeDocument/2006/relationships" xmlns:p="http://schemas.openxmlformats.org/presentationml/2006/main">
   <p:cSld>
@@ -4571,7 +239,7 @@
           <a:p>
             <a:fld id="{03AB2F5F-49ED-40E3-A1A5-941FF8279870}" type="datetimeFigureOut">
               <a:rPr lang="en-US" smtClean="0"/>
-              <a:t>2/24/24</a:t>
+              <a:t>2/24/2024</a:t>
             </a:fld>
             <a:endParaRPr lang="en-US" dirty="0"/>
           </a:p>
@@ -4748,7 +416,7 @@
           <a:p>
             <a:fld id="{6C2C1060-699B-414A-8D16-7630F8BDD05E}" type="datetimeFigureOut">
               <a:rPr lang="en-US" smtClean="0"/>
-              <a:t>2/24/24</a:t>
+              <a:t>2/24/2024</a:t>
             </a:fld>
             <a:endParaRPr lang="en-US" dirty="0"/>
           </a:p>
@@ -5059,7 +727,7 @@
           <a:bodyPr/>
           <a:lstStyle/>
           <a:p>
-            <a:endParaRPr lang="en-US" dirty="0"/>
+            <a:endParaRPr lang="en-GB" dirty="0"/>
           </a:p>
         </p:txBody>
       </p:sp>
@@ -5078,9 +746,9 @@
           <a:bodyPr/>
           <a:lstStyle/>
           <a:p>
-            <a:fld id="{3ED51245-A7A5-4517-A4C5-F741FAE668F7}" type="slidenum">
+            <a:fld id="{D5ADF348-2A86-4531-BD4E-BD8C0BBDAD47}" type="slidenum">
               <a:rPr lang="en-US" smtClean="0"/>
-              <a:t>3</a:t>
+              <a:t>1</a:t>
             </a:fld>
             <a:endParaRPr lang="en-US" dirty="0"/>
           </a:p>
@@ -5089,7 +757,7 @@
     </p:spTree>
     <p:extLst>
       <p:ext uri="{BB962C8B-B14F-4D97-AF65-F5344CB8AC3E}">
-        <p14:creationId xmlns:p14="http://schemas.microsoft.com/office/powerpoint/2010/main" val="1461130133"/>
+        <p14:creationId xmlns:p14="http://schemas.microsoft.com/office/powerpoint/2010/main" val="1467267518"/>
       </p:ext>
     </p:extLst>
   </p:cSld>
@@ -5164,7 +832,7 @@
           <a:p>
             <a:fld id="{3ED51245-A7A5-4517-A4C5-F741FAE668F7}" type="slidenum">
               <a:rPr lang="en-US" smtClean="0"/>
-              <a:t>6</a:t>
+              <a:t>3</a:t>
             </a:fld>
             <a:endParaRPr lang="en-US" dirty="0"/>
           </a:p>
@@ -5173,7 +841,7 @@
     </p:spTree>
     <p:extLst>
       <p:ext uri="{BB962C8B-B14F-4D97-AF65-F5344CB8AC3E}">
-        <p14:creationId xmlns:p14="http://schemas.microsoft.com/office/powerpoint/2010/main" val="1340543824"/>
+        <p14:creationId xmlns:p14="http://schemas.microsoft.com/office/powerpoint/2010/main" val="1461130133"/>
       </p:ext>
     </p:extLst>
   </p:cSld>
@@ -5248,7 +916,7 @@
           <a:p>
             <a:fld id="{3ED51245-A7A5-4517-A4C5-F741FAE668F7}" type="slidenum">
               <a:rPr lang="en-US" smtClean="0"/>
-              <a:t>11</a:t>
+              <a:t>5</a:t>
             </a:fld>
             <a:endParaRPr lang="en-US" dirty="0"/>
           </a:p>
@@ -5257,7 +925,7 @@
     </p:spTree>
     <p:extLst>
       <p:ext uri="{BB962C8B-B14F-4D97-AF65-F5344CB8AC3E}">
-        <p14:creationId xmlns:p14="http://schemas.microsoft.com/office/powerpoint/2010/main" val="3075147210"/>
+        <p14:creationId xmlns:p14="http://schemas.microsoft.com/office/powerpoint/2010/main" val="1340543824"/>
       </p:ext>
     </p:extLst>
   </p:cSld>
@@ -5332,7 +1000,91 @@
           <a:p>
             <a:fld id="{3ED51245-A7A5-4517-A4C5-F741FAE668F7}" type="slidenum">
               <a:rPr lang="en-US" smtClean="0"/>
-              <a:t>12</a:t>
+              <a:t>8</a:t>
+            </a:fld>
+            <a:endParaRPr lang="en-US" dirty="0"/>
+          </a:p>
+        </p:txBody>
+      </p:sp>
+    </p:spTree>
+    <p:extLst>
+      <p:ext uri="{BB962C8B-B14F-4D97-AF65-F5344CB8AC3E}">
+        <p14:creationId xmlns:p14="http://schemas.microsoft.com/office/powerpoint/2010/main" val="3075147210"/>
+      </p:ext>
+    </p:extLst>
+  </p:cSld>
+  <p:clrMapOvr>
+    <a:masterClrMapping/>
+  </p:clrMapOvr>
+</p:notes>
+</file>
+
+<file path=ppt/notesSlides/notesSlide5.xml><?xml version="1.0" encoding="utf-8"?>
+<p:notes xmlns:a="http://schemas.openxmlformats.org/drawingml/2006/main" xmlns:r="http://schemas.openxmlformats.org/officeDocument/2006/relationships" xmlns:p="http://schemas.openxmlformats.org/presentationml/2006/main">
+  <p:cSld>
+    <p:spTree>
+      <p:nvGrpSpPr>
+        <p:cNvPr id="1" name=""/>
+        <p:cNvGrpSpPr/>
+        <p:nvPr/>
+      </p:nvGrpSpPr>
+      <p:grpSpPr>
+        <a:xfrm>
+          <a:off x="0" y="0"/>
+          <a:ext cx="0" cy="0"/>
+          <a:chOff x="0" y="0"/>
+          <a:chExt cx="0" cy="0"/>
+        </a:xfrm>
+      </p:grpSpPr>
+      <p:sp>
+        <p:nvSpPr>
+          <p:cNvPr id="2" name="Slide Image Placeholder 1"/>
+          <p:cNvSpPr>
+            <a:spLocks noGrp="1" noRot="1" noChangeAspect="1"/>
+          </p:cNvSpPr>
+          <p:nvPr>
+            <p:ph type="sldImg"/>
+          </p:nvPr>
+        </p:nvSpPr>
+        <p:spPr/>
+      </p:sp>
+      <p:sp>
+        <p:nvSpPr>
+          <p:cNvPr id="3" name="Notes Placeholder 2"/>
+          <p:cNvSpPr>
+            <a:spLocks noGrp="1"/>
+          </p:cNvSpPr>
+          <p:nvPr>
+            <p:ph type="body" idx="1"/>
+          </p:nvPr>
+        </p:nvSpPr>
+        <p:spPr/>
+        <p:txBody>
+          <a:bodyPr/>
+          <a:lstStyle/>
+          <a:p>
+            <a:endParaRPr lang="en-US" dirty="0"/>
+          </a:p>
+        </p:txBody>
+      </p:sp>
+      <p:sp>
+        <p:nvSpPr>
+          <p:cNvPr id="4" name="Slide Number Placeholder 3"/>
+          <p:cNvSpPr>
+            <a:spLocks noGrp="1"/>
+          </p:cNvSpPr>
+          <p:nvPr>
+            <p:ph type="sldNum" sz="quarter" idx="5"/>
+          </p:nvPr>
+        </p:nvSpPr>
+        <p:spPr/>
+        <p:txBody>
+          <a:bodyPr/>
+          <a:lstStyle/>
+          <a:p>
+            <a:fld id="{3ED51245-A7A5-4517-A4C5-F741FAE668F7}" type="slidenum">
+              <a:rPr lang="en-US" smtClean="0"/>
+              <a:t>9</a:t>
             </a:fld>
             <a:endParaRPr lang="en-US" dirty="0"/>
           </a:p>
@@ -10460,7 +6212,7 @@
           <p:nvPr/>
         </p:nvPicPr>
         <p:blipFill rotWithShape="1">
-          <a:blip r:embed="rId2"/>
+          <a:blip r:embed="rId3"/>
           <a:srcRect l="7666" r="11571"/>
           <a:stretch/>
         </p:blipFill>
@@ -10492,7 +6244,7 @@
         </p:nvSpPr>
         <p:spPr>
           <a:xfrm>
-            <a:off x="640078" y="627016"/>
+            <a:off x="349622" y="3025970"/>
             <a:ext cx="6389027" cy="5601790"/>
           </a:xfrm>
         </p:spPr>
@@ -10500,12 +6252,21 @@
           <a:bodyPr/>
           <a:lstStyle/>
           <a:p>
-            <a:r>
-              <a:rPr lang="en-US" dirty="0" err="1"/>
+            <a:pPr algn="ctr"/>
+            <a:r>
+              <a:rPr lang="en-US" dirty="0" err="1">
+                <a:solidFill>
+                  <a:schemeClr val="tx1"/>
+                </a:solidFill>
+              </a:rPr>
               <a:t>Mcpuddock</a:t>
             </a:r>
             <a:r>
-              <a:rPr lang="en-US" dirty="0"/>
+              <a:rPr lang="en-US" dirty="0">
+                <a:solidFill>
+                  <a:schemeClr val="tx1"/>
+                </a:solidFill>
+              </a:rPr>
               <a:t> development</a:t>
             </a:r>
           </a:p>
@@ -10572,1243 +6333,6 @@
   <p:clrMapOvr>
     <a:masterClrMapping/>
   </p:clrMapOvr>
-</p:sld>
-</file>
-
-<file path=ppt/slides/slide10.xml><?xml version="1.0" encoding="utf-8"?>
-<p:sld xmlns:a="http://schemas.openxmlformats.org/drawingml/2006/main" xmlns:r="http://schemas.openxmlformats.org/officeDocument/2006/relationships" xmlns:p="http://schemas.openxmlformats.org/presentationml/2006/main">
-  <p:cSld>
-    <p:spTree>
-      <p:nvGrpSpPr>
-        <p:cNvPr id="1" name=""/>
-        <p:cNvGrpSpPr/>
-        <p:nvPr/>
-      </p:nvGrpSpPr>
-      <p:grpSpPr>
-        <a:xfrm>
-          <a:off x="0" y="0"/>
-          <a:ext cx="0" cy="0"/>
-          <a:chOff x="0" y="0"/>
-          <a:chExt cx="0" cy="0"/>
-        </a:xfrm>
-      </p:grpSpPr>
-      <p:sp>
-        <p:nvSpPr>
-          <p:cNvPr id="2" name="Title 1">
-            <a:extLst>
-              <a:ext uri="{FF2B5EF4-FFF2-40B4-BE49-F238E27FC236}">
-                <a16:creationId xmlns:a16="http://schemas.microsoft.com/office/drawing/2014/main" id="{E5F191A4-7839-4F63-B17C-7C366C59488C}"/>
-              </a:ext>
-            </a:extLst>
-          </p:cNvPr>
-          <p:cNvSpPr>
-            <a:spLocks noGrp="1"/>
-          </p:cNvSpPr>
-          <p:nvPr>
-            <p:ph type="title"/>
-          </p:nvPr>
-        </p:nvSpPr>
-        <p:spPr>
-          <a:xfrm>
-            <a:off x="960120" y="317814"/>
-            <a:ext cx="10268712" cy="1700784"/>
-          </a:xfrm>
-        </p:spPr>
-        <p:txBody>
-          <a:bodyPr/>
-          <a:lstStyle/>
-          <a:p>
-            <a:r>
-              <a:rPr lang="en-US" dirty="0"/>
-              <a:t>Additional content</a:t>
-            </a:r>
-          </a:p>
-        </p:txBody>
-      </p:sp>
-      <p:sp>
-        <p:nvSpPr>
-          <p:cNvPr id="9" name="Text Placeholder 8">
-            <a:extLst>
-              <a:ext uri="{FF2B5EF4-FFF2-40B4-BE49-F238E27FC236}">
-                <a16:creationId xmlns:a16="http://schemas.microsoft.com/office/drawing/2014/main" id="{E9052153-84CE-4C4C-9422-F437CC0272A8}"/>
-              </a:ext>
-            </a:extLst>
-          </p:cNvPr>
-          <p:cNvSpPr>
-            <a:spLocks noGrp="1"/>
-          </p:cNvSpPr>
-          <p:nvPr>
-            <p:ph type="body" idx="1"/>
-          </p:nvPr>
-        </p:nvSpPr>
-        <p:spPr>
-          <a:xfrm>
-            <a:off x="960121" y="2587752"/>
-            <a:ext cx="3236976" cy="892048"/>
-          </a:xfrm>
-        </p:spPr>
-        <p:txBody>
-          <a:bodyPr/>
-          <a:lstStyle/>
-          <a:p>
-            <a:r>
-              <a:rPr lang="en-US" dirty="0"/>
-              <a:t>Subtitle</a:t>
-            </a:r>
-          </a:p>
-        </p:txBody>
-      </p:sp>
-      <p:sp>
-        <p:nvSpPr>
-          <p:cNvPr id="4" name="Content Placeholder 3">
-            <a:extLst>
-              <a:ext uri="{FF2B5EF4-FFF2-40B4-BE49-F238E27FC236}">
-                <a16:creationId xmlns:a16="http://schemas.microsoft.com/office/drawing/2014/main" id="{9B9ED227-95A7-4B08-91FE-5E0EF0D41D20}"/>
-              </a:ext>
-            </a:extLst>
-          </p:cNvPr>
-          <p:cNvSpPr>
-            <a:spLocks noGrp="1"/>
-          </p:cNvSpPr>
-          <p:nvPr>
-            <p:ph sz="half" idx="2"/>
-          </p:nvPr>
-        </p:nvSpPr>
-        <p:spPr>
-          <a:xfrm>
-            <a:off x="960120" y="3594538"/>
-            <a:ext cx="3236976" cy="2586806"/>
-          </a:xfrm>
-        </p:spPr>
-        <p:txBody>
-          <a:bodyPr>
-            <a:normAutofit lnSpcReduction="10000"/>
-          </a:bodyPr>
-          <a:lstStyle/>
-          <a:p>
-            <a:pPr lvl="0"/>
-            <a:r>
-              <a:rPr lang="en-US" dirty="0"/>
-              <a:t>Add text, images, art, and videos. </a:t>
-            </a:r>
-          </a:p>
-          <a:p>
-            <a:pPr lvl="0"/>
-            <a:r>
-              <a:rPr lang="en-US" dirty="0"/>
-              <a:t>Add transitions, animations, and motion. </a:t>
-            </a:r>
-          </a:p>
-          <a:p>
-            <a:pPr lvl="0"/>
-            <a:r>
-              <a:rPr lang="en-US" dirty="0"/>
-              <a:t>Save to OneDrive, to get to your presentations from your computer, tablet, or phone. </a:t>
-            </a:r>
-          </a:p>
-          <a:p>
-            <a:endParaRPr lang="en-US" dirty="0"/>
-          </a:p>
-          <a:p>
-            <a:endParaRPr lang="en-US" dirty="0"/>
-          </a:p>
-        </p:txBody>
-      </p:sp>
-      <p:sp>
-        <p:nvSpPr>
-          <p:cNvPr id="11" name="Text Placeholder 10">
-            <a:extLst>
-              <a:ext uri="{FF2B5EF4-FFF2-40B4-BE49-F238E27FC236}">
-                <a16:creationId xmlns:a16="http://schemas.microsoft.com/office/drawing/2014/main" id="{3A9D6D54-1465-4F38-AF0C-D1D9C4B69188}"/>
-              </a:ext>
-            </a:extLst>
-          </p:cNvPr>
-          <p:cNvSpPr>
-            <a:spLocks noGrp="1"/>
-          </p:cNvSpPr>
-          <p:nvPr>
-            <p:ph type="body" sz="quarter" idx="3"/>
-          </p:nvPr>
-        </p:nvSpPr>
-        <p:spPr>
-          <a:xfrm>
-            <a:off x="4477512" y="2587752"/>
-            <a:ext cx="3236976" cy="892048"/>
-          </a:xfrm>
-        </p:spPr>
-        <p:txBody>
-          <a:bodyPr/>
-          <a:lstStyle/>
-          <a:p>
-            <a:r>
-              <a:rPr lang="en-US" dirty="0"/>
-              <a:t>Subtitle</a:t>
-            </a:r>
-          </a:p>
-        </p:txBody>
-      </p:sp>
-      <p:sp>
-        <p:nvSpPr>
-          <p:cNvPr id="5" name="Content Placeholder 4">
-            <a:extLst>
-              <a:ext uri="{FF2B5EF4-FFF2-40B4-BE49-F238E27FC236}">
-                <a16:creationId xmlns:a16="http://schemas.microsoft.com/office/drawing/2014/main" id="{9C2ECAAA-1E9C-4845-8EA9-E11A76F08150}"/>
-              </a:ext>
-            </a:extLst>
-          </p:cNvPr>
-          <p:cNvSpPr>
-            <a:spLocks noGrp="1"/>
-          </p:cNvSpPr>
-          <p:nvPr>
-            <p:ph sz="quarter" idx="4"/>
-          </p:nvPr>
-        </p:nvSpPr>
-        <p:spPr>
-          <a:xfrm>
-            <a:off x="4477512" y="3594538"/>
-            <a:ext cx="3236976" cy="2586806"/>
-          </a:xfrm>
-        </p:spPr>
-        <p:txBody>
-          <a:bodyPr>
-            <a:normAutofit/>
-          </a:bodyPr>
-          <a:lstStyle/>
-          <a:p>
-            <a:r>
-              <a:rPr lang="en-US" dirty="0"/>
-              <a:t>Open the Design Ideas pane for instant slide makeovers. </a:t>
-            </a:r>
-          </a:p>
-          <a:p>
-            <a:r>
-              <a:rPr lang="en-US" dirty="0"/>
-              <a:t>When we have design ideas, we’ll show them to you right there. </a:t>
-            </a:r>
-          </a:p>
-          <a:p>
-            <a:endParaRPr lang="en-US" dirty="0"/>
-          </a:p>
-          <a:p>
-            <a:endParaRPr lang="en-US" dirty="0"/>
-          </a:p>
-        </p:txBody>
-      </p:sp>
-      <p:sp>
-        <p:nvSpPr>
-          <p:cNvPr id="12" name="Text Placeholder 11">
-            <a:extLst>
-              <a:ext uri="{FF2B5EF4-FFF2-40B4-BE49-F238E27FC236}">
-                <a16:creationId xmlns:a16="http://schemas.microsoft.com/office/drawing/2014/main" id="{B2E3A0DE-C4AF-4CF7-8543-12273A610699}"/>
-              </a:ext>
-            </a:extLst>
-          </p:cNvPr>
-          <p:cNvSpPr>
-            <a:spLocks noGrp="1"/>
-          </p:cNvSpPr>
-          <p:nvPr>
-            <p:ph type="body" sz="quarter" idx="13"/>
-          </p:nvPr>
-        </p:nvSpPr>
-        <p:spPr>
-          <a:xfrm>
-            <a:off x="7994903" y="2587752"/>
-            <a:ext cx="3236976" cy="892048"/>
-          </a:xfrm>
-        </p:spPr>
-        <p:txBody>
-          <a:bodyPr/>
-          <a:lstStyle/>
-          <a:p>
-            <a:r>
-              <a:rPr lang="en-US" dirty="0"/>
-              <a:t>Subtitle</a:t>
-            </a:r>
-          </a:p>
-        </p:txBody>
-      </p:sp>
-      <p:sp>
-        <p:nvSpPr>
-          <p:cNvPr id="13" name="Content Placeholder 12">
-            <a:extLst>
-              <a:ext uri="{FF2B5EF4-FFF2-40B4-BE49-F238E27FC236}">
-                <a16:creationId xmlns:a16="http://schemas.microsoft.com/office/drawing/2014/main" id="{4E650F12-7519-49DD-8FF1-548919AFB264}"/>
-              </a:ext>
-            </a:extLst>
-          </p:cNvPr>
-          <p:cNvSpPr>
-            <a:spLocks noGrp="1"/>
-          </p:cNvSpPr>
-          <p:nvPr>
-            <p:ph sz="quarter" idx="14"/>
-          </p:nvPr>
-        </p:nvSpPr>
-        <p:spPr>
-          <a:xfrm>
-            <a:off x="7994903" y="3594538"/>
-            <a:ext cx="3236976" cy="2586806"/>
-          </a:xfrm>
-        </p:spPr>
-        <p:txBody>
-          <a:bodyPr>
-            <a:normAutofit lnSpcReduction="10000"/>
-          </a:bodyPr>
-          <a:lstStyle/>
-          <a:p>
-            <a:r>
-              <a:rPr lang="en-US" dirty="0"/>
-              <a:t>This PowerPoint theme uses its own unique set of colors, fonts, and effects to create the overall look and feel of these slides.</a:t>
-            </a:r>
-          </a:p>
-          <a:p>
-            <a:r>
-              <a:rPr lang="en-US" dirty="0"/>
-              <a:t>PowerPoint has tons of themes to give your presentation just the right personality.</a:t>
-            </a:r>
-          </a:p>
-        </p:txBody>
-      </p:sp>
-      <p:sp>
-        <p:nvSpPr>
-          <p:cNvPr id="14" name="Footer Placeholder 8">
-            <a:extLst>
-              <a:ext uri="{FF2B5EF4-FFF2-40B4-BE49-F238E27FC236}">
-                <a16:creationId xmlns:a16="http://schemas.microsoft.com/office/drawing/2014/main" id="{8E6B0707-86FA-428E-86BD-882776B0451C}"/>
-              </a:ext>
-            </a:extLst>
-          </p:cNvPr>
-          <p:cNvSpPr>
-            <a:spLocks noGrp="1"/>
-          </p:cNvSpPr>
-          <p:nvPr>
-            <p:ph type="ftr" sz="quarter" idx="11"/>
-          </p:nvPr>
-        </p:nvSpPr>
-        <p:spPr>
-          <a:xfrm>
-            <a:off x="960120" y="6356350"/>
-            <a:ext cx="3417916" cy="365125"/>
-          </a:xfrm>
-        </p:spPr>
-        <p:txBody>
-          <a:bodyPr/>
-          <a:lstStyle/>
-          <a:p>
-            <a:r>
-              <a:rPr lang="en-US" dirty="0"/>
-              <a:t>Sample Footer Text</a:t>
-            </a:r>
-          </a:p>
-        </p:txBody>
-      </p:sp>
-      <p:sp>
-        <p:nvSpPr>
-          <p:cNvPr id="15" name="Slide Number Placeholder 9">
-            <a:extLst>
-              <a:ext uri="{FF2B5EF4-FFF2-40B4-BE49-F238E27FC236}">
-                <a16:creationId xmlns:a16="http://schemas.microsoft.com/office/drawing/2014/main" id="{87DE1BC5-FD94-4773-8370-432A38DB8868}"/>
-              </a:ext>
-            </a:extLst>
-          </p:cNvPr>
-          <p:cNvSpPr>
-            <a:spLocks noGrp="1"/>
-          </p:cNvSpPr>
-          <p:nvPr>
-            <p:ph type="sldNum" sz="quarter" idx="12"/>
-          </p:nvPr>
-        </p:nvSpPr>
-        <p:spPr>
-          <a:xfrm>
-            <a:off x="10296144" y="6356350"/>
-            <a:ext cx="932688" cy="365125"/>
-          </a:xfrm>
-        </p:spPr>
-        <p:txBody>
-          <a:bodyPr/>
-          <a:lstStyle/>
-          <a:p>
-            <a:fld id="{F97E8200-1950-409B-82E7-99938E7AE355}" type="slidenum">
-              <a:rPr lang="en-US" smtClean="0"/>
-              <a:pPr/>
-              <a:t>10</a:t>
-            </a:fld>
-            <a:endParaRPr lang="en-US" dirty="0"/>
-          </a:p>
-        </p:txBody>
-      </p:sp>
-    </p:spTree>
-    <p:extLst>
-      <p:ext uri="{BB962C8B-B14F-4D97-AF65-F5344CB8AC3E}">
-        <p14:creationId xmlns:p14="http://schemas.microsoft.com/office/powerpoint/2010/main" val="2721508595"/>
-      </p:ext>
-    </p:extLst>
-  </p:cSld>
-  <p:clrMapOvr>
-    <a:masterClrMapping/>
-  </p:clrMapOvr>
-</p:sld>
-</file>
-
-<file path=ppt/slides/slide11.xml><?xml version="1.0" encoding="utf-8"?>
-<p:sld xmlns:a="http://schemas.openxmlformats.org/drawingml/2006/main" xmlns:r="http://schemas.openxmlformats.org/officeDocument/2006/relationships" xmlns:p="http://schemas.openxmlformats.org/presentationml/2006/main">
-  <p:cSld>
-    <p:spTree>
-      <p:nvGrpSpPr>
-        <p:cNvPr id="1" name=""/>
-        <p:cNvGrpSpPr/>
-        <p:nvPr/>
-      </p:nvGrpSpPr>
-      <p:grpSpPr>
-        <a:xfrm>
-          <a:off x="0" y="0"/>
-          <a:ext cx="0" cy="0"/>
-          <a:chOff x="0" y="0"/>
-          <a:chExt cx="0" cy="0"/>
-        </a:xfrm>
-      </p:grpSpPr>
-      <p:sp>
-        <p:nvSpPr>
-          <p:cNvPr id="46" name="Title 45">
-            <a:extLst>
-              <a:ext uri="{FF2B5EF4-FFF2-40B4-BE49-F238E27FC236}">
-                <a16:creationId xmlns:a16="http://schemas.microsoft.com/office/drawing/2014/main" id="{CEB845D9-890B-484B-975B-B5F85434B469}"/>
-              </a:ext>
-            </a:extLst>
-          </p:cNvPr>
-          <p:cNvSpPr>
-            <a:spLocks noGrp="1"/>
-          </p:cNvSpPr>
-          <p:nvPr>
-            <p:ph type="title"/>
-          </p:nvPr>
-        </p:nvSpPr>
-        <p:spPr>
-          <a:xfrm>
-            <a:off x="771830" y="635000"/>
-            <a:ext cx="5171770" cy="2039374"/>
-          </a:xfrm>
-        </p:spPr>
-        <p:txBody>
-          <a:bodyPr>
-            <a:normAutofit/>
-          </a:bodyPr>
-          <a:lstStyle/>
-          <a:p>
-            <a:r>
-              <a:rPr lang="en-US" dirty="0"/>
-              <a:t>SUMMARY</a:t>
-            </a:r>
-          </a:p>
-        </p:txBody>
-      </p:sp>
-      <p:sp>
-        <p:nvSpPr>
-          <p:cNvPr id="15" name="Text Placeholder 14">
-            <a:extLst>
-              <a:ext uri="{FF2B5EF4-FFF2-40B4-BE49-F238E27FC236}">
-                <a16:creationId xmlns:a16="http://schemas.microsoft.com/office/drawing/2014/main" id="{AEFAE7A4-BFF2-4F94-9264-0C5D1205E8D4}"/>
-              </a:ext>
-            </a:extLst>
-          </p:cNvPr>
-          <p:cNvSpPr>
-            <a:spLocks noGrp="1"/>
-          </p:cNvSpPr>
-          <p:nvPr>
-            <p:ph type="body" sz="quarter" idx="18"/>
-          </p:nvPr>
-        </p:nvSpPr>
-        <p:spPr>
-          <a:xfrm>
-            <a:off x="761998" y="2911475"/>
-            <a:ext cx="4500563" cy="3311525"/>
-          </a:xfrm>
-        </p:spPr>
-        <p:txBody>
-          <a:bodyPr/>
-          <a:lstStyle/>
-          <a:p>
-            <a:r>
-              <a:rPr lang="en-US" dirty="0"/>
-              <a:t>With PowerPoint, you can create presentations and share your work with others, wherever they are. Type the text you want here to get started. You can also add images, art, and videos on this template. Save to OneDrive and access your presentations from your computer, tablet, or phone. </a:t>
-            </a:r>
-          </a:p>
-        </p:txBody>
-      </p:sp>
-      <p:sp>
-        <p:nvSpPr>
-          <p:cNvPr id="9" name="Footer Placeholder 8">
-            <a:extLst>
-              <a:ext uri="{FF2B5EF4-FFF2-40B4-BE49-F238E27FC236}">
-                <a16:creationId xmlns:a16="http://schemas.microsoft.com/office/drawing/2014/main" id="{668FD16A-CA57-4C91-BC2A-7CE71EA9B0E2}"/>
-              </a:ext>
-            </a:extLst>
-          </p:cNvPr>
-          <p:cNvSpPr>
-            <a:spLocks noGrp="1"/>
-          </p:cNvSpPr>
-          <p:nvPr>
-            <p:ph type="ftr" sz="quarter" idx="11"/>
-          </p:nvPr>
-        </p:nvSpPr>
-        <p:spPr>
-          <a:xfrm>
-            <a:off x="960120" y="6356350"/>
-            <a:ext cx="5504688" cy="365125"/>
-          </a:xfrm>
-        </p:spPr>
-        <p:txBody>
-          <a:bodyPr/>
-          <a:lstStyle/>
-          <a:p>
-            <a:r>
-              <a:rPr lang="en-US" dirty="0"/>
-              <a:t>Sample Footer Text</a:t>
-            </a:r>
-          </a:p>
-        </p:txBody>
-      </p:sp>
-      <p:pic>
-        <p:nvPicPr>
-          <p:cNvPr id="18" name="Picture Placeholder 17" descr="A brick wall with a word painted on it">
-            <a:extLst>
-              <a:ext uri="{FF2B5EF4-FFF2-40B4-BE49-F238E27FC236}">
-                <a16:creationId xmlns:a16="http://schemas.microsoft.com/office/drawing/2014/main" id="{83E2671E-7B88-479B-B514-194EECD0CF54}"/>
-              </a:ext>
-            </a:extLst>
-          </p:cNvPr>
-          <p:cNvPicPr>
-            <a:picLocks noGrp="1" noChangeAspect="1"/>
-          </p:cNvPicPr>
-          <p:nvPr>
-            <p:ph type="pic" sz="quarter" idx="13"/>
-          </p:nvPr>
-        </p:nvPicPr>
-        <p:blipFill rotWithShape="1">
-          <a:blip r:embed="rId3" cstate="screen">
-            <a:extLst>
-              <a:ext uri="{28A0092B-C50C-407E-A947-70E740481C1C}">
-                <a14:useLocalDpi xmlns:a14="http://schemas.microsoft.com/office/drawing/2010/main" val="0"/>
-              </a:ext>
-            </a:extLst>
-          </a:blip>
-          <a:srcRect/>
-          <a:stretch/>
-        </p:blipFill>
-        <p:spPr>
-          <a:xfrm>
-            <a:off x="6742113" y="639763"/>
-            <a:ext cx="2198687" cy="2546350"/>
-          </a:xfrm>
-        </p:spPr>
-      </p:pic>
-      <p:pic>
-        <p:nvPicPr>
-          <p:cNvPr id="20" name="Picture Placeholder 19" descr="A picture containing text, building, outdoor, sky&#10;">
-            <a:extLst>
-              <a:ext uri="{FF2B5EF4-FFF2-40B4-BE49-F238E27FC236}">
-                <a16:creationId xmlns:a16="http://schemas.microsoft.com/office/drawing/2014/main" id="{B312960D-5CE9-40A8-A2A1-3992AD8F5D5C}"/>
-              </a:ext>
-            </a:extLst>
-          </p:cNvPr>
-          <p:cNvPicPr>
-            <a:picLocks noGrp="1" noChangeAspect="1"/>
-          </p:cNvPicPr>
-          <p:nvPr>
-            <p:ph type="pic" sz="quarter" idx="14"/>
-          </p:nvPr>
-        </p:nvPicPr>
-        <p:blipFill rotWithShape="1">
-          <a:blip r:embed="rId4" cstate="screen">
-            <a:extLst>
-              <a:ext uri="{28A0092B-C50C-407E-A947-70E740481C1C}">
-                <a14:useLocalDpi xmlns:a14="http://schemas.microsoft.com/office/drawing/2010/main" val="0"/>
-              </a:ext>
-            </a:extLst>
-          </a:blip>
-          <a:srcRect/>
-          <a:stretch/>
-        </p:blipFill>
-        <p:spPr>
-          <a:xfrm>
-            <a:off x="9337675" y="638175"/>
-            <a:ext cx="2198688" cy="2546350"/>
-          </a:xfrm>
-        </p:spPr>
-      </p:pic>
-      <p:pic>
-        <p:nvPicPr>
-          <p:cNvPr id="22" name="Picture Placeholder 21" descr="A picture containing building, outdoor, city, line&#10;">
-            <a:extLst>
-              <a:ext uri="{FF2B5EF4-FFF2-40B4-BE49-F238E27FC236}">
-                <a16:creationId xmlns:a16="http://schemas.microsoft.com/office/drawing/2014/main" id="{0379BD98-CFB1-4A66-AB3D-893FDA7EA953}"/>
-              </a:ext>
-            </a:extLst>
-          </p:cNvPr>
-          <p:cNvPicPr>
-            <a:picLocks noGrp="1" noChangeAspect="1"/>
-          </p:cNvPicPr>
-          <p:nvPr>
-            <p:ph type="pic" sz="quarter" idx="15"/>
-          </p:nvPr>
-        </p:nvPicPr>
-        <p:blipFill rotWithShape="1">
-          <a:blip r:embed="rId5" cstate="screen">
-            <a:extLst>
-              <a:ext uri="{28A0092B-C50C-407E-A947-70E740481C1C}">
-                <a14:useLocalDpi xmlns:a14="http://schemas.microsoft.com/office/drawing/2010/main" val="0"/>
-              </a:ext>
-            </a:extLst>
-          </a:blip>
-          <a:srcRect/>
-          <a:stretch/>
-        </p:blipFill>
-        <p:spPr>
-          <a:xfrm>
-            <a:off x="6742113" y="3668713"/>
-            <a:ext cx="2198687" cy="2554287"/>
-          </a:xfrm>
-        </p:spPr>
-      </p:pic>
-      <p:pic>
-        <p:nvPicPr>
-          <p:cNvPr id="25" name="Picture Placeholder 24" descr="A close-up of a building">
-            <a:extLst>
-              <a:ext uri="{FF2B5EF4-FFF2-40B4-BE49-F238E27FC236}">
-                <a16:creationId xmlns:a16="http://schemas.microsoft.com/office/drawing/2014/main" id="{230A2DDA-87D5-4332-BAF6-AAF79EE958FF}"/>
-              </a:ext>
-            </a:extLst>
-          </p:cNvPr>
-          <p:cNvPicPr>
-            <a:picLocks noGrp="1" noChangeAspect="1"/>
-          </p:cNvPicPr>
-          <p:nvPr>
-            <p:ph type="pic" sz="quarter" idx="16"/>
-          </p:nvPr>
-        </p:nvPicPr>
-        <p:blipFill rotWithShape="1">
-          <a:blip r:embed="rId6" cstate="screen">
-            <a:extLst>
-              <a:ext uri="{28A0092B-C50C-407E-A947-70E740481C1C}">
-                <a14:useLocalDpi xmlns:a14="http://schemas.microsoft.com/office/drawing/2010/main" val="0"/>
-              </a:ext>
-            </a:extLst>
-          </a:blip>
-          <a:srcRect/>
-          <a:stretch/>
-        </p:blipFill>
-        <p:spPr>
-          <a:xfrm>
-            <a:off x="9337675" y="3668713"/>
-            <a:ext cx="2198688" cy="2546350"/>
-          </a:xfrm>
-        </p:spPr>
-      </p:pic>
-      <p:sp>
-        <p:nvSpPr>
-          <p:cNvPr id="10" name="Slide Number Placeholder 9">
-            <a:extLst>
-              <a:ext uri="{FF2B5EF4-FFF2-40B4-BE49-F238E27FC236}">
-                <a16:creationId xmlns:a16="http://schemas.microsoft.com/office/drawing/2014/main" id="{BA3E8286-FBE7-457A-986D-0678299D2B06}"/>
-              </a:ext>
-            </a:extLst>
-          </p:cNvPr>
-          <p:cNvSpPr>
-            <a:spLocks noGrp="1"/>
-          </p:cNvSpPr>
-          <p:nvPr>
-            <p:ph type="sldNum" sz="quarter" idx="12"/>
-          </p:nvPr>
-        </p:nvSpPr>
-        <p:spPr>
-          <a:xfrm>
-            <a:off x="10296144" y="6356350"/>
-            <a:ext cx="932688" cy="365125"/>
-          </a:xfrm>
-        </p:spPr>
-        <p:txBody>
-          <a:bodyPr/>
-          <a:lstStyle/>
-          <a:p>
-            <a:fld id="{F97E8200-1950-409B-82E7-99938E7AE355}" type="slidenum">
-              <a:rPr lang="en-US" smtClean="0"/>
-              <a:pPr/>
-              <a:t>11</a:t>
-            </a:fld>
-            <a:endParaRPr lang="en-US" dirty="0"/>
-          </a:p>
-        </p:txBody>
-      </p:sp>
-    </p:spTree>
-    <p:extLst>
-      <p:ext uri="{BB962C8B-B14F-4D97-AF65-F5344CB8AC3E}">
-        <p14:creationId xmlns:p14="http://schemas.microsoft.com/office/powerpoint/2010/main" val="1836265594"/>
-      </p:ext>
-    </p:extLst>
-  </p:cSld>
-  <p:clrMapOvr>
-    <a:masterClrMapping/>
-  </p:clrMapOvr>
-</p:sld>
-</file>
-
-<file path=ppt/slides/slide12.xml><?xml version="1.0" encoding="utf-8"?>
-<p:sld xmlns:a="http://schemas.openxmlformats.org/drawingml/2006/main" xmlns:r="http://schemas.openxmlformats.org/officeDocument/2006/relationships" xmlns:p="http://schemas.openxmlformats.org/presentationml/2006/main">
-  <p:cSld>
-    <p:spTree>
-      <p:nvGrpSpPr>
-        <p:cNvPr id="1" name=""/>
-        <p:cNvGrpSpPr/>
-        <p:nvPr/>
-      </p:nvGrpSpPr>
-      <p:grpSpPr>
-        <a:xfrm>
-          <a:off x="0" y="0"/>
-          <a:ext cx="0" cy="0"/>
-          <a:chOff x="0" y="0"/>
-          <a:chExt cx="0" cy="0"/>
-        </a:xfrm>
-      </p:grpSpPr>
-      <p:sp>
-        <p:nvSpPr>
-          <p:cNvPr id="57" name="Title 56">
-            <a:extLst>
-              <a:ext uri="{FF2B5EF4-FFF2-40B4-BE49-F238E27FC236}">
-                <a16:creationId xmlns:a16="http://schemas.microsoft.com/office/drawing/2014/main" id="{D9F93E89-6BB0-44BD-A234-9F0747573935}"/>
-              </a:ext>
-            </a:extLst>
-          </p:cNvPr>
-          <p:cNvSpPr>
-            <a:spLocks noGrp="1"/>
-          </p:cNvSpPr>
-          <p:nvPr>
-            <p:ph type="title"/>
-          </p:nvPr>
-        </p:nvSpPr>
-        <p:spPr>
-          <a:xfrm>
-            <a:off x="4555193" y="3036762"/>
-            <a:ext cx="7136064" cy="1700784"/>
-          </a:xfrm>
-        </p:spPr>
-        <p:txBody>
-          <a:bodyPr>
-            <a:normAutofit/>
-          </a:bodyPr>
-          <a:lstStyle/>
-          <a:p>
-            <a:r>
-              <a:rPr lang="en-US" dirty="0"/>
-              <a:t>THANK YOU</a:t>
-            </a:r>
-          </a:p>
-        </p:txBody>
-      </p:sp>
-      <p:sp>
-        <p:nvSpPr>
-          <p:cNvPr id="17" name="Content Placeholder 16">
-            <a:extLst>
-              <a:ext uri="{FF2B5EF4-FFF2-40B4-BE49-F238E27FC236}">
-                <a16:creationId xmlns:a16="http://schemas.microsoft.com/office/drawing/2014/main" id="{19606920-6D8A-4305-AB8A-83B7F93915CE}"/>
-              </a:ext>
-            </a:extLst>
-          </p:cNvPr>
-          <p:cNvSpPr>
-            <a:spLocks noGrp="1"/>
-          </p:cNvSpPr>
-          <p:nvPr>
-            <p:ph idx="1"/>
-          </p:nvPr>
-        </p:nvSpPr>
-        <p:spPr>
-          <a:xfrm>
-            <a:off x="4547779" y="5355583"/>
-            <a:ext cx="2270162" cy="577153"/>
-          </a:xfrm>
-        </p:spPr>
-        <p:txBody>
-          <a:bodyPr>
-            <a:normAutofit/>
-          </a:bodyPr>
-          <a:lstStyle/>
-          <a:p>
-            <a:r>
-              <a:rPr lang="en-US" dirty="0" err="1"/>
-              <a:t>McPuddock</a:t>
-            </a:r>
-            <a:r>
-              <a:rPr lang="en-US" dirty="0"/>
-              <a:t> Development</a:t>
-            </a:r>
-          </a:p>
-        </p:txBody>
-      </p:sp>
-      <p:sp>
-        <p:nvSpPr>
-          <p:cNvPr id="13" name="Content Placeholder 12">
-            <a:extLst>
-              <a:ext uri="{FF2B5EF4-FFF2-40B4-BE49-F238E27FC236}">
-                <a16:creationId xmlns:a16="http://schemas.microsoft.com/office/drawing/2014/main" id="{27C60074-2066-4765-88F0-BC4B57CC1F9D}"/>
-              </a:ext>
-            </a:extLst>
-          </p:cNvPr>
-          <p:cNvSpPr>
-            <a:spLocks noGrp="1"/>
-          </p:cNvSpPr>
-          <p:nvPr>
-            <p:ph idx="16"/>
-          </p:nvPr>
-        </p:nvSpPr>
-        <p:spPr>
-          <a:xfrm>
-            <a:off x="6984436" y="5355583"/>
-            <a:ext cx="5059175" cy="577153"/>
-          </a:xfrm>
-        </p:spPr>
-        <p:txBody>
-          <a:bodyPr>
-            <a:normAutofit/>
-          </a:bodyPr>
-          <a:lstStyle/>
-          <a:p>
-            <a:r>
-              <a:rPr lang="en-US" dirty="0"/>
-              <a:t>https://</a:t>
-            </a:r>
-            <a:r>
-              <a:rPr lang="en-US" dirty="0" err="1"/>
-              <a:t>github.com</a:t>
-            </a:r>
-            <a:r>
-              <a:rPr lang="en-US" dirty="0"/>
-              <a:t>/</a:t>
-            </a:r>
-            <a:r>
-              <a:rPr lang="en-US" dirty="0" err="1"/>
-              <a:t>clararingrose</a:t>
-            </a:r>
-            <a:r>
-              <a:rPr lang="en-US" dirty="0"/>
-              <a:t>/rguhack2024</a:t>
-            </a:r>
-          </a:p>
-        </p:txBody>
-      </p:sp>
-      <p:sp>
-        <p:nvSpPr>
-          <p:cNvPr id="9" name="Footer Placeholder 8">
-            <a:extLst>
-              <a:ext uri="{FF2B5EF4-FFF2-40B4-BE49-F238E27FC236}">
-                <a16:creationId xmlns:a16="http://schemas.microsoft.com/office/drawing/2014/main" id="{E499FA5D-C267-460D-ACB2-5253424F4931}"/>
-              </a:ext>
-            </a:extLst>
-          </p:cNvPr>
-          <p:cNvSpPr>
-            <a:spLocks noGrp="1"/>
-          </p:cNvSpPr>
-          <p:nvPr>
-            <p:ph type="ftr" sz="quarter" idx="11"/>
-          </p:nvPr>
-        </p:nvSpPr>
-        <p:spPr>
-          <a:xfrm>
-            <a:off x="960120" y="6356350"/>
-            <a:ext cx="3405051" cy="365125"/>
-          </a:xfrm>
-        </p:spPr>
-        <p:txBody>
-          <a:bodyPr/>
-          <a:lstStyle/>
-          <a:p>
-            <a:r>
-              <a:rPr lang="en-US" dirty="0"/>
-              <a:t>Sample Footer Text</a:t>
-            </a:r>
-          </a:p>
-        </p:txBody>
-      </p:sp>
-      <p:sp>
-        <p:nvSpPr>
-          <p:cNvPr id="10" name="Slide Number Placeholder 9">
-            <a:extLst>
-              <a:ext uri="{FF2B5EF4-FFF2-40B4-BE49-F238E27FC236}">
-                <a16:creationId xmlns:a16="http://schemas.microsoft.com/office/drawing/2014/main" id="{F024E6B4-6182-4098-B9C0-B254AD638287}"/>
-              </a:ext>
-            </a:extLst>
-          </p:cNvPr>
-          <p:cNvSpPr>
-            <a:spLocks noGrp="1"/>
-          </p:cNvSpPr>
-          <p:nvPr>
-            <p:ph type="sldNum" sz="quarter" idx="12"/>
-          </p:nvPr>
-        </p:nvSpPr>
-        <p:spPr>
-          <a:xfrm>
-            <a:off x="10296144" y="6356350"/>
-            <a:ext cx="932688" cy="365125"/>
-          </a:xfrm>
-        </p:spPr>
-        <p:txBody>
-          <a:bodyPr/>
-          <a:lstStyle/>
-          <a:p>
-            <a:fld id="{F97E8200-1950-409B-82E7-99938E7AE355}" type="slidenum">
-              <a:rPr lang="en-US" smtClean="0"/>
-              <a:pPr/>
-              <a:t>12</a:t>
-            </a:fld>
-            <a:endParaRPr lang="en-US" dirty="0"/>
-          </a:p>
-        </p:txBody>
-      </p:sp>
-      <p:pic>
-        <p:nvPicPr>
-          <p:cNvPr id="5" name="Picture Placeholder 4" descr="A frog statue in water&#10;&#10;Description automatically generated">
-            <a:extLst>
-              <a:ext uri="{FF2B5EF4-FFF2-40B4-BE49-F238E27FC236}">
-                <a16:creationId xmlns:a16="http://schemas.microsoft.com/office/drawing/2014/main" id="{0315B1B8-0FC9-DFFF-9413-E902F215D4FB}"/>
-              </a:ext>
-            </a:extLst>
-          </p:cNvPr>
-          <p:cNvPicPr>
-            <a:picLocks noGrp="1" noChangeAspect="1"/>
-          </p:cNvPicPr>
-          <p:nvPr>
-            <p:ph type="pic" sz="quarter" idx="15"/>
-          </p:nvPr>
-        </p:nvPicPr>
-        <p:blipFill>
-          <a:blip r:embed="rId3"/>
-          <a:srcRect l="11475" r="11475"/>
-          <a:stretch>
-            <a:fillRect/>
-          </a:stretch>
-        </p:blipFill>
-        <p:spPr/>
-      </p:pic>
-      <p:sp>
-        <p:nvSpPr>
-          <p:cNvPr id="11" name="Rectangle 10">
-            <a:extLst>
-              <a:ext uri="{FF2B5EF4-FFF2-40B4-BE49-F238E27FC236}">
-                <a16:creationId xmlns:a16="http://schemas.microsoft.com/office/drawing/2014/main" id="{331141ED-F22F-3963-E6F0-747880C3BFBE}"/>
-              </a:ext>
-            </a:extLst>
-          </p:cNvPr>
-          <p:cNvSpPr/>
-          <p:nvPr/>
-        </p:nvSpPr>
-        <p:spPr>
-          <a:xfrm>
-            <a:off x="4555193" y="3882337"/>
-            <a:ext cx="4059934" cy="45719"/>
-          </a:xfrm>
-          <a:prstGeom prst="rect">
-            <a:avLst/>
-          </a:prstGeom>
-          <a:solidFill>
-            <a:schemeClr val="bg1"/>
-          </a:solidFill>
-          <a:ln>
-            <a:solidFill>
-              <a:schemeClr val="bg1"/>
-            </a:solidFill>
-          </a:ln>
-        </p:spPr>
-        <p:style>
-          <a:lnRef idx="2">
-            <a:schemeClr val="accent1">
-              <a:shade val="15000"/>
-            </a:schemeClr>
-          </a:lnRef>
-          <a:fillRef idx="1">
-            <a:schemeClr val="accent1"/>
-          </a:fillRef>
-          <a:effectRef idx="0">
-            <a:schemeClr val="accent1"/>
-          </a:effectRef>
-          <a:fontRef idx="minor">
-            <a:schemeClr val="lt1"/>
-          </a:fontRef>
-        </p:style>
-        <p:txBody>
-          <a:bodyPr rtlCol="0" anchor="ctr"/>
-          <a:lstStyle/>
-          <a:p>
-            <a:pPr algn="ctr"/>
-            <a:endParaRPr lang="en-GB"/>
-          </a:p>
-        </p:txBody>
-      </p:sp>
-      <p:sp>
-        <p:nvSpPr>
-          <p:cNvPr id="12" name="Title 56">
-            <a:extLst>
-              <a:ext uri="{FF2B5EF4-FFF2-40B4-BE49-F238E27FC236}">
-                <a16:creationId xmlns:a16="http://schemas.microsoft.com/office/drawing/2014/main" id="{CAD6EA8E-8E59-3548-4F49-35FE65C5F916}"/>
-              </a:ext>
-            </a:extLst>
-          </p:cNvPr>
-          <p:cNvSpPr txBox="1">
-            <a:spLocks/>
-          </p:cNvSpPr>
-          <p:nvPr/>
-        </p:nvSpPr>
-        <p:spPr>
-          <a:xfrm>
-            <a:off x="4547779" y="3031945"/>
-            <a:ext cx="7136064" cy="1700784"/>
-          </a:xfrm>
-          <a:prstGeom prst="rect">
-            <a:avLst/>
-          </a:prstGeom>
-        </p:spPr>
-        <p:txBody>
-          <a:bodyPr vert="horz" lIns="91440" tIns="45720" rIns="91440" bIns="45720" rtlCol="0" anchor="ctr">
-            <a:normAutofit/>
-          </a:bodyPr>
-          <a:lstStyle>
-            <a:lvl1pPr algn="l" defTabSz="914400" rtl="0" eaLnBrk="1" latinLnBrk="0" hangingPunct="1">
-              <a:lnSpc>
-                <a:spcPct val="101000"/>
-              </a:lnSpc>
-              <a:spcBef>
-                <a:spcPts val="700"/>
-              </a:spcBef>
-              <a:spcAft>
-                <a:spcPts val="700"/>
-              </a:spcAft>
-              <a:buNone/>
-              <a:defRPr sz="6600" kern="1200" cap="all" spc="120" baseline="0">
-                <a:solidFill>
-                  <a:schemeClr val="bg1"/>
-                </a:solidFill>
-                <a:latin typeface="+mj-lt"/>
-                <a:ea typeface="+mj-ea"/>
-                <a:cs typeface="+mj-cs"/>
-              </a:defRPr>
-            </a:lvl1pPr>
-          </a:lstStyle>
-          <a:p>
-            <a:r>
-              <a:rPr lang="en-US" dirty="0" err="1"/>
-              <a:t>YOU’re</a:t>
-            </a:r>
-            <a:r>
-              <a:rPr lang="en-US" dirty="0"/>
-              <a:t> welcome</a:t>
-            </a:r>
-          </a:p>
-        </p:txBody>
-      </p:sp>
-    </p:spTree>
-    <p:extLst>
-      <p:ext uri="{BB962C8B-B14F-4D97-AF65-F5344CB8AC3E}">
-        <p14:creationId xmlns:p14="http://schemas.microsoft.com/office/powerpoint/2010/main" val="2452352329"/>
-      </p:ext>
-    </p:extLst>
-  </p:cSld>
-  <p:clrMapOvr>
-    <a:masterClrMapping/>
-  </p:clrMapOvr>
-  <p:timing>
-    <p:tnLst>
-      <p:par>
-        <p:cTn id="1" dur="indefinite" restart="never" nodeType="tmRoot">
-          <p:childTnLst>
-            <p:seq concurrent="1" nextAc="seek">
-              <p:cTn id="2" dur="indefinite" nodeType="mainSeq">
-                <p:childTnLst>
-                  <p:par>
-                    <p:cTn id="3" fill="hold">
-                      <p:stCondLst>
-                        <p:cond delay="indefinite"/>
-                      </p:stCondLst>
-                      <p:childTnLst>
-                        <p:par>
-                          <p:cTn id="4" fill="hold">
-                            <p:stCondLst>
-                              <p:cond delay="0"/>
-                            </p:stCondLst>
-                            <p:childTnLst>
-                              <p:par>
-                                <p:cTn id="5" presetID="1" presetClass="entr" presetSubtype="0" fill="hold" grpId="0" nodeType="clickEffect">
-                                  <p:stCondLst>
-                                    <p:cond delay="0"/>
-                                  </p:stCondLst>
-                                  <p:childTnLst>
-                                    <p:set>
-                                      <p:cBhvr>
-                                        <p:cTn id="6" dur="1" fill="hold">
-                                          <p:stCondLst>
-                                            <p:cond delay="0"/>
-                                          </p:stCondLst>
-                                        </p:cTn>
-                                        <p:tgtEl>
-                                          <p:spTgt spid="11"/>
-                                        </p:tgtEl>
-                                        <p:attrNameLst>
-                                          <p:attrName>style.visibility</p:attrName>
-                                        </p:attrNameLst>
-                                      </p:cBhvr>
-                                      <p:to>
-                                        <p:strVal val="visible"/>
-                                      </p:to>
-                                    </p:set>
-                                  </p:childTnLst>
-                                </p:cTn>
-                              </p:par>
-                            </p:childTnLst>
-                          </p:cTn>
-                        </p:par>
-                      </p:childTnLst>
-                    </p:cTn>
-                  </p:par>
-                  <p:par>
-                    <p:cTn id="7" fill="hold">
-                      <p:stCondLst>
-                        <p:cond delay="indefinite"/>
-                      </p:stCondLst>
-                      <p:childTnLst>
-                        <p:par>
-                          <p:cTn id="8" fill="hold">
-                            <p:stCondLst>
-                              <p:cond delay="0"/>
-                            </p:stCondLst>
-                            <p:childTnLst>
-                              <p:par>
-                                <p:cTn id="9" presetID="1" presetClass="exit" presetSubtype="0" fill="hold" grpId="1" nodeType="clickEffect">
-                                  <p:stCondLst>
-                                    <p:cond delay="0"/>
-                                  </p:stCondLst>
-                                  <p:childTnLst>
-                                    <p:set>
-                                      <p:cBhvr>
-                                        <p:cTn id="10" dur="1" fill="hold">
-                                          <p:stCondLst>
-                                            <p:cond delay="0"/>
-                                          </p:stCondLst>
-                                        </p:cTn>
-                                        <p:tgtEl>
-                                          <p:spTgt spid="11"/>
-                                        </p:tgtEl>
-                                        <p:attrNameLst>
-                                          <p:attrName>style.visibility</p:attrName>
-                                        </p:attrNameLst>
-                                      </p:cBhvr>
-                                      <p:to>
-                                        <p:strVal val="hidden"/>
-                                      </p:to>
-                                    </p:set>
-                                  </p:childTnLst>
-                                </p:cTn>
-                              </p:par>
-                              <p:par>
-                                <p:cTn id="11" presetID="1" presetClass="exit" presetSubtype="0" fill="hold" grpId="0" nodeType="withEffect">
-                                  <p:stCondLst>
-                                    <p:cond delay="0"/>
-                                  </p:stCondLst>
-                                  <p:childTnLst>
-                                    <p:set>
-                                      <p:cBhvr>
-                                        <p:cTn id="12" dur="1" fill="hold">
-                                          <p:stCondLst>
-                                            <p:cond delay="0"/>
-                                          </p:stCondLst>
-                                        </p:cTn>
-                                        <p:tgtEl>
-                                          <p:spTgt spid="57"/>
-                                        </p:tgtEl>
-                                        <p:attrNameLst>
-                                          <p:attrName>style.visibility</p:attrName>
-                                        </p:attrNameLst>
-                                      </p:cBhvr>
-                                      <p:to>
-                                        <p:strVal val="hidden"/>
-                                      </p:to>
-                                    </p:set>
-                                  </p:childTnLst>
-                                </p:cTn>
-                              </p:par>
-                            </p:childTnLst>
-                          </p:cTn>
-                        </p:par>
-                      </p:childTnLst>
-                    </p:cTn>
-                  </p:par>
-                  <p:par>
-                    <p:cTn id="13" fill="hold">
-                      <p:stCondLst>
-                        <p:cond delay="indefinite"/>
-                      </p:stCondLst>
-                      <p:childTnLst>
-                        <p:par>
-                          <p:cTn id="14" fill="hold">
-                            <p:stCondLst>
-                              <p:cond delay="0"/>
-                            </p:stCondLst>
-                            <p:childTnLst>
-                              <p:par>
-                                <p:cTn id="15" presetID="1" presetClass="entr" presetSubtype="0" fill="hold" grpId="1" nodeType="clickEffect">
-                                  <p:stCondLst>
-                                    <p:cond delay="0"/>
-                                  </p:stCondLst>
-                                  <p:childTnLst>
-                                    <p:set>
-                                      <p:cBhvr>
-                                        <p:cTn id="16" dur="1" fill="hold">
-                                          <p:stCondLst>
-                                            <p:cond delay="0"/>
-                                          </p:stCondLst>
-                                        </p:cTn>
-                                        <p:tgtEl>
-                                          <p:spTgt spid="12"/>
-                                        </p:tgtEl>
-                                        <p:attrNameLst>
-                                          <p:attrName>style.visibility</p:attrName>
-                                        </p:attrNameLst>
-                                      </p:cBhvr>
-                                      <p:to>
-                                        <p:strVal val="visible"/>
-                                      </p:to>
-                                    </p:set>
-                                  </p:childTnLst>
-                                </p:cTn>
-                              </p:par>
-                            </p:childTnLst>
-                          </p:cTn>
-                        </p:par>
-                      </p:childTnLst>
-                    </p:cTn>
-                  </p:par>
-                </p:childTnLst>
-              </p:cTn>
-              <p:prevCondLst>
-                <p:cond evt="onPrev" delay="0">
-                  <p:tgtEl>
-                    <p:sldTgt/>
-                  </p:tgtEl>
-                </p:cond>
-              </p:prevCondLst>
-              <p:nextCondLst>
-                <p:cond evt="onNext" delay="0">
-                  <p:tgtEl>
-                    <p:sldTgt/>
-                  </p:tgtEl>
-                </p:cond>
-              </p:nextCondLst>
-            </p:seq>
-          </p:childTnLst>
-        </p:cTn>
-      </p:par>
-    </p:tnLst>
-    <p:bldLst>
-      <p:bldP spid="57" grpId="0"/>
-      <p:bldP spid="11" grpId="0" animBg="1"/>
-      <p:bldP spid="11" grpId="1" animBg="1"/>
-      <p:bldP spid="12" grpId="1"/>
-    </p:bldLst>
-  </p:timing>
 </p:sld>
 </file>
 
@@ -11881,7 +6405,7 @@
         <p:spPr>
           <a:xfrm>
             <a:off x="960120" y="2587752"/>
-            <a:ext cx="3694176" cy="3258102"/>
+            <a:ext cx="4052944" cy="3258102"/>
           </a:xfrm>
         </p:spPr>
         <p:txBody>
@@ -11890,26 +6414,23 @@
           <a:p>
             <a:r>
               <a:rPr lang="en-US" dirty="0"/>
-              <a:t>Topic one</a:t>
+              <a:t>Duthie park website</a:t>
             </a:r>
           </a:p>
           <a:p>
             <a:r>
               <a:rPr lang="en-US" dirty="0"/>
-              <a:t>Topic two</a:t>
+              <a:t>The idea</a:t>
             </a:r>
           </a:p>
           <a:p>
             <a:r>
               <a:rPr lang="en-US" dirty="0"/>
-              <a:t>Topic three</a:t>
-            </a:r>
-          </a:p>
-          <a:p>
-            <a:r>
-              <a:rPr lang="en-US" dirty="0"/>
-              <a:t>Topic four</a:t>
-            </a:r>
+              <a:t>Final product</a:t>
+            </a:r>
+          </a:p>
+          <a:p>
+            <a:endParaRPr lang="en-US" dirty="0"/>
           </a:p>
         </p:txBody>
       </p:sp>
@@ -12105,160 +6626,23 @@
         </p:nvSpPr>
         <p:spPr>
           <a:xfrm>
-            <a:off x="960438" y="317499"/>
+            <a:off x="821374" y="836948"/>
             <a:ext cx="4500737" cy="2095501"/>
           </a:xfrm>
         </p:spPr>
         <p:txBody>
           <a:bodyPr>
-            <a:normAutofit/>
+            <a:normAutofit fontScale="90000"/>
           </a:bodyPr>
           <a:lstStyle/>
           <a:p>
             <a:r>
               <a:rPr lang="en-US" dirty="0"/>
-              <a:t>introduction</a:t>
-            </a:r>
-          </a:p>
-        </p:txBody>
-      </p:sp>
-      <p:sp>
-        <p:nvSpPr>
-          <p:cNvPr id="42" name="Content Placeholder 41">
-            <a:extLst>
-              <a:ext uri="{FF2B5EF4-FFF2-40B4-BE49-F238E27FC236}">
-                <a16:creationId xmlns:a16="http://schemas.microsoft.com/office/drawing/2014/main" id="{69D5268B-B9FF-4EF5-90FE-EC2BBE068171}"/>
-              </a:ext>
-            </a:extLst>
-          </p:cNvPr>
-          <p:cNvSpPr>
-            <a:spLocks noGrp="1"/>
-          </p:cNvSpPr>
-          <p:nvPr>
-            <p:ph idx="1"/>
-          </p:nvPr>
-        </p:nvSpPr>
-        <p:spPr>
-          <a:xfrm>
-            <a:off x="960438" y="2587625"/>
-            <a:ext cx="4500737" cy="3594100"/>
-          </a:xfrm>
-        </p:spPr>
-        <p:txBody>
-          <a:bodyPr>
-            <a:normAutofit/>
-          </a:bodyPr>
-          <a:lstStyle/>
-          <a:p>
-            <a:r>
-              <a:rPr lang="en-US" dirty="0"/>
-              <a:t>With PowerPoint, you can create presentations and share your work with others, wherever they are. Type the text you want here to get started. You can also add images, art, and videos on this template. Save to OneDrive and access your presentations from your computer, tablet, or phone. </a:t>
-            </a:r>
-          </a:p>
-        </p:txBody>
-      </p:sp>
-      <p:pic>
-        <p:nvPicPr>
-          <p:cNvPr id="15" name="Picture Placeholder 14" descr="A brick wall with a word painted on it">
-            <a:extLst>
-              <a:ext uri="{FF2B5EF4-FFF2-40B4-BE49-F238E27FC236}">
-                <a16:creationId xmlns:a16="http://schemas.microsoft.com/office/drawing/2014/main" id="{BE32D43A-F9E0-4193-81D0-A9A8A08EF7EC}"/>
-              </a:ext>
-            </a:extLst>
-          </p:cNvPr>
-          <p:cNvPicPr>
-            <a:picLocks noGrp="1" noChangeAspect="1"/>
-          </p:cNvPicPr>
-          <p:nvPr>
-            <p:ph type="pic" sz="quarter" idx="13"/>
-          </p:nvPr>
-        </p:nvPicPr>
-        <p:blipFill rotWithShape="1">
-          <a:blip r:embed="rId3" cstate="screen">
-            <a:extLst>
-              <a:ext uri="{28A0092B-C50C-407E-A947-70E740481C1C}">
-                <a14:useLocalDpi xmlns:a14="http://schemas.microsoft.com/office/drawing/2010/main" val="0"/>
-              </a:ext>
-            </a:extLst>
-          </a:blip>
-          <a:srcRect/>
-          <a:stretch/>
-        </p:blipFill>
-        <p:spPr>
-          <a:xfrm>
-            <a:off x="6094474" y="0"/>
-            <a:ext cx="3046351" cy="3428363"/>
-          </a:xfrm>
-        </p:spPr>
-      </p:pic>
-      <p:pic>
-        <p:nvPicPr>
-          <p:cNvPr id="19" name="Picture Placeholder 18" descr="A close-up of a building black and white">
-            <a:extLst>
-              <a:ext uri="{FF2B5EF4-FFF2-40B4-BE49-F238E27FC236}">
-                <a16:creationId xmlns:a16="http://schemas.microsoft.com/office/drawing/2014/main" id="{072F7D0B-B934-4714-AB6E-C61108C82C6F}"/>
-              </a:ext>
-            </a:extLst>
-          </p:cNvPr>
-          <p:cNvPicPr>
-            <a:picLocks noGrp="1" noChangeAspect="1"/>
-          </p:cNvPicPr>
-          <p:nvPr>
-            <p:ph type="pic" sz="quarter" idx="14"/>
-          </p:nvPr>
-        </p:nvPicPr>
-        <p:blipFill rotWithShape="1">
-          <a:blip r:embed="rId4" cstate="screen">
-            <a:extLst>
-              <a:ext uri="{28A0092B-C50C-407E-A947-70E740481C1C}">
-                <a14:useLocalDpi xmlns:a14="http://schemas.microsoft.com/office/drawing/2010/main" val="0"/>
-              </a:ext>
-            </a:extLst>
-          </a:blip>
-          <a:srcRect/>
-          <a:stretch/>
-        </p:blipFill>
-        <p:spPr>
-          <a:xfrm>
-            <a:off x="9148763" y="0"/>
-            <a:ext cx="3048000" cy="3429000"/>
-          </a:xfrm>
-        </p:spPr>
-      </p:pic>
-      <p:pic>
-        <p:nvPicPr>
-          <p:cNvPr id="21" name="Picture Placeholder 20" descr="Picture of a train going through a city ">
-            <a:extLst>
-              <a:ext uri="{FF2B5EF4-FFF2-40B4-BE49-F238E27FC236}">
-                <a16:creationId xmlns:a16="http://schemas.microsoft.com/office/drawing/2014/main" id="{86DC3AB9-5DEA-476D-AAA6-F455743198EB}"/>
-              </a:ext>
-            </a:extLst>
-          </p:cNvPr>
-          <p:cNvPicPr>
-            <a:picLocks noGrp="1" noChangeAspect="1"/>
-          </p:cNvPicPr>
-          <p:nvPr>
-            <p:ph type="pic" sz="quarter" idx="15"/>
-          </p:nvPr>
-        </p:nvPicPr>
-        <p:blipFill rotWithShape="1">
-          <a:blip r:embed="rId5" cstate="screen">
-            <a:extLst>
-              <a:ext uri="{28A0092B-C50C-407E-A947-70E740481C1C}">
-                <a14:useLocalDpi xmlns:a14="http://schemas.microsoft.com/office/drawing/2010/main" val="0"/>
-              </a:ext>
-            </a:extLst>
-          </a:blip>
-          <a:srcRect/>
-          <a:stretch/>
-        </p:blipFill>
-        <p:spPr>
-          <a:xfrm>
-            <a:off x="6102350" y="3429000"/>
-            <a:ext cx="6076950" cy="3429000"/>
-          </a:xfrm>
-        </p:spPr>
-      </p:pic>
+              <a:t>The Current Duthie Park website</a:t>
+            </a:r>
+          </a:p>
+        </p:txBody>
+      </p:sp>
       <p:sp>
         <p:nvSpPr>
           <p:cNvPr id="17" name="Slide Number Placeholder 16">
@@ -12294,6 +6678,94 @@
           </a:p>
         </p:txBody>
       </p:sp>
+      <p:pic>
+        <p:nvPicPr>
+          <p:cNvPr id="12" name="Picture 11">
+            <a:extLst>
+              <a:ext uri="{FF2B5EF4-FFF2-40B4-BE49-F238E27FC236}">
+                <a16:creationId xmlns:a16="http://schemas.microsoft.com/office/drawing/2014/main" id="{0A836B19-C03B-B1BD-B618-017FA19124EA}"/>
+              </a:ext>
+            </a:extLst>
+          </p:cNvPr>
+          <p:cNvPicPr>
+            <a:picLocks noChangeAspect="1"/>
+          </p:cNvPicPr>
+          <p:nvPr/>
+        </p:nvPicPr>
+        <p:blipFill rotWithShape="1">
+          <a:blip r:embed="rId3"/>
+          <a:srcRect r="48305"/>
+          <a:stretch/>
+        </p:blipFill>
+        <p:spPr>
+          <a:xfrm>
+            <a:off x="6381497" y="259452"/>
+            <a:ext cx="5688583" cy="3033023"/>
+          </a:xfrm>
+          <a:prstGeom prst="rect">
+            <a:avLst/>
+          </a:prstGeom>
+        </p:spPr>
+      </p:pic>
+      <p:pic>
+        <p:nvPicPr>
+          <p:cNvPr id="18" name="Picture 17">
+            <a:extLst>
+              <a:ext uri="{FF2B5EF4-FFF2-40B4-BE49-F238E27FC236}">
+                <a16:creationId xmlns:a16="http://schemas.microsoft.com/office/drawing/2014/main" id="{DC05D2AE-F3C6-57C0-DAB1-1068B8803326}"/>
+              </a:ext>
+            </a:extLst>
+          </p:cNvPr>
+          <p:cNvPicPr>
+            <a:picLocks noChangeAspect="1"/>
+          </p:cNvPicPr>
+          <p:nvPr/>
+        </p:nvPicPr>
+        <p:blipFill>
+          <a:blip r:embed="rId4"/>
+          <a:stretch>
+            <a:fillRect/>
+          </a:stretch>
+        </p:blipFill>
+        <p:spPr>
+          <a:xfrm>
+            <a:off x="6431680" y="3925551"/>
+            <a:ext cx="5418290" cy="2377646"/>
+          </a:xfrm>
+          <a:prstGeom prst="rect">
+            <a:avLst/>
+          </a:prstGeom>
+        </p:spPr>
+      </p:pic>
+      <p:pic>
+        <p:nvPicPr>
+          <p:cNvPr id="22" name="Picture 21">
+            <a:extLst>
+              <a:ext uri="{FF2B5EF4-FFF2-40B4-BE49-F238E27FC236}">
+                <a16:creationId xmlns:a16="http://schemas.microsoft.com/office/drawing/2014/main" id="{D60D1ACB-EF5C-CF08-08FB-02D3139D9FDA}"/>
+              </a:ext>
+            </a:extLst>
+          </p:cNvPr>
+          <p:cNvPicPr>
+            <a:picLocks noChangeAspect="1"/>
+          </p:cNvPicPr>
+          <p:nvPr/>
+        </p:nvPicPr>
+        <p:blipFill rotWithShape="1">
+          <a:blip r:embed="rId5"/>
+          <a:srcRect r="15489"/>
+          <a:stretch/>
+        </p:blipFill>
+        <p:spPr>
+          <a:xfrm>
+            <a:off x="205802" y="3925551"/>
+            <a:ext cx="5731883" cy="2415749"/>
+          </a:xfrm>
+          <a:prstGeom prst="rect">
+            <a:avLst/>
+          </a:prstGeom>
+        </p:spPr>
+      </p:pic>
     </p:spTree>
     <p:extLst>
       <p:ext uri="{BB962C8B-B14F-4D97-AF65-F5344CB8AC3E}">
@@ -12352,7 +6824,7 @@
           <a:p>
             <a:r>
               <a:rPr lang="en-US" dirty="0"/>
-              <a:t>Topic One</a:t>
+              <a:t>Our Aims</a:t>
             </a:r>
           </a:p>
         </p:txBody>
@@ -12380,12 +6852,38 @@
           </a:xfrm>
         </p:spPr>
         <p:txBody>
-          <a:bodyPr/>
+          <a:bodyPr>
+            <a:normAutofit/>
+          </a:bodyPr>
           <a:lstStyle/>
           <a:p>
-            <a:r>
-              <a:rPr lang="en-US" dirty="0"/>
-              <a:t>Subtitle</a:t>
+            <a:pPr marL="342900" indent="-342900">
+              <a:buFont typeface="Arial" panose="020B0604020202020204" pitchFamily="34" charset="0"/>
+              <a:buChar char="•"/>
+            </a:pPr>
+            <a:r>
+              <a:rPr lang="en-US" sz="2000" dirty="0"/>
+              <a:t>Improve layout</a:t>
+            </a:r>
+          </a:p>
+          <a:p>
+            <a:pPr marL="342900" indent="-342900">
+              <a:buFont typeface="Arial" panose="020B0604020202020204" pitchFamily="34" charset="0"/>
+              <a:buChar char="•"/>
+            </a:pPr>
+            <a:r>
+              <a:rPr lang="en-US" sz="2000" dirty="0"/>
+              <a:t>Add interactable maps</a:t>
+            </a:r>
+          </a:p>
+          <a:p>
+            <a:pPr marL="342900" indent="-342900">
+              <a:buFont typeface="Arial" panose="020B0604020202020204" pitchFamily="34" charset="0"/>
+              <a:buChar char="•"/>
+            </a:pPr>
+            <a:r>
+              <a:rPr lang="en-US" sz="2000" dirty="0"/>
+              <a:t>Make information easily accessible</a:t>
             </a:r>
           </a:p>
         </p:txBody>
@@ -12422,10 +6920,10 @@
       </p:grpSpPr>
       <p:sp>
         <p:nvSpPr>
-          <p:cNvPr id="2" name="Title 1">
-            <a:extLst>
-              <a:ext uri="{FF2B5EF4-FFF2-40B4-BE49-F238E27FC236}">
-                <a16:creationId xmlns:a16="http://schemas.microsoft.com/office/drawing/2014/main" id="{F96F75DE-8A44-4EC5-83C6-95BDDF10DFD9}"/>
+          <p:cNvPr id="23" name="Title 22">
+            <a:extLst>
+              <a:ext uri="{FF2B5EF4-FFF2-40B4-BE49-F238E27FC236}">
+                <a16:creationId xmlns:a16="http://schemas.microsoft.com/office/drawing/2014/main" id="{CC69C1A1-78E3-4597-AE36-69056DA332BE}"/>
               </a:ext>
             </a:extLst>
           </p:cNvPr>
@@ -12436,863 +6934,71 @@
             <p:ph type="title"/>
           </p:nvPr>
         </p:nvSpPr>
-        <p:spPr>
-          <a:xfrm>
-            <a:off x="960120" y="317814"/>
-            <a:ext cx="10268712" cy="1700784"/>
-          </a:xfrm>
-        </p:spPr>
+        <p:spPr/>
+        <p:txBody>
+          <a:bodyPr>
+            <a:normAutofit/>
+          </a:bodyPr>
+          <a:lstStyle/>
+          <a:p>
+            <a:r>
+              <a:rPr lang="en-US" dirty="0"/>
+              <a:t>prototyping</a:t>
+            </a:r>
+          </a:p>
+        </p:txBody>
+      </p:sp>
+      <p:pic>
+        <p:nvPicPr>
+          <p:cNvPr id="4" name="Content Placeholder 3" descr="A white background with black text&#10;&#10;Description automatically generated">
+            <a:extLst>
+              <a:ext uri="{FF2B5EF4-FFF2-40B4-BE49-F238E27FC236}">
+                <a16:creationId xmlns:a16="http://schemas.microsoft.com/office/drawing/2014/main" id="{3E21DB4F-A459-F9AA-3443-EEDF862244D6}"/>
+              </a:ext>
+            </a:extLst>
+          </p:cNvPr>
+          <p:cNvPicPr>
+            <a:picLocks noGrp="1" noChangeAspect="1"/>
+          </p:cNvPicPr>
+          <p:nvPr>
+            <p:ph idx="1"/>
+          </p:nvPr>
+        </p:nvPicPr>
+        <p:blipFill>
+          <a:blip r:embed="rId3"/>
+          <a:stretch>
+            <a:fillRect/>
+          </a:stretch>
+        </p:blipFill>
+        <p:spPr>
+          <a:xfrm>
+            <a:off x="746014" y="3042353"/>
+            <a:ext cx="1617344" cy="3594100"/>
+          </a:xfrm>
+        </p:spPr>
+      </p:pic>
+      <p:sp>
+        <p:nvSpPr>
+          <p:cNvPr id="7" name="Slide Number Placeholder 6">
+            <a:extLst>
+              <a:ext uri="{FF2B5EF4-FFF2-40B4-BE49-F238E27FC236}">
+                <a16:creationId xmlns:a16="http://schemas.microsoft.com/office/drawing/2014/main" id="{A352ABE0-11DD-496F-AD25-CB335771B694}"/>
+              </a:ext>
+            </a:extLst>
+          </p:cNvPr>
+          <p:cNvSpPr>
+            <a:spLocks noGrp="1"/>
+          </p:cNvSpPr>
+          <p:nvPr>
+            <p:ph type="sldNum" sz="quarter" idx="12"/>
+          </p:nvPr>
+        </p:nvSpPr>
+        <p:spPr/>
         <p:txBody>
           <a:bodyPr/>
           <a:lstStyle/>
           <a:p>
-            <a:r>
-              <a:rPr lang="en-US" dirty="0"/>
-              <a:t>Table</a:t>
-            </a:r>
-          </a:p>
-        </p:txBody>
-      </p:sp>
-      <p:graphicFrame>
-        <p:nvGraphicFramePr>
-          <p:cNvPr id="4" name="Table 4">
-            <a:extLst>
-              <a:ext uri="{FF2B5EF4-FFF2-40B4-BE49-F238E27FC236}">
-                <a16:creationId xmlns:a16="http://schemas.microsoft.com/office/drawing/2014/main" id="{403CD5FD-27C3-4342-BE41-F411CB8D6931}"/>
-              </a:ext>
-            </a:extLst>
-          </p:cNvPr>
-          <p:cNvGraphicFramePr>
-            <a:graphicFrameLocks noGrp="1"/>
-          </p:cNvGraphicFramePr>
-          <p:nvPr>
-            <p:ph idx="1"/>
-            <p:extLst>
-              <p:ext uri="{D42A27DB-BD31-4B8C-83A1-F6EECF244321}">
-                <p14:modId xmlns:p14="http://schemas.microsoft.com/office/powerpoint/2010/main" val="104336177"/>
-              </p:ext>
-            </p:extLst>
-          </p:nvPr>
-        </p:nvGraphicFramePr>
-        <p:xfrm>
-          <a:off x="960438" y="2587625"/>
-          <a:ext cx="10267950" cy="3726090"/>
-        </p:xfrm>
-        <a:graphic>
-          <a:graphicData uri="http://schemas.openxmlformats.org/drawingml/2006/table">
-            <a:tbl>
-              <a:tblPr firstRow="1">
-                <a:tableStyleId>{5C22544A-7EE6-4342-B048-85BDC9FD1C3A}</a:tableStyleId>
-              </a:tblPr>
-              <a:tblGrid>
-                <a:gridCol w="2053590">
-                  <a:extLst>
-                    <a:ext uri="{9D8B030D-6E8A-4147-A177-3AD203B41FA5}">
-                      <a16:colId xmlns:a16="http://schemas.microsoft.com/office/drawing/2014/main" val="1689330750"/>
-                    </a:ext>
-                  </a:extLst>
-                </a:gridCol>
-                <a:gridCol w="2053590">
-                  <a:extLst>
-                    <a:ext uri="{9D8B030D-6E8A-4147-A177-3AD203B41FA5}">
-                      <a16:colId xmlns:a16="http://schemas.microsoft.com/office/drawing/2014/main" val="2660631934"/>
-                    </a:ext>
-                  </a:extLst>
-                </a:gridCol>
-                <a:gridCol w="2053590">
-                  <a:extLst>
-                    <a:ext uri="{9D8B030D-6E8A-4147-A177-3AD203B41FA5}">
-                      <a16:colId xmlns:a16="http://schemas.microsoft.com/office/drawing/2014/main" val="3909717689"/>
-                    </a:ext>
-                  </a:extLst>
-                </a:gridCol>
-                <a:gridCol w="2053590">
-                  <a:extLst>
-                    <a:ext uri="{9D8B030D-6E8A-4147-A177-3AD203B41FA5}">
-                      <a16:colId xmlns:a16="http://schemas.microsoft.com/office/drawing/2014/main" val="1603189107"/>
-                    </a:ext>
-                  </a:extLst>
-                </a:gridCol>
-                <a:gridCol w="2053590">
-                  <a:extLst>
-                    <a:ext uri="{9D8B030D-6E8A-4147-A177-3AD203B41FA5}">
-                      <a16:colId xmlns:a16="http://schemas.microsoft.com/office/drawing/2014/main" val="2755691855"/>
-                    </a:ext>
-                  </a:extLst>
-                </a:gridCol>
-              </a:tblGrid>
-              <a:tr h="745218">
-                <a:tc>
-                  <a:txBody>
-                    <a:bodyPr/>
-                    <a:lstStyle/>
-                    <a:p>
-                      <a:pPr algn="ctr" rtl="0" fontAlgn="base"/>
-                      <a:r>
-                        <a:rPr lang="en-US" b="1" i="0" dirty="0">
-                          <a:solidFill>
-                            <a:srgbClr val="FFFFFF"/>
-                          </a:solidFill>
-                          <a:effectLst/>
-                          <a:latin typeface="+mn-lt"/>
-                        </a:rPr>
-                        <a:t>​</a:t>
-                      </a:r>
-                    </a:p>
-                  </a:txBody>
-                  <a:tcPr anchor="ctr">
-                    <a:lnL w="12700" cmpd="sng">
-                      <a:noFill/>
-                    </a:lnL>
-                    <a:lnR w="12700" cmpd="sng">
-                      <a:noFill/>
-                    </a:lnR>
-                    <a:lnT w="12700" cmpd="sng">
-                      <a:noFill/>
-                    </a:lnT>
-                    <a:lnB w="38100" cmpd="sng">
-                      <a:noFill/>
-                    </a:lnB>
-                    <a:lnTlToBr w="12700" cmpd="sng">
-                      <a:noFill/>
-                      <a:prstDash val="solid"/>
-                    </a:lnTlToBr>
-                    <a:lnBlToTr w="12700" cmpd="sng">
-                      <a:noFill/>
-                      <a:prstDash val="solid"/>
-                    </a:lnBlToTr>
-                    <a:solidFill>
-                      <a:schemeClr val="accent3"/>
-                    </a:solidFill>
-                  </a:tcPr>
-                </a:tc>
-                <a:tc>
-                  <a:txBody>
-                    <a:bodyPr/>
-                    <a:lstStyle/>
-                    <a:p>
-                      <a:pPr algn="ctr" rtl="0" fontAlgn="base"/>
-                      <a:r>
-                        <a:rPr lang="en-US" b="0" i="0" dirty="0">
-                          <a:solidFill>
-                            <a:srgbClr val="FFFFFF"/>
-                          </a:solidFill>
-                          <a:effectLst/>
-                          <a:latin typeface="+mj-lt"/>
-                        </a:rPr>
-                        <a:t>Category 1​</a:t>
-                      </a:r>
-                    </a:p>
-                  </a:txBody>
-                  <a:tcPr anchor="ctr">
-                    <a:lnL w="12700" cmpd="sng">
-                      <a:noFill/>
-                    </a:lnL>
-                    <a:lnR w="12700" cmpd="sng">
-                      <a:noFill/>
-                    </a:lnR>
-                    <a:lnT w="12700" cmpd="sng">
-                      <a:noFill/>
-                    </a:lnT>
-                    <a:lnB w="38100" cmpd="sng">
-                      <a:noFill/>
-                    </a:lnB>
-                    <a:lnTlToBr w="12700" cmpd="sng">
-                      <a:noFill/>
-                      <a:prstDash val="solid"/>
-                    </a:lnTlToBr>
-                    <a:lnBlToTr w="12700" cmpd="sng">
-                      <a:noFill/>
-                      <a:prstDash val="solid"/>
-                    </a:lnBlToTr>
-                    <a:solidFill>
-                      <a:schemeClr val="accent3"/>
-                    </a:solidFill>
-                  </a:tcPr>
-                </a:tc>
-                <a:tc>
-                  <a:txBody>
-                    <a:bodyPr/>
-                    <a:lstStyle/>
-                    <a:p>
-                      <a:pPr algn="ctr" rtl="0" fontAlgn="base"/>
-                      <a:r>
-                        <a:rPr lang="en-US" b="0" i="0" dirty="0">
-                          <a:solidFill>
-                            <a:srgbClr val="FFFFFF"/>
-                          </a:solidFill>
-                          <a:effectLst/>
-                          <a:latin typeface="+mj-lt"/>
-                        </a:rPr>
-                        <a:t>Category 2​</a:t>
-                      </a:r>
-                    </a:p>
-                  </a:txBody>
-                  <a:tcPr anchor="ctr">
-                    <a:lnL w="12700" cmpd="sng">
-                      <a:noFill/>
-                    </a:lnL>
-                    <a:lnR w="12700" cmpd="sng">
-                      <a:noFill/>
-                    </a:lnR>
-                    <a:lnT w="12700" cmpd="sng">
-                      <a:noFill/>
-                    </a:lnT>
-                    <a:lnB w="38100" cmpd="sng">
-                      <a:noFill/>
-                    </a:lnB>
-                    <a:lnTlToBr w="12700" cmpd="sng">
-                      <a:noFill/>
-                      <a:prstDash val="solid"/>
-                    </a:lnTlToBr>
-                    <a:lnBlToTr w="12700" cmpd="sng">
-                      <a:noFill/>
-                      <a:prstDash val="solid"/>
-                    </a:lnBlToTr>
-                    <a:solidFill>
-                      <a:schemeClr val="accent3"/>
-                    </a:solidFill>
-                  </a:tcPr>
-                </a:tc>
-                <a:tc>
-                  <a:txBody>
-                    <a:bodyPr/>
-                    <a:lstStyle/>
-                    <a:p>
-                      <a:pPr algn="ctr" rtl="0" fontAlgn="base"/>
-                      <a:r>
-                        <a:rPr lang="en-US" b="0" i="0" dirty="0">
-                          <a:solidFill>
-                            <a:srgbClr val="FFFFFF"/>
-                          </a:solidFill>
-                          <a:effectLst/>
-                          <a:latin typeface="+mj-lt"/>
-                        </a:rPr>
-                        <a:t>Category 3​</a:t>
-                      </a:r>
-                    </a:p>
-                  </a:txBody>
-                  <a:tcPr anchor="ctr">
-                    <a:lnL w="12700" cmpd="sng">
-                      <a:noFill/>
-                    </a:lnL>
-                    <a:lnR w="12700" cmpd="sng">
-                      <a:noFill/>
-                    </a:lnR>
-                    <a:lnT w="12700" cmpd="sng">
-                      <a:noFill/>
-                    </a:lnT>
-                    <a:lnB w="38100" cmpd="sng">
-                      <a:noFill/>
-                    </a:lnB>
-                    <a:lnTlToBr w="12700" cmpd="sng">
-                      <a:noFill/>
-                      <a:prstDash val="solid"/>
-                    </a:lnTlToBr>
-                    <a:lnBlToTr w="12700" cmpd="sng">
-                      <a:noFill/>
-                      <a:prstDash val="solid"/>
-                    </a:lnBlToTr>
-                    <a:solidFill>
-                      <a:schemeClr val="accent3"/>
-                    </a:solidFill>
-                  </a:tcPr>
-                </a:tc>
-                <a:tc>
-                  <a:txBody>
-                    <a:bodyPr/>
-                    <a:lstStyle/>
-                    <a:p>
-                      <a:pPr algn="ctr" rtl="0" fontAlgn="base"/>
-                      <a:r>
-                        <a:rPr lang="en-US" b="0" i="0" dirty="0">
-                          <a:solidFill>
-                            <a:srgbClr val="FFFFFF"/>
-                          </a:solidFill>
-                          <a:effectLst/>
-                          <a:latin typeface="+mj-lt"/>
-                        </a:rPr>
-                        <a:t>Category 4​</a:t>
-                      </a:r>
-                    </a:p>
-                  </a:txBody>
-                  <a:tcPr anchor="ctr">
-                    <a:lnL w="12700" cmpd="sng">
-                      <a:noFill/>
-                    </a:lnL>
-                    <a:lnR w="12700" cmpd="sng">
-                      <a:noFill/>
-                    </a:lnR>
-                    <a:lnT w="12700" cmpd="sng">
-                      <a:noFill/>
-                    </a:lnT>
-                    <a:lnB w="38100" cmpd="sng">
-                      <a:noFill/>
-                    </a:lnB>
-                    <a:lnTlToBr w="12700" cmpd="sng">
-                      <a:noFill/>
-                      <a:prstDash val="solid"/>
-                    </a:lnTlToBr>
-                    <a:lnBlToTr w="12700" cmpd="sng">
-                      <a:noFill/>
-                      <a:prstDash val="solid"/>
-                    </a:lnBlToTr>
-                    <a:solidFill>
-                      <a:schemeClr val="accent3"/>
-                    </a:solidFill>
-                  </a:tcPr>
-                </a:tc>
-                <a:extLst>
-                  <a:ext uri="{0D108BD9-81ED-4DB2-BD59-A6C34878D82A}">
-                    <a16:rowId xmlns:a16="http://schemas.microsoft.com/office/drawing/2014/main" val="479928716"/>
-                  </a:ext>
-                </a:extLst>
-              </a:tr>
-              <a:tr h="745218">
-                <a:tc>
-                  <a:txBody>
-                    <a:bodyPr/>
-                    <a:lstStyle/>
-                    <a:p>
-                      <a:pPr algn="ctr" rtl="0" fontAlgn="base"/>
-                      <a:r>
-                        <a:rPr lang="en-US" b="0" i="0" dirty="0">
-                          <a:solidFill>
-                            <a:srgbClr val="000000"/>
-                          </a:solidFill>
-                          <a:effectLst/>
-                          <a:latin typeface="+mn-lt"/>
-                        </a:rPr>
-                        <a:t>Item 1​</a:t>
-                      </a:r>
-                    </a:p>
-                  </a:txBody>
-                  <a:tcPr anchor="ctr">
-                    <a:lnT w="38100" cmpd="sng">
-                      <a:noFill/>
-                    </a:lnT>
-                  </a:tcPr>
-                </a:tc>
-                <a:tc>
-                  <a:txBody>
-                    <a:bodyPr/>
-                    <a:lstStyle/>
-                    <a:p>
-                      <a:pPr algn="ctr" rtl="0" fontAlgn="base"/>
-                      <a:r>
-                        <a:rPr lang="en-US" b="0" i="0" dirty="0">
-                          <a:solidFill>
-                            <a:srgbClr val="000000"/>
-                          </a:solidFill>
-                          <a:effectLst/>
-                          <a:latin typeface="+mn-lt"/>
-                        </a:rPr>
-                        <a:t>4.5​</a:t>
-                      </a:r>
-                    </a:p>
-                  </a:txBody>
-                  <a:tcPr anchor="ctr">
-                    <a:lnT w="38100" cmpd="sng">
-                      <a:noFill/>
-                    </a:lnT>
-                  </a:tcPr>
-                </a:tc>
-                <a:tc>
-                  <a:txBody>
-                    <a:bodyPr/>
-                    <a:lstStyle/>
-                    <a:p>
-                      <a:pPr algn="ctr" rtl="0" fontAlgn="base"/>
-                      <a:r>
-                        <a:rPr lang="en-US" b="0" i="0" dirty="0">
-                          <a:solidFill>
-                            <a:srgbClr val="000000"/>
-                          </a:solidFill>
-                          <a:effectLst/>
-                          <a:latin typeface="+mn-lt"/>
-                        </a:rPr>
-                        <a:t>2.3​</a:t>
-                      </a:r>
-                    </a:p>
-                  </a:txBody>
-                  <a:tcPr anchor="ctr">
-                    <a:lnT w="38100" cmpd="sng">
-                      <a:noFill/>
-                    </a:lnT>
-                  </a:tcPr>
-                </a:tc>
-                <a:tc>
-                  <a:txBody>
-                    <a:bodyPr/>
-                    <a:lstStyle/>
-                    <a:p>
-                      <a:pPr algn="ctr" rtl="0" fontAlgn="base"/>
-                      <a:r>
-                        <a:rPr lang="en-US" b="0" i="0" dirty="0">
-                          <a:solidFill>
-                            <a:srgbClr val="000000"/>
-                          </a:solidFill>
-                          <a:effectLst/>
-                          <a:latin typeface="+mn-lt"/>
-                        </a:rPr>
-                        <a:t>1.7​</a:t>
-                      </a:r>
-                    </a:p>
-                  </a:txBody>
-                  <a:tcPr anchor="ctr">
-                    <a:lnT w="38100" cmpd="sng">
-                      <a:noFill/>
-                    </a:lnT>
-                  </a:tcPr>
-                </a:tc>
-                <a:tc>
-                  <a:txBody>
-                    <a:bodyPr/>
-                    <a:lstStyle/>
-                    <a:p>
-                      <a:pPr algn="ctr" rtl="0" fontAlgn="base"/>
-                      <a:r>
-                        <a:rPr lang="en-US" b="0" i="0" dirty="0">
-                          <a:solidFill>
-                            <a:srgbClr val="000000"/>
-                          </a:solidFill>
-                          <a:effectLst/>
-                          <a:latin typeface="+mn-lt"/>
-                        </a:rPr>
-                        <a:t>5​</a:t>
-                      </a:r>
-                      <a:r>
-                        <a:rPr lang="en-US" dirty="0"/>
-                        <a:t>.0</a:t>
-                      </a:r>
-                      <a:endParaRPr lang="en-US" b="0" i="0" dirty="0">
-                        <a:solidFill>
-                          <a:srgbClr val="000000"/>
-                        </a:solidFill>
-                        <a:effectLst/>
-                        <a:latin typeface="+mn-lt"/>
-                      </a:endParaRPr>
-                    </a:p>
-                  </a:txBody>
-                  <a:tcPr anchor="ctr">
-                    <a:lnT w="38100" cmpd="sng">
-                      <a:noFill/>
-                    </a:lnT>
-                  </a:tcPr>
-                </a:tc>
-                <a:extLst>
-                  <a:ext uri="{0D108BD9-81ED-4DB2-BD59-A6C34878D82A}">
-                    <a16:rowId xmlns:a16="http://schemas.microsoft.com/office/drawing/2014/main" val="1760208656"/>
-                  </a:ext>
-                </a:extLst>
-              </a:tr>
-              <a:tr h="745218">
-                <a:tc>
-                  <a:txBody>
-                    <a:bodyPr/>
-                    <a:lstStyle/>
-                    <a:p>
-                      <a:pPr algn="ctr" rtl="0" fontAlgn="base"/>
-                      <a:r>
-                        <a:rPr lang="en-US" b="0" i="0" dirty="0">
-                          <a:solidFill>
-                            <a:srgbClr val="000000"/>
-                          </a:solidFill>
-                          <a:effectLst/>
-                          <a:latin typeface="+mn-lt"/>
-                        </a:rPr>
-                        <a:t>Item 2​</a:t>
-                      </a:r>
-                    </a:p>
-                  </a:txBody>
-                  <a:tcPr anchor="ctr"/>
-                </a:tc>
-                <a:tc>
-                  <a:txBody>
-                    <a:bodyPr/>
-                    <a:lstStyle/>
-                    <a:p>
-                      <a:pPr algn="ctr" rtl="0" fontAlgn="base"/>
-                      <a:r>
-                        <a:rPr lang="en-US" b="0" i="0" dirty="0">
-                          <a:solidFill>
-                            <a:srgbClr val="000000"/>
-                          </a:solidFill>
-                          <a:effectLst/>
-                          <a:latin typeface="+mn-lt"/>
-                        </a:rPr>
-                        <a:t>3.2​</a:t>
-                      </a:r>
-                    </a:p>
-                  </a:txBody>
-                  <a:tcPr anchor="ctr"/>
-                </a:tc>
-                <a:tc>
-                  <a:txBody>
-                    <a:bodyPr/>
-                    <a:lstStyle/>
-                    <a:p>
-                      <a:pPr algn="ctr" rtl="0" fontAlgn="base"/>
-                      <a:r>
-                        <a:rPr lang="en-US" b="0" i="0" dirty="0">
-                          <a:solidFill>
-                            <a:srgbClr val="000000"/>
-                          </a:solidFill>
-                          <a:effectLst/>
-                          <a:latin typeface="+mn-lt"/>
-                        </a:rPr>
-                        <a:t>5.1​</a:t>
-                      </a:r>
-                    </a:p>
-                  </a:txBody>
-                  <a:tcPr anchor="ctr"/>
-                </a:tc>
-                <a:tc>
-                  <a:txBody>
-                    <a:bodyPr/>
-                    <a:lstStyle/>
-                    <a:p>
-                      <a:pPr algn="ctr" rtl="0" fontAlgn="base"/>
-                      <a:r>
-                        <a:rPr lang="en-US" b="0" i="0" dirty="0">
-                          <a:solidFill>
-                            <a:srgbClr val="000000"/>
-                          </a:solidFill>
-                          <a:effectLst/>
-                          <a:latin typeface="+mn-lt"/>
-                        </a:rPr>
-                        <a:t>4.4​</a:t>
-                      </a:r>
-                    </a:p>
-                  </a:txBody>
-                  <a:tcPr anchor="ctr"/>
-                </a:tc>
-                <a:tc>
-                  <a:txBody>
-                    <a:bodyPr/>
-                    <a:lstStyle/>
-                    <a:p>
-                      <a:pPr algn="ctr" rtl="0" fontAlgn="base"/>
-                      <a:r>
-                        <a:rPr lang="en-US" b="0" i="0" dirty="0">
-                          <a:solidFill>
-                            <a:srgbClr val="000000"/>
-                          </a:solidFill>
-                          <a:effectLst/>
-                          <a:latin typeface="+mn-lt"/>
-                        </a:rPr>
-                        <a:t>3​</a:t>
-                      </a:r>
-                      <a:r>
-                        <a:rPr lang="en-US" dirty="0"/>
-                        <a:t>.0</a:t>
-                      </a:r>
-                      <a:endParaRPr lang="en-US" b="0" i="0" dirty="0">
-                        <a:solidFill>
-                          <a:srgbClr val="000000"/>
-                        </a:solidFill>
-                        <a:effectLst/>
-                        <a:latin typeface="+mn-lt"/>
-                      </a:endParaRPr>
-                    </a:p>
-                  </a:txBody>
-                  <a:tcPr anchor="ctr"/>
-                </a:tc>
-                <a:extLst>
-                  <a:ext uri="{0D108BD9-81ED-4DB2-BD59-A6C34878D82A}">
-                    <a16:rowId xmlns:a16="http://schemas.microsoft.com/office/drawing/2014/main" val="3634243071"/>
-                  </a:ext>
-                </a:extLst>
-              </a:tr>
-              <a:tr h="745218">
-                <a:tc>
-                  <a:txBody>
-                    <a:bodyPr/>
-                    <a:lstStyle/>
-                    <a:p>
-                      <a:pPr algn="ctr" rtl="0" fontAlgn="base"/>
-                      <a:r>
-                        <a:rPr lang="en-US" b="0" i="0" dirty="0">
-                          <a:solidFill>
-                            <a:srgbClr val="000000"/>
-                          </a:solidFill>
-                          <a:effectLst/>
-                          <a:latin typeface="+mn-lt"/>
-                        </a:rPr>
-                        <a:t>Item 3​</a:t>
-                      </a:r>
-                    </a:p>
-                  </a:txBody>
-                  <a:tcPr anchor="ctr"/>
-                </a:tc>
-                <a:tc>
-                  <a:txBody>
-                    <a:bodyPr/>
-                    <a:lstStyle/>
-                    <a:p>
-                      <a:pPr algn="ctr" rtl="0" fontAlgn="base"/>
-                      <a:r>
-                        <a:rPr lang="en-US" b="0" i="0" dirty="0">
-                          <a:solidFill>
-                            <a:srgbClr val="000000"/>
-                          </a:solidFill>
-                          <a:effectLst/>
-                          <a:latin typeface="+mn-lt"/>
-                        </a:rPr>
-                        <a:t>2.1​</a:t>
-                      </a:r>
-                    </a:p>
-                  </a:txBody>
-                  <a:tcPr anchor="ctr"/>
-                </a:tc>
-                <a:tc>
-                  <a:txBody>
-                    <a:bodyPr/>
-                    <a:lstStyle/>
-                    <a:p>
-                      <a:pPr algn="ctr" rtl="0" fontAlgn="base"/>
-                      <a:r>
-                        <a:rPr lang="en-US" b="0" i="0" dirty="0">
-                          <a:solidFill>
-                            <a:srgbClr val="000000"/>
-                          </a:solidFill>
-                          <a:effectLst/>
-                          <a:latin typeface="+mn-lt"/>
-                        </a:rPr>
-                        <a:t>1.7​</a:t>
-                      </a:r>
-                    </a:p>
-                  </a:txBody>
-                  <a:tcPr anchor="ctr"/>
-                </a:tc>
-                <a:tc>
-                  <a:txBody>
-                    <a:bodyPr/>
-                    <a:lstStyle/>
-                    <a:p>
-                      <a:pPr algn="ctr" rtl="0" fontAlgn="base"/>
-                      <a:r>
-                        <a:rPr lang="en-US" b="0" i="0" dirty="0">
-                          <a:solidFill>
-                            <a:srgbClr val="000000"/>
-                          </a:solidFill>
-                          <a:effectLst/>
-                          <a:latin typeface="+mn-lt"/>
-                        </a:rPr>
-                        <a:t>2.5​</a:t>
-                      </a:r>
-                    </a:p>
-                  </a:txBody>
-                  <a:tcPr anchor="ctr"/>
-                </a:tc>
-                <a:tc>
-                  <a:txBody>
-                    <a:bodyPr/>
-                    <a:lstStyle/>
-                    <a:p>
-                      <a:pPr algn="ctr" rtl="0" fontAlgn="base"/>
-                      <a:r>
-                        <a:rPr lang="en-US" b="0" i="0" dirty="0">
-                          <a:solidFill>
-                            <a:srgbClr val="000000"/>
-                          </a:solidFill>
-                          <a:effectLst/>
-                          <a:latin typeface="+mn-lt"/>
-                        </a:rPr>
-                        <a:t>2.8​</a:t>
-                      </a:r>
-                    </a:p>
-                  </a:txBody>
-                  <a:tcPr anchor="ctr"/>
-                </a:tc>
-                <a:extLst>
-                  <a:ext uri="{0D108BD9-81ED-4DB2-BD59-A6C34878D82A}">
-                    <a16:rowId xmlns:a16="http://schemas.microsoft.com/office/drawing/2014/main" val="415808797"/>
-                  </a:ext>
-                </a:extLst>
-              </a:tr>
-              <a:tr h="745218">
-                <a:tc>
-                  <a:txBody>
-                    <a:bodyPr/>
-                    <a:lstStyle/>
-                    <a:p>
-                      <a:pPr algn="ctr" rtl="0" fontAlgn="base"/>
-                      <a:r>
-                        <a:rPr lang="en-US" b="0" i="0" dirty="0">
-                          <a:solidFill>
-                            <a:srgbClr val="000000"/>
-                          </a:solidFill>
-                          <a:effectLst/>
-                          <a:latin typeface="+mn-lt"/>
-                        </a:rPr>
-                        <a:t>Item 4​</a:t>
-                      </a:r>
-                    </a:p>
-                  </a:txBody>
-                  <a:tcPr anchor="ctr"/>
-                </a:tc>
-                <a:tc>
-                  <a:txBody>
-                    <a:bodyPr/>
-                    <a:lstStyle/>
-                    <a:p>
-                      <a:pPr algn="ctr" rtl="0" fontAlgn="base"/>
-                      <a:r>
-                        <a:rPr lang="en-US" b="0" i="0" dirty="0">
-                          <a:solidFill>
-                            <a:srgbClr val="000000"/>
-                          </a:solidFill>
-                          <a:effectLst/>
-                          <a:latin typeface="+mn-lt"/>
-                        </a:rPr>
-                        <a:t>4.5​</a:t>
-                      </a:r>
-                    </a:p>
-                  </a:txBody>
-                  <a:tcPr anchor="ctr"/>
-                </a:tc>
-                <a:tc>
-                  <a:txBody>
-                    <a:bodyPr/>
-                    <a:lstStyle/>
-                    <a:p>
-                      <a:pPr algn="ctr" rtl="0" fontAlgn="base"/>
-                      <a:r>
-                        <a:rPr lang="en-US" b="0" i="0" dirty="0">
-                          <a:solidFill>
-                            <a:srgbClr val="000000"/>
-                          </a:solidFill>
-                          <a:effectLst/>
-                          <a:latin typeface="+mn-lt"/>
-                        </a:rPr>
-                        <a:t>2.2​</a:t>
-                      </a:r>
-                    </a:p>
-                  </a:txBody>
-                  <a:tcPr anchor="ctr"/>
-                </a:tc>
-                <a:tc>
-                  <a:txBody>
-                    <a:bodyPr/>
-                    <a:lstStyle/>
-                    <a:p>
-                      <a:pPr algn="ctr" rtl="0" fontAlgn="base"/>
-                      <a:r>
-                        <a:rPr lang="en-US" b="0" i="0" dirty="0">
-                          <a:solidFill>
-                            <a:srgbClr val="000000"/>
-                          </a:solidFill>
-                          <a:effectLst/>
-                          <a:latin typeface="+mn-lt"/>
-                        </a:rPr>
-                        <a:t>1.7​</a:t>
-                      </a:r>
-                    </a:p>
-                  </a:txBody>
-                  <a:tcPr anchor="ctr"/>
-                </a:tc>
-                <a:tc>
-                  <a:txBody>
-                    <a:bodyPr/>
-                    <a:lstStyle/>
-                    <a:p>
-                      <a:pPr algn="ctr" rtl="0" fontAlgn="base"/>
-                      <a:r>
-                        <a:rPr lang="en-US" b="0" i="0" dirty="0">
-                          <a:solidFill>
-                            <a:srgbClr val="000000"/>
-                          </a:solidFill>
-                          <a:effectLst/>
-                          <a:latin typeface="+mn-lt"/>
-                        </a:rPr>
-                        <a:t>7​</a:t>
-                      </a:r>
-                      <a:r>
-                        <a:rPr lang="en-US" dirty="0"/>
-                        <a:t>.0</a:t>
-                      </a:r>
-                      <a:endParaRPr lang="en-US" b="0" i="0" dirty="0">
-                        <a:solidFill>
-                          <a:srgbClr val="000000"/>
-                        </a:solidFill>
-                        <a:effectLst/>
-                        <a:latin typeface="+mn-lt"/>
-                      </a:endParaRPr>
-                    </a:p>
-                  </a:txBody>
-                  <a:tcPr anchor="ctr"/>
-                </a:tc>
-                <a:extLst>
-                  <a:ext uri="{0D108BD9-81ED-4DB2-BD59-A6C34878D82A}">
-                    <a16:rowId xmlns:a16="http://schemas.microsoft.com/office/drawing/2014/main" val="380950325"/>
-                  </a:ext>
-                </a:extLst>
-              </a:tr>
-            </a:tbl>
-          </a:graphicData>
-        </a:graphic>
-      </p:graphicFrame>
-      <p:sp>
-        <p:nvSpPr>
-          <p:cNvPr id="6" name="Footer Placeholder 8">
-            <a:extLst>
-              <a:ext uri="{FF2B5EF4-FFF2-40B4-BE49-F238E27FC236}">
-                <a16:creationId xmlns:a16="http://schemas.microsoft.com/office/drawing/2014/main" id="{FD2E7A2D-F48D-4299-B7DD-B6EDEEE6D9E8}"/>
-              </a:ext>
-            </a:extLst>
-          </p:cNvPr>
-          <p:cNvSpPr>
-            <a:spLocks noGrp="1"/>
-          </p:cNvSpPr>
-          <p:nvPr>
-            <p:ph type="ftr" sz="quarter" idx="11"/>
-          </p:nvPr>
-        </p:nvSpPr>
-        <p:spPr>
-          <a:xfrm>
-            <a:off x="960120" y="6356350"/>
-            <a:ext cx="3236976" cy="365125"/>
-          </a:xfrm>
-        </p:spPr>
-        <p:txBody>
-          <a:bodyPr/>
-          <a:lstStyle/>
-          <a:p>
-            <a:r>
-              <a:rPr lang="en-US" dirty="0"/>
-              <a:t>Sample Footer Text</a:t>
-            </a:r>
-          </a:p>
-        </p:txBody>
-      </p:sp>
-      <p:sp>
-        <p:nvSpPr>
-          <p:cNvPr id="7" name="Slide Number Placeholder 9">
-            <a:extLst>
-              <a:ext uri="{FF2B5EF4-FFF2-40B4-BE49-F238E27FC236}">
-                <a16:creationId xmlns:a16="http://schemas.microsoft.com/office/drawing/2014/main" id="{BE4C97A2-0C46-4D31-8087-9CD6A0458637}"/>
-              </a:ext>
-            </a:extLst>
-          </p:cNvPr>
-          <p:cNvSpPr>
-            <a:spLocks noGrp="1"/>
-          </p:cNvSpPr>
-          <p:nvPr>
-            <p:ph type="sldNum" sz="quarter" idx="12"/>
-          </p:nvPr>
-        </p:nvSpPr>
-        <p:spPr>
-          <a:xfrm>
-            <a:off x="10296144" y="6356350"/>
-            <a:ext cx="932688" cy="365125"/>
-          </a:xfrm>
-        </p:spPr>
-        <p:txBody>
-          <a:bodyPr/>
-          <a:lstStyle/>
-          <a:p>
-            <a:fld id="{F97E8200-1950-409B-82E7-99938E7AE355}" type="slidenum">
+            <a:fld id="{294A09A9-5501-47C1-A89A-A340965A2BE2}" type="slidenum">
               <a:rPr lang="en-US" smtClean="0"/>
               <a:pPr/>
               <a:t>5</a:t>
@@ -13301,10 +7007,70 @@
           </a:p>
         </p:txBody>
       </p:sp>
+      <p:pic>
+        <p:nvPicPr>
+          <p:cNvPr id="6" name="Picture 5" descr="A screenshot of a phone&#10;&#10;Description automatically generated">
+            <a:extLst>
+              <a:ext uri="{FF2B5EF4-FFF2-40B4-BE49-F238E27FC236}">
+                <a16:creationId xmlns:a16="http://schemas.microsoft.com/office/drawing/2014/main" id="{674A02B0-A2B5-C48E-3124-237F7896EB2B}"/>
+              </a:ext>
+            </a:extLst>
+          </p:cNvPr>
+          <p:cNvPicPr>
+            <a:picLocks noChangeAspect="1"/>
+          </p:cNvPicPr>
+          <p:nvPr/>
+        </p:nvPicPr>
+        <p:blipFill>
+          <a:blip r:embed="rId4"/>
+          <a:stretch>
+            <a:fillRect/>
+          </a:stretch>
+        </p:blipFill>
+        <p:spPr>
+          <a:xfrm>
+            <a:off x="2690495" y="3042353"/>
+            <a:ext cx="1617345" cy="3594100"/>
+          </a:xfrm>
+          <a:prstGeom prst="rect">
+            <a:avLst/>
+          </a:prstGeom>
+        </p:spPr>
+      </p:pic>
+      <p:pic>
+        <p:nvPicPr>
+          <p:cNvPr id="11" name="Picture 10" descr="A screenshot of a website&#10;&#10;Description automatically generated">
+            <a:extLst>
+              <a:ext uri="{FF2B5EF4-FFF2-40B4-BE49-F238E27FC236}">
+                <a16:creationId xmlns:a16="http://schemas.microsoft.com/office/drawing/2014/main" id="{02AF2CAC-00DD-700E-C223-4B9809A348B3}"/>
+              </a:ext>
+            </a:extLst>
+          </p:cNvPr>
+          <p:cNvPicPr>
+            <a:picLocks noChangeAspect="1"/>
+          </p:cNvPicPr>
+          <p:nvPr/>
+        </p:nvPicPr>
+        <p:blipFill>
+          <a:blip r:embed="rId5"/>
+          <a:stretch>
+            <a:fillRect/>
+          </a:stretch>
+        </p:blipFill>
+        <p:spPr>
+          <a:xfrm>
+            <a:off x="6564019" y="2577619"/>
+            <a:ext cx="3575286" cy="4143856"/>
+          </a:xfrm>
+          <a:prstGeom prst="rect">
+            <a:avLst/>
+          </a:prstGeom>
+        </p:spPr>
+      </p:pic>
     </p:spTree>
     <p:extLst>
       <p:ext uri="{BB962C8B-B14F-4D97-AF65-F5344CB8AC3E}">
-        <p14:creationId xmlns:p14="http://schemas.microsoft.com/office/powerpoint/2010/main" val="4212917468"/>
+        <p14:creationId xmlns:p14="http://schemas.microsoft.com/office/powerpoint/2010/main" val="2672174031"/>
       </p:ext>
     </p:extLst>
   </p:cSld>
@@ -13333,10 +7099,10 @@
       </p:grpSpPr>
       <p:sp>
         <p:nvSpPr>
-          <p:cNvPr id="23" name="Title 22">
-            <a:extLst>
-              <a:ext uri="{FF2B5EF4-FFF2-40B4-BE49-F238E27FC236}">
-                <a16:creationId xmlns:a16="http://schemas.microsoft.com/office/drawing/2014/main" id="{CC69C1A1-78E3-4597-AE36-69056DA332BE}"/>
+          <p:cNvPr id="2" name="Title 1">
+            <a:extLst>
+              <a:ext uri="{FF2B5EF4-FFF2-40B4-BE49-F238E27FC236}">
+                <a16:creationId xmlns:a16="http://schemas.microsoft.com/office/drawing/2014/main" id="{19256B7E-1633-44AB-8584-82DF5B726834}"/>
               </a:ext>
             </a:extLst>
           </p:cNvPr>
@@ -13349,8 +7115,8 @@
         </p:nvSpPr>
         <p:spPr>
           <a:xfrm>
-            <a:off x="5355771" y="1004205"/>
-            <a:ext cx="6096000" cy="3725183"/>
+            <a:off x="960120" y="317814"/>
+            <a:ext cx="10268712" cy="1700784"/>
           </a:xfrm>
         </p:spPr>
         <p:txBody>
@@ -13359,65 +7125,31 @@
           <a:p>
             <a:r>
               <a:rPr lang="en-US" dirty="0"/>
-              <a:t>The way to get started is to quit talking and begin doing.</a:t>
-            </a:r>
-          </a:p>
-        </p:txBody>
-      </p:sp>
-      <p:pic>
-        <p:nvPicPr>
-          <p:cNvPr id="27" name="Picture Placeholder 26" descr="Skyline aerial view">
-            <a:extLst>
-              <a:ext uri="{FF2B5EF4-FFF2-40B4-BE49-F238E27FC236}">
-                <a16:creationId xmlns:a16="http://schemas.microsoft.com/office/drawing/2014/main" id="{7C9B5A1D-6E4C-4C2C-99B4-DA2732F7CC31}"/>
-              </a:ext>
-            </a:extLst>
-          </p:cNvPr>
-          <p:cNvPicPr>
-            <a:picLocks noGrp="1" noChangeAspect="1"/>
-          </p:cNvPicPr>
-          <p:nvPr>
-            <p:ph type="pic" sz="quarter" idx="13"/>
-          </p:nvPr>
-        </p:nvPicPr>
-        <p:blipFill rotWithShape="1">
-          <a:blip r:embed="rId3" cstate="screen">
-            <a:extLst>
-              <a:ext uri="{28A0092B-C50C-407E-A947-70E740481C1C}">
-                <a14:useLocalDpi xmlns:a14="http://schemas.microsoft.com/office/drawing/2010/main" val="0"/>
-              </a:ext>
-            </a:extLst>
-          </a:blip>
-          <a:srcRect/>
-          <a:stretch/>
-        </p:blipFill>
-        <p:spPr>
-          <a:xfrm>
-            <a:off x="0" y="0"/>
-            <a:ext cx="4657345" cy="6858000"/>
-          </a:xfrm>
-        </p:spPr>
-      </p:pic>
-      <p:sp>
-        <p:nvSpPr>
-          <p:cNvPr id="24" name="Content Placeholder 23">
-            <a:extLst>
-              <a:ext uri="{FF2B5EF4-FFF2-40B4-BE49-F238E27FC236}">
-                <a16:creationId xmlns:a16="http://schemas.microsoft.com/office/drawing/2014/main" id="{D593D767-CBED-4343-BF82-E91FA5BF5521}"/>
-              </a:ext>
-            </a:extLst>
-          </p:cNvPr>
-          <p:cNvSpPr>
-            <a:spLocks noGrp="1"/>
-          </p:cNvSpPr>
-          <p:nvPr>
-            <p:ph idx="1"/>
-          </p:nvPr>
-        </p:nvSpPr>
-        <p:spPr>
-          <a:xfrm>
-            <a:off x="5355771" y="4865914"/>
-            <a:ext cx="6096000" cy="532038"/>
+              <a:t>Interactable Maps</a:t>
+            </a:r>
+          </a:p>
+        </p:txBody>
+      </p:sp>
+      <p:sp>
+        <p:nvSpPr>
+          <p:cNvPr id="3" name="Text Placeholder 2">
+            <a:extLst>
+              <a:ext uri="{FF2B5EF4-FFF2-40B4-BE49-F238E27FC236}">
+                <a16:creationId xmlns:a16="http://schemas.microsoft.com/office/drawing/2014/main" id="{EFB90AB4-D228-4548-B072-726498212362}"/>
+              </a:ext>
+            </a:extLst>
+          </p:cNvPr>
+          <p:cNvSpPr>
+            <a:spLocks noGrp="1"/>
+          </p:cNvSpPr>
+          <p:nvPr>
+            <p:ph type="body" idx="1"/>
+          </p:nvPr>
+        </p:nvSpPr>
+        <p:spPr>
+          <a:xfrm>
+            <a:off x="960121" y="2587752"/>
+            <a:ext cx="4818888" cy="892048"/>
           </a:xfrm>
         </p:spPr>
         <p:txBody>
@@ -13426,33 +7158,192 @@
           <a:p>
             <a:r>
               <a:rPr lang="en-US" dirty="0"/>
-              <a:t>Walt Disney</a:t>
-            </a:r>
-          </a:p>
-        </p:txBody>
-      </p:sp>
-      <p:sp>
-        <p:nvSpPr>
-          <p:cNvPr id="7" name="Slide Number Placeholder 6">
-            <a:extLst>
-              <a:ext uri="{FF2B5EF4-FFF2-40B4-BE49-F238E27FC236}">
-                <a16:creationId xmlns:a16="http://schemas.microsoft.com/office/drawing/2014/main" id="{A352ABE0-11DD-496F-AD25-CB335771B694}"/>
-              </a:ext>
-            </a:extLst>
-          </p:cNvPr>
-          <p:cNvSpPr>
-            <a:spLocks noGrp="1"/>
-          </p:cNvSpPr>
-          <p:nvPr>
-            <p:ph type="sldNum" sz="quarter" idx="12"/>
-          </p:nvPr>
-        </p:nvSpPr>
-        <p:spPr/>
+              <a:t>Selecting map markers</a:t>
+            </a:r>
+          </a:p>
+        </p:txBody>
+      </p:sp>
+      <p:sp>
+        <p:nvSpPr>
+          <p:cNvPr id="4" name="Content Placeholder 3">
+            <a:extLst>
+              <a:ext uri="{FF2B5EF4-FFF2-40B4-BE49-F238E27FC236}">
+                <a16:creationId xmlns:a16="http://schemas.microsoft.com/office/drawing/2014/main" id="{950677C9-3E42-427F-93B8-526692906471}"/>
+              </a:ext>
+            </a:extLst>
+          </p:cNvPr>
+          <p:cNvSpPr>
+            <a:spLocks noGrp="1"/>
+          </p:cNvSpPr>
+          <p:nvPr>
+            <p:ph sz="half" idx="2"/>
+          </p:nvPr>
+        </p:nvSpPr>
+        <p:spPr>
+          <a:xfrm>
+            <a:off x="960120" y="3594538"/>
+            <a:ext cx="4818888" cy="2586806"/>
+          </a:xfrm>
+        </p:spPr>
+        <p:txBody>
+          <a:bodyPr vert="horz" lIns="91440" tIns="45720" rIns="91440" bIns="45720" rtlCol="0" anchor="t">
+            <a:normAutofit/>
+          </a:bodyPr>
+          <a:lstStyle/>
+          <a:p>
+            <a:r>
+              <a:rPr lang="en-US" dirty="0"/>
+              <a:t>Add text, images, art, and videos. </a:t>
+            </a:r>
+          </a:p>
+          <a:p>
+            <a:r>
+              <a:rPr lang="en-US" dirty="0"/>
+              <a:t>Add transitions, animations, and motion. </a:t>
+            </a:r>
+          </a:p>
+          <a:p>
+            <a:r>
+              <a:rPr lang="en-US" dirty="0"/>
+              <a:t>Save to OneDrive, to get to your presentations from your computer, tablet, or phone. </a:t>
+            </a:r>
+          </a:p>
+        </p:txBody>
+      </p:sp>
+      <p:sp>
+        <p:nvSpPr>
+          <p:cNvPr id="6" name="Text Placeholder 5">
+            <a:extLst>
+              <a:ext uri="{FF2B5EF4-FFF2-40B4-BE49-F238E27FC236}">
+                <a16:creationId xmlns:a16="http://schemas.microsoft.com/office/drawing/2014/main" id="{F5018B6D-E395-49AD-92AD-AD69E3AB40C3}"/>
+              </a:ext>
+            </a:extLst>
+          </p:cNvPr>
+          <p:cNvSpPr>
+            <a:spLocks noGrp="1"/>
+          </p:cNvSpPr>
+          <p:nvPr>
+            <p:ph type="body" sz="quarter" idx="3"/>
+          </p:nvPr>
+        </p:nvSpPr>
+        <p:spPr>
+          <a:xfrm>
+            <a:off x="6409944" y="2587752"/>
+            <a:ext cx="4818888" cy="892048"/>
+          </a:xfrm>
+        </p:spPr>
         <p:txBody>
           <a:bodyPr/>
           <a:lstStyle/>
           <a:p>
-            <a:fld id="{294A09A9-5501-47C1-A89A-A340965A2BE2}" type="slidenum">
+            <a:r>
+              <a:rPr lang="en-US" dirty="0"/>
+              <a:t>Integrating with website</a:t>
+            </a:r>
+          </a:p>
+        </p:txBody>
+      </p:sp>
+      <p:sp>
+        <p:nvSpPr>
+          <p:cNvPr id="5" name="Content Placeholder 4">
+            <a:extLst>
+              <a:ext uri="{FF2B5EF4-FFF2-40B4-BE49-F238E27FC236}">
+                <a16:creationId xmlns:a16="http://schemas.microsoft.com/office/drawing/2014/main" id="{BDB9D020-1E25-453D-83DF-1420ACD3968D}"/>
+              </a:ext>
+            </a:extLst>
+          </p:cNvPr>
+          <p:cNvSpPr>
+            <a:spLocks noGrp="1"/>
+          </p:cNvSpPr>
+          <p:nvPr>
+            <p:ph sz="quarter" idx="4"/>
+          </p:nvPr>
+        </p:nvSpPr>
+        <p:spPr>
+          <a:xfrm>
+            <a:off x="6409944" y="3594538"/>
+            <a:ext cx="4818888" cy="2586806"/>
+          </a:xfrm>
+        </p:spPr>
+        <p:txBody>
+          <a:bodyPr>
+            <a:normAutofit/>
+          </a:bodyPr>
+          <a:lstStyle/>
+          <a:p>
+            <a:r>
+              <a:rPr lang="en-US" dirty="0"/>
+              <a:t>Open the Design Ideas pane for instant slide makeovers. </a:t>
+            </a:r>
+          </a:p>
+          <a:p>
+            <a:r>
+              <a:rPr lang="en-US" dirty="0"/>
+              <a:t>When we have design ideas, we’ll show them to you right there. </a:t>
+            </a:r>
+          </a:p>
+        </p:txBody>
+      </p:sp>
+      <p:sp>
+        <p:nvSpPr>
+          <p:cNvPr id="8" name="Footer Placeholder 8">
+            <a:extLst>
+              <a:ext uri="{FF2B5EF4-FFF2-40B4-BE49-F238E27FC236}">
+                <a16:creationId xmlns:a16="http://schemas.microsoft.com/office/drawing/2014/main" id="{B67120C1-6A9D-44FA-9A16-F092E488175C}"/>
+              </a:ext>
+            </a:extLst>
+          </p:cNvPr>
+          <p:cNvSpPr>
+            <a:spLocks noGrp="1"/>
+          </p:cNvSpPr>
+          <p:nvPr>
+            <p:ph type="ftr" sz="quarter" idx="11"/>
+          </p:nvPr>
+        </p:nvSpPr>
+        <p:spPr>
+          <a:xfrm>
+            <a:off x="960120" y="6356350"/>
+            <a:ext cx="3593407" cy="365125"/>
+          </a:xfrm>
+        </p:spPr>
+        <p:txBody>
+          <a:bodyPr/>
+          <a:lstStyle/>
+          <a:p>
+            <a:r>
+              <a:rPr lang="en-US" dirty="0"/>
+              <a:t>Sample Footer Text</a:t>
+            </a:r>
+          </a:p>
+        </p:txBody>
+      </p:sp>
+      <p:sp>
+        <p:nvSpPr>
+          <p:cNvPr id="9" name="Slide Number Placeholder 9">
+            <a:extLst>
+              <a:ext uri="{FF2B5EF4-FFF2-40B4-BE49-F238E27FC236}">
+                <a16:creationId xmlns:a16="http://schemas.microsoft.com/office/drawing/2014/main" id="{CC302B43-8755-4B25-A036-68EFC8791204}"/>
+              </a:ext>
+            </a:extLst>
+          </p:cNvPr>
+          <p:cNvSpPr>
+            <a:spLocks noGrp="1"/>
+          </p:cNvSpPr>
+          <p:nvPr>
+            <p:ph type="sldNum" sz="quarter" idx="12"/>
+          </p:nvPr>
+        </p:nvSpPr>
+        <p:spPr>
+          <a:xfrm>
+            <a:off x="10296144" y="6356350"/>
+            <a:ext cx="932688" cy="365125"/>
+          </a:xfrm>
+        </p:spPr>
+        <p:txBody>
+          <a:bodyPr/>
+          <a:lstStyle/>
+          <a:p>
+            <a:fld id="{F97E8200-1950-409B-82E7-99938E7AE355}" type="slidenum">
               <a:rPr lang="en-US" smtClean="0"/>
               <a:pPr/>
               <a:t>6</a:t>
@@ -13464,7 +7355,7 @@
     </p:spTree>
     <p:extLst>
       <p:ext uri="{BB962C8B-B14F-4D97-AF65-F5344CB8AC3E}">
-        <p14:creationId xmlns:p14="http://schemas.microsoft.com/office/powerpoint/2010/main" val="2672174031"/>
+        <p14:creationId xmlns:p14="http://schemas.microsoft.com/office/powerpoint/2010/main" val="2563119616"/>
       </p:ext>
     </p:extLst>
   </p:cSld>
@@ -13496,7 +7387,7 @@
           <p:cNvPr id="2" name="Title 1">
             <a:extLst>
               <a:ext uri="{FF2B5EF4-FFF2-40B4-BE49-F238E27FC236}">
-                <a16:creationId xmlns:a16="http://schemas.microsoft.com/office/drawing/2014/main" id="{27A6F7BB-30A8-4980-AD4A-2FB0B53FA6C9}"/>
+                <a16:creationId xmlns:a16="http://schemas.microsoft.com/office/drawing/2014/main" id="{E5F191A4-7839-4F63-B17C-7C366C59488C}"/>
               </a:ext>
             </a:extLst>
           </p:cNvPr>
@@ -13519,167 +7410,64 @@
           <a:p>
             <a:r>
               <a:rPr lang="en-US" dirty="0"/>
-              <a:t>Team</a:t>
-            </a:r>
-          </a:p>
-        </p:txBody>
-      </p:sp>
-      <p:pic>
-        <p:nvPicPr>
-          <p:cNvPr id="53" name="Picture Placeholder 52" descr="A person with a beard&#10;">
-            <a:extLst>
-              <a:ext uri="{FF2B5EF4-FFF2-40B4-BE49-F238E27FC236}">
-                <a16:creationId xmlns:a16="http://schemas.microsoft.com/office/drawing/2014/main" id="{EE42DEA0-935C-49FE-BE40-BCB59090B328}"/>
-              </a:ext>
-            </a:extLst>
-          </p:cNvPr>
-          <p:cNvPicPr>
-            <a:picLocks noGrp="1" noChangeAspect="1"/>
-          </p:cNvPicPr>
-          <p:nvPr>
-            <p:ph type="pic" sz="quarter" idx="13"/>
-          </p:nvPr>
-        </p:nvPicPr>
-        <p:blipFill rotWithShape="1">
-          <a:blip r:embed="rId2">
-            <a:extLst>
-              <a:ext uri="{28A0092B-C50C-407E-A947-70E740481C1C}">
-                <a14:useLocalDpi xmlns:a14="http://schemas.microsoft.com/office/drawing/2010/main" val="0"/>
-              </a:ext>
-            </a:extLst>
-          </a:blip>
-          <a:srcRect/>
-          <a:stretch/>
-        </p:blipFill>
-        <p:spPr>
-          <a:xfrm>
-            <a:off x="1066800" y="3048000"/>
-            <a:ext cx="1790700" cy="1790700"/>
-          </a:xfrm>
-        </p:spPr>
-      </p:pic>
-      <p:pic>
-        <p:nvPicPr>
-          <p:cNvPr id="57" name="Picture Placeholder 56" descr="A person smiling for the camera">
-            <a:extLst>
-              <a:ext uri="{FF2B5EF4-FFF2-40B4-BE49-F238E27FC236}">
-                <a16:creationId xmlns:a16="http://schemas.microsoft.com/office/drawing/2014/main" id="{D1E913C6-6F9A-4BFE-ABDE-52ADAB4FCB00}"/>
-              </a:ext>
-            </a:extLst>
-          </p:cNvPr>
-          <p:cNvPicPr>
-            <a:picLocks noGrp="1" noChangeAspect="1"/>
-          </p:cNvPicPr>
-          <p:nvPr>
-            <p:ph type="pic" sz="quarter" idx="14"/>
-          </p:nvPr>
-        </p:nvPicPr>
-        <p:blipFill rotWithShape="1">
-          <a:blip r:embed="rId3">
-            <a:extLst>
-              <a:ext uri="{28A0092B-C50C-407E-A947-70E740481C1C}">
-                <a14:useLocalDpi xmlns:a14="http://schemas.microsoft.com/office/drawing/2010/main" val="0"/>
-              </a:ext>
-            </a:extLst>
-          </a:blip>
-          <a:srcRect/>
-          <a:stretch/>
-        </p:blipFill>
-        <p:spPr>
-          <a:xfrm>
-            <a:off x="3821762" y="3048000"/>
-            <a:ext cx="1790700" cy="1790700"/>
-          </a:xfrm>
-        </p:spPr>
-      </p:pic>
-      <p:pic>
-        <p:nvPicPr>
-          <p:cNvPr id="61" name="Picture Placeholder 60" descr="A person smiling for the camera">
-            <a:extLst>
-              <a:ext uri="{FF2B5EF4-FFF2-40B4-BE49-F238E27FC236}">
-                <a16:creationId xmlns:a16="http://schemas.microsoft.com/office/drawing/2014/main" id="{D8BFA52E-B08F-4B5B-A43C-C6F0C360E44B}"/>
-              </a:ext>
-            </a:extLst>
-          </p:cNvPr>
-          <p:cNvPicPr>
-            <a:picLocks noGrp="1" noChangeAspect="1"/>
-          </p:cNvPicPr>
-          <p:nvPr>
-            <p:ph type="pic" sz="quarter" idx="15"/>
-          </p:nvPr>
-        </p:nvPicPr>
-        <p:blipFill rotWithShape="1">
-          <a:blip r:embed="rId4" cstate="screen">
-            <a:extLst>
-              <a:ext uri="{28A0092B-C50C-407E-A947-70E740481C1C}">
-                <a14:useLocalDpi xmlns:a14="http://schemas.microsoft.com/office/drawing/2010/main" val="0"/>
-              </a:ext>
-            </a:extLst>
-          </a:blip>
-          <a:srcRect/>
-          <a:stretch/>
-        </p:blipFill>
-        <p:spPr>
-          <a:xfrm>
-            <a:off x="6576021" y="3048000"/>
-            <a:ext cx="1790700" cy="1790700"/>
-          </a:xfrm>
-        </p:spPr>
-      </p:pic>
-      <p:pic>
-        <p:nvPicPr>
-          <p:cNvPr id="65" name="Picture Placeholder 64" descr="A person smiling for the camera">
-            <a:extLst>
-              <a:ext uri="{FF2B5EF4-FFF2-40B4-BE49-F238E27FC236}">
-                <a16:creationId xmlns:a16="http://schemas.microsoft.com/office/drawing/2014/main" id="{07D291A7-CAE2-4240-9531-33C44BEC0D9E}"/>
-              </a:ext>
-            </a:extLst>
-          </p:cNvPr>
-          <p:cNvPicPr>
-            <a:picLocks noGrp="1" noChangeAspect="1"/>
-          </p:cNvPicPr>
-          <p:nvPr>
-            <p:ph type="pic" sz="quarter" idx="16"/>
-          </p:nvPr>
-        </p:nvPicPr>
-        <p:blipFill rotWithShape="1">
-          <a:blip r:embed="rId5">
-            <a:extLst>
-              <a:ext uri="{28A0092B-C50C-407E-A947-70E740481C1C}">
-                <a14:useLocalDpi xmlns:a14="http://schemas.microsoft.com/office/drawing/2010/main" val="0"/>
-              </a:ext>
-            </a:extLst>
-          </a:blip>
-          <a:srcRect/>
-          <a:stretch/>
-        </p:blipFill>
-        <p:spPr>
-          <a:xfrm>
-            <a:off x="9334500" y="3048000"/>
-            <a:ext cx="1790700" cy="1790700"/>
-          </a:xfrm>
-        </p:spPr>
-      </p:pic>
-      <p:sp>
-        <p:nvSpPr>
-          <p:cNvPr id="28" name="Text Placeholder 27">
-            <a:extLst>
-              <a:ext uri="{FF2B5EF4-FFF2-40B4-BE49-F238E27FC236}">
-                <a16:creationId xmlns:a16="http://schemas.microsoft.com/office/drawing/2014/main" id="{2E71CD06-C978-4E7A-B0F3-D7CE7E78D354}"/>
-              </a:ext>
-            </a:extLst>
-          </p:cNvPr>
-          <p:cNvSpPr>
-            <a:spLocks noGrp="1"/>
-          </p:cNvSpPr>
-          <p:nvPr>
-            <p:ph type="body" sz="quarter" idx="17"/>
-          </p:nvPr>
-        </p:nvSpPr>
-        <p:spPr>
-          <a:xfrm>
-            <a:off x="1066800" y="5124103"/>
-            <a:ext cx="1790700" cy="350292"/>
+              <a:t>Website Design</a:t>
+            </a:r>
+          </a:p>
+        </p:txBody>
+      </p:sp>
+      <p:sp>
+        <p:nvSpPr>
+          <p:cNvPr id="9" name="Text Placeholder 8">
+            <a:extLst>
+              <a:ext uri="{FF2B5EF4-FFF2-40B4-BE49-F238E27FC236}">
+                <a16:creationId xmlns:a16="http://schemas.microsoft.com/office/drawing/2014/main" id="{E9052153-84CE-4C4C-9422-F437CC0272A8}"/>
+              </a:ext>
+            </a:extLst>
+          </p:cNvPr>
+          <p:cNvSpPr>
+            <a:spLocks noGrp="1"/>
+          </p:cNvSpPr>
+          <p:nvPr>
+            <p:ph type="body" idx="1"/>
+          </p:nvPr>
+        </p:nvSpPr>
+        <p:spPr>
+          <a:xfrm>
+            <a:off x="960121" y="2587752"/>
+            <a:ext cx="3236976" cy="892048"/>
+          </a:xfrm>
+        </p:spPr>
+        <p:txBody>
+          <a:bodyPr/>
+          <a:lstStyle/>
+          <a:p>
+            <a:r>
+              <a:rPr lang="en-US" dirty="0"/>
+              <a:t>html</a:t>
+            </a:r>
+          </a:p>
+        </p:txBody>
+      </p:sp>
+      <p:sp>
+        <p:nvSpPr>
+          <p:cNvPr id="4" name="Content Placeholder 3">
+            <a:extLst>
+              <a:ext uri="{FF2B5EF4-FFF2-40B4-BE49-F238E27FC236}">
+                <a16:creationId xmlns:a16="http://schemas.microsoft.com/office/drawing/2014/main" id="{9B9ED227-95A7-4B08-91FE-5E0EF0D41D20}"/>
+              </a:ext>
+            </a:extLst>
+          </p:cNvPr>
+          <p:cNvSpPr>
+            <a:spLocks noGrp="1"/>
+          </p:cNvSpPr>
+          <p:nvPr>
+            <p:ph sz="half" idx="2"/>
+          </p:nvPr>
+        </p:nvSpPr>
+        <p:spPr>
+          <a:xfrm>
+            <a:off x="960120" y="3594538"/>
+            <a:ext cx="3236976" cy="2586806"/>
           </a:xfrm>
         </p:spPr>
         <p:txBody>
@@ -13688,33 +7476,54 @@
           </a:bodyPr>
           <a:lstStyle/>
           <a:p>
+            <a:pPr lvl="0"/>
             <a:r>
               <a:rPr lang="en-US" dirty="0"/>
-              <a:t>Name</a:t>
-            </a:r>
-          </a:p>
-        </p:txBody>
-      </p:sp>
-      <p:sp>
-        <p:nvSpPr>
-          <p:cNvPr id="29" name="Text Placeholder 28">
-            <a:extLst>
-              <a:ext uri="{FF2B5EF4-FFF2-40B4-BE49-F238E27FC236}">
-                <a16:creationId xmlns:a16="http://schemas.microsoft.com/office/drawing/2014/main" id="{AC3B44FB-4BFE-411B-B515-9692114F1669}"/>
-              </a:ext>
-            </a:extLst>
-          </p:cNvPr>
-          <p:cNvSpPr>
-            <a:spLocks noGrp="1"/>
-          </p:cNvSpPr>
-          <p:nvPr>
-            <p:ph type="body" sz="quarter" idx="18"/>
-          </p:nvPr>
-        </p:nvSpPr>
-        <p:spPr>
-          <a:xfrm>
-            <a:off x="1066800" y="5458421"/>
-            <a:ext cx="1790700" cy="350292"/>
+              <a:t>Add text, images, art, and videos. </a:t>
+            </a:r>
+          </a:p>
+          <a:p>
+            <a:pPr lvl="0"/>
+            <a:r>
+              <a:rPr lang="en-US" dirty="0"/>
+              <a:t>Add transitions, animations, and motion. </a:t>
+            </a:r>
+          </a:p>
+          <a:p>
+            <a:pPr lvl="0"/>
+            <a:r>
+              <a:rPr lang="en-US" dirty="0"/>
+              <a:t>Save to OneDrive, to get to your presentations from your computer, tablet, or phone. </a:t>
+            </a:r>
+          </a:p>
+          <a:p>
+            <a:endParaRPr lang="en-US" dirty="0"/>
+          </a:p>
+          <a:p>
+            <a:endParaRPr lang="en-US" dirty="0"/>
+          </a:p>
+        </p:txBody>
+      </p:sp>
+      <p:sp>
+        <p:nvSpPr>
+          <p:cNvPr id="11" name="Text Placeholder 10">
+            <a:extLst>
+              <a:ext uri="{FF2B5EF4-FFF2-40B4-BE49-F238E27FC236}">
+                <a16:creationId xmlns:a16="http://schemas.microsoft.com/office/drawing/2014/main" id="{3A9D6D54-1465-4F38-AF0C-D1D9C4B69188}"/>
+              </a:ext>
+            </a:extLst>
+          </p:cNvPr>
+          <p:cNvSpPr>
+            <a:spLocks noGrp="1"/>
+          </p:cNvSpPr>
+          <p:nvPr>
+            <p:ph type="body" sz="quarter" idx="3"/>
+          </p:nvPr>
+        </p:nvSpPr>
+        <p:spPr>
+          <a:xfrm>
+            <a:off x="4477512" y="2587752"/>
+            <a:ext cx="3236976" cy="892048"/>
           </a:xfrm>
         </p:spPr>
         <p:txBody>
@@ -13722,32 +7531,114 @@
           <a:lstStyle/>
           <a:p>
             <a:r>
+              <a:rPr lang="en-US" dirty="0" err="1"/>
+              <a:t>ejs</a:t>
+            </a:r>
+            <a:endParaRPr lang="en-US" dirty="0"/>
+          </a:p>
+        </p:txBody>
+      </p:sp>
+      <p:sp>
+        <p:nvSpPr>
+          <p:cNvPr id="5" name="Content Placeholder 4">
+            <a:extLst>
+              <a:ext uri="{FF2B5EF4-FFF2-40B4-BE49-F238E27FC236}">
+                <a16:creationId xmlns:a16="http://schemas.microsoft.com/office/drawing/2014/main" id="{9C2ECAAA-1E9C-4845-8EA9-E11A76F08150}"/>
+              </a:ext>
+            </a:extLst>
+          </p:cNvPr>
+          <p:cNvSpPr>
+            <a:spLocks noGrp="1"/>
+          </p:cNvSpPr>
+          <p:nvPr>
+            <p:ph sz="quarter" idx="4"/>
+          </p:nvPr>
+        </p:nvSpPr>
+        <p:spPr>
+          <a:xfrm>
+            <a:off x="4477512" y="3594538"/>
+            <a:ext cx="3236976" cy="2586806"/>
+          </a:xfrm>
+        </p:spPr>
+        <p:txBody>
+          <a:bodyPr>
+            <a:normAutofit/>
+          </a:bodyPr>
+          <a:lstStyle/>
+          <a:p>
+            <a:r>
               <a:rPr lang="en-US" dirty="0"/>
-              <a:t>Title</a:t>
-            </a:r>
-          </a:p>
-        </p:txBody>
-      </p:sp>
-      <p:sp>
-        <p:nvSpPr>
-          <p:cNvPr id="30" name="Text Placeholder 29">
-            <a:extLst>
-              <a:ext uri="{FF2B5EF4-FFF2-40B4-BE49-F238E27FC236}">
-                <a16:creationId xmlns:a16="http://schemas.microsoft.com/office/drawing/2014/main" id="{0A519495-0B62-4946-8849-85BAE273E1ED}"/>
-              </a:ext>
-            </a:extLst>
-          </p:cNvPr>
-          <p:cNvSpPr>
-            <a:spLocks noGrp="1"/>
-          </p:cNvSpPr>
-          <p:nvPr>
-            <p:ph type="body" sz="quarter" idx="19"/>
-          </p:nvPr>
-        </p:nvSpPr>
-        <p:spPr>
-          <a:xfrm>
-            <a:off x="3821762" y="5124103"/>
-            <a:ext cx="1790700" cy="350292"/>
+              <a:t>Open the Design Ideas pane for instant slide makeovers. </a:t>
+            </a:r>
+          </a:p>
+          <a:p>
+            <a:r>
+              <a:rPr lang="en-US" dirty="0"/>
+              <a:t>When we have design ideas, we’ll show them to you right there. </a:t>
+            </a:r>
+          </a:p>
+          <a:p>
+            <a:endParaRPr lang="en-US" dirty="0"/>
+          </a:p>
+          <a:p>
+            <a:endParaRPr lang="en-US" dirty="0"/>
+          </a:p>
+        </p:txBody>
+      </p:sp>
+      <p:sp>
+        <p:nvSpPr>
+          <p:cNvPr id="12" name="Text Placeholder 11">
+            <a:extLst>
+              <a:ext uri="{FF2B5EF4-FFF2-40B4-BE49-F238E27FC236}">
+                <a16:creationId xmlns:a16="http://schemas.microsoft.com/office/drawing/2014/main" id="{B2E3A0DE-C4AF-4CF7-8543-12273A610699}"/>
+              </a:ext>
+            </a:extLst>
+          </p:cNvPr>
+          <p:cNvSpPr>
+            <a:spLocks noGrp="1"/>
+          </p:cNvSpPr>
+          <p:nvPr>
+            <p:ph type="body" sz="quarter" idx="13"/>
+          </p:nvPr>
+        </p:nvSpPr>
+        <p:spPr>
+          <a:xfrm>
+            <a:off x="7994903" y="2587752"/>
+            <a:ext cx="3236976" cy="892048"/>
+          </a:xfrm>
+        </p:spPr>
+        <p:txBody>
+          <a:bodyPr/>
+          <a:lstStyle/>
+          <a:p>
+            <a:r>
+              <a:rPr lang="en-US" dirty="0" err="1"/>
+              <a:t>css</a:t>
+            </a:r>
+            <a:endParaRPr lang="en-US" dirty="0"/>
+          </a:p>
+        </p:txBody>
+      </p:sp>
+      <p:sp>
+        <p:nvSpPr>
+          <p:cNvPr id="13" name="Content Placeholder 12">
+            <a:extLst>
+              <a:ext uri="{FF2B5EF4-FFF2-40B4-BE49-F238E27FC236}">
+                <a16:creationId xmlns:a16="http://schemas.microsoft.com/office/drawing/2014/main" id="{4E650F12-7519-49DD-8FF1-548919AFB264}"/>
+              </a:ext>
+            </a:extLst>
+          </p:cNvPr>
+          <p:cNvSpPr>
+            <a:spLocks noGrp="1"/>
+          </p:cNvSpPr>
+          <p:nvPr>
+            <p:ph sz="quarter" idx="14"/>
+          </p:nvPr>
+        </p:nvSpPr>
+        <p:spPr>
+          <a:xfrm>
+            <a:off x="7994903" y="3594538"/>
+            <a:ext cx="3236976" cy="2586806"/>
           </a:xfrm>
         </p:spPr>
         <p:txBody>
@@ -13758,31 +7649,37 @@
           <a:p>
             <a:r>
               <a:rPr lang="en-US" dirty="0"/>
-              <a:t>Name</a:t>
-            </a:r>
-          </a:p>
-        </p:txBody>
-      </p:sp>
-      <p:sp>
-        <p:nvSpPr>
-          <p:cNvPr id="31" name="Text Placeholder 30">
-            <a:extLst>
-              <a:ext uri="{FF2B5EF4-FFF2-40B4-BE49-F238E27FC236}">
-                <a16:creationId xmlns:a16="http://schemas.microsoft.com/office/drawing/2014/main" id="{41645704-3A6A-4BBA-8175-321CF0BA0F93}"/>
-              </a:ext>
-            </a:extLst>
-          </p:cNvPr>
-          <p:cNvSpPr>
-            <a:spLocks noGrp="1"/>
-          </p:cNvSpPr>
-          <p:nvPr>
-            <p:ph type="body" sz="quarter" idx="20"/>
-          </p:nvPr>
-        </p:nvSpPr>
-        <p:spPr>
-          <a:xfrm>
-            <a:off x="3821762" y="5458421"/>
-            <a:ext cx="1790700" cy="350292"/>
+              <a:t>This PowerPoint theme uses its own unique set of colors, fonts, and effects to create the overall look and feel of these slides.</a:t>
+            </a:r>
+          </a:p>
+          <a:p>
+            <a:r>
+              <a:rPr lang="en-US" dirty="0"/>
+              <a:t>PowerPoint has tons of themes to give your presentation just the right personality.</a:t>
+            </a:r>
+          </a:p>
+        </p:txBody>
+      </p:sp>
+      <p:sp>
+        <p:nvSpPr>
+          <p:cNvPr id="14" name="Footer Placeholder 8">
+            <a:extLst>
+              <a:ext uri="{FF2B5EF4-FFF2-40B4-BE49-F238E27FC236}">
+                <a16:creationId xmlns:a16="http://schemas.microsoft.com/office/drawing/2014/main" id="{8E6B0707-86FA-428E-86BD-882776B0451C}"/>
+              </a:ext>
+            </a:extLst>
+          </p:cNvPr>
+          <p:cNvSpPr>
+            <a:spLocks noGrp="1"/>
+          </p:cNvSpPr>
+          <p:nvPr>
+            <p:ph type="ftr" sz="quarter" idx="11"/>
+          </p:nvPr>
+        </p:nvSpPr>
+        <p:spPr>
+          <a:xfrm>
+            <a:off x="960120" y="6356350"/>
+            <a:ext cx="3417916" cy="365125"/>
           </a:xfrm>
         </p:spPr>
         <p:txBody>
@@ -13791,175 +7688,6 @@
           <a:p>
             <a:r>
               <a:rPr lang="en-US" dirty="0"/>
-              <a:t>Title</a:t>
-            </a:r>
-          </a:p>
-        </p:txBody>
-      </p:sp>
-      <p:sp>
-        <p:nvSpPr>
-          <p:cNvPr id="32" name="Text Placeholder 31">
-            <a:extLst>
-              <a:ext uri="{FF2B5EF4-FFF2-40B4-BE49-F238E27FC236}">
-                <a16:creationId xmlns:a16="http://schemas.microsoft.com/office/drawing/2014/main" id="{DF0EBCDF-924B-48F4-A7F7-666B321BFC28}"/>
-              </a:ext>
-            </a:extLst>
-          </p:cNvPr>
-          <p:cNvSpPr>
-            <a:spLocks noGrp="1"/>
-          </p:cNvSpPr>
-          <p:nvPr>
-            <p:ph type="body" sz="quarter" idx="21"/>
-          </p:nvPr>
-        </p:nvSpPr>
-        <p:spPr>
-          <a:xfrm>
-            <a:off x="6576021" y="5124103"/>
-            <a:ext cx="1790700" cy="350292"/>
-          </a:xfrm>
-        </p:spPr>
-        <p:txBody>
-          <a:bodyPr>
-            <a:normAutofit lnSpcReduction="10000"/>
-          </a:bodyPr>
-          <a:lstStyle/>
-          <a:p>
-            <a:r>
-              <a:rPr lang="en-US" dirty="0"/>
-              <a:t>Name</a:t>
-            </a:r>
-          </a:p>
-        </p:txBody>
-      </p:sp>
-      <p:sp>
-        <p:nvSpPr>
-          <p:cNvPr id="33" name="Text Placeholder 32">
-            <a:extLst>
-              <a:ext uri="{FF2B5EF4-FFF2-40B4-BE49-F238E27FC236}">
-                <a16:creationId xmlns:a16="http://schemas.microsoft.com/office/drawing/2014/main" id="{05CB99E5-316C-41D9-8C47-1B06C7959379}"/>
-              </a:ext>
-            </a:extLst>
-          </p:cNvPr>
-          <p:cNvSpPr>
-            <a:spLocks noGrp="1"/>
-          </p:cNvSpPr>
-          <p:nvPr>
-            <p:ph type="body" sz="quarter" idx="22"/>
-          </p:nvPr>
-        </p:nvSpPr>
-        <p:spPr>
-          <a:xfrm>
-            <a:off x="6576021" y="5458421"/>
-            <a:ext cx="1790700" cy="350292"/>
-          </a:xfrm>
-        </p:spPr>
-        <p:txBody>
-          <a:bodyPr/>
-          <a:lstStyle/>
-          <a:p>
-            <a:r>
-              <a:rPr lang="en-US" dirty="0"/>
-              <a:t>Title</a:t>
-            </a:r>
-          </a:p>
-        </p:txBody>
-      </p:sp>
-      <p:sp>
-        <p:nvSpPr>
-          <p:cNvPr id="34" name="Text Placeholder 33">
-            <a:extLst>
-              <a:ext uri="{FF2B5EF4-FFF2-40B4-BE49-F238E27FC236}">
-                <a16:creationId xmlns:a16="http://schemas.microsoft.com/office/drawing/2014/main" id="{8F7A7076-E480-4D5D-BF05-F80A9002862A}"/>
-              </a:ext>
-            </a:extLst>
-          </p:cNvPr>
-          <p:cNvSpPr>
-            <a:spLocks noGrp="1"/>
-          </p:cNvSpPr>
-          <p:nvPr>
-            <p:ph type="body" sz="quarter" idx="23"/>
-          </p:nvPr>
-        </p:nvSpPr>
-        <p:spPr>
-          <a:xfrm>
-            <a:off x="9334500" y="5124103"/>
-            <a:ext cx="1790700" cy="350292"/>
-          </a:xfrm>
-        </p:spPr>
-        <p:txBody>
-          <a:bodyPr>
-            <a:normAutofit lnSpcReduction="10000"/>
-          </a:bodyPr>
-          <a:lstStyle/>
-          <a:p>
-            <a:r>
-              <a:rPr lang="en-US" dirty="0"/>
-              <a:t>Name</a:t>
-            </a:r>
-          </a:p>
-        </p:txBody>
-      </p:sp>
-      <p:sp>
-        <p:nvSpPr>
-          <p:cNvPr id="35" name="Text Placeholder 34">
-            <a:extLst>
-              <a:ext uri="{FF2B5EF4-FFF2-40B4-BE49-F238E27FC236}">
-                <a16:creationId xmlns:a16="http://schemas.microsoft.com/office/drawing/2014/main" id="{0E93358B-01FB-420E-B62F-30786A664E23}"/>
-              </a:ext>
-            </a:extLst>
-          </p:cNvPr>
-          <p:cNvSpPr>
-            <a:spLocks noGrp="1"/>
-          </p:cNvSpPr>
-          <p:nvPr>
-            <p:ph type="body" sz="quarter" idx="24"/>
-          </p:nvPr>
-        </p:nvSpPr>
-        <p:spPr>
-          <a:xfrm>
-            <a:off x="9334500" y="5458421"/>
-            <a:ext cx="1790700" cy="350292"/>
-          </a:xfrm>
-        </p:spPr>
-        <p:txBody>
-          <a:bodyPr/>
-          <a:lstStyle/>
-          <a:p>
-            <a:r>
-              <a:rPr lang="en-US" dirty="0"/>
-              <a:t>Title</a:t>
-            </a:r>
-          </a:p>
-        </p:txBody>
-      </p:sp>
-      <p:sp>
-        <p:nvSpPr>
-          <p:cNvPr id="16" name="Footer Placeholder 8">
-            <a:extLst>
-              <a:ext uri="{FF2B5EF4-FFF2-40B4-BE49-F238E27FC236}">
-                <a16:creationId xmlns:a16="http://schemas.microsoft.com/office/drawing/2014/main" id="{8B378668-2A82-42DD-8EEB-903E572ABB72}"/>
-              </a:ext>
-            </a:extLst>
-          </p:cNvPr>
-          <p:cNvSpPr>
-            <a:spLocks noGrp="1"/>
-          </p:cNvSpPr>
-          <p:nvPr>
-            <p:ph type="ftr" sz="quarter" idx="11"/>
-          </p:nvPr>
-        </p:nvSpPr>
-        <p:spPr>
-          <a:xfrm>
-            <a:off x="960120" y="6356350"/>
-            <a:ext cx="3417916" cy="365125"/>
-          </a:xfrm>
-        </p:spPr>
-        <p:txBody>
-          <a:bodyPr/>
-          <a:lstStyle/>
-          <a:p>
-            <a:r>
-              <a:rPr lang="en-US" dirty="0"/>
               <a:t>Sample Footer Text</a:t>
             </a:r>
           </a:p>
@@ -13967,10 +7695,10 @@
       </p:sp>
       <p:sp>
         <p:nvSpPr>
-          <p:cNvPr id="17" name="Slide Number Placeholder 9">
-            <a:extLst>
-              <a:ext uri="{FF2B5EF4-FFF2-40B4-BE49-F238E27FC236}">
-                <a16:creationId xmlns:a16="http://schemas.microsoft.com/office/drawing/2014/main" id="{FB1D3245-1EEE-45B5-A63B-774B81FEFBA8}"/>
+          <p:cNvPr id="15" name="Slide Number Placeholder 9">
+            <a:extLst>
+              <a:ext uri="{FF2B5EF4-FFF2-40B4-BE49-F238E27FC236}">
+                <a16:creationId xmlns:a16="http://schemas.microsoft.com/office/drawing/2014/main" id="{87DE1BC5-FD94-4773-8370-432A38DB8868}"/>
               </a:ext>
             </a:extLst>
           </p:cNvPr>
@@ -14003,7 +7731,7 @@
     </p:spTree>
     <p:extLst>
       <p:ext uri="{BB962C8B-B14F-4D97-AF65-F5344CB8AC3E}">
-        <p14:creationId xmlns:p14="http://schemas.microsoft.com/office/powerpoint/2010/main" val="3477453048"/>
+        <p14:creationId xmlns:p14="http://schemas.microsoft.com/office/powerpoint/2010/main" val="2721508595"/>
       </p:ext>
     </p:extLst>
   </p:cSld>
@@ -14032,10 +7760,10 @@
       </p:grpSpPr>
       <p:sp>
         <p:nvSpPr>
-          <p:cNvPr id="2" name="Title 1">
-            <a:extLst>
-              <a:ext uri="{FF2B5EF4-FFF2-40B4-BE49-F238E27FC236}">
-                <a16:creationId xmlns:a16="http://schemas.microsoft.com/office/drawing/2014/main" id="{DD0B6389-2374-4677-B8BB-59410CCC32FD}"/>
+          <p:cNvPr id="46" name="Title 45">
+            <a:extLst>
+              <a:ext uri="{FF2B5EF4-FFF2-40B4-BE49-F238E27FC236}">
+                <a16:creationId xmlns:a16="http://schemas.microsoft.com/office/drawing/2014/main" id="{CEB845D9-890B-484B-975B-B5F85434B469}"/>
               </a:ext>
             </a:extLst>
           </p:cNvPr>
@@ -14048,8 +7776,43 @@
         </p:nvSpPr>
         <p:spPr>
           <a:xfrm>
-            <a:off x="960120" y="317814"/>
-            <a:ext cx="10268712" cy="1700784"/>
+            <a:off x="771830" y="635000"/>
+            <a:ext cx="5171770" cy="2039374"/>
+          </a:xfrm>
+        </p:spPr>
+        <p:txBody>
+          <a:bodyPr>
+            <a:normAutofit/>
+          </a:bodyPr>
+          <a:lstStyle/>
+          <a:p>
+            <a:r>
+              <a:rPr lang="en-US" dirty="0"/>
+              <a:t>SUMMARY</a:t>
+            </a:r>
+          </a:p>
+        </p:txBody>
+      </p:sp>
+      <p:sp>
+        <p:nvSpPr>
+          <p:cNvPr id="15" name="Text Placeholder 14">
+            <a:extLst>
+              <a:ext uri="{FF2B5EF4-FFF2-40B4-BE49-F238E27FC236}">
+                <a16:creationId xmlns:a16="http://schemas.microsoft.com/office/drawing/2014/main" id="{AEFAE7A4-BFF2-4F94-9264-0C5D1205E8D4}"/>
+              </a:ext>
+            </a:extLst>
+          </p:cNvPr>
+          <p:cNvSpPr>
+            <a:spLocks noGrp="1"/>
+          </p:cNvSpPr>
+          <p:nvPr>
+            <p:ph type="body" sz="quarter" idx="18"/>
+          </p:nvPr>
+        </p:nvSpPr>
+        <p:spPr>
+          <a:xfrm>
+            <a:off x="761998" y="2911475"/>
+            <a:ext cx="4500563" cy="3311525"/>
           </a:xfrm>
         </p:spPr>
         <p:txBody>
@@ -14058,48 +7821,17 @@
           <a:p>
             <a:r>
               <a:rPr lang="en-US" dirty="0"/>
-              <a:t>Timeline</a:t>
-            </a:r>
-          </a:p>
-        </p:txBody>
-      </p:sp>
-      <p:graphicFrame>
-        <p:nvGraphicFramePr>
-          <p:cNvPr id="7" name="Content Placeholder 3" descr="Timeline graphic with a bright yellow line.">
-            <a:extLst>
-              <a:ext uri="{FF2B5EF4-FFF2-40B4-BE49-F238E27FC236}">
-                <a16:creationId xmlns:a16="http://schemas.microsoft.com/office/drawing/2014/main" id="{019F7C97-485E-462B-8322-E8086263ABBC}"/>
-              </a:ext>
-            </a:extLst>
-          </p:cNvPr>
-          <p:cNvGraphicFramePr>
-            <a:graphicFrameLocks noGrp="1"/>
-          </p:cNvGraphicFramePr>
-          <p:nvPr>
-            <p:ph idx="1"/>
-            <p:extLst>
-              <p:ext uri="{D42A27DB-BD31-4B8C-83A1-F6EECF244321}">
-                <p14:modId xmlns:p14="http://schemas.microsoft.com/office/powerpoint/2010/main" val="1974321108"/>
-              </p:ext>
-            </p:extLst>
-          </p:nvPr>
-        </p:nvGraphicFramePr>
-        <p:xfrm>
-          <a:off x="960438" y="2587625"/>
-          <a:ext cx="10267950" cy="3594100"/>
-        </p:xfrm>
-        <a:graphic>
-          <a:graphicData uri="http://schemas.openxmlformats.org/drawingml/2006/diagram">
-            <dgm:relIds xmlns:dgm="http://schemas.openxmlformats.org/drawingml/2006/diagram" xmlns:r="http://schemas.openxmlformats.org/officeDocument/2006/relationships" r:dm="rId2" r:lo="rId3" r:qs="rId4" r:cs="rId5"/>
-          </a:graphicData>
-        </a:graphic>
-      </p:graphicFrame>
-      <p:sp>
-        <p:nvSpPr>
-          <p:cNvPr id="5" name="Footer Placeholder 8">
-            <a:extLst>
-              <a:ext uri="{FF2B5EF4-FFF2-40B4-BE49-F238E27FC236}">
-                <a16:creationId xmlns:a16="http://schemas.microsoft.com/office/drawing/2014/main" id="{1245B9EE-988A-40F6-A580-1E4793EDF5E6}"/>
+              <a:t>With PowerPoint, you can create presentations and share your work with others, wherever they are. Type the text you want here to get started. You can also add images, art, and videos on this template. Save to OneDrive and access your presentations from your computer, tablet, or phone. </a:t>
+            </a:r>
+          </a:p>
+        </p:txBody>
+      </p:sp>
+      <p:sp>
+        <p:nvSpPr>
+          <p:cNvPr id="9" name="Footer Placeholder 8">
+            <a:extLst>
+              <a:ext uri="{FF2B5EF4-FFF2-40B4-BE49-F238E27FC236}">
+                <a16:creationId xmlns:a16="http://schemas.microsoft.com/office/drawing/2014/main" id="{668FD16A-CA57-4C91-BC2A-7CE71EA9B0E2}"/>
               </a:ext>
             </a:extLst>
           </p:cNvPr>
@@ -14113,7 +7845,7 @@
         <p:spPr>
           <a:xfrm>
             <a:off x="960120" y="6356350"/>
-            <a:ext cx="3236976" cy="365125"/>
+            <a:ext cx="5504688" cy="365125"/>
           </a:xfrm>
         </p:spPr>
         <p:txBody>
@@ -14127,12 +7859,148 @@
           </a:p>
         </p:txBody>
       </p:sp>
-      <p:sp>
-        <p:nvSpPr>
-          <p:cNvPr id="6" name="Slide Number Placeholder 9">
-            <a:extLst>
-              <a:ext uri="{FF2B5EF4-FFF2-40B4-BE49-F238E27FC236}">
-                <a16:creationId xmlns:a16="http://schemas.microsoft.com/office/drawing/2014/main" id="{AD7F6A06-93CD-4A18-970E-BD017374678A}"/>
+      <p:pic>
+        <p:nvPicPr>
+          <p:cNvPr id="18" name="Picture Placeholder 17" descr="A brick wall with a word painted on it">
+            <a:extLst>
+              <a:ext uri="{FF2B5EF4-FFF2-40B4-BE49-F238E27FC236}">
+                <a16:creationId xmlns:a16="http://schemas.microsoft.com/office/drawing/2014/main" id="{83E2671E-7B88-479B-B514-194EECD0CF54}"/>
+              </a:ext>
+            </a:extLst>
+          </p:cNvPr>
+          <p:cNvPicPr>
+            <a:picLocks noGrp="1" noChangeAspect="1"/>
+          </p:cNvPicPr>
+          <p:nvPr>
+            <p:ph type="pic" sz="quarter" idx="13"/>
+          </p:nvPr>
+        </p:nvPicPr>
+        <p:blipFill rotWithShape="1">
+          <a:blip r:embed="rId3" cstate="screen">
+            <a:extLst>
+              <a:ext uri="{28A0092B-C50C-407E-A947-70E740481C1C}">
+                <a14:useLocalDpi xmlns:a14="http://schemas.microsoft.com/office/drawing/2010/main" val="0"/>
+              </a:ext>
+            </a:extLst>
+          </a:blip>
+          <a:srcRect/>
+          <a:stretch/>
+        </p:blipFill>
+        <p:spPr>
+          <a:xfrm>
+            <a:off x="6742113" y="639763"/>
+            <a:ext cx="2198687" cy="2546350"/>
+          </a:xfrm>
+        </p:spPr>
+      </p:pic>
+      <p:pic>
+        <p:nvPicPr>
+          <p:cNvPr id="20" name="Picture Placeholder 19" descr="A picture containing text, building, outdoor, sky&#10;">
+            <a:extLst>
+              <a:ext uri="{FF2B5EF4-FFF2-40B4-BE49-F238E27FC236}">
+                <a16:creationId xmlns:a16="http://schemas.microsoft.com/office/drawing/2014/main" id="{B312960D-5CE9-40A8-A2A1-3992AD8F5D5C}"/>
+              </a:ext>
+            </a:extLst>
+          </p:cNvPr>
+          <p:cNvPicPr>
+            <a:picLocks noGrp="1" noChangeAspect="1"/>
+          </p:cNvPicPr>
+          <p:nvPr>
+            <p:ph type="pic" sz="quarter" idx="14"/>
+          </p:nvPr>
+        </p:nvPicPr>
+        <p:blipFill rotWithShape="1">
+          <a:blip r:embed="rId4" cstate="screen">
+            <a:extLst>
+              <a:ext uri="{28A0092B-C50C-407E-A947-70E740481C1C}">
+                <a14:useLocalDpi xmlns:a14="http://schemas.microsoft.com/office/drawing/2010/main" val="0"/>
+              </a:ext>
+            </a:extLst>
+          </a:blip>
+          <a:srcRect/>
+          <a:stretch/>
+        </p:blipFill>
+        <p:spPr>
+          <a:xfrm>
+            <a:off x="9337675" y="638175"/>
+            <a:ext cx="2198688" cy="2546350"/>
+          </a:xfrm>
+        </p:spPr>
+      </p:pic>
+      <p:pic>
+        <p:nvPicPr>
+          <p:cNvPr id="22" name="Picture Placeholder 21" descr="A picture containing building, outdoor, city, line&#10;">
+            <a:extLst>
+              <a:ext uri="{FF2B5EF4-FFF2-40B4-BE49-F238E27FC236}">
+                <a16:creationId xmlns:a16="http://schemas.microsoft.com/office/drawing/2014/main" id="{0379BD98-CFB1-4A66-AB3D-893FDA7EA953}"/>
+              </a:ext>
+            </a:extLst>
+          </p:cNvPr>
+          <p:cNvPicPr>
+            <a:picLocks noGrp="1" noChangeAspect="1"/>
+          </p:cNvPicPr>
+          <p:nvPr>
+            <p:ph type="pic" sz="quarter" idx="15"/>
+          </p:nvPr>
+        </p:nvPicPr>
+        <p:blipFill rotWithShape="1">
+          <a:blip r:embed="rId5" cstate="screen">
+            <a:extLst>
+              <a:ext uri="{28A0092B-C50C-407E-A947-70E740481C1C}">
+                <a14:useLocalDpi xmlns:a14="http://schemas.microsoft.com/office/drawing/2010/main" val="0"/>
+              </a:ext>
+            </a:extLst>
+          </a:blip>
+          <a:srcRect/>
+          <a:stretch/>
+        </p:blipFill>
+        <p:spPr>
+          <a:xfrm>
+            <a:off x="6742113" y="3668713"/>
+            <a:ext cx="2198687" cy="2554287"/>
+          </a:xfrm>
+        </p:spPr>
+      </p:pic>
+      <p:pic>
+        <p:nvPicPr>
+          <p:cNvPr id="25" name="Picture Placeholder 24" descr="A close-up of a building">
+            <a:extLst>
+              <a:ext uri="{FF2B5EF4-FFF2-40B4-BE49-F238E27FC236}">
+                <a16:creationId xmlns:a16="http://schemas.microsoft.com/office/drawing/2014/main" id="{230A2DDA-87D5-4332-BAF6-AAF79EE958FF}"/>
+              </a:ext>
+            </a:extLst>
+          </p:cNvPr>
+          <p:cNvPicPr>
+            <a:picLocks noGrp="1" noChangeAspect="1"/>
+          </p:cNvPicPr>
+          <p:nvPr>
+            <p:ph type="pic" sz="quarter" idx="16"/>
+          </p:nvPr>
+        </p:nvPicPr>
+        <p:blipFill rotWithShape="1">
+          <a:blip r:embed="rId6" cstate="screen">
+            <a:extLst>
+              <a:ext uri="{28A0092B-C50C-407E-A947-70E740481C1C}">
+                <a14:useLocalDpi xmlns:a14="http://schemas.microsoft.com/office/drawing/2010/main" val="0"/>
+              </a:ext>
+            </a:extLst>
+          </a:blip>
+          <a:srcRect/>
+          <a:stretch/>
+        </p:blipFill>
+        <p:spPr>
+          <a:xfrm>
+            <a:off x="9337675" y="3668713"/>
+            <a:ext cx="2198688" cy="2546350"/>
+          </a:xfrm>
+        </p:spPr>
+      </p:pic>
+      <p:sp>
+        <p:nvSpPr>
+          <p:cNvPr id="10" name="Slide Number Placeholder 9">
+            <a:extLst>
+              <a:ext uri="{FF2B5EF4-FFF2-40B4-BE49-F238E27FC236}">
+                <a16:creationId xmlns:a16="http://schemas.microsoft.com/office/drawing/2014/main" id="{BA3E8286-FBE7-457A-986D-0678299D2B06}"/>
               </a:ext>
             </a:extLst>
           </p:cNvPr>
@@ -14165,7 +8033,7 @@
     </p:spTree>
     <p:extLst>
       <p:ext uri="{BB962C8B-B14F-4D97-AF65-F5344CB8AC3E}">
-        <p14:creationId xmlns:p14="http://schemas.microsoft.com/office/powerpoint/2010/main" val="4167936497"/>
+        <p14:creationId xmlns:p14="http://schemas.microsoft.com/office/powerpoint/2010/main" val="1836265594"/>
       </p:ext>
     </p:extLst>
   </p:cSld>
@@ -14194,170 +8062,24 @@
       </p:grpSpPr>
       <p:sp>
         <p:nvSpPr>
-          <p:cNvPr id="2" name="Title 1">
-            <a:extLst>
-              <a:ext uri="{FF2B5EF4-FFF2-40B4-BE49-F238E27FC236}">
-                <a16:creationId xmlns:a16="http://schemas.microsoft.com/office/drawing/2014/main" id="{19256B7E-1633-44AB-8584-82DF5B726834}"/>
-              </a:ext>
-            </a:extLst>
-          </p:cNvPr>
-          <p:cNvSpPr>
-            <a:spLocks noGrp="1"/>
-          </p:cNvSpPr>
-          <p:nvPr>
-            <p:ph type="title"/>
-          </p:nvPr>
-        </p:nvSpPr>
-        <p:spPr>
-          <a:xfrm>
-            <a:off x="960120" y="317814"/>
-            <a:ext cx="10268712" cy="1700784"/>
-          </a:xfrm>
-        </p:spPr>
-        <p:txBody>
-          <a:bodyPr/>
-          <a:lstStyle/>
-          <a:p>
-            <a:r>
-              <a:rPr lang="en-US" dirty="0"/>
-              <a:t>Content</a:t>
-            </a:r>
-          </a:p>
-        </p:txBody>
-      </p:sp>
-      <p:sp>
-        <p:nvSpPr>
-          <p:cNvPr id="3" name="Text Placeholder 2">
-            <a:extLst>
-              <a:ext uri="{FF2B5EF4-FFF2-40B4-BE49-F238E27FC236}">
-                <a16:creationId xmlns:a16="http://schemas.microsoft.com/office/drawing/2014/main" id="{EFB90AB4-D228-4548-B072-726498212362}"/>
-              </a:ext>
-            </a:extLst>
-          </p:cNvPr>
-          <p:cNvSpPr>
-            <a:spLocks noGrp="1"/>
-          </p:cNvSpPr>
-          <p:nvPr>
-            <p:ph type="body" idx="1"/>
-          </p:nvPr>
-        </p:nvSpPr>
-        <p:spPr>
-          <a:xfrm>
-            <a:off x="960121" y="2587752"/>
-            <a:ext cx="4818888" cy="892048"/>
-          </a:xfrm>
-        </p:spPr>
-        <p:txBody>
-          <a:bodyPr/>
-          <a:lstStyle/>
-          <a:p>
-            <a:r>
-              <a:rPr lang="en-US" dirty="0"/>
-              <a:t>Subtitle</a:t>
-            </a:r>
-          </a:p>
-        </p:txBody>
-      </p:sp>
-      <p:sp>
-        <p:nvSpPr>
-          <p:cNvPr id="4" name="Content Placeholder 3">
-            <a:extLst>
-              <a:ext uri="{FF2B5EF4-FFF2-40B4-BE49-F238E27FC236}">
-                <a16:creationId xmlns:a16="http://schemas.microsoft.com/office/drawing/2014/main" id="{950677C9-3E42-427F-93B8-526692906471}"/>
-              </a:ext>
-            </a:extLst>
-          </p:cNvPr>
-          <p:cNvSpPr>
-            <a:spLocks noGrp="1"/>
-          </p:cNvSpPr>
-          <p:nvPr>
-            <p:ph sz="half" idx="2"/>
-          </p:nvPr>
-        </p:nvSpPr>
-        <p:spPr>
-          <a:xfrm>
-            <a:off x="960120" y="3594538"/>
-            <a:ext cx="4818888" cy="2586806"/>
-          </a:xfrm>
-        </p:spPr>
-        <p:txBody>
-          <a:bodyPr vert="horz" lIns="91440" tIns="45720" rIns="91440" bIns="45720" rtlCol="0" anchor="t">
-            <a:normAutofit/>
-          </a:bodyPr>
-          <a:lstStyle/>
-          <a:p>
-            <a:r>
-              <a:rPr lang="en-US" dirty="0"/>
-              <a:t>Add text, images, art, and videos. </a:t>
-            </a:r>
-          </a:p>
-          <a:p>
-            <a:r>
-              <a:rPr lang="en-US" dirty="0"/>
-              <a:t>Add transitions, animations, and motion. </a:t>
-            </a:r>
-          </a:p>
-          <a:p>
-            <a:r>
-              <a:rPr lang="en-US" dirty="0"/>
-              <a:t>Save to OneDrive, to get to your presentations from your computer, tablet, or phone. </a:t>
-            </a:r>
-          </a:p>
-        </p:txBody>
-      </p:sp>
-      <p:sp>
-        <p:nvSpPr>
-          <p:cNvPr id="6" name="Text Placeholder 5">
-            <a:extLst>
-              <a:ext uri="{FF2B5EF4-FFF2-40B4-BE49-F238E27FC236}">
-                <a16:creationId xmlns:a16="http://schemas.microsoft.com/office/drawing/2014/main" id="{F5018B6D-E395-49AD-92AD-AD69E3AB40C3}"/>
-              </a:ext>
-            </a:extLst>
-          </p:cNvPr>
-          <p:cNvSpPr>
-            <a:spLocks noGrp="1"/>
-          </p:cNvSpPr>
-          <p:nvPr>
-            <p:ph type="body" sz="quarter" idx="3"/>
-          </p:nvPr>
-        </p:nvSpPr>
-        <p:spPr>
-          <a:xfrm>
-            <a:off x="6409944" y="2587752"/>
-            <a:ext cx="4818888" cy="892048"/>
-          </a:xfrm>
-        </p:spPr>
-        <p:txBody>
-          <a:bodyPr/>
-          <a:lstStyle/>
-          <a:p>
-            <a:r>
-              <a:rPr lang="en-US" dirty="0"/>
-              <a:t>Subtitle</a:t>
-            </a:r>
-          </a:p>
-        </p:txBody>
-      </p:sp>
-      <p:sp>
-        <p:nvSpPr>
-          <p:cNvPr id="5" name="Content Placeholder 4">
-            <a:extLst>
-              <a:ext uri="{FF2B5EF4-FFF2-40B4-BE49-F238E27FC236}">
-                <a16:creationId xmlns:a16="http://schemas.microsoft.com/office/drawing/2014/main" id="{BDB9D020-1E25-453D-83DF-1420ACD3968D}"/>
-              </a:ext>
-            </a:extLst>
-          </p:cNvPr>
-          <p:cNvSpPr>
-            <a:spLocks noGrp="1"/>
-          </p:cNvSpPr>
-          <p:nvPr>
-            <p:ph sz="quarter" idx="4"/>
-          </p:nvPr>
-        </p:nvSpPr>
-        <p:spPr>
-          <a:xfrm>
-            <a:off x="6409944" y="3594538"/>
-            <a:ext cx="4818888" cy="2586806"/>
+          <p:cNvPr id="17" name="Content Placeholder 16">
+            <a:extLst>
+              <a:ext uri="{FF2B5EF4-FFF2-40B4-BE49-F238E27FC236}">
+                <a16:creationId xmlns:a16="http://schemas.microsoft.com/office/drawing/2014/main" id="{19606920-6D8A-4305-AB8A-83B7F93915CE}"/>
+              </a:ext>
+            </a:extLst>
+          </p:cNvPr>
+          <p:cNvSpPr>
+            <a:spLocks noGrp="1"/>
+          </p:cNvSpPr>
+          <p:nvPr>
+            <p:ph idx="1"/>
+          </p:nvPr>
+        </p:nvSpPr>
+        <p:spPr>
+          <a:xfrm>
+            <a:off x="4547779" y="5355583"/>
+            <a:ext cx="2270162" cy="577153"/>
           </a:xfrm>
         </p:spPr>
         <p:txBody>
@@ -14367,24 +8089,73 @@
           <a:lstStyle/>
           <a:p>
             <a:r>
+              <a:rPr lang="en-US" dirty="0" err="1"/>
+              <a:t>McPuddock</a:t>
+            </a:r>
+            <a:r>
               <a:rPr lang="en-US" dirty="0"/>
-              <a:t>Open the Design Ideas pane for instant slide makeovers. </a:t>
-            </a:r>
-          </a:p>
+              <a:t> Development</a:t>
+            </a:r>
+          </a:p>
+        </p:txBody>
+      </p:sp>
+      <p:sp>
+        <p:nvSpPr>
+          <p:cNvPr id="13" name="Content Placeholder 12">
+            <a:extLst>
+              <a:ext uri="{FF2B5EF4-FFF2-40B4-BE49-F238E27FC236}">
+                <a16:creationId xmlns:a16="http://schemas.microsoft.com/office/drawing/2014/main" id="{27C60074-2066-4765-88F0-BC4B57CC1F9D}"/>
+              </a:ext>
+            </a:extLst>
+          </p:cNvPr>
+          <p:cNvSpPr>
+            <a:spLocks noGrp="1"/>
+          </p:cNvSpPr>
+          <p:nvPr>
+            <p:ph idx="16"/>
+          </p:nvPr>
+        </p:nvSpPr>
+        <p:spPr>
+          <a:xfrm>
+            <a:off x="6984436" y="5355583"/>
+            <a:ext cx="5059175" cy="577153"/>
+          </a:xfrm>
+        </p:spPr>
+        <p:txBody>
+          <a:bodyPr>
+            <a:normAutofit/>
+          </a:bodyPr>
+          <a:lstStyle/>
           <a:p>
             <a:r>
               <a:rPr lang="en-US" dirty="0"/>
-              <a:t>When we have design ideas, we’ll show them to you right there. </a:t>
-            </a:r>
-          </a:p>
-        </p:txBody>
-      </p:sp>
-      <p:sp>
-        <p:nvSpPr>
-          <p:cNvPr id="8" name="Footer Placeholder 8">
-            <a:extLst>
-              <a:ext uri="{FF2B5EF4-FFF2-40B4-BE49-F238E27FC236}">
-                <a16:creationId xmlns:a16="http://schemas.microsoft.com/office/drawing/2014/main" id="{B67120C1-6A9D-44FA-9A16-F092E488175C}"/>
+              <a:t>https://</a:t>
+            </a:r>
+            <a:r>
+              <a:rPr lang="en-US" dirty="0" err="1"/>
+              <a:t>github.com</a:t>
+            </a:r>
+            <a:r>
+              <a:rPr lang="en-US" dirty="0"/>
+              <a:t>/</a:t>
+            </a:r>
+            <a:r>
+              <a:rPr lang="en-US" dirty="0" err="1"/>
+              <a:t>clararingrose</a:t>
+            </a:r>
+            <a:r>
+              <a:rPr lang="en-US" dirty="0"/>
+              <a:t>/rguhack2024</a:t>
+            </a:r>
+          </a:p>
+        </p:txBody>
+      </p:sp>
+      <p:sp>
+        <p:nvSpPr>
+          <p:cNvPr id="9" name="Footer Placeholder 8">
+            <a:extLst>
+              <a:ext uri="{FF2B5EF4-FFF2-40B4-BE49-F238E27FC236}">
+                <a16:creationId xmlns:a16="http://schemas.microsoft.com/office/drawing/2014/main" id="{E499FA5D-C267-460D-ACB2-5253424F4931}"/>
               </a:ext>
             </a:extLst>
           </p:cNvPr>
@@ -14398,7 +8169,7 @@
         <p:spPr>
           <a:xfrm>
             <a:off x="960120" y="6356350"/>
-            <a:ext cx="3593407" cy="365125"/>
+            <a:ext cx="3405051" cy="365125"/>
           </a:xfrm>
         </p:spPr>
         <p:txBody>
@@ -14414,10 +8185,10 @@
       </p:sp>
       <p:sp>
         <p:nvSpPr>
-          <p:cNvPr id="9" name="Slide Number Placeholder 9">
-            <a:extLst>
-              <a:ext uri="{FF2B5EF4-FFF2-40B4-BE49-F238E27FC236}">
-                <a16:creationId xmlns:a16="http://schemas.microsoft.com/office/drawing/2014/main" id="{CC302B43-8755-4B25-A036-68EFC8791204}"/>
+          <p:cNvPr id="10" name="Slide Number Placeholder 9">
+            <a:extLst>
+              <a:ext uri="{FF2B5EF4-FFF2-40B4-BE49-F238E27FC236}">
+                <a16:creationId xmlns:a16="http://schemas.microsoft.com/office/drawing/2014/main" id="{F024E6B4-6182-4098-B9C0-B254AD638287}"/>
               </a:ext>
             </a:extLst>
           </p:cNvPr>
@@ -14447,10 +8218,74 @@
           </a:p>
         </p:txBody>
       </p:sp>
+      <p:pic>
+        <p:nvPicPr>
+          <p:cNvPr id="5" name="Picture Placeholder 4" descr="A frog statue in water&#10;&#10;Description automatically generated">
+            <a:extLst>
+              <a:ext uri="{FF2B5EF4-FFF2-40B4-BE49-F238E27FC236}">
+                <a16:creationId xmlns:a16="http://schemas.microsoft.com/office/drawing/2014/main" id="{0315B1B8-0FC9-DFFF-9413-E902F215D4FB}"/>
+              </a:ext>
+            </a:extLst>
+          </p:cNvPr>
+          <p:cNvPicPr>
+            <a:picLocks noGrp="1" noChangeAspect="1"/>
+          </p:cNvPicPr>
+          <p:nvPr>
+            <p:ph type="pic" sz="quarter" idx="15"/>
+          </p:nvPr>
+        </p:nvPicPr>
+        <p:blipFill>
+          <a:blip r:embed="rId3"/>
+          <a:srcRect l="11475" r="11475"/>
+          <a:stretch>
+            <a:fillRect/>
+          </a:stretch>
+        </p:blipFill>
+        <p:spPr/>
+      </p:pic>
+      <p:sp>
+        <p:nvSpPr>
+          <p:cNvPr id="3" name="TextBox 2">
+            <a:extLst>
+              <a:ext uri="{FF2B5EF4-FFF2-40B4-BE49-F238E27FC236}">
+                <a16:creationId xmlns:a16="http://schemas.microsoft.com/office/drawing/2014/main" id="{17F69C53-44E5-74B7-11B8-CCFA18AED9BD}"/>
+              </a:ext>
+            </a:extLst>
+          </p:cNvPr>
+          <p:cNvSpPr txBox="1"/>
+          <p:nvPr/>
+        </p:nvSpPr>
+        <p:spPr>
+          <a:xfrm>
+            <a:off x="4547779" y="2235288"/>
+            <a:ext cx="7495832" cy="1938992"/>
+          </a:xfrm>
+          <a:prstGeom prst="rect">
+            <a:avLst/>
+          </a:prstGeom>
+          <a:noFill/>
+        </p:spPr>
+        <p:txBody>
+          <a:bodyPr wrap="square" rtlCol="0">
+            <a:spAutoFit/>
+          </a:bodyPr>
+          <a:lstStyle/>
+          <a:p>
+            <a:r>
+              <a:rPr lang="en-GB" sz="4000" dirty="0">
+                <a:solidFill>
+                  <a:schemeClr val="bg1"/>
+                </a:solidFill>
+              </a:rPr>
+              <a:t>An intuitive and innovative design to help navigate Aberdeen’s Duthie Park</a:t>
+            </a:r>
+          </a:p>
+        </p:txBody>
+      </p:sp>
     </p:spTree>
     <p:extLst>
       <p:ext uri="{BB962C8B-B14F-4D97-AF65-F5344CB8AC3E}">
-        <p14:creationId xmlns:p14="http://schemas.microsoft.com/office/powerpoint/2010/main" val="2563119616"/>
+        <p14:creationId xmlns:p14="http://schemas.microsoft.com/office/powerpoint/2010/main" val="2452352329"/>
       </p:ext>
     </p:extLst>
   </p:cSld>
@@ -15252,34 +9087,6 @@
 </file>
 
 <file path=customXml/item1.xml><?xml version="1.0" encoding="utf-8"?>
-<?mso-contentType ?>
-<FormTemplates xmlns="http://schemas.microsoft.com/sharepoint/v3/contenttype/forms">
-  <Display>DocumentLibraryForm</Display>
-  <Edit>DocumentLibraryForm</Edit>
-  <New>DocumentLibraryForm</New>
-</FormTemplates>
-</file>
-
-<file path=customXml/item2.xml><?xml version="1.0" encoding="utf-8"?>
-<p:properties xmlns:p="http://schemas.microsoft.com/office/2006/metadata/properties" xmlns:xsi="http://www.w3.org/2001/XMLSchema-instance" xmlns:pc="http://schemas.microsoft.com/office/infopath/2007/PartnerControls">
-  <documentManagement>
-    <Status xmlns="71af3243-3dd4-4a8d-8c0d-dd76da1f02a5">Not started</Status>
-    <_ip_UnifiedCompliancePolicyUIAction xmlns="http://schemas.microsoft.com/sharepoint/v3" xsi:nil="true"/>
-    <Image xmlns="71af3243-3dd4-4a8d-8c0d-dd76da1f02a5">
-      <Url xsi:nil="true"/>
-      <Description xsi:nil="true"/>
-    </Image>
-    <_ip_UnifiedCompliancePolicyProperties xmlns="http://schemas.microsoft.com/sharepoint/v3" xsi:nil="true"/>
-    <ImageTagsTaxHTField xmlns="71af3243-3dd4-4a8d-8c0d-dd76da1f02a5">
-      <Terms xmlns="http://schemas.microsoft.com/office/infopath/2007/PartnerControls"/>
-    </ImageTagsTaxHTField>
-    <TaxCatchAll xmlns="230e9df3-be65-4c73-a93b-d1236ebd677e"/>
-    <MediaServiceKeyPoints xmlns="71af3243-3dd4-4a8d-8c0d-dd76da1f02a5" xsi:nil="true"/>
-  </documentManagement>
-</p:properties>
-</file>
-
-<file path=customXml/item3.xml><?xml version="1.0" encoding="utf-8"?>
 <ct:contentTypeSchema xmlns:ct="http://schemas.microsoft.com/office/2006/metadata/contentType" xmlns:ma="http://schemas.microsoft.com/office/2006/metadata/properties/metaAttributes" ct:_="" ma:_="" ma:contentTypeName="Document" ma:contentTypeID="0x01010079F111ED35F8CC479449609E8A0923A6" ma:contentTypeVersion="20" ma:contentTypeDescription="Create a new document." ma:contentTypeScope="" ma:versionID="1267097ee5f5874adfcc408041ae252e">
   <xsd:schema xmlns:xsd="http://www.w3.org/2001/XMLSchema" xmlns:xs="http://www.w3.org/2001/XMLSchema" xmlns:p="http://schemas.microsoft.com/office/2006/metadata/properties" xmlns:ns1="http://schemas.microsoft.com/sharepoint/v3" xmlns:ns2="71af3243-3dd4-4a8d-8c0d-dd76da1f02a5" xmlns:ns3="16c05727-aa75-4e4a-9b5f-8a80a1165891" xmlns:ns4="230e9df3-be65-4c73-a93b-d1236ebd677e" targetNamespace="http://schemas.microsoft.com/office/2006/metadata/properties" ma:root="true" ma:fieldsID="395891a93df65b14727750f2c06c306c" ns1:_="" ns2:_="" ns3:_="" ns4:_="">
     <xsd:import namespace="http://schemas.microsoft.com/sharepoint/v3"/>
@@ -15555,27 +9362,35 @@
 </ct:contentTypeSchema>
 </file>
 
-<file path=customXml/itemProps1.xml><?xml version="1.0" encoding="utf-8"?>
-<ds:datastoreItem xmlns:ds="http://schemas.openxmlformats.org/officeDocument/2006/customXml" ds:itemID="{D6DA60BD-0042-4722-B671-D551884D1EED}">
-  <ds:schemaRefs>
-    <ds:schemaRef ds:uri="http://schemas.microsoft.com/sharepoint/v3/contenttype/forms"/>
-  </ds:schemaRefs>
-</ds:datastoreItem>
+<file path=customXml/item2.xml><?xml version="1.0" encoding="utf-8"?>
+<p:properties xmlns:p="http://schemas.microsoft.com/office/2006/metadata/properties" xmlns:xsi="http://www.w3.org/2001/XMLSchema-instance" xmlns:pc="http://schemas.microsoft.com/office/infopath/2007/PartnerControls">
+  <documentManagement>
+    <Status xmlns="71af3243-3dd4-4a8d-8c0d-dd76da1f02a5">Not started</Status>
+    <_ip_UnifiedCompliancePolicyUIAction xmlns="http://schemas.microsoft.com/sharepoint/v3" xsi:nil="true"/>
+    <Image xmlns="71af3243-3dd4-4a8d-8c0d-dd76da1f02a5">
+      <Url xsi:nil="true"/>
+      <Description xsi:nil="true"/>
+    </Image>
+    <_ip_UnifiedCompliancePolicyProperties xmlns="http://schemas.microsoft.com/sharepoint/v3" xsi:nil="true"/>
+    <ImageTagsTaxHTField xmlns="71af3243-3dd4-4a8d-8c0d-dd76da1f02a5">
+      <Terms xmlns="http://schemas.microsoft.com/office/infopath/2007/PartnerControls"/>
+    </ImageTagsTaxHTField>
+    <TaxCatchAll xmlns="230e9df3-be65-4c73-a93b-d1236ebd677e"/>
+    <MediaServiceKeyPoints xmlns="71af3243-3dd4-4a8d-8c0d-dd76da1f02a5" xsi:nil="true"/>
+  </documentManagement>
+</p:properties>
 </file>
 
-<file path=customXml/itemProps2.xml><?xml version="1.0" encoding="utf-8"?>
-<ds:datastoreItem xmlns:ds="http://schemas.openxmlformats.org/officeDocument/2006/customXml" ds:itemID="{AC069F72-2015-4FB6-9588-A49CB14BDC12}">
-  <ds:schemaRefs>
-    <ds:schemaRef ds:uri="http://schemas.microsoft.com/office/2006/metadata/properties"/>
-    <ds:schemaRef ds:uri="http://schemas.microsoft.com/office/infopath/2007/PartnerControls"/>
-    <ds:schemaRef ds:uri="71af3243-3dd4-4a8d-8c0d-dd76da1f02a5"/>
-    <ds:schemaRef ds:uri="http://schemas.microsoft.com/sharepoint/v3"/>
-    <ds:schemaRef ds:uri="230e9df3-be65-4c73-a93b-d1236ebd677e"/>
-  </ds:schemaRefs>
-</ds:datastoreItem>
+<file path=customXml/item3.xml><?xml version="1.0" encoding="utf-8"?>
+<?mso-contentType ?>
+<FormTemplates xmlns="http://schemas.microsoft.com/sharepoint/v3/contenttype/forms">
+  <Display>DocumentLibraryForm</Display>
+  <Edit>DocumentLibraryForm</Edit>
+  <New>DocumentLibraryForm</New>
+</FormTemplates>
 </file>
 
-<file path=customXml/itemProps3.xml><?xml version="1.0" encoding="utf-8"?>
+<file path=customXml/itemProps1.xml><?xml version="1.0" encoding="utf-8"?>
 <ds:datastoreItem xmlns:ds="http://schemas.openxmlformats.org/officeDocument/2006/customXml" ds:itemID="{FD85BFFF-2B6E-4D20-8938-61E36B8CFE89}">
   <ds:schemaRefs>
     <ds:schemaRef ds:uri="http://schemas.microsoft.com/office/2006/metadata/contentType"/>
@@ -15594,4 +9409,24 @@
     <ds:schemaRef ds:uri="http://schemas.microsoft.com/internal/obd"/>
   </ds:schemaRefs>
 </ds:datastoreItem>
+</file>
+
+<file path=customXml/itemProps2.xml><?xml version="1.0" encoding="utf-8"?>
+<ds:datastoreItem xmlns:ds="http://schemas.openxmlformats.org/officeDocument/2006/customXml" ds:itemID="{AC069F72-2015-4FB6-9588-A49CB14BDC12}">
+  <ds:schemaRefs>
+    <ds:schemaRef ds:uri="http://schemas.microsoft.com/office/2006/metadata/properties"/>
+    <ds:schemaRef ds:uri="http://schemas.microsoft.com/office/infopath/2007/PartnerControls"/>
+    <ds:schemaRef ds:uri="71af3243-3dd4-4a8d-8c0d-dd76da1f02a5"/>
+    <ds:schemaRef ds:uri="http://schemas.microsoft.com/sharepoint/v3"/>
+    <ds:schemaRef ds:uri="230e9df3-be65-4c73-a93b-d1236ebd677e"/>
+  </ds:schemaRefs>
+</ds:datastoreItem>
+</file>
+
+<file path=customXml/itemProps3.xml><?xml version="1.0" encoding="utf-8"?>
+<ds:datastoreItem xmlns:ds="http://schemas.openxmlformats.org/officeDocument/2006/customXml" ds:itemID="{D6DA60BD-0042-4722-B671-D551884D1EED}">
+  <ds:schemaRefs>
+    <ds:schemaRef ds:uri="http://schemas.microsoft.com/sharepoint/v3/contenttype/forms"/>
+  </ds:schemaRefs>
+</ds:datastoreItem>
 </file>